--- a/Presentation/CS286 - Ensemble Classifier on AWS.pptx
+++ b/Presentation/CS286 - Ensemble Classifier on AWS.pptx
@@ -3964,9 +3964,6 @@
               </a:rPr>
               <a:t>If you need to do the system administration yourself, do not despair as you learn a lot of new (and unexpected) things along the way.</a:t>
             </a:r>
-            <a:endParaRPr lang="en-US" dirty="0" smtClean="0">
-              <a:latin typeface="+mj-lt"/>
-            </a:endParaRPr>
           </a:p>
         </p:txBody>
       </p:sp>
@@ -4250,9 +4247,6 @@
               </a:rPr>
               <a:t>-FS, and you probably do not realize what you take for granted.</a:t>
             </a:r>
-            <a:endParaRPr lang="en-US" dirty="0" smtClean="0">
-              <a:latin typeface="+mj-lt"/>
-            </a:endParaRPr>
           </a:p>
         </p:txBody>
       </p:sp>
@@ -5256,13 +5250,7 @@
               <a:rPr lang="en-US" sz="3600" dirty="0" smtClean="0">
                 <a:latin typeface="+mj-lt"/>
               </a:rPr>
-              <a:t>Project </a:t>
-            </a:r>
-            <a:r>
-              <a:rPr lang="en-US" sz="3600" dirty="0" smtClean="0">
-                <a:latin typeface="+mj-lt"/>
-              </a:rPr>
-              <a:t>Overview</a:t>
+              <a:t>Project Overview</a:t>
             </a:r>
             <a:endParaRPr lang="en-US" sz="3600" dirty="0">
               <a:latin typeface="+mj-lt"/>
@@ -5296,13 +5284,7 @@
               <a:rPr lang="en-US" sz="2800" b="1" dirty="0" err="1" smtClean="0">
                 <a:latin typeface="+mj-lt"/>
               </a:rPr>
-              <a:t>Kagg</a:t>
-            </a:r>
-            <a:r>
-              <a:rPr lang="en-US" sz="2800" b="1" dirty="0" err="1" smtClean="0">
-                <a:latin typeface="+mj-lt"/>
-              </a:rPr>
-              <a:t>le</a:t>
+              <a:t>Kaggle</a:t>
             </a:r>
             <a:r>
               <a:rPr lang="en-US" sz="2800" b="1" dirty="0" smtClean="0">
@@ -5351,9 +5333,6 @@
               </a:rPr>
               <a:t>Develop a faster, Hadoop-based version of the original classifier and deploy it to Amazon AWS.</a:t>
             </a:r>
-            <a:endParaRPr lang="en-US" sz="2800" dirty="0" smtClean="0">
-              <a:latin typeface="+mj-lt"/>
-            </a:endParaRPr>
           </a:p>
         </p:txBody>
       </p:sp>
@@ -6316,7 +6295,13 @@
               <a:rPr lang="en-US" dirty="0" smtClean="0">
                 <a:latin typeface="+mj-lt"/>
               </a:rPr>
-              <a:t>Naïve Bayes</a:t>
+              <a:t>Bernoulli Naïve </a:t>
+            </a:r>
+            <a:r>
+              <a:rPr lang="en-US" dirty="0" smtClean="0">
+                <a:latin typeface="+mj-lt"/>
+              </a:rPr>
+              <a:t>Bayes</a:t>
             </a:r>
             <a:endParaRPr lang="en-US" dirty="0">
               <a:latin typeface="+mj-lt"/>
@@ -6566,7 +6551,13 @@
               <a:rPr lang="en-US" dirty="0" smtClean="0">
                 <a:latin typeface="+mj-lt"/>
               </a:rPr>
-              <a:t>K-Nearest Neighbors</a:t>
+              <a:t>K-Nearest </a:t>
+            </a:r>
+            <a:r>
+              <a:rPr lang="en-US" dirty="0" smtClean="0">
+                <a:latin typeface="+mj-lt"/>
+              </a:rPr>
+              <a:t>Neighbors (KNN)</a:t>
             </a:r>
             <a:endParaRPr lang="en-US" dirty="0">
               <a:latin typeface="+mj-lt"/>
@@ -6637,7 +6628,7 @@
                   <m:oMath xmlns:m="http://schemas.openxmlformats.org/officeDocument/2006/math">
                     <m:r>
                       <a:rPr lang="en-US" b="0" i="1" smtClean="0">
-                        <a:latin typeface="+mj-lt"/>
+                        <a:latin typeface="Cambria Math"/>
                       </a:rPr>
                       <m:t>𝑂</m:t>
                     </m:r>
@@ -6645,14 +6636,14 @@
                       <m:dPr>
                         <m:ctrlPr>
                           <a:rPr lang="en-US" b="0" i="1" smtClean="0">
-                            <a:latin typeface="+mj-lt"/>
+                            <a:latin typeface="Cambria Math"/>
                           </a:rPr>
                         </m:ctrlPr>
                       </m:dPr>
                       <m:e>
                         <m:r>
                           <a:rPr lang="en-US" b="0" i="1" smtClean="0">
-                            <a:latin typeface="+mj-lt"/>
+                            <a:latin typeface="Cambria Math"/>
                           </a:rPr>
                           <m:t>𝑁</m:t>
                         </m:r>
@@ -6670,7 +6661,7 @@
                   <m:oMath xmlns:m="http://schemas.openxmlformats.org/officeDocument/2006/math">
                     <m:r>
                       <a:rPr lang="en-US" b="0" i="1" smtClean="0">
-                        <a:latin typeface="+mj-lt"/>
+                        <a:latin typeface="Cambria Math"/>
                       </a:rPr>
                       <m:t>𝑁</m:t>
                     </m:r>
@@ -6732,7 +6723,7 @@
                   <a:t>To simplify code design and testing, we used the </a:t>
                 </a:r>
                 <a:r>
-                  <a:rPr lang="en-US" i="1" dirty="0" smtClean="0">
+                  <a:rPr lang="en-US" b="1" i="1" dirty="0" smtClean="0">
                     <a:solidFill>
                       <a:srgbClr val="008000"/>
                     </a:solidFill>
@@ -6741,7 +6732,7 @@
                   <a:t>strategy pattern</a:t>
                 </a:r>
                 <a:r>
-                  <a:rPr lang="en-US" dirty="0" smtClean="0">
+                  <a:rPr lang="en-US" b="1" dirty="0" smtClean="0">
                     <a:solidFill>
                       <a:srgbClr val="008000"/>
                     </a:solidFill>

--- a/Presentation/CS286 - Ensemble Classifier on AWS.pptx
+++ b/Presentation/CS286 - Ensemble Classifier on AWS.pptx
@@ -1141,7 +1141,7 @@
         <p:spPr bwMode="auto">
           <a:xfrm>
             <a:off x="0" y="-1588"/>
-            <a:ext cx="9144000" cy="6858001"/>
+            <a:ext cx="9144000" cy="6859588"/>
           </a:xfrm>
           <a:prstGeom prst="rect">
             <a:avLst/>
@@ -1390,7 +1390,13 @@
           <a:bodyPr>
             <a:normAutofit/>
           </a:bodyPr>
-          <a:lstStyle/>
+          <a:lstStyle>
+            <a:lvl1pPr>
+              <a:defRPr>
+                <a:latin typeface="+mj-lt"/>
+              </a:defRPr>
+            </a:lvl1pPr>
+          </a:lstStyle>
           <a:p>
             <a:r>
               <a:rPr lang="en-US" dirty="0" smtClean="0"/>
@@ -1415,7 +1421,33 @@
           <a:bodyPr>
             <a:normAutofit/>
           </a:bodyPr>
-          <a:lstStyle/>
+          <a:lstStyle>
+            <a:lvl1pPr>
+              <a:defRPr>
+                <a:latin typeface="+mn-lt"/>
+              </a:defRPr>
+            </a:lvl1pPr>
+            <a:lvl2pPr>
+              <a:defRPr>
+                <a:latin typeface="+mn-lt"/>
+              </a:defRPr>
+            </a:lvl2pPr>
+            <a:lvl3pPr>
+              <a:defRPr>
+                <a:latin typeface="+mn-lt"/>
+              </a:defRPr>
+            </a:lvl3pPr>
+            <a:lvl4pPr>
+              <a:defRPr>
+                <a:latin typeface="+mn-lt"/>
+              </a:defRPr>
+            </a:lvl4pPr>
+            <a:lvl5pPr>
+              <a:defRPr>
+                <a:latin typeface="+mn-lt"/>
+              </a:defRPr>
+            </a:lvl5pPr>
+          </a:lstStyle>
           <a:p>
             <a:pPr lvl="0"/>
             <a:r>
@@ -2341,7 +2373,7 @@
           <a:solidFill>
             <a:schemeClr val="tx1"/>
           </a:solidFill>
-          <a:latin typeface="Palatino Linotype" panose="02040502050505030304" pitchFamily="18" charset="0"/>
+          <a:latin typeface="+mj-lt"/>
           <a:ea typeface="+mj-ea"/>
           <a:cs typeface="+mj-cs"/>
         </a:defRPr>
@@ -2473,7 +2505,7 @@
           <a:solidFill>
             <a:schemeClr val="tx1"/>
           </a:solidFill>
-          <a:latin typeface="Palatino Linotype" panose="02040502050505030304" pitchFamily="18" charset="0"/>
+          <a:latin typeface="+mn-lt"/>
           <a:ea typeface="+mn-ea"/>
           <a:cs typeface="+mn-cs"/>
         </a:defRPr>
@@ -2491,7 +2523,7 @@
           <a:solidFill>
             <a:schemeClr val="tx1"/>
           </a:solidFill>
-          <a:latin typeface="Palatino Linotype" panose="02040502050505030304" pitchFamily="18" charset="0"/>
+          <a:latin typeface="+mn-lt"/>
         </a:defRPr>
       </a:lvl2pPr>
       <a:lvl3pPr marL="1143000" indent="-228600" algn="l" defTabSz="457200" rtl="0" eaLnBrk="0" fontAlgn="base" hangingPunct="0">
@@ -2507,7 +2539,7 @@
           <a:solidFill>
             <a:schemeClr val="tx1"/>
           </a:solidFill>
-          <a:latin typeface="Palatino Linotype" panose="02040502050505030304" pitchFamily="18" charset="0"/>
+          <a:latin typeface="+mn-lt"/>
         </a:defRPr>
       </a:lvl3pPr>
       <a:lvl4pPr marL="1600200" indent="-228600" algn="l" defTabSz="457200" rtl="0" eaLnBrk="0" fontAlgn="base" hangingPunct="0">
@@ -2523,7 +2555,7 @@
           <a:solidFill>
             <a:schemeClr val="tx1"/>
           </a:solidFill>
-          <a:latin typeface="Palatino Linotype" panose="02040502050505030304" pitchFamily="18" charset="0"/>
+          <a:latin typeface="+mn-lt"/>
         </a:defRPr>
       </a:lvl4pPr>
       <a:lvl5pPr marL="2057400" indent="-228600" algn="l" defTabSz="457200" rtl="0" eaLnBrk="0" fontAlgn="base" hangingPunct="0">
@@ -2539,7 +2571,7 @@
           <a:solidFill>
             <a:schemeClr val="tx1"/>
           </a:solidFill>
-          <a:latin typeface="Palatino Linotype" panose="02040502050505030304" pitchFamily="18" charset="0"/>
+          <a:latin typeface="+mn-lt"/>
         </a:defRPr>
       </a:lvl5pPr>
       <a:lvl6pPr marL="2514600" indent="-228600" algn="l" defTabSz="457200" rtl="0" fontAlgn="base">
@@ -4589,7 +4621,7 @@
         <p:spPr/>
         <p:txBody>
           <a:bodyPr>
-            <a:normAutofit/>
+            <a:normAutofit fontScale="92500" lnSpcReduction="10000"/>
           </a:bodyPr>
           <a:lstStyle/>
           <a:p>
@@ -4622,7 +4654,13 @@
               <a:rPr lang="en-US" sz="1800" dirty="0" smtClean="0">
                 <a:latin typeface="+mj-lt"/>
               </a:rPr>
-              <a:t>Oct-2015].</a:t>
+              <a:t>2015</a:t>
+            </a:r>
+            <a:r>
+              <a:rPr lang="en-US" sz="1800" dirty="0" smtClean="0">
+                <a:latin typeface="+mj-lt"/>
+              </a:rPr>
+              <a:t>].</a:t>
             </a:r>
           </a:p>
           <a:p>
@@ -4672,7 +4710,13 @@
               <a:rPr lang="en-US" sz="1800" dirty="0">
                 <a:latin typeface="+mj-lt"/>
               </a:rPr>
-              <a:t>. [Accessed: Nov-2015</a:t>
+              <a:t>. [Accessed: </a:t>
+            </a:r>
+            <a:r>
+              <a:rPr lang="en-US" sz="1800" dirty="0" smtClean="0">
+                <a:latin typeface="+mj-lt"/>
+              </a:rPr>
+              <a:t>2015</a:t>
             </a:r>
             <a:r>
               <a:rPr lang="en-US" sz="1800" dirty="0" smtClean="0">
@@ -4697,13 +4741,25 @@
               <a:rPr lang="en-US" sz="1800" i="1" dirty="0">
                 <a:latin typeface="+mj-lt"/>
               </a:rPr>
-              <a:t>Introduction to data mining</a:t>
+              <a:t>Introduction to </a:t>
+            </a:r>
+            <a:r>
+              <a:rPr lang="en-US" sz="1800" i="1" dirty="0" smtClean="0">
+                <a:latin typeface="+mj-lt"/>
+              </a:rPr>
+              <a:t>Data Mining</a:t>
             </a:r>
             <a:r>
               <a:rPr lang="en-US" sz="1800" dirty="0">
                 <a:latin typeface="+mj-lt"/>
               </a:rPr>
-              <a:t>. Boston: Pearson Addison Wesley, 2005.</a:t>
+              <a:t>. Boston: Pearson Addison Wesley, 2005</a:t>
+            </a:r>
+            <a:r>
+              <a:rPr lang="en-US" sz="1800" dirty="0" smtClean="0">
+                <a:latin typeface="+mj-lt"/>
+              </a:rPr>
+              <a:t>.</a:t>
             </a:r>
           </a:p>
           <a:p>
@@ -4712,9 +4768,236 @@
             </a:endParaRPr>
           </a:p>
           <a:p>
+            <a:r>
+              <a:rPr lang="en-US" sz="1800" dirty="0">
+                <a:latin typeface="+mj-lt"/>
+              </a:rPr>
+              <a:t>“google-</a:t>
+            </a:r>
+            <a:r>
+              <a:rPr lang="en-US" sz="1800" dirty="0" err="1">
+                <a:latin typeface="+mj-lt"/>
+              </a:rPr>
+              <a:t>gson</a:t>
+            </a:r>
+            <a:r>
+              <a:rPr lang="en-US" sz="1800" dirty="0">
+                <a:latin typeface="+mj-lt"/>
+              </a:rPr>
+              <a:t>,” </a:t>
+            </a:r>
+            <a:r>
+              <a:rPr lang="en-US" sz="1800" i="1" dirty="0">
+                <a:latin typeface="+mj-lt"/>
+              </a:rPr>
+              <a:t>GitHub</a:t>
+            </a:r>
+            <a:r>
+              <a:rPr lang="en-US" sz="1800" dirty="0">
+                <a:latin typeface="+mj-lt"/>
+              </a:rPr>
+              <a:t>. [Online]. </a:t>
+            </a:r>
+            <a:r>
+              <a:rPr lang="en-US" sz="1800" dirty="0">
+                <a:latin typeface="+mj-lt"/>
+              </a:rPr>
+              <a:t>Available at: </a:t>
+            </a:r>
+            <a:r>
+              <a:rPr lang="en-US" sz="1800" dirty="0">
+                <a:latin typeface="+mj-lt"/>
+                <a:hlinkClick r:id="rId4"/>
+              </a:rPr>
+              <a:t>https://</a:t>
+            </a:r>
+            <a:r>
+              <a:rPr lang="en-US" sz="1800" dirty="0" smtClean="0">
+                <a:latin typeface="+mj-lt"/>
+                <a:hlinkClick r:id="rId4"/>
+              </a:rPr>
+              <a:t>github.com/google/gson</a:t>
+            </a:r>
+            <a:r>
+              <a:rPr lang="en-US" sz="1800" dirty="0" smtClean="0">
+                <a:latin typeface="+mj-lt"/>
+              </a:rPr>
+              <a:t>. </a:t>
+            </a:r>
+            <a:r>
+              <a:rPr lang="en-US" sz="1800" dirty="0">
+                <a:latin typeface="+mj-lt"/>
+              </a:rPr>
+              <a:t>[Accessed: 2015</a:t>
+            </a:r>
+            <a:r>
+              <a:rPr lang="en-US" sz="1800" dirty="0" smtClean="0">
+                <a:latin typeface="+mj-lt"/>
+              </a:rPr>
+              <a:t>].</a:t>
+            </a:r>
+          </a:p>
+          <a:p>
             <a:endParaRPr lang="en-US" sz="1800" dirty="0">
               <a:latin typeface="+mj-lt"/>
             </a:endParaRPr>
+          </a:p>
+          <a:p>
+            <a:r>
+              <a:rPr lang="en-US" sz="1800" dirty="0">
+                <a:latin typeface="+mj-lt"/>
+              </a:rPr>
+              <a:t>W. </a:t>
+            </a:r>
+            <a:r>
+              <a:rPr lang="en-US" sz="1800" dirty="0" err="1">
+                <a:latin typeface="+mj-lt"/>
+              </a:rPr>
+              <a:t>Ochandarena</a:t>
+            </a:r>
+            <a:r>
+              <a:rPr lang="en-US" sz="1800" dirty="0">
+                <a:latin typeface="+mj-lt"/>
+              </a:rPr>
+              <a:t>, “Spinning Up a Hadoop Cluster in the Cloud | </a:t>
+            </a:r>
+            <a:r>
+              <a:rPr lang="en-US" sz="1800" dirty="0" err="1">
+                <a:latin typeface="+mj-lt"/>
+              </a:rPr>
+              <a:t>MapR</a:t>
+            </a:r>
+            <a:r>
+              <a:rPr lang="en-US" sz="1800" dirty="0" smtClean="0">
+                <a:latin typeface="+mj-lt"/>
+              </a:rPr>
+              <a:t>,” </a:t>
+            </a:r>
+            <a:r>
+              <a:rPr lang="en-US" sz="1800" i="1" dirty="0" err="1" smtClean="0">
+                <a:latin typeface="+mj-lt"/>
+              </a:rPr>
+              <a:t>MapR</a:t>
+            </a:r>
+            <a:r>
+              <a:rPr lang="en-US" sz="1800" i="1" dirty="0" smtClean="0">
+                <a:latin typeface="+mj-lt"/>
+              </a:rPr>
+              <a:t> </a:t>
+            </a:r>
+            <a:r>
+              <a:rPr lang="en-US" sz="1800" i="1" dirty="0">
+                <a:latin typeface="+mj-lt"/>
+              </a:rPr>
+              <a:t>Blog</a:t>
+            </a:r>
+            <a:r>
+              <a:rPr lang="en-US" sz="1800" dirty="0">
+                <a:latin typeface="+mj-lt"/>
+              </a:rPr>
+              <a:t>. </a:t>
+            </a:r>
+            <a:r>
+              <a:rPr lang="en-US" sz="1800" dirty="0">
+                <a:latin typeface="+mj-lt"/>
+              </a:rPr>
+              <a:t>[Online]. </a:t>
+            </a:r>
+            <a:r>
+              <a:rPr lang="en-US" sz="1800" dirty="0">
+                <a:latin typeface="+mj-lt"/>
+              </a:rPr>
+              <a:t>Available at: </a:t>
+            </a:r>
+            <a:r>
+              <a:rPr lang="en-US" sz="1800" dirty="0">
+                <a:latin typeface="+mj-lt"/>
+                <a:hlinkClick r:id="rId5"/>
+              </a:rPr>
+              <a:t>https://</a:t>
+            </a:r>
+            <a:r>
+              <a:rPr lang="en-US" sz="1800" dirty="0" smtClean="0">
+                <a:latin typeface="+mj-lt"/>
+                <a:hlinkClick r:id="rId5"/>
+              </a:rPr>
+              <a:t>www.mapr.com/blog/spinning-hadoop-cluster-cloud</a:t>
+            </a:r>
+            <a:r>
+              <a:rPr lang="en-US" sz="1800" dirty="0" smtClean="0">
+                <a:latin typeface="+mj-lt"/>
+              </a:rPr>
+              <a:t>. </a:t>
+            </a:r>
+            <a:r>
+              <a:rPr lang="en-US" sz="1800" dirty="0">
+                <a:latin typeface="+mj-lt"/>
+              </a:rPr>
+              <a:t>[Accessed: 2015</a:t>
+            </a:r>
+            <a:r>
+              <a:rPr lang="en-US" sz="1800" dirty="0" smtClean="0">
+                <a:latin typeface="+mj-lt"/>
+              </a:rPr>
+              <a:t>].</a:t>
+            </a:r>
+          </a:p>
+          <a:p>
+            <a:endParaRPr lang="en-US" sz="1800" dirty="0">
+              <a:latin typeface="+mj-lt"/>
+            </a:endParaRPr>
+          </a:p>
+          <a:p>
+            <a:r>
+              <a:rPr lang="en-US" sz="1800" dirty="0">
+                <a:latin typeface="+mj-lt"/>
+              </a:rPr>
+              <a:t>“Maven in 5 Minutes,” </a:t>
+            </a:r>
+            <a:r>
+              <a:rPr lang="en-US" sz="1800" i="1" dirty="0">
+                <a:latin typeface="+mj-lt"/>
+              </a:rPr>
+              <a:t>Apache Maven Project</a:t>
+            </a:r>
+            <a:r>
+              <a:rPr lang="en-US" sz="1800" dirty="0">
+                <a:latin typeface="+mj-lt"/>
+              </a:rPr>
+              <a:t>. [Online]. </a:t>
+            </a:r>
+            <a:r>
+              <a:rPr lang="en-US" sz="1800" dirty="0">
+                <a:latin typeface="+mj-lt"/>
+              </a:rPr>
+              <a:t>Available at: </a:t>
+            </a:r>
+            <a:r>
+              <a:rPr lang="en-US" sz="1800" dirty="0">
+                <a:latin typeface="+mj-lt"/>
+                <a:hlinkClick r:id="rId6"/>
+              </a:rPr>
+              <a:t>https://</a:t>
+            </a:r>
+            <a:r>
+              <a:rPr lang="en-US" sz="1800" dirty="0" smtClean="0">
+                <a:latin typeface="+mj-lt"/>
+                <a:hlinkClick r:id="rId6"/>
+              </a:rPr>
+              <a:t>maven.apache.org/guides/getting-started/maven-in-five-minutes.html</a:t>
+            </a:r>
+            <a:r>
+              <a:rPr lang="en-US" sz="1800" dirty="0" smtClean="0">
+                <a:latin typeface="+mj-lt"/>
+              </a:rPr>
+              <a:t>. </a:t>
+            </a:r>
+            <a:r>
+              <a:rPr lang="en-US" sz="1800" dirty="0">
+                <a:latin typeface="+mj-lt"/>
+              </a:rPr>
+              <a:t>[Accessed: 2015].</a:t>
+            </a:r>
           </a:p>
         </p:txBody>
       </p:sp>
@@ -4968,8 +5251,17 @@
               <a:rPr lang="en-US" sz="2000" dirty="0" smtClean="0">
                 <a:latin typeface="+mj-lt"/>
               </a:rPr>
-              <a:t>Zayd Hammoudeh</a:t>
-            </a:r>
+              <a:t>Zayd </a:t>
+            </a:r>
+            <a:r>
+              <a:rPr lang="en-US" sz="2000" dirty="0" smtClean="0">
+                <a:latin typeface="+mj-lt"/>
+              </a:rPr>
+              <a:t>Hammoudeh, Shubhangi Rakhonde</a:t>
+            </a:r>
+            <a:endParaRPr lang="en-US" sz="2000" dirty="0" smtClean="0">
+              <a:latin typeface="+mj-lt"/>
+            </a:endParaRPr>
           </a:p>
           <a:p>
             <a:endParaRPr lang="en-US" sz="2000" dirty="0">
@@ -5639,9 +5931,50 @@
           </a:p>
         </p:txBody>
       </p:sp>
+      <p:sp>
+        <p:nvSpPr>
+          <p:cNvPr id="5" name="TextBox 4"/>
+          <p:cNvSpPr txBox="1"/>
+          <p:nvPr/>
+        </p:nvSpPr>
+        <p:spPr>
+          <a:xfrm>
+            <a:off x="1171575" y="6416159"/>
+            <a:ext cx="6816290" cy="369332"/>
+          </a:xfrm>
+          <a:prstGeom prst="rect">
+            <a:avLst/>
+          </a:prstGeom>
+          <a:noFill/>
+        </p:spPr>
+        <p:txBody>
+          <a:bodyPr wrap="none" rtlCol="0">
+            <a:spAutoFit/>
+          </a:bodyPr>
+          <a:lstStyle/>
+          <a:p>
+            <a:pPr algn="ctr"/>
+            <a:r>
+              <a:rPr lang="en-US" dirty="0" smtClean="0">
+                <a:latin typeface="Palatino Linotype" panose="02040502050505030304" pitchFamily="18" charset="0"/>
+              </a:rPr>
+              <a:t>Note: </a:t>
+            </a:r>
+            <a:r>
+              <a:rPr lang="en-US" b="0" dirty="0" smtClean="0">
+                <a:latin typeface="Palatino Linotype" panose="02040502050505030304" pitchFamily="18" charset="0"/>
+              </a:rPr>
+              <a:t>KNN approaches #1 and #2 use different distance metrics</a:t>
+            </a:r>
+            <a:endParaRPr lang="en-US" b="0" dirty="0">
+              <a:latin typeface="Palatino Linotype" panose="02040502050505030304" pitchFamily="18" charset="0"/>
+            </a:endParaRPr>
+          </a:p>
+        </p:txBody>
+      </p:sp>
       <p:pic>
         <p:nvPicPr>
-          <p:cNvPr id="2050" name="Picture 2"/>
+          <p:cNvPr id="1026" name="Picture 2"/>
           <p:cNvPicPr>
             <a:picLocks noChangeAspect="1" noChangeArrowheads="1"/>
           </p:cNvPicPr>
@@ -5662,8 +5995,8 @@
         </p:blipFill>
         <p:spPr bwMode="auto">
           <a:xfrm>
-            <a:off x="152401" y="1263229"/>
-            <a:ext cx="8877300" cy="4575595"/>
+            <a:off x="47626" y="1514476"/>
+            <a:ext cx="9072644" cy="4048124"/>
           </a:xfrm>
           <a:prstGeom prst="rect">
             <a:avLst/>
@@ -5693,47 +6026,6 @@
           </a:extLst>
         </p:spPr>
       </p:pic>
-      <p:sp>
-        <p:nvSpPr>
-          <p:cNvPr id="5" name="TextBox 4"/>
-          <p:cNvSpPr txBox="1"/>
-          <p:nvPr/>
-        </p:nvSpPr>
-        <p:spPr>
-          <a:xfrm>
-            <a:off x="1171575" y="6416159"/>
-            <a:ext cx="6816290" cy="369332"/>
-          </a:xfrm>
-          <a:prstGeom prst="rect">
-            <a:avLst/>
-          </a:prstGeom>
-          <a:noFill/>
-        </p:spPr>
-        <p:txBody>
-          <a:bodyPr wrap="none" rtlCol="0">
-            <a:spAutoFit/>
-          </a:bodyPr>
-          <a:lstStyle/>
-          <a:p>
-            <a:pPr algn="ctr"/>
-            <a:r>
-              <a:rPr lang="en-US" dirty="0" smtClean="0">
-                <a:latin typeface="Palatino Linotype" panose="02040502050505030304" pitchFamily="18" charset="0"/>
-              </a:rPr>
-              <a:t>Note: </a:t>
-            </a:r>
-            <a:r>
-              <a:rPr lang="en-US" b="0" dirty="0" smtClean="0">
-                <a:latin typeface="Palatino Linotype" panose="02040502050505030304" pitchFamily="18" charset="0"/>
-              </a:rPr>
-              <a:t>KNN approaches #1 and #2 use different distance metrics</a:t>
-            </a:r>
-            <a:endParaRPr lang="en-US" b="0" dirty="0">
-              <a:latin typeface="Palatino Linotype" panose="02040502050505030304" pitchFamily="18" charset="0"/>
-            </a:endParaRPr>
-          </a:p>
-        </p:txBody>
-      </p:sp>
     </p:spTree>
     <p:extLst>
       <p:ext uri="{BB962C8B-B14F-4D97-AF65-F5344CB8AC3E}">
@@ -5835,9 +6127,50 @@
           </a:p>
         </p:txBody>
       </p:sp>
+      <p:sp>
+        <p:nvSpPr>
+          <p:cNvPr id="7" name="TextBox 6"/>
+          <p:cNvSpPr txBox="1"/>
+          <p:nvPr/>
+        </p:nvSpPr>
+        <p:spPr>
+          <a:xfrm>
+            <a:off x="1171575" y="6416159"/>
+            <a:ext cx="6816290" cy="369332"/>
+          </a:xfrm>
+          <a:prstGeom prst="rect">
+            <a:avLst/>
+          </a:prstGeom>
+          <a:noFill/>
+        </p:spPr>
+        <p:txBody>
+          <a:bodyPr wrap="none" rtlCol="0">
+            <a:spAutoFit/>
+          </a:bodyPr>
+          <a:lstStyle/>
+          <a:p>
+            <a:pPr algn="ctr"/>
+            <a:r>
+              <a:rPr lang="en-US" dirty="0" smtClean="0">
+                <a:latin typeface="Palatino Linotype" panose="02040502050505030304" pitchFamily="18" charset="0"/>
+              </a:rPr>
+              <a:t>Note: </a:t>
+            </a:r>
+            <a:r>
+              <a:rPr lang="en-US" b="0" dirty="0" smtClean="0">
+                <a:latin typeface="Palatino Linotype" panose="02040502050505030304" pitchFamily="18" charset="0"/>
+              </a:rPr>
+              <a:t>KNN approaches #1 and #2 use different distance metrics</a:t>
+            </a:r>
+            <a:endParaRPr lang="en-US" b="0" dirty="0">
+              <a:latin typeface="Palatino Linotype" panose="02040502050505030304" pitchFamily="18" charset="0"/>
+            </a:endParaRPr>
+          </a:p>
+        </p:txBody>
+      </p:sp>
       <p:pic>
         <p:nvPicPr>
-          <p:cNvPr id="1026" name="Picture 2"/>
+          <p:cNvPr id="2050" name="Picture 2"/>
           <p:cNvPicPr>
             <a:picLocks noGrp="1" noChangeAspect="1" noChangeArrowheads="1"/>
           </p:cNvPicPr>
@@ -5860,8 +6193,8 @@
         </p:blipFill>
         <p:spPr bwMode="auto">
           <a:xfrm>
-            <a:off x="80924" y="1358900"/>
-            <a:ext cx="8973680" cy="4375150"/>
+            <a:off x="9526" y="1524001"/>
+            <a:ext cx="9051168" cy="3848100"/>
           </a:xfrm>
           <a:prstGeom prst="rect">
             <a:avLst/>
@@ -5891,47 +6224,6 @@
           </a:extLst>
         </p:spPr>
       </p:pic>
-      <p:sp>
-        <p:nvSpPr>
-          <p:cNvPr id="7" name="TextBox 6"/>
-          <p:cNvSpPr txBox="1"/>
-          <p:nvPr/>
-        </p:nvSpPr>
-        <p:spPr>
-          <a:xfrm>
-            <a:off x="1171575" y="6416159"/>
-            <a:ext cx="6816290" cy="369332"/>
-          </a:xfrm>
-          <a:prstGeom prst="rect">
-            <a:avLst/>
-          </a:prstGeom>
-          <a:noFill/>
-        </p:spPr>
-        <p:txBody>
-          <a:bodyPr wrap="none" rtlCol="0">
-            <a:spAutoFit/>
-          </a:bodyPr>
-          <a:lstStyle/>
-          <a:p>
-            <a:pPr algn="ctr"/>
-            <a:r>
-              <a:rPr lang="en-US" dirty="0" smtClean="0">
-                <a:latin typeface="Palatino Linotype" panose="02040502050505030304" pitchFamily="18" charset="0"/>
-              </a:rPr>
-              <a:t>Note: </a:t>
-            </a:r>
-            <a:r>
-              <a:rPr lang="en-US" b="0" dirty="0" smtClean="0">
-                <a:latin typeface="Palatino Linotype" panose="02040502050505030304" pitchFamily="18" charset="0"/>
-              </a:rPr>
-              <a:t>KNN approaches #1 and #2 use different distance metrics</a:t>
-            </a:r>
-            <a:endParaRPr lang="en-US" b="0" dirty="0">
-              <a:latin typeface="Palatino Linotype" panose="02040502050505030304" pitchFamily="18" charset="0"/>
-            </a:endParaRPr>
-          </a:p>
-        </p:txBody>
-      </p:sp>
     </p:spTree>
     <p:extLst>
       <p:ext uri="{BB962C8B-B14F-4D97-AF65-F5344CB8AC3E}">
@@ -6024,8 +6316,17 @@
               <a:rPr lang="en-US" dirty="0" smtClean="0">
                 <a:latin typeface="+mj-lt"/>
               </a:rPr>
-              <a:t>Implemented in standard Java</a:t>
-            </a:r>
+              <a:t>Implemented in standard </a:t>
+            </a:r>
+            <a:r>
+              <a:rPr lang="en-US" dirty="0" smtClean="0">
+                <a:latin typeface="+mj-lt"/>
+              </a:rPr>
+              <a:t>Java with the GSON library and Maven</a:t>
+            </a:r>
+            <a:endParaRPr lang="en-US" dirty="0" smtClean="0">
+              <a:latin typeface="+mj-lt"/>
+            </a:endParaRPr>
           </a:p>
           <a:p>
             <a:pPr>
@@ -6295,13 +6596,13 @@
               <a:rPr lang="en-US" dirty="0" smtClean="0">
                 <a:latin typeface="+mj-lt"/>
               </a:rPr>
-              <a:t>Bernoulli Naïve </a:t>
+              <a:t>Multinomial &amp; Bernoulli </a:t>
             </a:r>
             <a:r>
               <a:rPr lang="en-US" dirty="0" smtClean="0">
                 <a:latin typeface="+mj-lt"/>
               </a:rPr>
-              <a:t>Bayes</a:t>
+              <a:t>Naïve Bayes</a:t>
             </a:r>
             <a:endParaRPr lang="en-US" dirty="0">
               <a:latin typeface="+mj-lt"/>
@@ -6322,7 +6623,7 @@
         <p:spPr/>
         <p:txBody>
           <a:bodyPr>
-            <a:normAutofit lnSpcReduction="10000"/>
+            <a:normAutofit fontScale="92500" lnSpcReduction="20000"/>
           </a:bodyPr>
           <a:lstStyle/>
           <a:p>
@@ -6335,8 +6636,17 @@
               <a:rPr lang="en-US" dirty="0" smtClean="0">
                 <a:latin typeface="+mj-lt"/>
               </a:rPr>
-              <a:t>Implemented in MapReduce</a:t>
-            </a:r>
+              <a:t>Implemented in </a:t>
+            </a:r>
+            <a:r>
+              <a:rPr lang="en-US" dirty="0" smtClean="0">
+                <a:latin typeface="+mj-lt"/>
+              </a:rPr>
+              <a:t>standard MapReduce</a:t>
+            </a:r>
+            <a:endParaRPr lang="en-US" dirty="0" smtClean="0">
+              <a:latin typeface="+mj-lt"/>
+            </a:endParaRPr>
           </a:p>
           <a:p>
             <a:pPr>
@@ -6358,7 +6668,13 @@
               <a:rPr lang="en-US" dirty="0" smtClean="0">
                 <a:latin typeface="+mj-lt"/>
               </a:rPr>
-              <a:t>Calculates the prior probability of each ingredient for each cuisine type using the input training set.</a:t>
+              <a:t>Calculates </a:t>
+            </a:r>
+            <a:r>
+              <a:rPr lang="en-US" dirty="0" smtClean="0">
+                <a:latin typeface="+mj-lt"/>
+              </a:rPr>
+              <a:t>the prior probability of each ingredient for each cuisine type using the input training set.</a:t>
             </a:r>
           </a:p>
           <a:p>
@@ -6381,7 +6697,13 @@
               <a:rPr lang="en-US" dirty="0" smtClean="0">
                 <a:latin typeface="+mj-lt"/>
               </a:rPr>
-              <a:t>Calculates the class probability of each record in the testing set.  Returns each record’s class probability to the ensemble classifier.</a:t>
+              <a:t>Calculates the class probability of each record in the testing set.  Returns each record’s class probability to the ensemble classifier</a:t>
+            </a:r>
+            <a:r>
+              <a:rPr lang="en-US" dirty="0" smtClean="0">
+                <a:latin typeface="+mj-lt"/>
+              </a:rPr>
+              <a:t>.</a:t>
             </a:r>
           </a:p>
           <a:p>
@@ -6389,6 +6711,54 @@
               <a:lnSpc>
                 <a:spcPct val="110000"/>
               </a:lnSpc>
+            </a:pPr>
+            <a:endParaRPr lang="en-US" dirty="0">
+              <a:latin typeface="+mj-lt"/>
+            </a:endParaRPr>
+          </a:p>
+          <a:p>
+            <a:pPr lvl="1">
+              <a:lnSpc>
+                <a:spcPct val="110000"/>
+              </a:lnSpc>
+            </a:pPr>
+            <a:r>
+              <a:rPr lang="en-US" dirty="0">
+                <a:latin typeface="+mn-lt"/>
+              </a:rPr>
+              <a:t>To simplify code design and testing, we used the </a:t>
+            </a:r>
+            <a:r>
+              <a:rPr lang="en-US" b="1" i="1" dirty="0">
+                <a:solidFill>
+                  <a:srgbClr val="008000"/>
+                </a:solidFill>
+                <a:latin typeface="+mn-lt"/>
+              </a:rPr>
+              <a:t>strategy pattern</a:t>
+            </a:r>
+            <a:r>
+              <a:rPr lang="en-US" b="1" dirty="0">
+                <a:solidFill>
+                  <a:srgbClr val="008000"/>
+                </a:solidFill>
+                <a:latin typeface="+mn-lt"/>
+              </a:rPr>
+              <a:t> </a:t>
+            </a:r>
+            <a:r>
+              <a:rPr lang="en-US" dirty="0">
+                <a:latin typeface="+mn-lt"/>
+              </a:rPr>
+              <a:t>for calculating the distance.</a:t>
+            </a:r>
+          </a:p>
+          <a:p>
+            <a:pPr marL="0" indent="0">
+              <a:lnSpc>
+                <a:spcPct val="110000"/>
+              </a:lnSpc>
+              <a:buNone/>
             </a:pPr>
             <a:endParaRPr lang="en-US" dirty="0">
               <a:latin typeface="+mj-lt"/>
@@ -6551,13 +6921,7 @@
               <a:rPr lang="en-US" dirty="0" smtClean="0">
                 <a:latin typeface="+mj-lt"/>
               </a:rPr>
-              <a:t>K-Nearest </a:t>
-            </a:r>
-            <a:r>
-              <a:rPr lang="en-US" dirty="0" smtClean="0">
-                <a:latin typeface="+mj-lt"/>
-              </a:rPr>
-              <a:t>Neighbors (KNN)</a:t>
+              <a:t>K-Nearest Neighbors (KNN)</a:t>
             </a:r>
             <a:endParaRPr lang="en-US" dirty="0">
               <a:latin typeface="+mj-lt"/>
@@ -6580,7 +6944,7 @@
             <p:spPr/>
             <p:txBody>
               <a:bodyPr>
-                <a:normAutofit fontScale="92500"/>
+                <a:normAutofit lnSpcReduction="10000"/>
               </a:bodyPr>
               <a:lstStyle/>
               <a:p>
@@ -6720,31 +7084,22 @@
                   <a:rPr lang="en-US" dirty="0" smtClean="0">
                     <a:latin typeface="+mj-lt"/>
                   </a:rPr>
-                  <a:t>To simplify code design and testing, we used the </a:t>
+                  <a:t>Also uses the </a:t>
                 </a:r>
                 <a:r>
-                  <a:rPr lang="en-US" b="1" i="1" dirty="0" smtClean="0">
+                  <a:rPr lang="en-US" sz="2000" b="1" i="1" dirty="0">
                     <a:solidFill>
                       <a:srgbClr val="008000"/>
                     </a:solidFill>
-                    <a:latin typeface="+mj-lt"/>
+                    <a:latin typeface="+mn-lt"/>
                   </a:rPr>
-                  <a:t>strategy pattern</a:t>
-                </a:r>
-                <a:r>
-                  <a:rPr lang="en-US" b="1" dirty="0" smtClean="0">
-                    <a:solidFill>
-                      <a:srgbClr val="008000"/>
-                    </a:solidFill>
-                    <a:latin typeface="+mj-lt"/>
-                  </a:rPr>
-                  <a:t> </a:t>
+                  <a:t>strategy pattern </a:t>
                 </a:r>
                 <a:r>
                   <a:rPr lang="en-US" dirty="0" smtClean="0">
                     <a:latin typeface="+mj-lt"/>
                   </a:rPr>
-                  <a:t>for calculating the distance.</a:t>
+                  <a:t>to specify the distance metric.</a:t>
                 </a:r>
                 <a:endParaRPr lang="en-US" b="0" dirty="0" smtClean="0">
                   <a:latin typeface="+mj-lt"/>
@@ -6799,7 +7154,7 @@
               <a:blipFill rotWithShape="1">
                 <a:blip r:embed="rId2"/>
                 <a:stretch>
-                  <a:fillRect l="-815" t="-474"/>
+                  <a:fillRect l="-963" t="-949" r="-1111"/>
                 </a:stretch>
               </a:blipFill>
             </p:spPr>

--- a/Presentation/CS286 - Ensemble Classifier on AWS.pptx
+++ b/Presentation/CS286 - Ensemble Classifier on AWS.pptx
@@ -1030,10 +1030,7 @@
           <a:bodyPr/>
           <a:lstStyle/>
           <a:p>
-            <a:r>
-              <a:rPr lang="en-US" smtClean="0"/>
-              <a:t>Tree can be very large</a:t>
-            </a:r>
+            <a:endParaRPr lang="en-US" dirty="0" smtClean="0"/>
           </a:p>
         </p:txBody>
       </p:sp>
@@ -4366,12 +4363,7 @@
             <p:ph type="title"/>
           </p:nvPr>
         </p:nvSpPr>
-        <p:spPr>
-          <a:xfrm>
-            <a:off x="2152650" y="85147"/>
-            <a:ext cx="6838950" cy="550863"/>
-          </a:xfrm>
-        </p:spPr>
+        <p:spPr/>
         <p:txBody>
           <a:bodyPr>
             <a:noAutofit/>
@@ -4411,79 +4403,135 @@
             <a:spLocks noGrp="1"/>
           </p:cNvSpPr>
           <p:nvPr>
-            <p:ph idx="1"/>
+            <p:ph sz="half" idx="1"/>
           </p:nvPr>
         </p:nvSpPr>
         <p:spPr>
           <a:xfrm>
-            <a:off x="457200" y="989013"/>
-            <a:ext cx="8186738" cy="5404167"/>
+            <a:off x="73890" y="1081373"/>
+            <a:ext cx="4608945" cy="5135562"/>
           </a:xfrm>
           <a:noFill/>
         </p:spPr>
         <p:txBody>
           <a:bodyPr>
-            <a:normAutofit/>
+            <a:normAutofit fontScale="70000" lnSpcReduction="20000"/>
           </a:bodyPr>
           <a:lstStyle/>
           <a:p>
+            <a:pPr>
+              <a:lnSpc>
+                <a:spcPct val="120000"/>
+              </a:lnSpc>
+            </a:pPr>
             <a:r>
               <a:rPr lang="en-US" dirty="0" smtClean="0">
                 <a:latin typeface="+mj-lt"/>
               </a:rPr>
-              <a:t>While we covered custom MapReduce configurations in class, we did not use them in our assignments.</a:t>
-            </a:r>
-          </a:p>
-          <a:p>
+              <a:t>In our class lab exercises, we did not have to use custom MapReduce configurations.</a:t>
+            </a:r>
+            <a:endParaRPr lang="en-US" dirty="0" smtClean="0">
+              <a:latin typeface="+mj-lt"/>
+            </a:endParaRPr>
+          </a:p>
+          <a:p>
+            <a:pPr>
+              <a:lnSpc>
+                <a:spcPct val="120000"/>
+              </a:lnSpc>
+            </a:pPr>
             <a:endParaRPr lang="en-US" dirty="0">
               <a:latin typeface="+mj-lt"/>
             </a:endParaRPr>
           </a:p>
           <a:p>
+            <a:pPr>
+              <a:lnSpc>
+                <a:spcPct val="120000"/>
+              </a:lnSpc>
+            </a:pPr>
             <a:r>
               <a:rPr lang="en-US" dirty="0" smtClean="0">
                 <a:latin typeface="+mj-lt"/>
               </a:rPr>
-              <a:t>Custom MapReduce configurations through XML or </a:t>
-            </a:r>
-            <a:r>
-              <a:rPr lang="en-US" dirty="0" err="1" smtClean="0">
-                <a:latin typeface="+mj-lt"/>
-              </a:rPr>
-              <a:t>Oozie</a:t>
+              <a:t>Custom MapReduce </a:t>
             </a:r>
             <a:r>
               <a:rPr lang="en-US" dirty="0" smtClean="0">
                 <a:latin typeface="+mj-lt"/>
               </a:rPr>
-              <a:t> are very powerful.  Specific uses of them in our project include:</a:t>
-            </a:r>
-          </a:p>
-          <a:p>
-            <a:pPr lvl="1"/>
+              <a:t>are </a:t>
+            </a:r>
             <a:r>
               <a:rPr lang="en-US" dirty="0" smtClean="0">
                 <a:latin typeface="+mj-lt"/>
               </a:rPr>
-              <a:t>Passing the location of a training set file</a:t>
-            </a:r>
-          </a:p>
-          <a:p>
-            <a:pPr lvl="1"/>
+              <a:t>very powerful.  Specific uses of them in our project include:</a:t>
+            </a:r>
+          </a:p>
+          <a:p>
+            <a:pPr lvl="1">
+              <a:lnSpc>
+                <a:spcPct val="120000"/>
+              </a:lnSpc>
+            </a:pPr>
             <a:r>
               <a:rPr lang="en-US" dirty="0" smtClean="0">
                 <a:latin typeface="+mj-lt"/>
               </a:rPr>
+              <a:t>Passing the </a:t>
+            </a:r>
+            <a:r>
+              <a:rPr lang="en-US" dirty="0" smtClean="0">
+                <a:latin typeface="+mj-lt"/>
+              </a:rPr>
+              <a:t>training </a:t>
+            </a:r>
+            <a:r>
+              <a:rPr lang="en-US" dirty="0" smtClean="0">
+                <a:latin typeface="+mj-lt"/>
+              </a:rPr>
+              <a:t>set </a:t>
+            </a:r>
+            <a:r>
+              <a:rPr lang="en-US" dirty="0" smtClean="0">
+                <a:latin typeface="+mj-lt"/>
+              </a:rPr>
+              <a:t>file location</a:t>
+            </a:r>
+            <a:endParaRPr lang="en-US" dirty="0" smtClean="0">
+              <a:latin typeface="+mj-lt"/>
+            </a:endParaRPr>
+          </a:p>
+          <a:p>
+            <a:pPr lvl="1">
+              <a:lnSpc>
+                <a:spcPct val="120000"/>
+              </a:lnSpc>
+            </a:pPr>
+            <a:r>
+              <a:rPr lang="en-US" dirty="0" smtClean="0">
+                <a:latin typeface="+mj-lt"/>
+              </a:rPr>
               <a:t>Strategy pattern selection of distance metric for KNN</a:t>
             </a:r>
           </a:p>
           <a:p>
-            <a:pPr lvl="1"/>
+            <a:pPr lvl="1">
+              <a:lnSpc>
+                <a:spcPct val="120000"/>
+              </a:lnSpc>
+            </a:pPr>
             <a:endParaRPr lang="en-US" dirty="0">
               <a:latin typeface="+mj-lt"/>
             </a:endParaRPr>
           </a:p>
           <a:p>
+            <a:pPr>
+              <a:lnSpc>
+                <a:spcPct val="120000"/>
+              </a:lnSpc>
+            </a:pPr>
             <a:r>
               <a:rPr lang="en-US" b="1" dirty="0" smtClean="0">
                 <a:solidFill>
@@ -4495,13 +4543,223 @@
             </a:r>
           </a:p>
           <a:p>
-            <a:pPr lvl="1"/>
+            <a:pPr lvl="1">
+              <a:lnSpc>
+                <a:spcPct val="120000"/>
+              </a:lnSpc>
+            </a:pPr>
             <a:r>
               <a:rPr lang="en-US" dirty="0" smtClean="0">
                 <a:latin typeface="+mj-lt"/>
               </a:rPr>
-              <a:t>It is important to learn how to use this powerful tool as it makes passing custom information to your MapReduce job very easy. </a:t>
-            </a:r>
+              <a:t>Custom configurations can streamline implementation schemes and enable significant flexibility.</a:t>
+            </a:r>
+            <a:endParaRPr lang="en-US" dirty="0" smtClean="0">
+              <a:latin typeface="+mj-lt"/>
+            </a:endParaRPr>
+          </a:p>
+        </p:txBody>
+      </p:sp>
+      <p:sp>
+        <p:nvSpPr>
+          <p:cNvPr id="5" name="Content Placeholder 4"/>
+          <p:cNvSpPr>
+            <a:spLocks noGrp="1"/>
+          </p:cNvSpPr>
+          <p:nvPr>
+            <p:ph sz="half" idx="2"/>
+          </p:nvPr>
+        </p:nvSpPr>
+        <p:spPr>
+          <a:xfrm>
+            <a:off x="4999183" y="1857230"/>
+            <a:ext cx="4038600" cy="2807132"/>
+          </a:xfrm>
+          <a:solidFill>
+            <a:schemeClr val="bg1"/>
+          </a:solidFill>
+          <a:ln w="25400">
+            <a:solidFill>
+              <a:srgbClr val="008000"/>
+            </a:solidFill>
+          </a:ln>
+        </p:spPr>
+        <p:txBody>
+          <a:bodyPr/>
+          <a:lstStyle/>
+          <a:p>
+            <a:pPr marL="0" indent="0">
+              <a:buNone/>
+              <a:tabLst>
+                <a:tab pos="461963" algn="l"/>
+              </a:tabLst>
+            </a:pPr>
+            <a:r>
+              <a:rPr lang="en-US" sz="1600" b="1" dirty="0" smtClean="0">
+                <a:latin typeface="Palatino Linotype" panose="02040502050505030304" pitchFamily="18" charset="0"/>
+              </a:rPr>
+              <a:t>&lt;property&gt;</a:t>
+            </a:r>
+          </a:p>
+          <a:p>
+            <a:pPr marL="0" indent="0">
+              <a:buNone/>
+              <a:tabLst>
+                <a:tab pos="461963" algn="l"/>
+              </a:tabLst>
+            </a:pPr>
+            <a:r>
+              <a:rPr lang="en-US" sz="1600" b="1" dirty="0" smtClean="0">
+                <a:latin typeface="Palatino Linotype" panose="02040502050505030304" pitchFamily="18" charset="0"/>
+              </a:rPr>
+              <a:t>	&lt;name&gt;</a:t>
+            </a:r>
+            <a:r>
+              <a:rPr lang="en-US" sz="1600" b="1" dirty="0" err="1" smtClean="0">
+                <a:latin typeface="Palatino Linotype" panose="02040502050505030304" pitchFamily="18" charset="0"/>
+              </a:rPr>
+              <a:t>trainingFile</a:t>
+            </a:r>
+            <a:r>
+              <a:rPr lang="en-US" sz="1600" b="1" dirty="0" smtClean="0">
+                <a:latin typeface="Palatino Linotype" panose="02040502050505030304" pitchFamily="18" charset="0"/>
+              </a:rPr>
+              <a:t>&lt;/name&gt;</a:t>
+            </a:r>
+          </a:p>
+          <a:p>
+            <a:pPr marL="0" indent="0">
+              <a:buNone/>
+              <a:tabLst>
+                <a:tab pos="461963" algn="l"/>
+              </a:tabLst>
+            </a:pPr>
+            <a:r>
+              <a:rPr lang="en-US" sz="1600" b="1" dirty="0" smtClean="0">
+                <a:latin typeface="Palatino Linotype" panose="02040502050505030304" pitchFamily="18" charset="0"/>
+              </a:rPr>
+              <a:t>	&lt;value&gt;${</a:t>
+            </a:r>
+            <a:r>
+              <a:rPr lang="en-US" sz="1600" b="1" dirty="0" err="1" smtClean="0">
+                <a:latin typeface="Palatino Linotype" panose="02040502050505030304" pitchFamily="18" charset="0"/>
+              </a:rPr>
+              <a:t>trainingSetFile</a:t>
+            </a:r>
+            <a:r>
+              <a:rPr lang="en-US" sz="1600" b="1" dirty="0" smtClean="0">
+                <a:latin typeface="Palatino Linotype" panose="02040502050505030304" pitchFamily="18" charset="0"/>
+              </a:rPr>
+              <a:t>}&lt;/value&gt;</a:t>
+            </a:r>
+          </a:p>
+          <a:p>
+            <a:pPr marL="0" indent="0">
+              <a:buNone/>
+              <a:tabLst>
+                <a:tab pos="461963" algn="l"/>
+              </a:tabLst>
+            </a:pPr>
+            <a:r>
+              <a:rPr lang="en-US" sz="1600" b="1" dirty="0" smtClean="0">
+                <a:latin typeface="Palatino Linotype" panose="02040502050505030304" pitchFamily="18" charset="0"/>
+              </a:rPr>
+              <a:t>&lt;/property&gt;</a:t>
+            </a:r>
+          </a:p>
+          <a:p>
+            <a:pPr marL="0" indent="0">
+              <a:buNone/>
+              <a:tabLst>
+                <a:tab pos="461963" algn="l"/>
+              </a:tabLst>
+            </a:pPr>
+            <a:endParaRPr lang="en-US" sz="1600" b="1" dirty="0" smtClean="0">
+              <a:latin typeface="Palatino Linotype" panose="02040502050505030304" pitchFamily="18" charset="0"/>
+            </a:endParaRPr>
+          </a:p>
+          <a:p>
+            <a:pPr marL="0" indent="0">
+              <a:buNone/>
+              <a:tabLst>
+                <a:tab pos="461963" algn="l"/>
+              </a:tabLst>
+            </a:pPr>
+            <a:r>
+              <a:rPr lang="en-US" sz="1600" b="1" dirty="0" smtClean="0">
+                <a:latin typeface="Palatino Linotype" panose="02040502050505030304" pitchFamily="18" charset="0"/>
+              </a:rPr>
+              <a:t>&lt;property&gt;</a:t>
+            </a:r>
+          </a:p>
+          <a:p>
+            <a:pPr marL="0" indent="0">
+              <a:buNone/>
+              <a:tabLst>
+                <a:tab pos="461963" algn="l"/>
+              </a:tabLst>
+            </a:pPr>
+            <a:r>
+              <a:rPr lang="en-US" sz="1600" b="1" dirty="0" smtClean="0">
+                <a:latin typeface="Palatino Linotype" panose="02040502050505030304" pitchFamily="18" charset="0"/>
+              </a:rPr>
+              <a:t>	&lt;name&gt;</a:t>
+            </a:r>
+            <a:r>
+              <a:rPr lang="en-US" sz="1600" b="1" dirty="0" err="1" smtClean="0">
+                <a:latin typeface="Palatino Linotype" panose="02040502050505030304" pitchFamily="18" charset="0"/>
+              </a:rPr>
+              <a:t>NaiveBayesModel</a:t>
+            </a:r>
+            <a:r>
+              <a:rPr lang="en-US" sz="1600" b="1" dirty="0" smtClean="0">
+                <a:latin typeface="Palatino Linotype" panose="02040502050505030304" pitchFamily="18" charset="0"/>
+              </a:rPr>
+              <a:t>&lt;/name&gt;</a:t>
+            </a:r>
+          </a:p>
+          <a:p>
+            <a:pPr marL="0" indent="0">
+              <a:buNone/>
+              <a:tabLst>
+                <a:tab pos="461963" algn="l"/>
+              </a:tabLst>
+            </a:pPr>
+            <a:r>
+              <a:rPr lang="en-US" sz="1600" b="1" dirty="0" smtClean="0">
+                <a:latin typeface="Palatino Linotype" panose="02040502050505030304" pitchFamily="18" charset="0"/>
+              </a:rPr>
+              <a:t>	&lt;value&gt;</a:t>
+            </a:r>
+            <a:r>
+              <a:rPr lang="en-US" sz="1600" b="1" dirty="0" err="1" smtClean="0">
+                <a:latin typeface="Palatino Linotype" panose="02040502050505030304" pitchFamily="18" charset="0"/>
+              </a:rPr>
+              <a:t>bernoulli</a:t>
+            </a:r>
+            <a:r>
+              <a:rPr lang="en-US" sz="1600" b="1" dirty="0" smtClean="0">
+                <a:latin typeface="Palatino Linotype" panose="02040502050505030304" pitchFamily="18" charset="0"/>
+              </a:rPr>
+              <a:t>&lt;/value&gt;</a:t>
+            </a:r>
+          </a:p>
+          <a:p>
+            <a:pPr marL="0" indent="0">
+              <a:buNone/>
+              <a:tabLst>
+                <a:tab pos="461963" algn="l"/>
+              </a:tabLst>
+            </a:pPr>
+            <a:r>
+              <a:rPr lang="en-US" sz="1600" b="1" dirty="0" smtClean="0">
+                <a:latin typeface="Palatino Linotype" panose="02040502050505030304" pitchFamily="18" charset="0"/>
+              </a:rPr>
+              <a:t>&lt;/property&gt;</a:t>
+            </a:r>
+            <a:endParaRPr lang="en-US" sz="1600" b="1" dirty="0">
+              <a:latin typeface="Palatino Linotype" panose="02040502050505030304" pitchFamily="18" charset="0"/>
+            </a:endParaRPr>
           </a:p>
         </p:txBody>
       </p:sp>
@@ -4530,7 +4788,65 @@
               </a:pPr>
               <a:t>15</a:t>
             </a:fld>
-            <a:endParaRPr lang="en-US"/>
+            <a:endParaRPr lang="en-US" dirty="0"/>
+          </a:p>
+        </p:txBody>
+      </p:sp>
+      <p:sp>
+        <p:nvSpPr>
+          <p:cNvPr id="6" name="TextBox 5"/>
+          <p:cNvSpPr txBox="1"/>
+          <p:nvPr/>
+        </p:nvSpPr>
+        <p:spPr>
+          <a:xfrm>
+            <a:off x="4986845" y="4881465"/>
+            <a:ext cx="4025180" cy="584775"/>
+          </a:xfrm>
+          <a:prstGeom prst="rect">
+            <a:avLst/>
+          </a:prstGeom>
+          <a:noFill/>
+        </p:spPr>
+        <p:txBody>
+          <a:bodyPr wrap="square" rtlCol="0">
+            <a:spAutoFit/>
+          </a:bodyPr>
+          <a:lstStyle/>
+          <a:p>
+            <a:pPr algn="ctr"/>
+            <a:r>
+              <a:rPr lang="en-US" sz="1600" b="0" dirty="0" smtClean="0"/>
+              <a:t>Custom MapReduce Configuration</a:t>
+            </a:r>
+          </a:p>
+          <a:p>
+            <a:pPr algn="ctr"/>
+            <a:r>
+              <a:rPr lang="en-US" sz="1600" b="0" dirty="0" smtClean="0"/>
+              <a:t>from our </a:t>
+            </a:r>
+            <a:r>
+              <a:rPr lang="en-US" sz="1600" dirty="0" err="1" smtClean="0">
+                <a:solidFill>
+                  <a:srgbClr val="008000"/>
+                </a:solidFill>
+              </a:rPr>
+              <a:t>Oozie</a:t>
+            </a:r>
+            <a:r>
+              <a:rPr lang="en-US" sz="1600" dirty="0" smtClean="0">
+                <a:solidFill>
+                  <a:srgbClr val="008000"/>
+                </a:solidFill>
+              </a:rPr>
+              <a:t> XML Workflow</a:t>
+            </a:r>
+            <a:r>
+              <a:rPr lang="en-US" sz="1600" b="0" dirty="0" smtClean="0"/>
+              <a:t> file</a:t>
+            </a:r>
+            <a:endParaRPr lang="en-US" sz="1600" b="0" dirty="0"/>
           </a:p>
         </p:txBody>
       </p:sp>
@@ -4654,13 +4970,7 @@
               <a:rPr lang="en-US" sz="1800" dirty="0" smtClean="0">
                 <a:latin typeface="+mj-lt"/>
               </a:rPr>
-              <a:t>2015</a:t>
-            </a:r>
-            <a:r>
-              <a:rPr lang="en-US" sz="1800" dirty="0" smtClean="0">
-                <a:latin typeface="+mj-lt"/>
-              </a:rPr>
-              <a:t>].</a:t>
+              <a:t>2015].</a:t>
             </a:r>
           </a:p>
           <a:p>
@@ -4716,13 +5026,7 @@
               <a:rPr lang="en-US" sz="1800" dirty="0" smtClean="0">
                 <a:latin typeface="+mj-lt"/>
               </a:rPr>
-              <a:t>2015</a:t>
-            </a:r>
-            <a:r>
-              <a:rPr lang="en-US" sz="1800" dirty="0" smtClean="0">
-                <a:latin typeface="+mj-lt"/>
-              </a:rPr>
-              <a:t>].</a:t>
+              <a:t>2015].</a:t>
             </a:r>
           </a:p>
           <a:p>
@@ -4796,13 +5100,7 @@
               <a:rPr lang="en-US" sz="1800" dirty="0">
                 <a:latin typeface="+mj-lt"/>
               </a:rPr>
-              <a:t>. [Online]. </a:t>
-            </a:r>
-            <a:r>
-              <a:rPr lang="en-US" sz="1800" dirty="0">
-                <a:latin typeface="+mj-lt"/>
-              </a:rPr>
-              <a:t>Available at: </a:t>
+              <a:t>. [Online]. Available at: </a:t>
             </a:r>
             <a:r>
               <a:rPr lang="en-US" sz="1800" dirty="0">
@@ -4895,19 +5193,7 @@
               <a:rPr lang="en-US" sz="1800" dirty="0">
                 <a:latin typeface="+mj-lt"/>
               </a:rPr>
-              <a:t>. </a:t>
-            </a:r>
-            <a:r>
-              <a:rPr lang="en-US" sz="1800" dirty="0">
-                <a:latin typeface="+mj-lt"/>
-              </a:rPr>
-              <a:t>[Online]. </a:t>
-            </a:r>
-            <a:r>
-              <a:rPr lang="en-US" sz="1800" dirty="0">
-                <a:latin typeface="+mj-lt"/>
-              </a:rPr>
-              <a:t>Available at: </a:t>
+              <a:t>. [Online]. Available at: </a:t>
             </a:r>
             <a:r>
               <a:rPr lang="en-US" sz="1800" dirty="0">
@@ -4964,13 +5250,7 @@
               <a:rPr lang="en-US" sz="1800" dirty="0">
                 <a:latin typeface="+mj-lt"/>
               </a:rPr>
-              <a:t>. [Online]. </a:t>
-            </a:r>
-            <a:r>
-              <a:rPr lang="en-US" sz="1800" dirty="0">
-                <a:latin typeface="+mj-lt"/>
-              </a:rPr>
-              <a:t>Available at: </a:t>
+              <a:t>. [Online]. Available at: </a:t>
             </a:r>
             <a:r>
               <a:rPr lang="en-US" sz="1800" dirty="0">
@@ -5251,17 +5531,8 @@
               <a:rPr lang="en-US" sz="2000" dirty="0" smtClean="0">
                 <a:latin typeface="+mj-lt"/>
               </a:rPr>
-              <a:t>Zayd </a:t>
-            </a:r>
-            <a:r>
-              <a:rPr lang="en-US" sz="2000" dirty="0" smtClean="0">
-                <a:latin typeface="+mj-lt"/>
-              </a:rPr>
-              <a:t>Hammoudeh, Shubhangi Rakhonde</a:t>
-            </a:r>
-            <a:endParaRPr lang="en-US" sz="2000" dirty="0" smtClean="0">
-              <a:latin typeface="+mj-lt"/>
-            </a:endParaRPr>
+              <a:t>Zayd Hammoudeh, Shubhangi Rakhonde</a:t>
+            </a:r>
           </a:p>
           <a:p>
             <a:endParaRPr lang="en-US" sz="2000" dirty="0">
@@ -6316,17 +6587,8 @@
               <a:rPr lang="en-US" dirty="0" smtClean="0">
                 <a:latin typeface="+mj-lt"/>
               </a:rPr>
-              <a:t>Implemented in standard </a:t>
-            </a:r>
-            <a:r>
-              <a:rPr lang="en-US" dirty="0" smtClean="0">
-                <a:latin typeface="+mj-lt"/>
-              </a:rPr>
-              <a:t>Java with the GSON library and Maven</a:t>
-            </a:r>
-            <a:endParaRPr lang="en-US" dirty="0" smtClean="0">
-              <a:latin typeface="+mj-lt"/>
-            </a:endParaRPr>
+              <a:t>Implemented in standard Java with the GSON library and Maven</a:t>
+            </a:r>
           </a:p>
           <a:p>
             <a:pPr>
@@ -6596,13 +6858,7 @@
               <a:rPr lang="en-US" dirty="0" smtClean="0">
                 <a:latin typeface="+mj-lt"/>
               </a:rPr>
-              <a:t>Multinomial &amp; Bernoulli </a:t>
-            </a:r>
-            <a:r>
-              <a:rPr lang="en-US" dirty="0" smtClean="0">
-                <a:latin typeface="+mj-lt"/>
-              </a:rPr>
-              <a:t>Naïve Bayes</a:t>
+              <a:t>Multinomial &amp; Bernoulli Naïve Bayes</a:t>
             </a:r>
             <a:endParaRPr lang="en-US" dirty="0">
               <a:latin typeface="+mj-lt"/>
@@ -6636,17 +6892,8 @@
               <a:rPr lang="en-US" dirty="0" smtClean="0">
                 <a:latin typeface="+mj-lt"/>
               </a:rPr>
-              <a:t>Implemented in </a:t>
-            </a:r>
-            <a:r>
-              <a:rPr lang="en-US" dirty="0" smtClean="0">
-                <a:latin typeface="+mj-lt"/>
-              </a:rPr>
-              <a:t>standard MapReduce</a:t>
-            </a:r>
-            <a:endParaRPr lang="en-US" dirty="0" smtClean="0">
-              <a:latin typeface="+mj-lt"/>
-            </a:endParaRPr>
+              <a:t>Implemented in standard MapReduce</a:t>
+            </a:r>
           </a:p>
           <a:p>
             <a:pPr>
@@ -6668,13 +6915,7 @@
               <a:rPr lang="en-US" dirty="0" smtClean="0">
                 <a:latin typeface="+mj-lt"/>
               </a:rPr>
-              <a:t>Calculates </a:t>
-            </a:r>
-            <a:r>
-              <a:rPr lang="en-US" dirty="0" smtClean="0">
-                <a:latin typeface="+mj-lt"/>
-              </a:rPr>
-              <a:t>the prior probability of each ingredient for each cuisine type using the input training set.</a:t>
+              <a:t>Calculates the prior probability of each ingredient for each cuisine type using the input training set.</a:t>
             </a:r>
           </a:p>
           <a:p>
@@ -6697,13 +6938,7 @@
               <a:rPr lang="en-US" dirty="0" smtClean="0">
                 <a:latin typeface="+mj-lt"/>
               </a:rPr>
-              <a:t>Calculates the class probability of each record in the testing set.  Returns each record’s class probability to the ensemble classifier</a:t>
-            </a:r>
-            <a:r>
-              <a:rPr lang="en-US" dirty="0" smtClean="0">
-                <a:latin typeface="+mj-lt"/>
-              </a:rPr>
-              <a:t>.</a:t>
+              <a:t>Calculates the class probability of each record in the testing set.  Returns each record’s class probability to the ensemble classifier.</a:t>
             </a:r>
           </a:p>
           <a:p>
@@ -6929,8 +7164,8 @@
           </a:p>
         </p:txBody>
       </p:sp>
-      <mc:AlternateContent xmlns:mc="http://schemas.openxmlformats.org/markup-compatibility/2006">
-        <mc:Choice xmlns:a14="http://schemas.microsoft.com/office/drawing/2010/main" Requires="a14">
+      <mc:AlternateContent xmlns:mc="http://schemas.openxmlformats.org/markup-compatibility/2006" xmlns:a14="http://schemas.microsoft.com/office/drawing/2010/main">
+        <mc:Choice Requires="a14">
           <p:sp>
             <p:nvSpPr>
               <p:cNvPr id="3" name="Content Placeholder 2"/>
@@ -7139,7 +7374,7 @@
             </p:txBody>
           </p:sp>
         </mc:Choice>
-        <mc:Fallback>
+        <mc:Fallback xmlns="">
           <p:sp>
             <p:nvSpPr>
               <p:cNvPr id="3" name="Content Placeholder 2"/>

--- a/Presentation/CS286 - Ensemble Classifier on AWS.pptx
+++ b/Presentation/CS286 - Ensemble Classifier on AWS.pptx
@@ -2815,7 +2815,38 @@
                 <a:latin typeface="Palatino Linotype" pitchFamily="18" charset="0"/>
                 <a:cs typeface="Times New Roman" pitchFamily="18" charset="0"/>
               </a:rPr>
-              <a:t>Speeding Up an Ensemble Classifier using Amazon AWS</a:t>
+              <a:t>Speeding Up an Ensemble Classifier using </a:t>
+            </a:r>
+            <a:r>
+              <a:rPr lang="en-US" sz="3600" dirty="0" err="1" smtClean="0">
+                <a:latin typeface="Palatino Linotype" pitchFamily="18" charset="0"/>
+                <a:cs typeface="Times New Roman" pitchFamily="18" charset="0"/>
+              </a:rPr>
+              <a:t>Oozie</a:t>
+            </a:r>
+            <a:r>
+              <a:rPr lang="en-US" sz="3600" smtClean="0">
+                <a:latin typeface="Palatino Linotype" pitchFamily="18" charset="0"/>
+                <a:cs typeface="Times New Roman" pitchFamily="18" charset="0"/>
+              </a:rPr>
+              <a:t> </a:t>
+            </a:r>
+          </a:p>
+          <a:p>
+            <a:pPr algn="ctr"/>
+            <a:r>
+              <a:rPr lang="en-US" sz="3600" smtClean="0">
+                <a:latin typeface="Palatino Linotype" pitchFamily="18" charset="0"/>
+                <a:cs typeface="Times New Roman" pitchFamily="18" charset="0"/>
+              </a:rPr>
+              <a:t>and Amazon </a:t>
+            </a:r>
+            <a:r>
+              <a:rPr lang="en-US" sz="3600" dirty="0" smtClean="0">
+                <a:latin typeface="Palatino Linotype" pitchFamily="18" charset="0"/>
+                <a:cs typeface="Times New Roman" pitchFamily="18" charset="0"/>
+              </a:rPr>
+              <a:t>AWS</a:t>
             </a:r>
             <a:endParaRPr lang="en-US" sz="3600" dirty="0">
               <a:latin typeface="Palatino Linotype" pitchFamily="18" charset="0"/>
@@ -3124,7 +3155,13 @@
               <a:rPr lang="en-US" dirty="0" smtClean="0">
                 <a:latin typeface="+mj-lt"/>
               </a:rPr>
-              <a:t>Execution Time Comparison</a:t>
+              <a:t>Algorithm Execution </a:t>
+            </a:r>
+            <a:r>
+              <a:rPr lang="en-US" dirty="0" smtClean="0">
+                <a:latin typeface="+mj-lt"/>
+              </a:rPr>
+              <a:t>Time Comparison</a:t>
             </a:r>
             <a:endParaRPr lang="en-US" dirty="0">
               <a:latin typeface="+mj-lt"/>
@@ -3193,8 +3230,14 @@
                 </a:solidFill>
                 <a:latin typeface="+mj-lt"/>
               </a:rPr>
-              <a:t>46%</a:t>
-            </a:r>
+              <a:t>48%</a:t>
+            </a:r>
+            <a:endParaRPr lang="en-US" sz="2400" b="1" dirty="0" smtClean="0">
+              <a:solidFill>
+                <a:srgbClr val="C00000"/>
+              </a:solidFill>
+              <a:latin typeface="+mj-lt"/>
+            </a:endParaRPr>
           </a:p>
           <a:p>
             <a:endParaRPr lang="en-US" sz="2400" dirty="0">
@@ -3215,8 +3258,17 @@
               <a:rPr lang="en-US" sz="1800" dirty="0" smtClean="0">
                 <a:latin typeface="+mj-lt"/>
               </a:rPr>
-              <a:t>On a cluster with more nodes, we expect we could reduce the execution time an additional 20% or more.</a:t>
-            </a:r>
+              <a:t>On a cluster with more nodes, we expect we could reduce the execution time an additional </a:t>
+            </a:r>
+            <a:r>
+              <a:rPr lang="en-US" sz="1800" dirty="0" smtClean="0">
+                <a:latin typeface="+mj-lt"/>
+              </a:rPr>
+              <a:t>15-20%.</a:t>
+            </a:r>
+            <a:endParaRPr lang="en-US" sz="1800" dirty="0" smtClean="0">
+              <a:latin typeface="+mj-lt"/>
+            </a:endParaRPr>
           </a:p>
           <a:p>
             <a:endParaRPr lang="en-US" sz="2400" dirty="0">
@@ -3317,7 +3369,7 @@
           <p:nvPr>
             <p:extLst>
               <p:ext uri="{D42A27DB-BD31-4B8C-83A1-F6EECF244321}">
-                <p14:modId xmlns:p14="http://schemas.microsoft.com/office/powerpoint/2010/main" val="1582436892"/>
+                <p14:modId xmlns:p14="http://schemas.microsoft.com/office/powerpoint/2010/main" val="813018543"/>
               </p:ext>
             </p:extLst>
           </p:nvPr>
@@ -3600,7 +3652,7 @@
                             <a:srgbClr val="C00000"/>
                           </a:solidFill>
                         </a:rPr>
-                        <a:t>99</a:t>
+                        <a:t>95</a:t>
                       </a:r>
                       <a:endParaRPr lang="en-US" sz="2000" b="1" dirty="0">
                         <a:solidFill>
@@ -4430,9 +4482,6 @@
               </a:rPr>
               <a:t>In our class lab exercises, we did not have to use custom MapReduce configurations.</a:t>
             </a:r>
-            <a:endParaRPr lang="en-US" dirty="0" smtClean="0">
-              <a:latin typeface="+mj-lt"/>
-            </a:endParaRPr>
           </a:p>
           <a:p>
             <a:pPr>
@@ -4460,7 +4509,7 @@
               <a:rPr lang="en-US" dirty="0" smtClean="0">
                 <a:latin typeface="+mj-lt"/>
               </a:rPr>
-              <a:t>are </a:t>
+              <a:t>configurations are </a:t>
             </a:r>
             <a:r>
               <a:rPr lang="en-US" dirty="0" smtClean="0">
@@ -4479,29 +4528,8 @@
               <a:rPr lang="en-US" dirty="0" smtClean="0">
                 <a:latin typeface="+mj-lt"/>
               </a:rPr>
-              <a:t>Passing the </a:t>
-            </a:r>
-            <a:r>
-              <a:rPr lang="en-US" dirty="0" smtClean="0">
-                <a:latin typeface="+mj-lt"/>
-              </a:rPr>
-              <a:t>training </a:t>
-            </a:r>
-            <a:r>
-              <a:rPr lang="en-US" dirty="0" smtClean="0">
-                <a:latin typeface="+mj-lt"/>
-              </a:rPr>
-              <a:t>set </a:t>
-            </a:r>
-            <a:r>
-              <a:rPr lang="en-US" dirty="0" smtClean="0">
-                <a:latin typeface="+mj-lt"/>
-              </a:rPr>
-              <a:t>file location</a:t>
-            </a:r>
-            <a:endParaRPr lang="en-US" dirty="0" smtClean="0">
-              <a:latin typeface="+mj-lt"/>
-            </a:endParaRPr>
+              <a:t>Passing the training set file location</a:t>
+            </a:r>
           </a:p>
           <a:p>
             <a:pPr lvl="1">
@@ -4539,24 +4567,20 @@
                 </a:solidFill>
                 <a:latin typeface="+mj-lt"/>
               </a:rPr>
-              <a:t>Takeaway:</a:t>
-            </a:r>
-          </a:p>
-          <a:p>
-            <a:pPr lvl="1">
-              <a:lnSpc>
-                <a:spcPct val="120000"/>
-              </a:lnSpc>
-            </a:pPr>
+              <a:t>Takeaway: </a:t>
+            </a:r>
             <a:r>
               <a:rPr lang="en-US" dirty="0" smtClean="0">
                 <a:latin typeface="+mj-lt"/>
               </a:rPr>
-              <a:t>Custom configurations can streamline implementation schemes and enable significant flexibility.</a:t>
-            </a:r>
-            <a:endParaRPr lang="en-US" dirty="0" smtClean="0">
-              <a:latin typeface="+mj-lt"/>
-            </a:endParaRPr>
+              <a:t>Custom </a:t>
+            </a:r>
+            <a:r>
+              <a:rPr lang="en-US" dirty="0" smtClean="0">
+                <a:latin typeface="+mj-lt"/>
+              </a:rPr>
+              <a:t>configurations can streamline implementation schemes and enable significant flexibility.</a:t>
+            </a:r>
           </a:p>
         </p:txBody>
       </p:sp>
@@ -4612,7 +4636,13 @@
               <a:rPr lang="en-US" sz="1600" b="1" dirty="0" smtClean="0">
                 <a:latin typeface="Palatino Linotype" panose="02040502050505030304" pitchFamily="18" charset="0"/>
               </a:rPr>
-              <a:t>	&lt;name&gt;</a:t>
+              <a:t>	&lt;name</a:t>
+            </a:r>
+            <a:r>
+              <a:rPr lang="en-US" sz="1600" b="1" dirty="0" smtClean="0">
+                <a:latin typeface="Palatino Linotype" panose="02040502050505030304" pitchFamily="18" charset="0"/>
+              </a:rPr>
+              <a:t>&gt; </a:t>
             </a:r>
             <a:r>
               <a:rPr lang="en-US" sz="1600" b="1" dirty="0" err="1" smtClean="0">
@@ -4624,7 +4654,13 @@
               <a:rPr lang="en-US" sz="1600" b="1" dirty="0" smtClean="0">
                 <a:latin typeface="Palatino Linotype" panose="02040502050505030304" pitchFamily="18" charset="0"/>
               </a:rPr>
-              <a:t>&lt;/name&gt;</a:t>
+              <a:t> &lt;/</a:t>
+            </a:r>
+            <a:r>
+              <a:rPr lang="en-US" sz="1600" b="1" dirty="0" smtClean="0">
+                <a:latin typeface="Palatino Linotype" panose="02040502050505030304" pitchFamily="18" charset="0"/>
+              </a:rPr>
+              <a:t>name&gt;</a:t>
             </a:r>
           </a:p>
           <a:p>
@@ -4638,7 +4674,13 @@
               <a:rPr lang="en-US" sz="1600" b="1" dirty="0" smtClean="0">
                 <a:latin typeface="Palatino Linotype" panose="02040502050505030304" pitchFamily="18" charset="0"/>
               </a:rPr>
-              <a:t>	&lt;value&gt;${</a:t>
+              <a:t>	&lt;value</a:t>
+            </a:r>
+            <a:r>
+              <a:rPr lang="en-US" sz="1600" b="1" dirty="0" smtClean="0">
+                <a:latin typeface="Palatino Linotype" panose="02040502050505030304" pitchFamily="18" charset="0"/>
+              </a:rPr>
+              <a:t>&gt; ${</a:t>
             </a:r>
             <a:r>
               <a:rPr lang="en-US" sz="1600" b="1" dirty="0" err="1" smtClean="0">
@@ -4650,7 +4692,13 @@
               <a:rPr lang="en-US" sz="1600" b="1" dirty="0" smtClean="0">
                 <a:latin typeface="Palatino Linotype" panose="02040502050505030304" pitchFamily="18" charset="0"/>
               </a:rPr>
-              <a:t>}&lt;/value&gt;</a:t>
+              <a:t>} &lt;/</a:t>
+            </a:r>
+            <a:r>
+              <a:rPr lang="en-US" sz="1600" b="1" dirty="0" smtClean="0">
+                <a:latin typeface="Palatino Linotype" panose="02040502050505030304" pitchFamily="18" charset="0"/>
+              </a:rPr>
+              <a:t>value&gt;</a:t>
             </a:r>
           </a:p>
           <a:p>
@@ -4703,7 +4751,13 @@
               <a:rPr lang="en-US" sz="1600" b="1" dirty="0" smtClean="0">
                 <a:latin typeface="Palatino Linotype" panose="02040502050505030304" pitchFamily="18" charset="0"/>
               </a:rPr>
-              <a:t>	&lt;name&gt;</a:t>
+              <a:t>	&lt;</a:t>
+            </a:r>
+            <a:r>
+              <a:rPr lang="en-US" sz="1600" b="1" dirty="0" smtClean="0">
+                <a:latin typeface="Palatino Linotype" panose="02040502050505030304" pitchFamily="18" charset="0"/>
+              </a:rPr>
+              <a:t>name&gt; </a:t>
             </a:r>
             <a:r>
               <a:rPr lang="en-US" sz="1600" b="1" dirty="0" err="1" smtClean="0">
@@ -4715,7 +4769,13 @@
               <a:rPr lang="en-US" sz="1600" b="1" dirty="0" smtClean="0">
                 <a:latin typeface="Palatino Linotype" panose="02040502050505030304" pitchFamily="18" charset="0"/>
               </a:rPr>
-              <a:t>&lt;/name&gt;</a:t>
+              <a:t> &lt;/</a:t>
+            </a:r>
+            <a:r>
+              <a:rPr lang="en-US" sz="1600" b="1" dirty="0" smtClean="0">
+                <a:latin typeface="Palatino Linotype" panose="02040502050505030304" pitchFamily="18" charset="0"/>
+              </a:rPr>
+              <a:t>name&gt;</a:t>
             </a:r>
           </a:p>
           <a:p>
@@ -4729,7 +4789,13 @@
               <a:rPr lang="en-US" sz="1600" b="1" dirty="0" smtClean="0">
                 <a:latin typeface="Palatino Linotype" panose="02040502050505030304" pitchFamily="18" charset="0"/>
               </a:rPr>
-              <a:t>	&lt;value&gt;</a:t>
+              <a:t>	&lt;value</a:t>
+            </a:r>
+            <a:r>
+              <a:rPr lang="en-US" sz="1600" b="1" dirty="0" smtClean="0">
+                <a:latin typeface="Palatino Linotype" panose="02040502050505030304" pitchFamily="18" charset="0"/>
+              </a:rPr>
+              <a:t>&gt; </a:t>
             </a:r>
             <a:r>
               <a:rPr lang="en-US" sz="1600" b="1" dirty="0" err="1" smtClean="0">
@@ -4741,7 +4807,13 @@
               <a:rPr lang="en-US" sz="1600" b="1" dirty="0" smtClean="0">
                 <a:latin typeface="Palatino Linotype" panose="02040502050505030304" pitchFamily="18" charset="0"/>
               </a:rPr>
-              <a:t>&lt;/value&gt;</a:t>
+              <a:t> &lt;/</a:t>
+            </a:r>
+            <a:r>
+              <a:rPr lang="en-US" sz="1600" b="1" dirty="0" smtClean="0">
+                <a:latin typeface="Palatino Linotype" panose="02040502050505030304" pitchFamily="18" charset="0"/>
+              </a:rPr>
+              <a:t>value&gt;</a:t>
             </a:r>
           </a:p>
           <a:p>
@@ -4840,11 +4912,15 @@
                   <a:srgbClr val="008000"/>
                 </a:solidFill>
               </a:rPr>
-              <a:t> XML Workflow</a:t>
-            </a:r>
-            <a:r>
-              <a:rPr lang="en-US" sz="1600" b="0" dirty="0" smtClean="0"/>
-              <a:t> file</a:t>
+              <a:t> XML </a:t>
+            </a:r>
+            <a:r>
+              <a:rPr lang="en-US" sz="1600" dirty="0" smtClean="0">
+                <a:solidFill>
+                  <a:srgbClr val="008000"/>
+                </a:solidFill>
+              </a:rPr>
+              <a:t>Workflow</a:t>
             </a:r>
             <a:endParaRPr lang="en-US" sz="1600" b="0" dirty="0"/>
           </a:p>
@@ -6199,47 +6275,6 @@
               <a:t>4</a:t>
             </a:fld>
             <a:endParaRPr lang="en-US"/>
-          </a:p>
-        </p:txBody>
-      </p:sp>
-      <p:sp>
-        <p:nvSpPr>
-          <p:cNvPr id="5" name="TextBox 4"/>
-          <p:cNvSpPr txBox="1"/>
-          <p:nvPr/>
-        </p:nvSpPr>
-        <p:spPr>
-          <a:xfrm>
-            <a:off x="1171575" y="6416159"/>
-            <a:ext cx="6816290" cy="369332"/>
-          </a:xfrm>
-          <a:prstGeom prst="rect">
-            <a:avLst/>
-          </a:prstGeom>
-          <a:noFill/>
-        </p:spPr>
-        <p:txBody>
-          <a:bodyPr wrap="none" rtlCol="0">
-            <a:spAutoFit/>
-          </a:bodyPr>
-          <a:lstStyle/>
-          <a:p>
-            <a:pPr algn="ctr"/>
-            <a:r>
-              <a:rPr lang="en-US" dirty="0" smtClean="0">
-                <a:latin typeface="Palatino Linotype" panose="02040502050505030304" pitchFamily="18" charset="0"/>
-              </a:rPr>
-              <a:t>Note: </a:t>
-            </a:r>
-            <a:r>
-              <a:rPr lang="en-US" b="0" dirty="0" smtClean="0">
-                <a:latin typeface="Palatino Linotype" panose="02040502050505030304" pitchFamily="18" charset="0"/>
-              </a:rPr>
-              <a:t>KNN approaches #1 and #2 use different distance metrics</a:t>
-            </a:r>
-            <a:endParaRPr lang="en-US" b="0" dirty="0">
-              <a:latin typeface="Palatino Linotype" panose="02040502050505030304" pitchFamily="18" charset="0"/>
-            </a:endParaRPr>
           </a:p>
         </p:txBody>
       </p:sp>
@@ -6297,6 +6332,59 @@
           </a:extLst>
         </p:spPr>
       </p:pic>
+      <p:sp>
+        <p:nvSpPr>
+          <p:cNvPr id="6" name="TextBox 5"/>
+          <p:cNvSpPr txBox="1"/>
+          <p:nvPr/>
+        </p:nvSpPr>
+        <p:spPr>
+          <a:xfrm>
+            <a:off x="1226431" y="6416159"/>
+            <a:ext cx="6706580" cy="369332"/>
+          </a:xfrm>
+          <a:prstGeom prst="rect">
+            <a:avLst/>
+          </a:prstGeom>
+          <a:noFill/>
+        </p:spPr>
+        <p:txBody>
+          <a:bodyPr wrap="none" rtlCol="0">
+            <a:spAutoFit/>
+          </a:bodyPr>
+          <a:lstStyle/>
+          <a:p>
+            <a:pPr algn="ctr"/>
+            <a:r>
+              <a:rPr lang="en-US" dirty="0" smtClean="0">
+                <a:latin typeface="+mn-lt"/>
+              </a:rPr>
+              <a:t>Note: </a:t>
+            </a:r>
+            <a:r>
+              <a:rPr lang="en-US" b="0" dirty="0" smtClean="0">
+                <a:latin typeface="+mn-lt"/>
+              </a:rPr>
+              <a:t>KNN approaches #1 and #2 </a:t>
+            </a:r>
+            <a:r>
+              <a:rPr lang="en-US" b="0" dirty="0" smtClean="0">
+                <a:latin typeface="+mn-lt"/>
+              </a:rPr>
+              <a:t>above use </a:t>
+            </a:r>
+            <a:r>
+              <a:rPr lang="en-US" b="0" dirty="0" smtClean="0">
+                <a:latin typeface="+mn-lt"/>
+              </a:rPr>
+              <a:t>different distance metrics</a:t>
+            </a:r>
+            <a:endParaRPr lang="en-US" b="0" dirty="0">
+              <a:latin typeface="+mn-lt"/>
+            </a:endParaRPr>
+          </a:p>
+        </p:txBody>
+      </p:sp>
     </p:spTree>
     <p:extLst>
       <p:ext uri="{BB962C8B-B14F-4D97-AF65-F5344CB8AC3E}">
@@ -6406,8 +6494,8 @@
         </p:nvSpPr>
         <p:spPr>
           <a:xfrm>
-            <a:off x="1171575" y="6416159"/>
-            <a:ext cx="6816290" cy="369332"/>
+            <a:off x="1226431" y="6416159"/>
+            <a:ext cx="6706580" cy="369332"/>
           </a:xfrm>
           <a:prstGeom prst="rect">
             <a:avLst/>
@@ -6423,31 +6511,41 @@
             <a:pPr algn="ctr"/>
             <a:r>
               <a:rPr lang="en-US" dirty="0" smtClean="0">
-                <a:latin typeface="Palatino Linotype" panose="02040502050505030304" pitchFamily="18" charset="0"/>
+                <a:latin typeface="+mn-lt"/>
               </a:rPr>
               <a:t>Note: </a:t>
             </a:r>
             <a:r>
               <a:rPr lang="en-US" b="0" dirty="0" smtClean="0">
-                <a:latin typeface="Palatino Linotype" panose="02040502050505030304" pitchFamily="18" charset="0"/>
-              </a:rPr>
-              <a:t>KNN approaches #1 and #2 use different distance metrics</a:t>
+                <a:latin typeface="+mn-lt"/>
+              </a:rPr>
+              <a:t>KNN approaches #1 and #2 </a:t>
+            </a:r>
+            <a:r>
+              <a:rPr lang="en-US" b="0" dirty="0" smtClean="0">
+                <a:latin typeface="+mn-lt"/>
+              </a:rPr>
+              <a:t>above use </a:t>
+            </a:r>
+            <a:r>
+              <a:rPr lang="en-US" b="0" dirty="0" smtClean="0">
+                <a:latin typeface="+mn-lt"/>
+              </a:rPr>
+              <a:t>different distance metrics</a:t>
             </a:r>
             <a:endParaRPr lang="en-US" b="0" dirty="0">
-              <a:latin typeface="Palatino Linotype" panose="02040502050505030304" pitchFamily="18" charset="0"/>
+              <a:latin typeface="+mn-lt"/>
             </a:endParaRPr>
           </a:p>
         </p:txBody>
       </p:sp>
       <p:pic>
         <p:nvPicPr>
-          <p:cNvPr id="2050" name="Picture 2"/>
+          <p:cNvPr id="1026" name="Picture 2"/>
           <p:cNvPicPr>
-            <a:picLocks noGrp="1" noChangeAspect="1" noChangeArrowheads="1"/>
+            <a:picLocks noChangeAspect="1" noChangeArrowheads="1"/>
           </p:cNvPicPr>
-          <p:nvPr>
-            <p:ph idx="1"/>
-          </p:nvPr>
+          <p:nvPr/>
         </p:nvPicPr>
         <p:blipFill>
           <a:blip r:embed="rId2">
@@ -6464,8 +6562,8 @@
         </p:blipFill>
         <p:spPr bwMode="auto">
           <a:xfrm>
-            <a:off x="9526" y="1524001"/>
-            <a:ext cx="9051168" cy="3848100"/>
+            <a:off x="76200" y="1562100"/>
+            <a:ext cx="8961549" cy="3810000"/>
           </a:xfrm>
           <a:prstGeom prst="rect">
             <a:avLst/>
@@ -6892,7 +6990,19 @@
               <a:rPr lang="en-US" dirty="0" smtClean="0">
                 <a:latin typeface="+mj-lt"/>
               </a:rPr>
-              <a:t>Implemented in standard MapReduce</a:t>
+              <a:t>Implemented </a:t>
+            </a:r>
+            <a:r>
+              <a:rPr lang="en-US" dirty="0" smtClean="0">
+                <a:latin typeface="+mj-lt"/>
+              </a:rPr>
+              <a:t>using standard </a:t>
+            </a:r>
+            <a:r>
+              <a:rPr lang="en-US" dirty="0" smtClean="0">
+                <a:latin typeface="+mj-lt"/>
+              </a:rPr>
+              <a:t>MapReduce</a:t>
             </a:r>
           </a:p>
           <a:p>
@@ -7164,8 +7274,8 @@
           </a:p>
         </p:txBody>
       </p:sp>
-      <mc:AlternateContent xmlns:mc="http://schemas.openxmlformats.org/markup-compatibility/2006" xmlns:a14="http://schemas.microsoft.com/office/drawing/2010/main">
-        <mc:Choice Requires="a14">
+      <mc:AlternateContent xmlns:mc="http://schemas.openxmlformats.org/markup-compatibility/2006">
+        <mc:Choice xmlns:a14="http://schemas.microsoft.com/office/drawing/2010/main" Requires="a14">
           <p:sp>
             <p:nvSpPr>
               <p:cNvPr id="3" name="Content Placeholder 2"/>
@@ -7192,8 +7302,21 @@
                   <a:rPr lang="en-US" dirty="0" smtClean="0">
                     <a:latin typeface="+mj-lt"/>
                   </a:rPr>
-                  <a:t>Implemented using MapReduce</a:t>
+                  <a:t>Implemented </a:t>
                 </a:r>
+                <a:r>
+                  <a:rPr lang="en-US" dirty="0"/>
+                  <a:t>using standard </a:t>
+                </a:r>
+                <a:r>
+                  <a:rPr lang="en-US" dirty="0" smtClean="0">
+                    <a:latin typeface="+mj-lt"/>
+                  </a:rPr>
+                  <a:t>MapReduce</a:t>
+                </a:r>
+                <a:endParaRPr lang="en-US" dirty="0" smtClean="0">
+                  <a:latin typeface="+mj-lt"/>
+                </a:endParaRPr>
               </a:p>
               <a:p>
                 <a:pPr>
@@ -7374,7 +7497,7 @@
             </p:txBody>
           </p:sp>
         </mc:Choice>
-        <mc:Fallback xmlns="">
+        <mc:Fallback>
           <p:sp>
             <p:nvSpPr>
               <p:cNvPr id="3" name="Content Placeholder 2"/>

--- a/Presentation/CS286 - Ensemble Classifier on AWS.pptx
+++ b/Presentation/CS286 - Ensemble Classifier on AWS.pptx
@@ -3155,13 +3155,7 @@
               <a:rPr lang="en-US" dirty="0" smtClean="0">
                 <a:latin typeface="+mj-lt"/>
               </a:rPr>
-              <a:t>Algorithm Execution </a:t>
-            </a:r>
-            <a:r>
-              <a:rPr lang="en-US" dirty="0" smtClean="0">
-                <a:latin typeface="+mj-lt"/>
-              </a:rPr>
-              <a:t>Time Comparison</a:t>
+              <a:t>Algorithm Execution Time Comparison</a:t>
             </a:r>
             <a:endParaRPr lang="en-US" dirty="0">
               <a:latin typeface="+mj-lt"/>
@@ -3232,12 +3226,6 @@
               </a:rPr>
               <a:t>48%</a:t>
             </a:r>
-            <a:endParaRPr lang="en-US" sz="2400" b="1" dirty="0" smtClean="0">
-              <a:solidFill>
-                <a:srgbClr val="C00000"/>
-              </a:solidFill>
-              <a:latin typeface="+mj-lt"/>
-            </a:endParaRPr>
           </a:p>
           <a:p>
             <a:endParaRPr lang="en-US" sz="2400" dirty="0">
@@ -3258,17 +3246,8 @@
               <a:rPr lang="en-US" sz="1800" dirty="0" smtClean="0">
                 <a:latin typeface="+mj-lt"/>
               </a:rPr>
-              <a:t>On a cluster with more nodes, we expect we could reduce the execution time an additional </a:t>
-            </a:r>
-            <a:r>
-              <a:rPr lang="en-US" sz="1800" dirty="0" smtClean="0">
-                <a:latin typeface="+mj-lt"/>
-              </a:rPr>
-              <a:t>15-20%.</a:t>
-            </a:r>
-            <a:endParaRPr lang="en-US" sz="1800" dirty="0" smtClean="0">
-              <a:latin typeface="+mj-lt"/>
-            </a:endParaRPr>
+              <a:t>On a cluster with more nodes, we expect we could reduce the execution time an additional 15-20%.</a:t>
+            </a:r>
           </a:p>
           <a:p>
             <a:endParaRPr lang="en-US" sz="2400" dirty="0">
@@ -3292,16 +3271,22 @@
               <a:rPr lang="en-US" sz="2000" dirty="0" smtClean="0">
                 <a:latin typeface="+mj-lt"/>
               </a:rPr>
-              <a:t> fork was about </a:t>
-            </a:r>
-            <a:r>
-              <a:rPr lang="en-US" sz="2000" b="1" dirty="0" smtClean="0">
+              <a:t> fork was </a:t>
+            </a:r>
+            <a:r>
+              <a:rPr lang="en-US" sz="2000" smtClean="0">
+                <a:latin typeface="+mj-lt"/>
+              </a:rPr>
+              <a:t>about </a:t>
+            </a:r>
+            <a:r>
+              <a:rPr lang="en-US" sz="2000" b="1" smtClean="0">
                 <a:solidFill>
                   <a:srgbClr val="C00000"/>
                 </a:solidFill>
                 <a:latin typeface="+mj-lt"/>
               </a:rPr>
-              <a:t>27% </a:t>
+              <a:t>26% </a:t>
             </a:r>
             <a:r>
               <a:rPr lang="en-US" sz="2000" dirty="0" smtClean="0">
@@ -3369,7 +3354,7 @@
           <p:nvPr>
             <p:extLst>
               <p:ext uri="{D42A27DB-BD31-4B8C-83A1-F6EECF244321}">
-                <p14:modId xmlns:p14="http://schemas.microsoft.com/office/powerpoint/2010/main" val="813018543"/>
+                <p14:modId xmlns:p14="http://schemas.microsoft.com/office/powerpoint/2010/main" val="1532043914"/>
               </p:ext>
             </p:extLst>
           </p:nvPr>
@@ -3600,7 +3585,7 @@
                       <a:pPr algn="ctr"/>
                       <a:r>
                         <a:rPr lang="en-US" sz="2000" dirty="0" smtClean="0"/>
-                        <a:t>135</a:t>
+                        <a:t>129</a:t>
                       </a:r>
                       <a:endParaRPr lang="en-US" sz="2000" dirty="0"/>
                     </a:p>
@@ -4503,19 +4488,7 @@
               <a:rPr lang="en-US" dirty="0" smtClean="0">
                 <a:latin typeface="+mj-lt"/>
               </a:rPr>
-              <a:t>Custom MapReduce </a:t>
-            </a:r>
-            <a:r>
-              <a:rPr lang="en-US" dirty="0" smtClean="0">
-                <a:latin typeface="+mj-lt"/>
-              </a:rPr>
-              <a:t>configurations are </a:t>
-            </a:r>
-            <a:r>
-              <a:rPr lang="en-US" dirty="0" smtClean="0">
-                <a:latin typeface="+mj-lt"/>
-              </a:rPr>
-              <a:t>very powerful.  Specific uses of them in our project include:</a:t>
+              <a:t>Custom MapReduce configurations are very powerful.  Specific uses of them in our project include:</a:t>
             </a:r>
           </a:p>
           <a:p>
@@ -4573,13 +4546,7 @@
               <a:rPr lang="en-US" dirty="0" smtClean="0">
                 <a:latin typeface="+mj-lt"/>
               </a:rPr>
-              <a:t>Custom </a:t>
-            </a:r>
-            <a:r>
-              <a:rPr lang="en-US" dirty="0" smtClean="0">
-                <a:latin typeface="+mj-lt"/>
-              </a:rPr>
-              <a:t>configurations can streamline implementation schemes and enable significant flexibility.</a:t>
+              <a:t>Custom configurations can streamline implementation schemes and enable significant flexibility.</a:t>
             </a:r>
           </a:p>
         </p:txBody>
@@ -4636,31 +4603,19 @@
               <a:rPr lang="en-US" sz="1600" b="1" dirty="0" smtClean="0">
                 <a:latin typeface="Palatino Linotype" panose="02040502050505030304" pitchFamily="18" charset="0"/>
               </a:rPr>
-              <a:t>	&lt;name</a:t>
+              <a:t>	&lt;name&gt; </a:t>
+            </a:r>
+            <a:r>
+              <a:rPr lang="en-US" sz="1600" b="1" dirty="0" err="1" smtClean="0">
+                <a:latin typeface="Palatino Linotype" panose="02040502050505030304" pitchFamily="18" charset="0"/>
+              </a:rPr>
+              <a:t>trainingFile</a:t>
             </a:r>
             <a:r>
               <a:rPr lang="en-US" sz="1600" b="1" dirty="0" smtClean="0">
                 <a:latin typeface="Palatino Linotype" panose="02040502050505030304" pitchFamily="18" charset="0"/>
               </a:rPr>
-              <a:t>&gt; </a:t>
-            </a:r>
-            <a:r>
-              <a:rPr lang="en-US" sz="1600" b="1" dirty="0" err="1" smtClean="0">
-                <a:latin typeface="Palatino Linotype" panose="02040502050505030304" pitchFamily="18" charset="0"/>
-              </a:rPr>
-              <a:t>trainingFile</a:t>
-            </a:r>
-            <a:r>
-              <a:rPr lang="en-US" sz="1600" b="1" dirty="0" smtClean="0">
-                <a:latin typeface="Palatino Linotype" panose="02040502050505030304" pitchFamily="18" charset="0"/>
-              </a:rPr>
-              <a:t> &lt;/</a:t>
-            </a:r>
-            <a:r>
-              <a:rPr lang="en-US" sz="1600" b="1" dirty="0" smtClean="0">
-                <a:latin typeface="Palatino Linotype" panose="02040502050505030304" pitchFamily="18" charset="0"/>
-              </a:rPr>
-              <a:t>name&gt;</a:t>
+              <a:t> &lt;/name&gt;</a:t>
             </a:r>
           </a:p>
           <a:p>
@@ -4674,31 +4629,19 @@
               <a:rPr lang="en-US" sz="1600" b="1" dirty="0" smtClean="0">
                 <a:latin typeface="Palatino Linotype" panose="02040502050505030304" pitchFamily="18" charset="0"/>
               </a:rPr>
-              <a:t>	&lt;value</a:t>
+              <a:t>	&lt;value&gt; ${</a:t>
+            </a:r>
+            <a:r>
+              <a:rPr lang="en-US" sz="1600" b="1" dirty="0" err="1" smtClean="0">
+                <a:latin typeface="Palatino Linotype" panose="02040502050505030304" pitchFamily="18" charset="0"/>
+              </a:rPr>
+              <a:t>trainingSetFile</a:t>
             </a:r>
             <a:r>
               <a:rPr lang="en-US" sz="1600" b="1" dirty="0" smtClean="0">
                 <a:latin typeface="Palatino Linotype" panose="02040502050505030304" pitchFamily="18" charset="0"/>
               </a:rPr>
-              <a:t>&gt; ${</a:t>
-            </a:r>
-            <a:r>
-              <a:rPr lang="en-US" sz="1600" b="1" dirty="0" err="1" smtClean="0">
-                <a:latin typeface="Palatino Linotype" panose="02040502050505030304" pitchFamily="18" charset="0"/>
-              </a:rPr>
-              <a:t>trainingSetFile</a:t>
-            </a:r>
-            <a:r>
-              <a:rPr lang="en-US" sz="1600" b="1" dirty="0" smtClean="0">
-                <a:latin typeface="Palatino Linotype" panose="02040502050505030304" pitchFamily="18" charset="0"/>
-              </a:rPr>
-              <a:t>} &lt;/</a:t>
-            </a:r>
-            <a:r>
-              <a:rPr lang="en-US" sz="1600" b="1" dirty="0" smtClean="0">
-                <a:latin typeface="Palatino Linotype" panose="02040502050505030304" pitchFamily="18" charset="0"/>
-              </a:rPr>
-              <a:t>value&gt;</a:t>
+              <a:t>} &lt;/value&gt;</a:t>
             </a:r>
           </a:p>
           <a:p>
@@ -4751,31 +4694,19 @@
               <a:rPr lang="en-US" sz="1600" b="1" dirty="0" smtClean="0">
                 <a:latin typeface="Palatino Linotype" panose="02040502050505030304" pitchFamily="18" charset="0"/>
               </a:rPr>
-              <a:t>	&lt;</a:t>
+              <a:t>	&lt;name&gt; </a:t>
+            </a:r>
+            <a:r>
+              <a:rPr lang="en-US" sz="1600" b="1" dirty="0" err="1" smtClean="0">
+                <a:latin typeface="Palatino Linotype" panose="02040502050505030304" pitchFamily="18" charset="0"/>
+              </a:rPr>
+              <a:t>NaiveBayesModel</a:t>
             </a:r>
             <a:r>
               <a:rPr lang="en-US" sz="1600" b="1" dirty="0" smtClean="0">
                 <a:latin typeface="Palatino Linotype" panose="02040502050505030304" pitchFamily="18" charset="0"/>
               </a:rPr>
-              <a:t>name&gt; </a:t>
-            </a:r>
-            <a:r>
-              <a:rPr lang="en-US" sz="1600" b="1" dirty="0" err="1" smtClean="0">
-                <a:latin typeface="Palatino Linotype" panose="02040502050505030304" pitchFamily="18" charset="0"/>
-              </a:rPr>
-              <a:t>NaiveBayesModel</a:t>
-            </a:r>
-            <a:r>
-              <a:rPr lang="en-US" sz="1600" b="1" dirty="0" smtClean="0">
-                <a:latin typeface="Palatino Linotype" panose="02040502050505030304" pitchFamily="18" charset="0"/>
-              </a:rPr>
-              <a:t> &lt;/</a:t>
-            </a:r>
-            <a:r>
-              <a:rPr lang="en-US" sz="1600" b="1" dirty="0" smtClean="0">
-                <a:latin typeface="Palatino Linotype" panose="02040502050505030304" pitchFamily="18" charset="0"/>
-              </a:rPr>
-              <a:t>name&gt;</a:t>
+              <a:t> &lt;/name&gt;</a:t>
             </a:r>
           </a:p>
           <a:p>
@@ -4789,31 +4720,19 @@
               <a:rPr lang="en-US" sz="1600" b="1" dirty="0" smtClean="0">
                 <a:latin typeface="Palatino Linotype" panose="02040502050505030304" pitchFamily="18" charset="0"/>
               </a:rPr>
-              <a:t>	&lt;value</a:t>
+              <a:t>	&lt;value&gt; </a:t>
+            </a:r>
+            <a:r>
+              <a:rPr lang="en-US" sz="1600" b="1" dirty="0" err="1" smtClean="0">
+                <a:latin typeface="Palatino Linotype" panose="02040502050505030304" pitchFamily="18" charset="0"/>
+              </a:rPr>
+              <a:t>bernoulli</a:t>
             </a:r>
             <a:r>
               <a:rPr lang="en-US" sz="1600" b="1" dirty="0" smtClean="0">
                 <a:latin typeface="Palatino Linotype" panose="02040502050505030304" pitchFamily="18" charset="0"/>
               </a:rPr>
-              <a:t>&gt; </a:t>
-            </a:r>
-            <a:r>
-              <a:rPr lang="en-US" sz="1600" b="1" dirty="0" err="1" smtClean="0">
-                <a:latin typeface="Palatino Linotype" panose="02040502050505030304" pitchFamily="18" charset="0"/>
-              </a:rPr>
-              <a:t>bernoulli</a:t>
-            </a:r>
-            <a:r>
-              <a:rPr lang="en-US" sz="1600" b="1" dirty="0" smtClean="0">
-                <a:latin typeface="Palatino Linotype" panose="02040502050505030304" pitchFamily="18" charset="0"/>
-              </a:rPr>
-              <a:t> &lt;/</a:t>
-            </a:r>
-            <a:r>
-              <a:rPr lang="en-US" sz="1600" b="1" dirty="0" smtClean="0">
-                <a:latin typeface="Palatino Linotype" panose="02040502050505030304" pitchFamily="18" charset="0"/>
-              </a:rPr>
-              <a:t>value&gt;</a:t>
+              <a:t> &lt;/value&gt;</a:t>
             </a:r>
           </a:p>
           <a:p>
@@ -4912,15 +4831,7 @@
                   <a:srgbClr val="008000"/>
                 </a:solidFill>
               </a:rPr>
-              <a:t> XML </a:t>
-            </a:r>
-            <a:r>
-              <a:rPr lang="en-US" sz="1600" dirty="0" smtClean="0">
-                <a:solidFill>
-                  <a:srgbClr val="008000"/>
-                </a:solidFill>
-              </a:rPr>
-              <a:t>Workflow</a:t>
+              <a:t> XML Workflow</a:t>
             </a:r>
             <a:endParaRPr lang="en-US" sz="1600" b="0" dirty="0"/>
           </a:p>
@@ -6365,19 +6276,7 @@
               <a:rPr lang="en-US" b="0" dirty="0" smtClean="0">
                 <a:latin typeface="+mn-lt"/>
               </a:rPr>
-              <a:t>KNN approaches #1 and #2 </a:t>
-            </a:r>
-            <a:r>
-              <a:rPr lang="en-US" b="0" dirty="0" smtClean="0">
-                <a:latin typeface="+mn-lt"/>
-              </a:rPr>
-              <a:t>above use </a:t>
-            </a:r>
-            <a:r>
-              <a:rPr lang="en-US" b="0" dirty="0" smtClean="0">
-                <a:latin typeface="+mn-lt"/>
-              </a:rPr>
-              <a:t>different distance metrics</a:t>
+              <a:t>KNN approaches #1 and #2 above use different distance metrics</a:t>
             </a:r>
             <a:endParaRPr lang="en-US" b="0" dirty="0">
               <a:latin typeface="+mn-lt"/>
@@ -6519,19 +6418,7 @@
               <a:rPr lang="en-US" b="0" dirty="0" smtClean="0">
                 <a:latin typeface="+mn-lt"/>
               </a:rPr>
-              <a:t>KNN approaches #1 and #2 </a:t>
-            </a:r>
-            <a:r>
-              <a:rPr lang="en-US" b="0" dirty="0" smtClean="0">
-                <a:latin typeface="+mn-lt"/>
-              </a:rPr>
-              <a:t>above use </a:t>
-            </a:r>
-            <a:r>
-              <a:rPr lang="en-US" b="0" dirty="0" smtClean="0">
-                <a:latin typeface="+mn-lt"/>
-              </a:rPr>
-              <a:t>different distance metrics</a:t>
+              <a:t>KNN approaches #1 and #2 above use different distance metrics</a:t>
             </a:r>
             <a:endParaRPr lang="en-US" b="0" dirty="0">
               <a:latin typeface="+mn-lt"/>
@@ -6990,19 +6877,7 @@
               <a:rPr lang="en-US" dirty="0" smtClean="0">
                 <a:latin typeface="+mj-lt"/>
               </a:rPr>
-              <a:t>Implemented </a:t>
-            </a:r>
-            <a:r>
-              <a:rPr lang="en-US" dirty="0" smtClean="0">
-                <a:latin typeface="+mj-lt"/>
-              </a:rPr>
-              <a:t>using standard </a:t>
-            </a:r>
-            <a:r>
-              <a:rPr lang="en-US" dirty="0" smtClean="0">
-                <a:latin typeface="+mj-lt"/>
-              </a:rPr>
-              <a:t>MapReduce</a:t>
+              <a:t>Implemented using standard MapReduce</a:t>
             </a:r>
           </a:p>
           <a:p>
@@ -7274,8 +7149,8 @@
           </a:p>
         </p:txBody>
       </p:sp>
-      <mc:AlternateContent xmlns:mc="http://schemas.openxmlformats.org/markup-compatibility/2006">
-        <mc:Choice xmlns:a14="http://schemas.microsoft.com/office/drawing/2010/main" Requires="a14">
+      <mc:AlternateContent xmlns:mc="http://schemas.openxmlformats.org/markup-compatibility/2006" xmlns:a14="http://schemas.microsoft.com/office/drawing/2010/main">
+        <mc:Choice Requires="a14">
           <p:sp>
             <p:nvSpPr>
               <p:cNvPr id="3" name="Content Placeholder 2"/>
@@ -7314,9 +7189,6 @@
                   </a:rPr>
                   <a:t>MapReduce</a:t>
                 </a:r>
-                <a:endParaRPr lang="en-US" dirty="0" smtClean="0">
-                  <a:latin typeface="+mj-lt"/>
-                </a:endParaRPr>
               </a:p>
               <a:p>
                 <a:pPr>
@@ -7497,7 +7369,7 @@
             </p:txBody>
           </p:sp>
         </mc:Choice>
-        <mc:Fallback>
+        <mc:Fallback xmlns="">
           <p:sp>
             <p:nvSpPr>
               <p:cNvPr id="3" name="Content Placeholder 2"/>

--- a/Presentation/CS286 - Ensemble Classifier on AWS.pptx
+++ b/Presentation/CS286 - Ensemble Classifier on AWS.pptx
@@ -5,7 +5,7 @@
     <p:sldMasterId id="2147483650" r:id="rId1"/>
   </p:sldMasterIdLst>
   <p:notesMasterIdLst>
-    <p:notesMasterId r:id="rId20"/>
+    <p:notesMasterId r:id="rId21"/>
   </p:notesMasterIdLst>
   <p:sldIdLst>
     <p:sldId id="256" r:id="rId2"/>
@@ -20,12 +20,13 @@
     <p:sldId id="299" r:id="rId11"/>
     <p:sldId id="300" r:id="rId12"/>
     <p:sldId id="301" r:id="rId13"/>
-    <p:sldId id="311" r:id="rId14"/>
-    <p:sldId id="302" r:id="rId15"/>
-    <p:sldId id="303" r:id="rId16"/>
-    <p:sldId id="296" r:id="rId17"/>
-    <p:sldId id="305" r:id="rId18"/>
-    <p:sldId id="291" r:id="rId19"/>
+    <p:sldId id="302" r:id="rId14"/>
+    <p:sldId id="303" r:id="rId15"/>
+    <p:sldId id="296" r:id="rId16"/>
+    <p:sldId id="305" r:id="rId17"/>
+    <p:sldId id="291" r:id="rId18"/>
+    <p:sldId id="313" r:id="rId19"/>
+    <p:sldId id="311" r:id="rId20"/>
   </p:sldIdLst>
   <p:sldSz cx="9144000" cy="6858000" type="screen4x3"/>
   <p:notesSz cx="6858000" cy="9144000"/>
@@ -966,10 +967,7 @@
           <a:bodyPr/>
           <a:lstStyle/>
           <a:p>
-            <a:r>
-              <a:rPr lang="en-US" smtClean="0"/>
-              <a:t>Tree can be very large</a:t>
-            </a:r>
+            <a:endParaRPr lang="en-US" dirty="0" smtClean="0"/>
           </a:p>
         </p:txBody>
       </p:sp>
@@ -1000,7 +998,7 @@
       </p:grpSpPr>
       <p:sp>
         <p:nvSpPr>
-          <p:cNvPr id="11265" name="Rectangle 2"/>
+          <p:cNvPr id="59393" name="Rectangle 2"/>
           <p:cNvSpPr>
             <a:spLocks noGrp="1" noRot="1" noChangeAspect="1" noChangeArrowheads="1" noTextEdit="1"/>
           </p:cNvSpPr>
@@ -1014,7 +1012,7 @@
       </p:sp>
       <p:sp>
         <p:nvSpPr>
-          <p:cNvPr id="11266" name="Rectangle 3"/>
+          <p:cNvPr id="59394" name="Rectangle 3"/>
           <p:cNvSpPr>
             <a:spLocks noGrp="1" noChangeArrowheads="1"/>
           </p:cNvSpPr>
@@ -1030,7 +1028,7 @@
           <a:bodyPr/>
           <a:lstStyle/>
           <a:p>
-            <a:endParaRPr lang="en-US" dirty="0" smtClean="0"/>
+            <a:endParaRPr lang="en-US" smtClean="0"/>
           </a:p>
         </p:txBody>
       </p:sp>
@@ -1092,6 +1090,70 @@
           <a:lstStyle/>
           <a:p>
             <a:endParaRPr lang="en-US" smtClean="0"/>
+          </a:p>
+        </p:txBody>
+      </p:sp>
+    </p:spTree>
+  </p:cSld>
+  <p:clrMapOvr>
+    <a:masterClrMapping/>
+  </p:clrMapOvr>
+</p:notes>
+</file>
+
+<file path=ppt/notesSlides/notesSlide9.xml><?xml version="1.0" encoding="utf-8"?>
+<p:notes xmlns:a="http://schemas.openxmlformats.org/drawingml/2006/main" xmlns:r="http://schemas.openxmlformats.org/officeDocument/2006/relationships" xmlns:p="http://schemas.openxmlformats.org/presentationml/2006/main">
+  <p:cSld>
+    <p:spTree>
+      <p:nvGrpSpPr>
+        <p:cNvPr id="1" name=""/>
+        <p:cNvGrpSpPr/>
+        <p:nvPr/>
+      </p:nvGrpSpPr>
+      <p:grpSpPr>
+        <a:xfrm>
+          <a:off x="0" y="0"/>
+          <a:ext cx="0" cy="0"/>
+          <a:chOff x="0" y="0"/>
+          <a:chExt cx="0" cy="0"/>
+        </a:xfrm>
+      </p:grpSpPr>
+      <p:sp>
+        <p:nvSpPr>
+          <p:cNvPr id="11265" name="Rectangle 2"/>
+          <p:cNvSpPr>
+            <a:spLocks noGrp="1" noRot="1" noChangeAspect="1" noChangeArrowheads="1" noTextEdit="1"/>
+          </p:cNvSpPr>
+          <p:nvPr>
+            <p:ph type="sldImg"/>
+          </p:nvPr>
+        </p:nvSpPr>
+        <p:spPr>
+          <a:ln/>
+        </p:spPr>
+      </p:sp>
+      <p:sp>
+        <p:nvSpPr>
+          <p:cNvPr id="11266" name="Rectangle 3"/>
+          <p:cNvSpPr>
+            <a:spLocks noGrp="1" noChangeArrowheads="1"/>
+          </p:cNvSpPr>
+          <p:nvPr>
+            <p:ph type="body" idx="1"/>
+          </p:nvPr>
+        </p:nvSpPr>
+        <p:spPr>
+          <a:noFill/>
+          <a:ln/>
+        </p:spPr>
+        <p:txBody>
+          <a:bodyPr/>
+          <a:lstStyle/>
+          <a:p>
+            <a:r>
+              <a:rPr lang="en-US" smtClean="0"/>
+              <a:t>Tree can be very large</a:t>
+            </a:r>
           </a:p>
         </p:txBody>
       </p:sp>
@@ -3870,10 +3932,16 @@
               <a:defRPr/>
             </a:pPr>
             <a:r>
+              <a:rPr lang="en-US" sz="2800" dirty="0" err="1" smtClean="0">
+                <a:latin typeface="+mj-lt"/>
+              </a:rPr>
+              <a:t>MapR</a:t>
+            </a:r>
+            <a:r>
               <a:rPr lang="en-US" sz="2800" dirty="0" smtClean="0">
                 <a:latin typeface="+mj-lt"/>
               </a:rPr>
-              <a:t>AWS Cluster Administration – Not So Easy</a:t>
+              <a:t>-FS – You Don’t Miss it Until Its Gone</a:t>
             </a:r>
             <a:endParaRPr lang="en-US" sz="2800" dirty="0">
               <a:latin typeface="+mj-lt"/>
@@ -3893,32 +3961,44 @@
         </p:nvSpPr>
         <p:spPr>
           <a:xfrm>
-            <a:off x="457199" y="989013"/>
-            <a:ext cx="8239126" cy="5404167"/>
+            <a:off x="457200" y="989013"/>
+            <a:ext cx="8186738" cy="5404167"/>
           </a:xfrm>
         </p:spPr>
         <p:txBody>
           <a:bodyPr>
-            <a:normAutofit fontScale="85000" lnSpcReduction="20000"/>
+            <a:normAutofit lnSpcReduction="10000"/>
           </a:bodyPr>
           <a:lstStyle/>
           <a:p>
             <a:pPr>
               <a:lnSpc>
-                <a:spcPct val="120000"/>
+                <a:spcPct val="110000"/>
               </a:lnSpc>
             </a:pPr>
             <a:r>
               <a:rPr lang="en-US" dirty="0" smtClean="0">
                 <a:latin typeface="+mj-lt"/>
               </a:rPr>
-              <a:t>Configuring an AWS cluster was more difficult than we had anticipated.</a:t>
+              <a:t>When originally debugging on AWS, we were not able to get </a:t>
+            </a:r>
+            <a:r>
+              <a:rPr lang="en-US" dirty="0" err="1" smtClean="0">
+                <a:latin typeface="+mj-lt"/>
+              </a:rPr>
+              <a:t>MapR</a:t>
+            </a:r>
+            <a:r>
+              <a:rPr lang="en-US" dirty="0" smtClean="0">
+                <a:latin typeface="+mj-lt"/>
+              </a:rPr>
+              <a:t>-FS running on our cluster so we used standard HDFS.</a:t>
             </a:r>
           </a:p>
           <a:p>
             <a:pPr>
               <a:lnSpc>
-                <a:spcPct val="120000"/>
+                <a:spcPct val="110000"/>
               </a:lnSpc>
             </a:pPr>
             <a:endParaRPr lang="en-US" dirty="0">
@@ -3928,60 +4008,45 @@
           <a:p>
             <a:pPr>
               <a:lnSpc>
-                <a:spcPct val="120000"/>
+                <a:spcPct val="110000"/>
               </a:lnSpc>
             </a:pPr>
             <a:r>
-              <a:rPr lang="en-US" dirty="0">
-                <a:latin typeface="+mj-lt"/>
-              </a:rPr>
-              <a:t>In our sandbox, we only setup a single instance (and some of use even struggled with that).  Bringing up and managing multiple, parallel instances is more complicated</a:t>
-            </a:r>
-            <a:r>
               <a:rPr lang="en-US" dirty="0" smtClean="0">
                 <a:latin typeface="+mj-lt"/>
               </a:rPr>
-              <a:t>.</a:t>
-            </a:r>
+              <a:t>Operations that just worked on </a:t>
+            </a:r>
+            <a:r>
+              <a:rPr lang="en-US" dirty="0" err="1" smtClean="0">
+                <a:latin typeface="+mj-lt"/>
+              </a:rPr>
+              <a:t>MapR</a:t>
+            </a:r>
+            <a:r>
+              <a:rPr lang="en-US" dirty="0" smtClean="0">
+                <a:latin typeface="+mj-lt"/>
+              </a:rPr>
+              <a:t>-FS required different, more complicated procedures on standard HDFS.</a:t>
+            </a:r>
+            <a:endParaRPr lang="en-US" b="1" dirty="0" smtClean="0">
+              <a:latin typeface="+mj-lt"/>
+            </a:endParaRPr>
           </a:p>
           <a:p>
             <a:pPr>
               <a:lnSpc>
-                <a:spcPct val="120000"/>
+                <a:spcPct val="110000"/>
               </a:lnSpc>
             </a:pPr>
-            <a:endParaRPr lang="en-US" dirty="0">
+            <a:endParaRPr lang="en-US" b="1" dirty="0">
               <a:latin typeface="+mj-lt"/>
             </a:endParaRPr>
           </a:p>
           <a:p>
             <a:pPr>
               <a:lnSpc>
-                <a:spcPct val="120000"/>
-              </a:lnSpc>
-            </a:pPr>
-            <a:r>
-              <a:rPr lang="en-US" dirty="0" smtClean="0">
-                <a:latin typeface="+mj-lt"/>
-              </a:rPr>
-              <a:t>Amazon’s Elastic MapReduce (EMR) service should make this process simpler, but we went with EC2 instances due to their lower cost</a:t>
-            </a:r>
-          </a:p>
-          <a:p>
-            <a:pPr marL="0" indent="0">
-              <a:lnSpc>
-                <a:spcPct val="120000"/>
-              </a:lnSpc>
-              <a:buNone/>
-            </a:pPr>
-            <a:endParaRPr lang="en-US" dirty="0">
-              <a:latin typeface="+mj-lt"/>
-            </a:endParaRPr>
-          </a:p>
-          <a:p>
-            <a:pPr>
-              <a:lnSpc>
-                <a:spcPct val="120000"/>
+                <a:spcPct val="110000"/>
               </a:lnSpc>
             </a:pPr>
             <a:r>
@@ -3991,44 +4056,61 @@
                 </a:solidFill>
                 <a:latin typeface="+mj-lt"/>
               </a:rPr>
-              <a:t>Takeaways:</a:t>
+              <a:t>Takeaways: </a:t>
             </a:r>
           </a:p>
           <a:p>
             <a:pPr lvl="1">
               <a:lnSpc>
-                <a:spcPct val="120000"/>
+                <a:spcPct val="110000"/>
               </a:lnSpc>
             </a:pPr>
             <a:r>
+              <a:rPr lang="en-US" dirty="0" err="1" smtClean="0">
+                <a:latin typeface="+mj-lt"/>
+              </a:rPr>
+              <a:t>MapR</a:t>
+            </a:r>
+            <a:r>
               <a:rPr lang="en-US" dirty="0" smtClean="0">
                 <a:latin typeface="+mj-lt"/>
               </a:rPr>
-              <a:t>If your future company has a system admin, become his/her friend as it is can be pain to figure out how to configure AWS yourself.</a:t>
-            </a:r>
-          </a:p>
-          <a:p>
-            <a:pPr marL="457200" lvl="1" indent="0">
+              <a:t>-FS is more useful than we knew since we have never worked with the alterative.</a:t>
+            </a:r>
+          </a:p>
+          <a:p>
+            <a:pPr lvl="1">
               <a:lnSpc>
-                <a:spcPct val="120000"/>
+                <a:spcPct val="110000"/>
               </a:lnSpc>
-              <a:buNone/>
-            </a:pPr>
-            <a:endParaRPr lang="en-US" dirty="0" smtClean="0">
+            </a:pPr>
+            <a:endParaRPr lang="en-US" dirty="0">
               <a:latin typeface="+mj-lt"/>
             </a:endParaRPr>
           </a:p>
           <a:p>
             <a:pPr lvl="1">
               <a:lnSpc>
-                <a:spcPct val="120000"/>
+                <a:spcPct val="110000"/>
               </a:lnSpc>
             </a:pPr>
             <a:r>
               <a:rPr lang="en-US" dirty="0" smtClean="0">
                 <a:latin typeface="+mj-lt"/>
               </a:rPr>
-              <a:t>If you need to do the system administration yourself, do not despair as you learn a lot of new (and unexpected) things along the way.</a:t>
+              <a:t>Consider getting experience with standard HDFS environments as many employers may not run </a:t>
+            </a:r>
+            <a:r>
+              <a:rPr lang="en-US" dirty="0" err="1" smtClean="0">
+                <a:latin typeface="+mj-lt"/>
+              </a:rPr>
+              <a:t>MapR</a:t>
+            </a:r>
+            <a:r>
+              <a:rPr lang="en-US" dirty="0" smtClean="0">
+                <a:latin typeface="+mj-lt"/>
+              </a:rPr>
+              <a:t>-FS, and you probably do not realize what you take for granted.</a:t>
             </a:r>
           </a:p>
         </p:txBody>
@@ -4065,7 +4147,7 @@
     </p:spTree>
     <p:extLst>
       <p:ext uri="{BB962C8B-B14F-4D97-AF65-F5344CB8AC3E}">
-        <p14:creationId xmlns:p14="http://schemas.microsoft.com/office/powerpoint/2010/main" val="648670633"/>
+        <p14:creationId xmlns:p14="http://schemas.microsoft.com/office/powerpoint/2010/main" val="817658699"/>
       </p:ext>
     </p:extLst>
   </p:cSld>
@@ -4117,12 +4199,7 @@
             <p:ph type="title"/>
           </p:nvPr>
         </p:nvSpPr>
-        <p:spPr>
-          <a:xfrm>
-            <a:off x="2162175" y="94672"/>
-            <a:ext cx="6838950" cy="550863"/>
-          </a:xfrm>
-        </p:spPr>
+        <p:spPr/>
         <p:txBody>
           <a:bodyPr>
             <a:noAutofit/>
@@ -4133,16 +4210,21 @@
               <a:defRPr/>
             </a:pPr>
             <a:r>
-              <a:rPr lang="en-US" sz="2800" dirty="0" err="1" smtClean="0">
-                <a:latin typeface="+mj-lt"/>
-              </a:rPr>
-              <a:t>MapR</a:t>
-            </a:r>
-            <a:r>
               <a:rPr lang="en-US" sz="2800" dirty="0" smtClean="0">
                 <a:latin typeface="+mj-lt"/>
               </a:rPr>
-              <a:t>-FS – You Don’t Miss it Until Its Gone</a:t>
+              <a:t>Fall-In Love with Custom </a:t>
+            </a:r>
+            <a:br>
+              <a:rPr lang="en-US" sz="2800" dirty="0" smtClean="0">
+                <a:latin typeface="+mj-lt"/>
+              </a:rPr>
+            </a:br>
+            <a:r>
+              <a:rPr lang="en-US" sz="2800" dirty="0" smtClean="0">
+                <a:latin typeface="+mj-lt"/>
+              </a:rPr>
+              <a:t>MapReduce Configurations</a:t>
             </a:r>
             <a:endParaRPr lang="en-US" sz="2800" dirty="0">
               <a:latin typeface="+mj-lt"/>
@@ -4157,49 +4239,38 @@
             <a:spLocks noGrp="1"/>
           </p:cNvSpPr>
           <p:nvPr>
-            <p:ph idx="1"/>
+            <p:ph sz="half" idx="1"/>
           </p:nvPr>
         </p:nvSpPr>
         <p:spPr>
           <a:xfrm>
-            <a:off x="457200" y="989013"/>
-            <a:ext cx="8186738" cy="5404167"/>
+            <a:off x="73890" y="1081373"/>
+            <a:ext cx="4608945" cy="5135562"/>
           </a:xfrm>
+          <a:noFill/>
         </p:spPr>
         <p:txBody>
           <a:bodyPr>
-            <a:normAutofit lnSpcReduction="10000"/>
+            <a:normAutofit fontScale="70000" lnSpcReduction="20000"/>
           </a:bodyPr>
           <a:lstStyle/>
           <a:p>
             <a:pPr>
               <a:lnSpc>
-                <a:spcPct val="110000"/>
+                <a:spcPct val="120000"/>
               </a:lnSpc>
             </a:pPr>
             <a:r>
               <a:rPr lang="en-US" dirty="0" smtClean="0">
                 <a:latin typeface="+mj-lt"/>
               </a:rPr>
-              <a:t>When originally debugging on AWS, we were not able to get </a:t>
-            </a:r>
-            <a:r>
-              <a:rPr lang="en-US" dirty="0" err="1" smtClean="0">
-                <a:latin typeface="+mj-lt"/>
-              </a:rPr>
-              <a:t>MapR</a:t>
-            </a:r>
-            <a:r>
-              <a:rPr lang="en-US" dirty="0" smtClean="0">
-                <a:latin typeface="+mj-lt"/>
-              </a:rPr>
-              <a:t>-FS running on our cluster so we used standard HDFS.</a:t>
+              <a:t>In our class lab exercises, we did not have to use custom MapReduce configurations.</a:t>
             </a:r>
           </a:p>
           <a:p>
             <a:pPr>
               <a:lnSpc>
-                <a:spcPct val="110000"/>
+                <a:spcPct val="120000"/>
               </a:lnSpc>
             </a:pPr>
             <a:endParaRPr lang="en-US" dirty="0">
@@ -4209,45 +4280,56 @@
           <a:p>
             <a:pPr>
               <a:lnSpc>
-                <a:spcPct val="110000"/>
+                <a:spcPct val="120000"/>
               </a:lnSpc>
             </a:pPr>
             <a:r>
               <a:rPr lang="en-US" dirty="0" smtClean="0">
                 <a:latin typeface="+mj-lt"/>
               </a:rPr>
-              <a:t>Operations that just worked on </a:t>
-            </a:r>
-            <a:r>
-              <a:rPr lang="en-US" dirty="0" err="1" smtClean="0">
-                <a:latin typeface="+mj-lt"/>
-              </a:rPr>
-              <a:t>MapR</a:t>
-            </a:r>
+              <a:t>Custom MapReduce configurations are very powerful.  Specific uses of them in our project include:</a:t>
+            </a:r>
+          </a:p>
+          <a:p>
+            <a:pPr lvl="1">
+              <a:lnSpc>
+                <a:spcPct val="120000"/>
+              </a:lnSpc>
+            </a:pPr>
             <a:r>
               <a:rPr lang="en-US" dirty="0" smtClean="0">
                 <a:latin typeface="+mj-lt"/>
               </a:rPr>
-              <a:t>-FS required different, more complicated procedures on standard HDFS.</a:t>
-            </a:r>
-            <a:endParaRPr lang="en-US" b="1" dirty="0" smtClean="0">
+              <a:t>Passing the training set file location</a:t>
+            </a:r>
+          </a:p>
+          <a:p>
+            <a:pPr lvl="1">
+              <a:lnSpc>
+                <a:spcPct val="120000"/>
+              </a:lnSpc>
+            </a:pPr>
+            <a:r>
+              <a:rPr lang="en-US" dirty="0" smtClean="0">
+                <a:latin typeface="+mj-lt"/>
+              </a:rPr>
+              <a:t>Strategy pattern selection of distance metric for KNN</a:t>
+            </a:r>
+          </a:p>
+          <a:p>
+            <a:pPr lvl="1">
+              <a:lnSpc>
+                <a:spcPct val="120000"/>
+              </a:lnSpc>
+            </a:pPr>
+            <a:endParaRPr lang="en-US" dirty="0">
               <a:latin typeface="+mj-lt"/>
             </a:endParaRPr>
           </a:p>
           <a:p>
             <a:pPr>
               <a:lnSpc>
-                <a:spcPct val="110000"/>
-              </a:lnSpc>
-            </a:pPr>
-            <a:endParaRPr lang="en-US" b="1" dirty="0">
-              <a:latin typeface="+mj-lt"/>
-            </a:endParaRPr>
-          </a:p>
-          <a:p>
-            <a:pPr>
-              <a:lnSpc>
-                <a:spcPct val="110000"/>
+                <a:spcPct val="120000"/>
               </a:lnSpc>
             </a:pPr>
             <a:r>
@@ -4257,62 +4339,217 @@
                 </a:solidFill>
                 <a:latin typeface="+mj-lt"/>
               </a:rPr>
-              <a:t>Takeaways: </a:t>
-            </a:r>
-          </a:p>
-          <a:p>
-            <a:pPr lvl="1">
-              <a:lnSpc>
-                <a:spcPct val="110000"/>
-              </a:lnSpc>
-            </a:pPr>
-            <a:r>
-              <a:rPr lang="en-US" dirty="0" err="1" smtClean="0">
-                <a:latin typeface="+mj-lt"/>
-              </a:rPr>
-              <a:t>MapR</a:t>
+              <a:t>Takeaway: </a:t>
             </a:r>
             <a:r>
               <a:rPr lang="en-US" dirty="0" smtClean="0">
                 <a:latin typeface="+mj-lt"/>
               </a:rPr>
-              <a:t>-FS is more useful than we knew since we have never worked with the alterative.</a:t>
-            </a:r>
-          </a:p>
-          <a:p>
-            <a:pPr lvl="1">
-              <a:lnSpc>
-                <a:spcPct val="110000"/>
-              </a:lnSpc>
-            </a:pPr>
-            <a:endParaRPr lang="en-US" dirty="0">
-              <a:latin typeface="+mj-lt"/>
+              <a:t>Custom configurations can streamline implementation schemes and enable significant flexibility.</a:t>
+            </a:r>
+          </a:p>
+        </p:txBody>
+      </p:sp>
+      <p:sp>
+        <p:nvSpPr>
+          <p:cNvPr id="5" name="Content Placeholder 4"/>
+          <p:cNvSpPr>
+            <a:spLocks noGrp="1"/>
+          </p:cNvSpPr>
+          <p:nvPr>
+            <p:ph sz="half" idx="2"/>
+          </p:nvPr>
+        </p:nvSpPr>
+        <p:spPr>
+          <a:xfrm>
+            <a:off x="4999183" y="1857230"/>
+            <a:ext cx="4038600" cy="2807132"/>
+          </a:xfrm>
+          <a:solidFill>
+            <a:schemeClr val="bg1"/>
+          </a:solidFill>
+          <a:ln w="25400">
+            <a:solidFill>
+              <a:srgbClr val="008000"/>
+            </a:solidFill>
+          </a:ln>
+        </p:spPr>
+        <p:txBody>
+          <a:bodyPr/>
+          <a:lstStyle/>
+          <a:p>
+            <a:pPr marL="0" indent="0">
+              <a:buNone/>
+              <a:tabLst>
+                <a:tab pos="461963" algn="l"/>
+              </a:tabLst>
+            </a:pPr>
+            <a:r>
+              <a:rPr lang="en-US" sz="1600" b="1" dirty="0" smtClean="0">
+                <a:latin typeface="Palatino Linotype" panose="02040502050505030304" pitchFamily="18" charset="0"/>
+              </a:rPr>
+              <a:t>&lt;property&gt;</a:t>
+            </a:r>
+          </a:p>
+          <a:p>
+            <a:pPr marL="0" indent="0">
+              <a:buNone/>
+              <a:tabLst>
+                <a:tab pos="461963" algn="l"/>
+              </a:tabLst>
+            </a:pPr>
+            <a:r>
+              <a:rPr lang="en-US" sz="1600" b="1" dirty="0" smtClean="0">
+                <a:latin typeface="Palatino Linotype" panose="02040502050505030304" pitchFamily="18" charset="0"/>
+              </a:rPr>
+              <a:t>	&lt;name&gt; </a:t>
+            </a:r>
+            <a:r>
+              <a:rPr lang="en-US" sz="1600" b="1" dirty="0" err="1" smtClean="0">
+                <a:latin typeface="Palatino Linotype" panose="02040502050505030304" pitchFamily="18" charset="0"/>
+              </a:rPr>
+              <a:t>trainingFile</a:t>
+            </a:r>
+            <a:r>
+              <a:rPr lang="en-US" sz="1600" b="1" dirty="0" smtClean="0">
+                <a:latin typeface="Palatino Linotype" panose="02040502050505030304" pitchFamily="18" charset="0"/>
+              </a:rPr>
+              <a:t> &lt;/name&gt;</a:t>
+            </a:r>
+          </a:p>
+          <a:p>
+            <a:pPr marL="0" indent="0">
+              <a:buNone/>
+              <a:tabLst>
+                <a:tab pos="461963" algn="l"/>
+              </a:tabLst>
+            </a:pPr>
+            <a:r>
+              <a:rPr lang="en-US" sz="1600" b="1" dirty="0" smtClean="0">
+                <a:latin typeface="Palatino Linotype" panose="02040502050505030304" pitchFamily="18" charset="0"/>
+              </a:rPr>
+              <a:t>	&lt;value&gt; ${</a:t>
+            </a:r>
+            <a:r>
+              <a:rPr lang="en-US" sz="1600" b="1" dirty="0" err="1" smtClean="0">
+                <a:latin typeface="Palatino Linotype" panose="02040502050505030304" pitchFamily="18" charset="0"/>
+              </a:rPr>
+              <a:t>trainingSetFile</a:t>
+            </a:r>
+            <a:r>
+              <a:rPr lang="en-US" sz="1600" b="1" dirty="0" smtClean="0">
+                <a:latin typeface="Palatino Linotype" panose="02040502050505030304" pitchFamily="18" charset="0"/>
+              </a:rPr>
+              <a:t>} &lt;/value&gt;</a:t>
+            </a:r>
+          </a:p>
+          <a:p>
+            <a:pPr marL="0" indent="0">
+              <a:buNone/>
+              <a:tabLst>
+                <a:tab pos="461963" algn="l"/>
+              </a:tabLst>
+            </a:pPr>
+            <a:r>
+              <a:rPr lang="en-US" sz="1600" b="1" dirty="0" smtClean="0">
+                <a:latin typeface="Palatino Linotype" panose="02040502050505030304" pitchFamily="18" charset="0"/>
+              </a:rPr>
+              <a:t>&lt;/property&gt;</a:t>
+            </a:r>
+          </a:p>
+          <a:p>
+            <a:pPr marL="0" indent="0">
+              <a:buNone/>
+              <a:tabLst>
+                <a:tab pos="461963" algn="l"/>
+              </a:tabLst>
+            </a:pPr>
+            <a:endParaRPr lang="en-US" sz="1600" b="1" dirty="0" smtClean="0">
+              <a:latin typeface="Palatino Linotype" panose="02040502050505030304" pitchFamily="18" charset="0"/>
             </a:endParaRPr>
           </a:p>
           <a:p>
-            <a:pPr lvl="1">
-              <a:lnSpc>
-                <a:spcPct val="110000"/>
-              </a:lnSpc>
-            </a:pPr>
-            <a:r>
-              <a:rPr lang="en-US" dirty="0" smtClean="0">
-                <a:latin typeface="+mj-lt"/>
-              </a:rPr>
-              <a:t>Consider getting experience with standard HDFS environments as many employers may not run </a:t>
-            </a:r>
-            <a:r>
-              <a:rPr lang="en-US" dirty="0" err="1" smtClean="0">
-                <a:latin typeface="+mj-lt"/>
-              </a:rPr>
-              <a:t>MapR</a:t>
-            </a:r>
-            <a:r>
-              <a:rPr lang="en-US" dirty="0" smtClean="0">
-                <a:latin typeface="+mj-lt"/>
-              </a:rPr>
-              <a:t>-FS, and you probably do not realize what you take for granted.</a:t>
-            </a:r>
+            <a:pPr marL="0" indent="0">
+              <a:buNone/>
+              <a:tabLst>
+                <a:tab pos="461963" algn="l"/>
+              </a:tabLst>
+            </a:pPr>
+            <a:r>
+              <a:rPr lang="en-US" sz="1600" b="1" dirty="0" smtClean="0">
+                <a:latin typeface="Palatino Linotype" panose="02040502050505030304" pitchFamily="18" charset="0"/>
+              </a:rPr>
+              <a:t>&lt;property&gt;</a:t>
+            </a:r>
+          </a:p>
+          <a:p>
+            <a:pPr marL="0" indent="0">
+              <a:buNone/>
+              <a:tabLst>
+                <a:tab pos="461963" algn="l"/>
+              </a:tabLst>
+            </a:pPr>
+            <a:r>
+              <a:rPr lang="en-US" sz="1600" b="1" dirty="0" smtClean="0">
+                <a:latin typeface="Palatino Linotype" panose="02040502050505030304" pitchFamily="18" charset="0"/>
+              </a:rPr>
+              <a:t>	&lt;name&gt; </a:t>
+            </a:r>
+            <a:r>
+              <a:rPr lang="en-US" sz="1600" b="1" dirty="0" err="1" smtClean="0">
+                <a:latin typeface="Palatino Linotype" panose="02040502050505030304" pitchFamily="18" charset="0"/>
+              </a:rPr>
+              <a:t>NaiveBayesModel</a:t>
+            </a:r>
+            <a:r>
+              <a:rPr lang="en-US" sz="1600" b="1" dirty="0" smtClean="0">
+                <a:latin typeface="Palatino Linotype" panose="02040502050505030304" pitchFamily="18" charset="0"/>
+              </a:rPr>
+              <a:t> &lt;/name&gt;</a:t>
+            </a:r>
+          </a:p>
+          <a:p>
+            <a:pPr marL="0" indent="0">
+              <a:buNone/>
+              <a:tabLst>
+                <a:tab pos="461963" algn="l"/>
+              </a:tabLst>
+            </a:pPr>
+            <a:r>
+              <a:rPr lang="en-US" sz="1600" b="1" dirty="0" smtClean="0">
+                <a:latin typeface="Palatino Linotype" panose="02040502050505030304" pitchFamily="18" charset="0"/>
+              </a:rPr>
+              <a:t>	&lt;value&gt; </a:t>
+            </a:r>
+            <a:r>
+              <a:rPr lang="en-US" sz="1600" b="1" dirty="0" err="1" smtClean="0">
+                <a:latin typeface="Palatino Linotype" panose="02040502050505030304" pitchFamily="18" charset="0"/>
+              </a:rPr>
+              <a:t>bernoulli</a:t>
+            </a:r>
+            <a:r>
+              <a:rPr lang="en-US" sz="1600" b="1" dirty="0" smtClean="0">
+                <a:latin typeface="Palatino Linotype" panose="02040502050505030304" pitchFamily="18" charset="0"/>
+              </a:rPr>
+              <a:t> &lt;/value&gt;</a:t>
+            </a:r>
+          </a:p>
+          <a:p>
+            <a:pPr marL="0" indent="0">
+              <a:buNone/>
+              <a:tabLst>
+                <a:tab pos="461963" algn="l"/>
+              </a:tabLst>
+            </a:pPr>
+            <a:r>
+              <a:rPr lang="en-US" sz="1600" b="1" dirty="0" smtClean="0">
+                <a:latin typeface="Palatino Linotype" panose="02040502050505030304" pitchFamily="18" charset="0"/>
+              </a:rPr>
+              <a:t>&lt;/property&gt;</a:t>
+            </a:r>
+            <a:endParaRPr lang="en-US" sz="1600" b="1" dirty="0">
+              <a:latin typeface="Palatino Linotype" panose="02040502050505030304" pitchFamily="18" charset="0"/>
+            </a:endParaRPr>
           </a:p>
         </p:txBody>
       </p:sp>
@@ -4341,14 +4578,68 @@
               </a:pPr>
               <a:t>14</a:t>
             </a:fld>
-            <a:endParaRPr lang="en-US"/>
+            <a:endParaRPr lang="en-US" dirty="0"/>
+          </a:p>
+        </p:txBody>
+      </p:sp>
+      <p:sp>
+        <p:nvSpPr>
+          <p:cNvPr id="6" name="TextBox 5"/>
+          <p:cNvSpPr txBox="1"/>
+          <p:nvPr/>
+        </p:nvSpPr>
+        <p:spPr>
+          <a:xfrm>
+            <a:off x="4986845" y="4881465"/>
+            <a:ext cx="4025180" cy="584775"/>
+          </a:xfrm>
+          <a:prstGeom prst="rect">
+            <a:avLst/>
+          </a:prstGeom>
+          <a:noFill/>
+        </p:spPr>
+        <p:txBody>
+          <a:bodyPr wrap="square" rtlCol="0">
+            <a:spAutoFit/>
+          </a:bodyPr>
+          <a:lstStyle/>
+          <a:p>
+            <a:pPr algn="ctr"/>
+            <a:r>
+              <a:rPr lang="en-US" sz="1600" b="0" dirty="0" smtClean="0"/>
+              <a:t>Custom MapReduce Configuration</a:t>
+            </a:r>
+          </a:p>
+          <a:p>
+            <a:pPr algn="ctr"/>
+            <a:r>
+              <a:rPr lang="en-US" sz="1600" b="0" dirty="0" smtClean="0"/>
+              <a:t>from our </a:t>
+            </a:r>
+            <a:r>
+              <a:rPr lang="en-US" sz="1600" dirty="0" err="1" smtClean="0">
+                <a:solidFill>
+                  <a:srgbClr val="008000"/>
+                </a:solidFill>
+              </a:rPr>
+              <a:t>Oozie</a:t>
+            </a:r>
+            <a:r>
+              <a:rPr lang="en-US" sz="1600" dirty="0" smtClean="0">
+                <a:solidFill>
+                  <a:srgbClr val="008000"/>
+                </a:solidFill>
+              </a:rPr>
+              <a:t> XML Workflow</a:t>
+            </a:r>
+            <a:endParaRPr lang="en-US" sz="1600" b="0" dirty="0"/>
           </a:p>
         </p:txBody>
       </p:sp>
     </p:spTree>
     <p:extLst>
       <p:ext uri="{BB962C8B-B14F-4D97-AF65-F5344CB8AC3E}">
-        <p14:creationId xmlns:p14="http://schemas.microsoft.com/office/powerpoint/2010/main" val="817658699"/>
+        <p14:creationId xmlns:p14="http://schemas.microsoft.com/office/powerpoint/2010/main" val="382780341"/>
       </p:ext>
     </p:extLst>
   </p:cSld>
@@ -4403,444 +4694,412 @@
         <p:spPr/>
         <p:txBody>
           <a:bodyPr>
-            <a:noAutofit/>
+            <a:normAutofit fontScale="90000"/>
           </a:bodyPr>
           <a:lstStyle/>
           <a:p>
-            <a:pPr>
-              <a:defRPr/>
-            </a:pPr>
-            <a:r>
-              <a:rPr lang="en-US" sz="2800" dirty="0" smtClean="0">
-                <a:latin typeface="+mj-lt"/>
-              </a:rPr>
-              <a:t>Fall-In Love with Custom </a:t>
-            </a:r>
-            <a:br>
-              <a:rPr lang="en-US" sz="2800" dirty="0" smtClean="0">
-                <a:latin typeface="+mj-lt"/>
-              </a:rPr>
-            </a:br>
-            <a:r>
-              <a:rPr lang="en-US" sz="2800" dirty="0" smtClean="0">
-                <a:latin typeface="+mj-lt"/>
-              </a:rPr>
-              <a:t>MapReduce Configurations</a:t>
-            </a:r>
-            <a:endParaRPr lang="en-US" sz="2800" dirty="0">
-              <a:latin typeface="+mj-lt"/>
-            </a:endParaRPr>
-          </a:p>
-        </p:txBody>
-      </p:sp>
-      <p:sp>
-        <p:nvSpPr>
-          <p:cNvPr id="10242" name="Content Placeholder 2"/>
-          <p:cNvSpPr>
-            <a:spLocks noGrp="1"/>
-          </p:cNvSpPr>
-          <p:nvPr>
-            <p:ph sz="half" idx="1"/>
-          </p:nvPr>
-        </p:nvSpPr>
-        <p:spPr>
-          <a:xfrm>
-            <a:off x="73890" y="1081373"/>
-            <a:ext cx="4608945" cy="5135562"/>
-          </a:xfrm>
-          <a:noFill/>
-        </p:spPr>
-        <p:txBody>
-          <a:bodyPr>
-            <a:normAutofit fontScale="70000" lnSpcReduction="20000"/>
-          </a:bodyPr>
-          <a:lstStyle/>
-          <a:p>
-            <a:pPr>
-              <a:lnSpc>
-                <a:spcPct val="120000"/>
-              </a:lnSpc>
-            </a:pPr>
             <a:r>
               <a:rPr lang="en-US" dirty="0" smtClean="0">
                 <a:latin typeface="+mj-lt"/>
               </a:rPr>
-              <a:t>In our class lab exercises, we did not have to use custom MapReduce configurations.</a:t>
-            </a:r>
-          </a:p>
-          <a:p>
-            <a:pPr>
-              <a:lnSpc>
-                <a:spcPct val="120000"/>
-              </a:lnSpc>
-            </a:pPr>
+              <a:t>List of References</a:t>
+            </a:r>
             <a:endParaRPr lang="en-US" dirty="0">
               <a:latin typeface="+mj-lt"/>
             </a:endParaRPr>
           </a:p>
-          <a:p>
-            <a:pPr>
-              <a:lnSpc>
-                <a:spcPct val="120000"/>
-              </a:lnSpc>
-            </a:pPr>
-            <a:r>
-              <a:rPr lang="en-US" dirty="0" smtClean="0">
-                <a:latin typeface="+mj-lt"/>
-              </a:rPr>
-              <a:t>Custom MapReduce configurations are very powerful.  Specific uses of them in our project include:</a:t>
-            </a:r>
-          </a:p>
-          <a:p>
-            <a:pPr lvl="1">
-              <a:lnSpc>
-                <a:spcPct val="120000"/>
-              </a:lnSpc>
-            </a:pPr>
-            <a:r>
-              <a:rPr lang="en-US" dirty="0" smtClean="0">
-                <a:latin typeface="+mj-lt"/>
-              </a:rPr>
-              <a:t>Passing the training set file location</a:t>
-            </a:r>
-          </a:p>
-          <a:p>
-            <a:pPr lvl="1">
-              <a:lnSpc>
-                <a:spcPct val="120000"/>
-              </a:lnSpc>
-            </a:pPr>
-            <a:r>
-              <a:rPr lang="en-US" dirty="0" smtClean="0">
-                <a:latin typeface="+mj-lt"/>
-              </a:rPr>
-              <a:t>Strategy pattern selection of distance metric for KNN</a:t>
-            </a:r>
-          </a:p>
-          <a:p>
-            <a:pPr lvl="1">
-              <a:lnSpc>
-                <a:spcPct val="120000"/>
-              </a:lnSpc>
-            </a:pPr>
-            <a:endParaRPr lang="en-US" dirty="0">
+        </p:txBody>
+      </p:sp>
+      <p:sp>
+        <p:nvSpPr>
+          <p:cNvPr id="3" name="Content Placeholder 2"/>
+          <p:cNvSpPr>
+            <a:spLocks noGrp="1"/>
+          </p:cNvSpPr>
+          <p:nvPr>
+            <p:ph idx="1"/>
+          </p:nvPr>
+        </p:nvSpPr>
+        <p:spPr/>
+        <p:txBody>
+          <a:bodyPr>
+            <a:normAutofit fontScale="92500" lnSpcReduction="10000"/>
+          </a:bodyPr>
+          <a:lstStyle/>
+          <a:p>
+            <a:r>
+              <a:rPr lang="en-US" sz="1800" dirty="0" smtClean="0">
+                <a:latin typeface="+mj-lt"/>
+              </a:rPr>
+              <a:t>“</a:t>
+            </a:r>
+            <a:r>
+              <a:rPr lang="en-US" sz="1800" dirty="0">
+                <a:latin typeface="+mj-lt"/>
+              </a:rPr>
+              <a:t>What's Cooking?,”. [Online]. Available at: </a:t>
+            </a:r>
+            <a:r>
+              <a:rPr lang="en-US" sz="1800" u="sng" dirty="0">
+                <a:latin typeface="+mj-lt"/>
+                <a:hlinkClick r:id="rId2"/>
+              </a:rPr>
+              <a:t>https://www.kaggle.com/c/whats-cooking</a:t>
+            </a:r>
+            <a:r>
+              <a:rPr lang="en-US" sz="1800" dirty="0">
+                <a:latin typeface="+mj-lt"/>
+              </a:rPr>
+              <a:t>. [Accessed: </a:t>
+            </a:r>
+            <a:r>
+              <a:rPr lang="en-US" sz="1800" dirty="0" smtClean="0">
+                <a:latin typeface="+mj-lt"/>
+              </a:rPr>
+              <a:t>2015].</a:t>
+            </a:r>
+          </a:p>
+          <a:p>
+            <a:endParaRPr lang="en-US" sz="1800" dirty="0">
               <a:latin typeface="+mj-lt"/>
             </a:endParaRPr>
           </a:p>
           <a:p>
-            <a:pPr>
-              <a:lnSpc>
-                <a:spcPct val="120000"/>
-              </a:lnSpc>
-            </a:pPr>
-            <a:r>
-              <a:rPr lang="en-US" b="1" dirty="0" smtClean="0">
-                <a:solidFill>
-                  <a:srgbClr val="008000"/>
-                </a:solidFill>
-                <a:latin typeface="+mj-lt"/>
-              </a:rPr>
-              <a:t>Takeaway: </a:t>
-            </a:r>
-            <a:r>
-              <a:rPr lang="en-US" dirty="0" smtClean="0">
-                <a:latin typeface="+mj-lt"/>
-              </a:rPr>
-              <a:t>Custom configurations can streamline implementation schemes and enable significant flexibility.</a:t>
-            </a:r>
-          </a:p>
-        </p:txBody>
-      </p:sp>
-      <p:sp>
-        <p:nvSpPr>
-          <p:cNvPr id="5" name="Content Placeholder 4"/>
+            <a:r>
+              <a:rPr lang="en-US" sz="1800" dirty="0">
+                <a:latin typeface="+mj-lt"/>
+              </a:rPr>
+              <a:t>“</a:t>
+            </a:r>
+            <a:r>
+              <a:rPr lang="en-US" sz="1800" dirty="0" err="1">
+                <a:latin typeface="+mj-lt"/>
+              </a:rPr>
+              <a:t>Jaccard</a:t>
+            </a:r>
+            <a:r>
+              <a:rPr lang="en-US" sz="1800" dirty="0">
+                <a:latin typeface="+mj-lt"/>
+              </a:rPr>
+              <a:t> index,” </a:t>
+            </a:r>
+            <a:r>
+              <a:rPr lang="en-US" sz="1800" i="1" dirty="0">
+                <a:latin typeface="+mj-lt"/>
+              </a:rPr>
+              <a:t>Wikipedia</a:t>
+            </a:r>
+            <a:r>
+              <a:rPr lang="en-US" sz="1800" dirty="0">
+                <a:latin typeface="+mj-lt"/>
+              </a:rPr>
+              <a:t>. [Online]. Available at: </a:t>
+            </a:r>
+            <a:r>
+              <a:rPr lang="en-US" sz="1800" dirty="0">
+                <a:latin typeface="+mj-lt"/>
+                <a:hlinkClick r:id="rId3"/>
+              </a:rPr>
+              <a:t>https://en.wikipedia.org/wiki/jaccard_index</a:t>
+            </a:r>
+            <a:r>
+              <a:rPr lang="en-US" sz="1800" dirty="0">
+                <a:latin typeface="+mj-lt"/>
+              </a:rPr>
+              <a:t>. [Accessed: </a:t>
+            </a:r>
+            <a:r>
+              <a:rPr lang="en-US" sz="1800" dirty="0" smtClean="0">
+                <a:latin typeface="+mj-lt"/>
+              </a:rPr>
+              <a:t>2015].</a:t>
+            </a:r>
+          </a:p>
+          <a:p>
+            <a:endParaRPr lang="en-US" sz="1800" dirty="0">
+              <a:latin typeface="+mj-lt"/>
+            </a:endParaRPr>
+          </a:p>
+          <a:p>
+            <a:r>
+              <a:rPr lang="en-US" sz="1800" dirty="0">
+                <a:latin typeface="+mj-lt"/>
+              </a:rPr>
+              <a:t>P. Tan and M. Steinbach, </a:t>
+            </a:r>
+            <a:r>
+              <a:rPr lang="en-US" sz="1800" i="1" dirty="0">
+                <a:latin typeface="+mj-lt"/>
+              </a:rPr>
+              <a:t>Introduction to </a:t>
+            </a:r>
+            <a:r>
+              <a:rPr lang="en-US" sz="1800" i="1" dirty="0" smtClean="0">
+                <a:latin typeface="+mj-lt"/>
+              </a:rPr>
+              <a:t>Data Mining</a:t>
+            </a:r>
+            <a:r>
+              <a:rPr lang="en-US" sz="1800" dirty="0">
+                <a:latin typeface="+mj-lt"/>
+              </a:rPr>
+              <a:t>. Boston: Pearson Addison Wesley, 2005</a:t>
+            </a:r>
+            <a:r>
+              <a:rPr lang="en-US" sz="1800" dirty="0" smtClean="0">
+                <a:latin typeface="+mj-lt"/>
+              </a:rPr>
+              <a:t>.</a:t>
+            </a:r>
+          </a:p>
+          <a:p>
+            <a:endParaRPr lang="en-US" sz="1800" dirty="0">
+              <a:latin typeface="+mj-lt"/>
+            </a:endParaRPr>
+          </a:p>
+          <a:p>
+            <a:r>
+              <a:rPr lang="en-US" sz="1800" dirty="0">
+                <a:latin typeface="+mj-lt"/>
+              </a:rPr>
+              <a:t>“google-</a:t>
+            </a:r>
+            <a:r>
+              <a:rPr lang="en-US" sz="1800" dirty="0" err="1">
+                <a:latin typeface="+mj-lt"/>
+              </a:rPr>
+              <a:t>gson</a:t>
+            </a:r>
+            <a:r>
+              <a:rPr lang="en-US" sz="1800" dirty="0">
+                <a:latin typeface="+mj-lt"/>
+              </a:rPr>
+              <a:t>,” </a:t>
+            </a:r>
+            <a:r>
+              <a:rPr lang="en-US" sz="1800" i="1" dirty="0">
+                <a:latin typeface="+mj-lt"/>
+              </a:rPr>
+              <a:t>GitHub</a:t>
+            </a:r>
+            <a:r>
+              <a:rPr lang="en-US" sz="1800" dirty="0">
+                <a:latin typeface="+mj-lt"/>
+              </a:rPr>
+              <a:t>. [Online]. Available at: </a:t>
+            </a:r>
+            <a:r>
+              <a:rPr lang="en-US" sz="1800" dirty="0">
+                <a:latin typeface="+mj-lt"/>
+                <a:hlinkClick r:id="rId4"/>
+              </a:rPr>
+              <a:t>https://</a:t>
+            </a:r>
+            <a:r>
+              <a:rPr lang="en-US" sz="1800" dirty="0" smtClean="0">
+                <a:latin typeface="+mj-lt"/>
+                <a:hlinkClick r:id="rId4"/>
+              </a:rPr>
+              <a:t>github.com/google/gson</a:t>
+            </a:r>
+            <a:r>
+              <a:rPr lang="en-US" sz="1800" dirty="0" smtClean="0">
+                <a:latin typeface="+mj-lt"/>
+              </a:rPr>
+              <a:t>. </a:t>
+            </a:r>
+            <a:r>
+              <a:rPr lang="en-US" sz="1800" dirty="0">
+                <a:latin typeface="+mj-lt"/>
+              </a:rPr>
+              <a:t>[Accessed: 2015</a:t>
+            </a:r>
+            <a:r>
+              <a:rPr lang="en-US" sz="1800" dirty="0" smtClean="0">
+                <a:latin typeface="+mj-lt"/>
+              </a:rPr>
+              <a:t>].</a:t>
+            </a:r>
+          </a:p>
+          <a:p>
+            <a:endParaRPr lang="en-US" sz="1800" dirty="0">
+              <a:latin typeface="+mj-lt"/>
+            </a:endParaRPr>
+          </a:p>
+          <a:p>
+            <a:r>
+              <a:rPr lang="en-US" sz="1800" dirty="0">
+                <a:latin typeface="+mj-lt"/>
+              </a:rPr>
+              <a:t>W. </a:t>
+            </a:r>
+            <a:r>
+              <a:rPr lang="en-US" sz="1800" dirty="0" err="1">
+                <a:latin typeface="+mj-lt"/>
+              </a:rPr>
+              <a:t>Ochandarena</a:t>
+            </a:r>
+            <a:r>
+              <a:rPr lang="en-US" sz="1800" dirty="0">
+                <a:latin typeface="+mj-lt"/>
+              </a:rPr>
+              <a:t>, “Spinning Up a Hadoop Cluster in the Cloud | </a:t>
+            </a:r>
+            <a:r>
+              <a:rPr lang="en-US" sz="1800" dirty="0" err="1">
+                <a:latin typeface="+mj-lt"/>
+              </a:rPr>
+              <a:t>MapR</a:t>
+            </a:r>
+            <a:r>
+              <a:rPr lang="en-US" sz="1800" dirty="0" smtClean="0">
+                <a:latin typeface="+mj-lt"/>
+              </a:rPr>
+              <a:t>,” </a:t>
+            </a:r>
+            <a:r>
+              <a:rPr lang="en-US" sz="1800" i="1" dirty="0" err="1" smtClean="0">
+                <a:latin typeface="+mj-lt"/>
+              </a:rPr>
+              <a:t>MapR</a:t>
+            </a:r>
+            <a:r>
+              <a:rPr lang="en-US" sz="1800" i="1" dirty="0" smtClean="0">
+                <a:latin typeface="+mj-lt"/>
+              </a:rPr>
+              <a:t> </a:t>
+            </a:r>
+            <a:r>
+              <a:rPr lang="en-US" sz="1800" i="1" dirty="0">
+                <a:latin typeface="+mj-lt"/>
+              </a:rPr>
+              <a:t>Blog</a:t>
+            </a:r>
+            <a:r>
+              <a:rPr lang="en-US" sz="1800" dirty="0">
+                <a:latin typeface="+mj-lt"/>
+              </a:rPr>
+              <a:t>. [Online]. Available at: </a:t>
+            </a:r>
+            <a:r>
+              <a:rPr lang="en-US" sz="1800" dirty="0">
+                <a:latin typeface="+mj-lt"/>
+                <a:hlinkClick r:id="rId5"/>
+              </a:rPr>
+              <a:t>https://</a:t>
+            </a:r>
+            <a:r>
+              <a:rPr lang="en-US" sz="1800" dirty="0" smtClean="0">
+                <a:latin typeface="+mj-lt"/>
+                <a:hlinkClick r:id="rId5"/>
+              </a:rPr>
+              <a:t>www.mapr.com/blog/spinning-hadoop-cluster-cloud</a:t>
+            </a:r>
+            <a:r>
+              <a:rPr lang="en-US" sz="1800" dirty="0" smtClean="0">
+                <a:latin typeface="+mj-lt"/>
+              </a:rPr>
+              <a:t>. </a:t>
+            </a:r>
+            <a:r>
+              <a:rPr lang="en-US" sz="1800" dirty="0">
+                <a:latin typeface="+mj-lt"/>
+              </a:rPr>
+              <a:t>[Accessed: 2015</a:t>
+            </a:r>
+            <a:r>
+              <a:rPr lang="en-US" sz="1800" dirty="0" smtClean="0">
+                <a:latin typeface="+mj-lt"/>
+              </a:rPr>
+              <a:t>].</a:t>
+            </a:r>
+          </a:p>
+          <a:p>
+            <a:endParaRPr lang="en-US" sz="1800" dirty="0">
+              <a:latin typeface="+mj-lt"/>
+            </a:endParaRPr>
+          </a:p>
+          <a:p>
+            <a:r>
+              <a:rPr lang="en-US" sz="1800" dirty="0">
+                <a:latin typeface="+mj-lt"/>
+              </a:rPr>
+              <a:t>“Maven in 5 Minutes,” </a:t>
+            </a:r>
+            <a:r>
+              <a:rPr lang="en-US" sz="1800" i="1" dirty="0">
+                <a:latin typeface="+mj-lt"/>
+              </a:rPr>
+              <a:t>Apache Maven Project</a:t>
+            </a:r>
+            <a:r>
+              <a:rPr lang="en-US" sz="1800" dirty="0">
+                <a:latin typeface="+mj-lt"/>
+              </a:rPr>
+              <a:t>. [Online]. Available at: </a:t>
+            </a:r>
+            <a:r>
+              <a:rPr lang="en-US" sz="1800" dirty="0">
+                <a:latin typeface="+mj-lt"/>
+                <a:hlinkClick r:id="rId6"/>
+              </a:rPr>
+              <a:t>https://</a:t>
+            </a:r>
+            <a:r>
+              <a:rPr lang="en-US" sz="1800" dirty="0" smtClean="0">
+                <a:latin typeface="+mj-lt"/>
+                <a:hlinkClick r:id="rId6"/>
+              </a:rPr>
+              <a:t>maven.apache.org/guides/getting-started/maven-in-five-minutes.html</a:t>
+            </a:r>
+            <a:r>
+              <a:rPr lang="en-US" sz="1800" dirty="0" smtClean="0">
+                <a:latin typeface="+mj-lt"/>
+              </a:rPr>
+              <a:t>. </a:t>
+            </a:r>
+            <a:r>
+              <a:rPr lang="en-US" sz="1800" dirty="0">
+                <a:latin typeface="+mj-lt"/>
+              </a:rPr>
+              <a:t>[Accessed: 2015].</a:t>
+            </a:r>
+          </a:p>
+        </p:txBody>
+      </p:sp>
+      <p:sp>
+        <p:nvSpPr>
+          <p:cNvPr id="4" name="Slide Number Placeholder 3"/>
           <p:cNvSpPr>
             <a:spLocks noGrp="1"/>
           </p:cNvSpPr>
           <p:nvPr>
-            <p:ph sz="half" idx="2"/>
-          </p:nvPr>
-        </p:nvSpPr>
-        <p:spPr>
-          <a:xfrm>
-            <a:off x="4999183" y="1857230"/>
-            <a:ext cx="4038600" cy="2807132"/>
-          </a:xfrm>
-          <a:solidFill>
-            <a:schemeClr val="bg1"/>
-          </a:solidFill>
-          <a:ln w="25400">
-            <a:solidFill>
-              <a:srgbClr val="008000"/>
-            </a:solidFill>
-          </a:ln>
-        </p:spPr>
+            <p:ph type="sldNum" sz="quarter" idx="11"/>
+          </p:nvPr>
+        </p:nvSpPr>
+        <p:spPr/>
         <p:txBody>
           <a:bodyPr/>
           <a:lstStyle/>
           <a:p>
-            <a:pPr marL="0" indent="0">
-              <a:buNone/>
-              <a:tabLst>
-                <a:tab pos="461963" algn="l"/>
-              </a:tabLst>
-            </a:pPr>
-            <a:r>
-              <a:rPr lang="en-US" sz="1600" b="1" dirty="0" smtClean="0">
-                <a:latin typeface="Palatino Linotype" panose="02040502050505030304" pitchFamily="18" charset="0"/>
-              </a:rPr>
-              <a:t>&lt;property&gt;</a:t>
-            </a:r>
-          </a:p>
-          <a:p>
-            <a:pPr marL="0" indent="0">
-              <a:buNone/>
-              <a:tabLst>
-                <a:tab pos="461963" algn="l"/>
-              </a:tabLst>
-            </a:pPr>
-            <a:r>
-              <a:rPr lang="en-US" sz="1600" b="1" dirty="0" smtClean="0">
-                <a:latin typeface="Palatino Linotype" panose="02040502050505030304" pitchFamily="18" charset="0"/>
-              </a:rPr>
-              <a:t>	&lt;name&gt; </a:t>
-            </a:r>
-            <a:r>
-              <a:rPr lang="en-US" sz="1600" b="1" dirty="0" err="1" smtClean="0">
-                <a:latin typeface="Palatino Linotype" panose="02040502050505030304" pitchFamily="18" charset="0"/>
-              </a:rPr>
-              <a:t>trainingFile</a:t>
-            </a:r>
-            <a:r>
-              <a:rPr lang="en-US" sz="1600" b="1" dirty="0" smtClean="0">
-                <a:latin typeface="Palatino Linotype" panose="02040502050505030304" pitchFamily="18" charset="0"/>
-              </a:rPr>
-              <a:t> &lt;/name&gt;</a:t>
-            </a:r>
-          </a:p>
-          <a:p>
-            <a:pPr marL="0" indent="0">
-              <a:buNone/>
-              <a:tabLst>
-                <a:tab pos="461963" algn="l"/>
-              </a:tabLst>
-            </a:pPr>
-            <a:r>
-              <a:rPr lang="en-US" sz="1600" b="1" dirty="0" smtClean="0">
-                <a:latin typeface="Palatino Linotype" panose="02040502050505030304" pitchFamily="18" charset="0"/>
-              </a:rPr>
-              <a:t>	&lt;value&gt; ${</a:t>
-            </a:r>
-            <a:r>
-              <a:rPr lang="en-US" sz="1600" b="1" dirty="0" err="1" smtClean="0">
-                <a:latin typeface="Palatino Linotype" panose="02040502050505030304" pitchFamily="18" charset="0"/>
-              </a:rPr>
-              <a:t>trainingSetFile</a:t>
-            </a:r>
-            <a:r>
-              <a:rPr lang="en-US" sz="1600" b="1" dirty="0" smtClean="0">
-                <a:latin typeface="Palatino Linotype" panose="02040502050505030304" pitchFamily="18" charset="0"/>
-              </a:rPr>
-              <a:t>} &lt;/value&gt;</a:t>
-            </a:r>
-          </a:p>
-          <a:p>
-            <a:pPr marL="0" indent="0">
-              <a:buNone/>
-              <a:tabLst>
-                <a:tab pos="461963" algn="l"/>
-              </a:tabLst>
-            </a:pPr>
-            <a:r>
-              <a:rPr lang="en-US" sz="1600" b="1" dirty="0" smtClean="0">
-                <a:latin typeface="Palatino Linotype" panose="02040502050505030304" pitchFamily="18" charset="0"/>
-              </a:rPr>
-              <a:t>&lt;/property&gt;</a:t>
-            </a:r>
-          </a:p>
-          <a:p>
-            <a:pPr marL="0" indent="0">
-              <a:buNone/>
-              <a:tabLst>
-                <a:tab pos="461963" algn="l"/>
-              </a:tabLst>
-            </a:pPr>
-            <a:endParaRPr lang="en-US" sz="1600" b="1" dirty="0" smtClean="0">
-              <a:latin typeface="Palatino Linotype" panose="02040502050505030304" pitchFamily="18" charset="0"/>
-            </a:endParaRPr>
-          </a:p>
-          <a:p>
-            <a:pPr marL="0" indent="0">
-              <a:buNone/>
-              <a:tabLst>
-                <a:tab pos="461963" algn="l"/>
-              </a:tabLst>
-            </a:pPr>
-            <a:r>
-              <a:rPr lang="en-US" sz="1600" b="1" dirty="0" smtClean="0">
-                <a:latin typeface="Palatino Linotype" panose="02040502050505030304" pitchFamily="18" charset="0"/>
-              </a:rPr>
-              <a:t>&lt;property&gt;</a:t>
-            </a:r>
-          </a:p>
-          <a:p>
-            <a:pPr marL="0" indent="0">
-              <a:buNone/>
-              <a:tabLst>
-                <a:tab pos="461963" algn="l"/>
-              </a:tabLst>
-            </a:pPr>
-            <a:r>
-              <a:rPr lang="en-US" sz="1600" b="1" dirty="0" smtClean="0">
-                <a:latin typeface="Palatino Linotype" panose="02040502050505030304" pitchFamily="18" charset="0"/>
-              </a:rPr>
-              <a:t>	&lt;name&gt; </a:t>
-            </a:r>
-            <a:r>
-              <a:rPr lang="en-US" sz="1600" b="1" dirty="0" err="1" smtClean="0">
-                <a:latin typeface="Palatino Linotype" panose="02040502050505030304" pitchFamily="18" charset="0"/>
-              </a:rPr>
-              <a:t>NaiveBayesModel</a:t>
-            </a:r>
-            <a:r>
-              <a:rPr lang="en-US" sz="1600" b="1" dirty="0" smtClean="0">
-                <a:latin typeface="Palatino Linotype" panose="02040502050505030304" pitchFamily="18" charset="0"/>
-              </a:rPr>
-              <a:t> &lt;/name&gt;</a:t>
-            </a:r>
-          </a:p>
-          <a:p>
-            <a:pPr marL="0" indent="0">
-              <a:buNone/>
-              <a:tabLst>
-                <a:tab pos="461963" algn="l"/>
-              </a:tabLst>
-            </a:pPr>
-            <a:r>
-              <a:rPr lang="en-US" sz="1600" b="1" dirty="0" smtClean="0">
-                <a:latin typeface="Palatino Linotype" panose="02040502050505030304" pitchFamily="18" charset="0"/>
-              </a:rPr>
-              <a:t>	&lt;value&gt; </a:t>
-            </a:r>
-            <a:r>
-              <a:rPr lang="en-US" sz="1600" b="1" dirty="0" err="1" smtClean="0">
-                <a:latin typeface="Palatino Linotype" panose="02040502050505030304" pitchFamily="18" charset="0"/>
-              </a:rPr>
-              <a:t>bernoulli</a:t>
-            </a:r>
-            <a:r>
-              <a:rPr lang="en-US" sz="1600" b="1" dirty="0" smtClean="0">
-                <a:latin typeface="Palatino Linotype" panose="02040502050505030304" pitchFamily="18" charset="0"/>
-              </a:rPr>
-              <a:t> &lt;/value&gt;</a:t>
-            </a:r>
-          </a:p>
-          <a:p>
-            <a:pPr marL="0" indent="0">
-              <a:buNone/>
-              <a:tabLst>
-                <a:tab pos="461963" algn="l"/>
-              </a:tabLst>
-            </a:pPr>
-            <a:r>
-              <a:rPr lang="en-US" sz="1600" b="1" dirty="0" smtClean="0">
-                <a:latin typeface="Palatino Linotype" panose="02040502050505030304" pitchFamily="18" charset="0"/>
-              </a:rPr>
-              <a:t>&lt;/property&gt;</a:t>
-            </a:r>
-            <a:endParaRPr lang="en-US" sz="1600" b="1" dirty="0">
-              <a:latin typeface="Palatino Linotype" panose="02040502050505030304" pitchFamily="18" charset="0"/>
-            </a:endParaRPr>
-          </a:p>
-        </p:txBody>
-      </p:sp>
-      <p:sp>
-        <p:nvSpPr>
-          <p:cNvPr id="4" name="Slide Number Placeholder 3"/>
-          <p:cNvSpPr>
-            <a:spLocks noGrp="1"/>
-          </p:cNvSpPr>
-          <p:nvPr>
-            <p:ph type="sldNum" sz="quarter" idx="11"/>
-          </p:nvPr>
-        </p:nvSpPr>
-        <p:spPr/>
-        <p:txBody>
-          <a:bodyPr/>
-          <a:lstStyle/>
-          <a:p>
             <a:pPr>
               <a:defRPr/>
             </a:pPr>
-            <a:fld id="{93CE8203-E40A-46AD-9381-6C8CB0064A1B}" type="slidenum">
+            <a:fld id="{57CAE338-3B6A-4037-90D8-94F2438351D8}" type="slidenum">
               <a:rPr lang="en-US" smtClean="0"/>
               <a:pPr>
                 <a:defRPr/>
               </a:pPr>
               <a:t>15</a:t>
             </a:fld>
-            <a:endParaRPr lang="en-US" dirty="0"/>
-          </a:p>
-        </p:txBody>
-      </p:sp>
-      <p:sp>
-        <p:nvSpPr>
-          <p:cNvPr id="6" name="TextBox 5"/>
-          <p:cNvSpPr txBox="1"/>
-          <p:nvPr/>
-        </p:nvSpPr>
-        <p:spPr>
-          <a:xfrm>
-            <a:off x="4986845" y="4881465"/>
-            <a:ext cx="4025180" cy="584775"/>
-          </a:xfrm>
-          <a:prstGeom prst="rect">
-            <a:avLst/>
-          </a:prstGeom>
-          <a:noFill/>
-        </p:spPr>
-        <p:txBody>
-          <a:bodyPr wrap="square" rtlCol="0">
-            <a:spAutoFit/>
-          </a:bodyPr>
-          <a:lstStyle/>
-          <a:p>
-            <a:pPr algn="ctr"/>
-            <a:r>
-              <a:rPr lang="en-US" sz="1600" b="0" dirty="0" smtClean="0"/>
-              <a:t>Custom MapReduce Configuration</a:t>
-            </a:r>
-          </a:p>
-          <a:p>
-            <a:pPr algn="ctr"/>
-            <a:r>
-              <a:rPr lang="en-US" sz="1600" b="0" dirty="0" smtClean="0"/>
-              <a:t>from our </a:t>
-            </a:r>
-            <a:r>
-              <a:rPr lang="en-US" sz="1600" dirty="0" err="1" smtClean="0">
-                <a:solidFill>
-                  <a:srgbClr val="008000"/>
-                </a:solidFill>
-              </a:rPr>
-              <a:t>Oozie</a:t>
-            </a:r>
-            <a:r>
-              <a:rPr lang="en-US" sz="1600" dirty="0" smtClean="0">
-                <a:solidFill>
-                  <a:srgbClr val="008000"/>
-                </a:solidFill>
-              </a:rPr>
-              <a:t> XML Workflow</a:t>
-            </a:r>
-            <a:endParaRPr lang="en-US" sz="1600" b="0" dirty="0"/>
+            <a:endParaRPr lang="en-US"/>
           </a:p>
         </p:txBody>
       </p:sp>
     </p:spTree>
     <p:extLst>
       <p:ext uri="{BB962C8B-B14F-4D97-AF65-F5344CB8AC3E}">
-        <p14:creationId xmlns:p14="http://schemas.microsoft.com/office/powerpoint/2010/main" val="382780341"/>
+        <p14:creationId xmlns:p14="http://schemas.microsoft.com/office/powerpoint/2010/main" val="1011437234"/>
       </p:ext>
     </p:extLst>
   </p:cSld>
@@ -4903,7 +5162,7 @@
               <a:rPr lang="en-US" dirty="0" smtClean="0">
                 <a:latin typeface="+mj-lt"/>
               </a:rPr>
-              <a:t>List of References</a:t>
+              <a:t>Updated Division of Responsibilities</a:t>
             </a:r>
             <a:endParaRPr lang="en-US" dirty="0">
               <a:latin typeface="+mj-lt"/>
@@ -4923,347 +5182,198 @@
         </p:nvSpPr>
         <p:spPr/>
         <p:txBody>
-          <a:bodyPr>
-            <a:normAutofit fontScale="92500" lnSpcReduction="10000"/>
-          </a:bodyPr>
+          <a:bodyPr/>
           <a:lstStyle/>
           <a:p>
             <a:r>
-              <a:rPr lang="en-US" sz="1800" dirty="0" smtClean="0">
-                <a:latin typeface="+mj-lt"/>
-              </a:rPr>
-              <a:t>“</a:t>
-            </a:r>
-            <a:r>
-              <a:rPr lang="en-US" sz="1800" dirty="0">
-                <a:latin typeface="+mj-lt"/>
-              </a:rPr>
-              <a:t>What's Cooking?,”. [Online]. Available at: </a:t>
-            </a:r>
-            <a:r>
-              <a:rPr lang="en-US" sz="1800" u="sng" dirty="0">
-                <a:latin typeface="+mj-lt"/>
-                <a:hlinkClick r:id="rId2"/>
-              </a:rPr>
-              <a:t>https://www.kaggle.com/c/whats-cooking</a:t>
-            </a:r>
-            <a:r>
-              <a:rPr lang="en-US" sz="1800" dirty="0">
-                <a:latin typeface="+mj-lt"/>
-              </a:rPr>
-              <a:t>. [Accessed: </a:t>
-            </a:r>
-            <a:r>
-              <a:rPr lang="en-US" sz="1800" dirty="0" smtClean="0">
-                <a:latin typeface="+mj-lt"/>
-              </a:rPr>
-              <a:t>2015].</a:t>
-            </a:r>
-          </a:p>
-          <a:p>
-            <a:endParaRPr lang="en-US" sz="1800" dirty="0">
+              <a:rPr lang="en-US" sz="2000" b="1" dirty="0">
+                <a:solidFill>
+                  <a:srgbClr val="008000"/>
+                </a:solidFill>
+                <a:latin typeface="+mj-lt"/>
+              </a:rPr>
+              <a:t>Preprocessor: </a:t>
+            </a:r>
+            <a:r>
+              <a:rPr lang="en-US" sz="2000" dirty="0" smtClean="0">
+                <a:latin typeface="+mj-lt"/>
+              </a:rPr>
+              <a:t>Zayd Hammoudeh</a:t>
+            </a:r>
+          </a:p>
+          <a:p>
+            <a:endParaRPr lang="en-US" sz="2000" b="1" dirty="0" smtClean="0">
+              <a:solidFill>
+                <a:srgbClr val="008000"/>
+              </a:solidFill>
               <a:latin typeface="+mj-lt"/>
             </a:endParaRPr>
           </a:p>
           <a:p>
             <a:r>
-              <a:rPr lang="en-US" sz="1800" dirty="0">
-                <a:latin typeface="+mj-lt"/>
-              </a:rPr>
-              <a:t>“</a:t>
-            </a:r>
-            <a:r>
-              <a:rPr lang="en-US" sz="1800" dirty="0" err="1">
-                <a:latin typeface="+mj-lt"/>
-              </a:rPr>
-              <a:t>Jaccard</a:t>
-            </a:r>
-            <a:r>
-              <a:rPr lang="en-US" sz="1800" dirty="0">
-                <a:latin typeface="+mj-lt"/>
-              </a:rPr>
-              <a:t> index,” </a:t>
-            </a:r>
-            <a:r>
-              <a:rPr lang="en-US" sz="1800" i="1" dirty="0">
-                <a:latin typeface="+mj-lt"/>
-              </a:rPr>
-              <a:t>Wikipedia</a:t>
-            </a:r>
-            <a:r>
-              <a:rPr lang="en-US" sz="1800" dirty="0">
-                <a:latin typeface="+mj-lt"/>
-              </a:rPr>
-              <a:t>. [Online]. Available at: </a:t>
-            </a:r>
-            <a:r>
-              <a:rPr lang="en-US" sz="1800" dirty="0">
-                <a:latin typeface="+mj-lt"/>
-                <a:hlinkClick r:id="rId3"/>
-              </a:rPr>
-              <a:t>https://en.wikipedia.org/wiki/jaccard_index</a:t>
-            </a:r>
-            <a:r>
-              <a:rPr lang="en-US" sz="1800" dirty="0">
-                <a:latin typeface="+mj-lt"/>
-              </a:rPr>
-              <a:t>. [Accessed: </a:t>
-            </a:r>
-            <a:r>
-              <a:rPr lang="en-US" sz="1800" dirty="0" smtClean="0">
-                <a:latin typeface="+mj-lt"/>
-              </a:rPr>
-              <a:t>2015].</a:t>
-            </a:r>
-          </a:p>
-          <a:p>
-            <a:endParaRPr lang="en-US" sz="1800" dirty="0">
+              <a:rPr lang="en-US" sz="2000" b="1" dirty="0" smtClean="0">
+                <a:solidFill>
+                  <a:srgbClr val="008000"/>
+                </a:solidFill>
+                <a:latin typeface="+mj-lt"/>
+              </a:rPr>
+              <a:t>Naïve </a:t>
+            </a:r>
+            <a:r>
+              <a:rPr lang="en-US" sz="2000" b="1" dirty="0">
+                <a:solidFill>
+                  <a:srgbClr val="008000"/>
+                </a:solidFill>
+                <a:latin typeface="+mj-lt"/>
+              </a:rPr>
+              <a:t>Bayes: </a:t>
+            </a:r>
+            <a:r>
+              <a:rPr lang="en-US" sz="2000" dirty="0" smtClean="0">
+                <a:latin typeface="+mj-lt"/>
+              </a:rPr>
+              <a:t>Shubhangi Rakhonde</a:t>
+            </a:r>
+          </a:p>
+          <a:p>
+            <a:r>
+              <a:rPr lang="en-US" sz="2000" b="1" dirty="0" smtClean="0">
+                <a:solidFill>
+                  <a:srgbClr val="008000"/>
+                </a:solidFill>
+                <a:latin typeface="+mj-lt"/>
+              </a:rPr>
+              <a:t>KNN: </a:t>
+            </a:r>
+            <a:r>
+              <a:rPr lang="en-US" sz="2000" dirty="0" smtClean="0">
+                <a:latin typeface="+mj-lt"/>
+              </a:rPr>
+              <a:t>Yashi Kamboj, Shubhangi Rakhonde</a:t>
+            </a:r>
+          </a:p>
+          <a:p>
+            <a:endParaRPr lang="en-US" sz="2000" b="1" dirty="0" smtClean="0">
+              <a:solidFill>
+                <a:srgbClr val="008000"/>
+              </a:solidFill>
               <a:latin typeface="+mj-lt"/>
             </a:endParaRPr>
           </a:p>
           <a:p>
             <a:r>
-              <a:rPr lang="en-US" sz="1800" dirty="0">
-                <a:latin typeface="+mj-lt"/>
-              </a:rPr>
-              <a:t>P. Tan and M. Steinbach, </a:t>
-            </a:r>
-            <a:r>
-              <a:rPr lang="en-US" sz="1800" i="1" dirty="0">
-                <a:latin typeface="+mj-lt"/>
-              </a:rPr>
-              <a:t>Introduction to </a:t>
-            </a:r>
-            <a:r>
-              <a:rPr lang="en-US" sz="1800" i="1" dirty="0" smtClean="0">
-                <a:latin typeface="+mj-lt"/>
-              </a:rPr>
-              <a:t>Data Mining</a:t>
-            </a:r>
-            <a:r>
-              <a:rPr lang="en-US" sz="1800" dirty="0">
-                <a:latin typeface="+mj-lt"/>
-              </a:rPr>
-              <a:t>. Boston: Pearson Addison Wesley, 2005</a:t>
-            </a:r>
-            <a:r>
-              <a:rPr lang="en-US" sz="1800" dirty="0" smtClean="0">
-                <a:latin typeface="+mj-lt"/>
-              </a:rPr>
-              <a:t>.</a:t>
-            </a:r>
-          </a:p>
-          <a:p>
-            <a:endParaRPr lang="en-US" sz="1800" dirty="0">
+              <a:rPr lang="en-US" sz="2000" b="1" dirty="0" smtClean="0">
+                <a:solidFill>
+                  <a:srgbClr val="008000"/>
+                </a:solidFill>
+                <a:latin typeface="+mj-lt"/>
+              </a:rPr>
+              <a:t>Ensemble Classifier/Accuracy Calculator: </a:t>
+            </a:r>
+            <a:r>
+              <a:rPr lang="en-US" sz="2000" dirty="0">
+                <a:latin typeface="+mj-lt"/>
+              </a:rPr>
+              <a:t>Zayd Hammoudeh</a:t>
+            </a:r>
+          </a:p>
+          <a:p>
+            <a:endParaRPr lang="en-US" sz="2000" b="1" dirty="0" smtClean="0">
+              <a:solidFill>
+                <a:srgbClr val="008000"/>
+              </a:solidFill>
               <a:latin typeface="+mj-lt"/>
             </a:endParaRPr>
           </a:p>
           <a:p>
             <a:r>
-              <a:rPr lang="en-US" sz="1800" dirty="0">
-                <a:latin typeface="+mj-lt"/>
-              </a:rPr>
-              <a:t>“google-</a:t>
-            </a:r>
-            <a:r>
-              <a:rPr lang="en-US" sz="1800" dirty="0" err="1">
-                <a:latin typeface="+mj-lt"/>
-              </a:rPr>
-              <a:t>gson</a:t>
-            </a:r>
-            <a:r>
-              <a:rPr lang="en-US" sz="1800" dirty="0">
-                <a:latin typeface="+mj-lt"/>
-              </a:rPr>
-              <a:t>,” </a:t>
-            </a:r>
-            <a:r>
-              <a:rPr lang="en-US" sz="1800" i="1" dirty="0">
-                <a:latin typeface="+mj-lt"/>
-              </a:rPr>
-              <a:t>GitHub</a:t>
-            </a:r>
-            <a:r>
-              <a:rPr lang="en-US" sz="1800" dirty="0">
-                <a:latin typeface="+mj-lt"/>
-              </a:rPr>
-              <a:t>. [Online]. Available at: </a:t>
-            </a:r>
-            <a:r>
-              <a:rPr lang="en-US" sz="1800" dirty="0">
-                <a:latin typeface="+mj-lt"/>
-                <a:hlinkClick r:id="rId4"/>
-              </a:rPr>
-              <a:t>https://</a:t>
-            </a:r>
-            <a:r>
-              <a:rPr lang="en-US" sz="1800" dirty="0" smtClean="0">
-                <a:latin typeface="+mj-lt"/>
-                <a:hlinkClick r:id="rId4"/>
-              </a:rPr>
-              <a:t>github.com/google/gson</a:t>
-            </a:r>
-            <a:r>
-              <a:rPr lang="en-US" sz="1800" dirty="0" smtClean="0">
-                <a:latin typeface="+mj-lt"/>
-              </a:rPr>
-              <a:t>. </a:t>
-            </a:r>
-            <a:r>
-              <a:rPr lang="en-US" sz="1800" dirty="0">
-                <a:latin typeface="+mj-lt"/>
-              </a:rPr>
-              <a:t>[Accessed: 2015</a:t>
-            </a:r>
-            <a:r>
-              <a:rPr lang="en-US" sz="1800" dirty="0" smtClean="0">
-                <a:latin typeface="+mj-lt"/>
-              </a:rPr>
-              <a:t>].</a:t>
-            </a:r>
-          </a:p>
-          <a:p>
-            <a:endParaRPr lang="en-US" sz="1800" dirty="0">
+              <a:rPr lang="en-US" sz="2000" b="1" dirty="0" err="1" smtClean="0">
+                <a:solidFill>
+                  <a:srgbClr val="008000"/>
+                </a:solidFill>
+                <a:latin typeface="+mj-lt"/>
+              </a:rPr>
+              <a:t>Oozie</a:t>
+            </a:r>
+            <a:r>
+              <a:rPr lang="en-US" sz="2000" b="1" dirty="0" smtClean="0">
+                <a:solidFill>
+                  <a:srgbClr val="008000"/>
+                </a:solidFill>
+                <a:latin typeface="+mj-lt"/>
+              </a:rPr>
+              <a:t> </a:t>
+            </a:r>
+            <a:r>
+              <a:rPr lang="en-US" sz="2000" b="1" dirty="0">
+                <a:solidFill>
+                  <a:srgbClr val="008000"/>
+                </a:solidFill>
+                <a:latin typeface="+mj-lt"/>
+              </a:rPr>
+              <a:t>Debug: </a:t>
+            </a:r>
+            <a:r>
+              <a:rPr lang="en-US" sz="2000" dirty="0" smtClean="0">
+                <a:latin typeface="+mj-lt"/>
+              </a:rPr>
+              <a:t>Zayd Hammoudeh, Shubhangi Rakhonde</a:t>
+            </a:r>
+          </a:p>
+          <a:p>
+            <a:endParaRPr lang="en-US" sz="2000" dirty="0">
               <a:latin typeface="+mj-lt"/>
             </a:endParaRPr>
           </a:p>
           <a:p>
             <a:r>
-              <a:rPr lang="en-US" sz="1800" dirty="0">
-                <a:latin typeface="+mj-lt"/>
-              </a:rPr>
-              <a:t>W. </a:t>
-            </a:r>
-            <a:r>
-              <a:rPr lang="en-US" sz="1800" dirty="0" err="1">
-                <a:latin typeface="+mj-lt"/>
-              </a:rPr>
-              <a:t>Ochandarena</a:t>
-            </a:r>
-            <a:r>
-              <a:rPr lang="en-US" sz="1800" dirty="0">
-                <a:latin typeface="+mj-lt"/>
-              </a:rPr>
-              <a:t>, “Spinning Up a Hadoop Cluster in the Cloud | </a:t>
-            </a:r>
-            <a:r>
-              <a:rPr lang="en-US" sz="1800" dirty="0" err="1">
-                <a:latin typeface="+mj-lt"/>
-              </a:rPr>
-              <a:t>MapR</a:t>
-            </a:r>
-            <a:r>
-              <a:rPr lang="en-US" sz="1800" dirty="0" smtClean="0">
-                <a:latin typeface="+mj-lt"/>
-              </a:rPr>
-              <a:t>,” </a:t>
-            </a:r>
-            <a:r>
-              <a:rPr lang="en-US" sz="1800" i="1" dirty="0" err="1" smtClean="0">
-                <a:latin typeface="+mj-lt"/>
-              </a:rPr>
-              <a:t>MapR</a:t>
-            </a:r>
-            <a:r>
-              <a:rPr lang="en-US" sz="1800" i="1" dirty="0" smtClean="0">
-                <a:latin typeface="+mj-lt"/>
-              </a:rPr>
-              <a:t> </a:t>
-            </a:r>
-            <a:r>
-              <a:rPr lang="en-US" sz="1800" i="1" dirty="0">
-                <a:latin typeface="+mj-lt"/>
-              </a:rPr>
-              <a:t>Blog</a:t>
-            </a:r>
-            <a:r>
-              <a:rPr lang="en-US" sz="1800" dirty="0">
-                <a:latin typeface="+mj-lt"/>
-              </a:rPr>
-              <a:t>. [Online]. Available at: </a:t>
-            </a:r>
-            <a:r>
-              <a:rPr lang="en-US" sz="1800" dirty="0">
-                <a:latin typeface="+mj-lt"/>
-                <a:hlinkClick r:id="rId5"/>
-              </a:rPr>
-              <a:t>https://</a:t>
-            </a:r>
-            <a:r>
-              <a:rPr lang="en-US" sz="1800" dirty="0" smtClean="0">
-                <a:latin typeface="+mj-lt"/>
-                <a:hlinkClick r:id="rId5"/>
-              </a:rPr>
-              <a:t>www.mapr.com/blog/spinning-hadoop-cluster-cloud</a:t>
-            </a:r>
-            <a:r>
-              <a:rPr lang="en-US" sz="1800" dirty="0" smtClean="0">
-                <a:latin typeface="+mj-lt"/>
-              </a:rPr>
-              <a:t>. </a:t>
-            </a:r>
-            <a:r>
-              <a:rPr lang="en-US" sz="1800" dirty="0">
-                <a:latin typeface="+mj-lt"/>
-              </a:rPr>
-              <a:t>[Accessed: 2015</a:t>
-            </a:r>
-            <a:r>
-              <a:rPr lang="en-US" sz="1800" dirty="0" smtClean="0">
-                <a:latin typeface="+mj-lt"/>
-              </a:rPr>
-              <a:t>].</a:t>
-            </a:r>
-          </a:p>
-          <a:p>
-            <a:endParaRPr lang="en-US" sz="1800" dirty="0">
-              <a:latin typeface="+mj-lt"/>
-            </a:endParaRPr>
-          </a:p>
-          <a:p>
-            <a:r>
-              <a:rPr lang="en-US" sz="1800" dirty="0">
-                <a:latin typeface="+mj-lt"/>
-              </a:rPr>
-              <a:t>“Maven in 5 Minutes,” </a:t>
-            </a:r>
-            <a:r>
-              <a:rPr lang="en-US" sz="1800" i="1" dirty="0">
-                <a:latin typeface="+mj-lt"/>
-              </a:rPr>
-              <a:t>Apache Maven Project</a:t>
-            </a:r>
-            <a:r>
-              <a:rPr lang="en-US" sz="1800" dirty="0">
-                <a:latin typeface="+mj-lt"/>
-              </a:rPr>
-              <a:t>. [Online]. Available at: </a:t>
-            </a:r>
-            <a:r>
-              <a:rPr lang="en-US" sz="1800" dirty="0">
-                <a:latin typeface="+mj-lt"/>
-                <a:hlinkClick r:id="rId6"/>
-              </a:rPr>
-              <a:t>https://</a:t>
-            </a:r>
-            <a:r>
-              <a:rPr lang="en-US" sz="1800" dirty="0" smtClean="0">
-                <a:latin typeface="+mj-lt"/>
-                <a:hlinkClick r:id="rId6"/>
-              </a:rPr>
-              <a:t>maven.apache.org/guides/getting-started/maven-in-five-minutes.html</a:t>
-            </a:r>
-            <a:r>
-              <a:rPr lang="en-US" sz="1800" dirty="0" smtClean="0">
-                <a:latin typeface="+mj-lt"/>
-              </a:rPr>
-              <a:t>. </a:t>
-            </a:r>
-            <a:r>
-              <a:rPr lang="en-US" sz="1800" dirty="0">
-                <a:latin typeface="+mj-lt"/>
-              </a:rPr>
-              <a:t>[Accessed: 2015].</a:t>
+              <a:rPr lang="en-US" sz="2000" b="1" dirty="0">
+                <a:solidFill>
+                  <a:srgbClr val="008000"/>
+                </a:solidFill>
+                <a:latin typeface="+mj-lt"/>
+              </a:rPr>
+              <a:t>Training File Distribution Paradigm: </a:t>
+            </a:r>
+            <a:r>
+              <a:rPr lang="en-US" sz="2000" dirty="0">
+                <a:latin typeface="+mj-lt"/>
+              </a:rPr>
+              <a:t>Shubhangi Rakhonde</a:t>
+            </a:r>
+          </a:p>
+          <a:p>
+            <a:r>
+              <a:rPr lang="en-US" sz="2000" b="1" dirty="0">
+                <a:solidFill>
+                  <a:srgbClr val="008000"/>
+                </a:solidFill>
+                <a:latin typeface="+mj-lt"/>
+              </a:rPr>
+              <a:t>HDFS Debug: </a:t>
+            </a:r>
+            <a:r>
+              <a:rPr lang="en-US" sz="2000" dirty="0" smtClean="0">
+                <a:latin typeface="+mj-lt"/>
+              </a:rPr>
+              <a:t>Zayd Hammoudeh</a:t>
+            </a:r>
+          </a:p>
+          <a:p>
+            <a:r>
+              <a:rPr lang="en-US" sz="2000" b="1" dirty="0">
+                <a:solidFill>
+                  <a:srgbClr val="008000"/>
+                </a:solidFill>
+                <a:latin typeface="+mj-lt"/>
+              </a:rPr>
+              <a:t>Amazon AWS: </a:t>
+            </a:r>
+            <a:r>
+              <a:rPr lang="en-US" sz="2000" dirty="0" smtClean="0">
+                <a:latin typeface="+mj-lt"/>
+              </a:rPr>
+              <a:t>Zayd Hammoudeh, Yashi Kamboj</a:t>
             </a:r>
           </a:p>
         </p:txBody>
@@ -5300,21 +5410,13 @@
     </p:spTree>
     <p:extLst>
       <p:ext uri="{BB962C8B-B14F-4D97-AF65-F5344CB8AC3E}">
-        <p14:creationId xmlns:p14="http://schemas.microsoft.com/office/powerpoint/2010/main" val="1011437234"/>
+        <p14:creationId xmlns:p14="http://schemas.microsoft.com/office/powerpoint/2010/main" val="811602814"/>
       </p:ext>
     </p:extLst>
   </p:cSld>
   <p:clrMapOvr>
     <a:masterClrMapping/>
   </p:clrMapOvr>
-  <mc:AlternateContent xmlns:mc="http://schemas.openxmlformats.org/markup-compatibility/2006" xmlns:p14="http://schemas.microsoft.com/office/powerpoint/2010/main">
-    <mc:Choice Requires="p14">
-      <p:transition spd="slow" p14:dur="2000"/>
-    </mc:Choice>
-    <mc:Fallback xmlns="">
-      <p:transition spd="slow"/>
-    </mc:Fallback>
-  </mc:AlternateContent>
   <p:timing>
     <p:tnLst>
       <p:par>
@@ -5344,280 +5446,108 @@
       </p:grpSpPr>
       <p:sp>
         <p:nvSpPr>
-          <p:cNvPr id="2" name="Title 1"/>
-          <p:cNvSpPr>
+          <p:cNvPr id="4" name="Slide Number Placeholder 5"/>
+          <p:cNvSpPr txBox="1">
             <a:spLocks noGrp="1"/>
           </p:cNvSpPr>
-          <p:nvPr>
-            <p:ph type="title"/>
-          </p:nvPr>
-        </p:nvSpPr>
-        <p:spPr/>
-        <p:txBody>
-          <a:bodyPr>
-            <a:normAutofit fontScale="90000"/>
+          <p:nvPr/>
+        </p:nvSpPr>
+        <p:spPr>
+          <a:xfrm>
+            <a:off x="6553200" y="6243638"/>
+            <a:ext cx="2133600" cy="476250"/>
+          </a:xfrm>
+          <a:prstGeom prst="rect">
+            <a:avLst/>
+          </a:prstGeom>
+          <a:noFill/>
+        </p:spPr>
+        <p:txBody>
+          <a:bodyPr anchor="ctr">
+            <a:normAutofit/>
           </a:bodyPr>
           <a:lstStyle/>
           <a:p>
-            <a:r>
-              <a:rPr lang="en-US" dirty="0" smtClean="0">
-                <a:latin typeface="+mj-lt"/>
-              </a:rPr>
-              <a:t>Updated Division of Responsibilities</a:t>
-            </a:r>
-            <a:endParaRPr lang="en-US" dirty="0">
-              <a:latin typeface="+mj-lt"/>
-            </a:endParaRPr>
-          </a:p>
-        </p:txBody>
-      </p:sp>
-      <p:sp>
-        <p:nvSpPr>
-          <p:cNvPr id="3" name="Content Placeholder 2"/>
-          <p:cNvSpPr>
-            <a:spLocks noGrp="1"/>
-          </p:cNvSpPr>
-          <p:nvPr>
-            <p:ph idx="1"/>
-          </p:nvPr>
-        </p:nvSpPr>
-        <p:spPr/>
-        <p:txBody>
-          <a:bodyPr/>
-          <a:lstStyle/>
-          <a:p>
-            <a:r>
-              <a:rPr lang="en-US" sz="2000" b="1" dirty="0">
+            <a:pPr algn="r">
+              <a:defRPr/>
+            </a:pPr>
+            <a:fld id="{461A371C-171F-4E20-B0FF-839288CBD4F9}" type="slidenum">
+              <a:rPr lang="en-US" sz="1200" b="0">
                 <a:solidFill>
-                  <a:srgbClr val="008000"/>
+                  <a:srgbClr val="898989"/>
                 </a:solidFill>
-                <a:latin typeface="+mj-lt"/>
-              </a:rPr>
-              <a:t>Preprocessor: </a:t>
-            </a:r>
-            <a:r>
-              <a:rPr lang="en-US" sz="2000" dirty="0" smtClean="0">
-                <a:latin typeface="+mj-lt"/>
-              </a:rPr>
-              <a:t>Zayd Hammoudeh</a:t>
-            </a:r>
-          </a:p>
-          <a:p>
-            <a:endParaRPr lang="en-US" sz="2000" b="1" dirty="0" smtClean="0">
-              <a:solidFill>
-                <a:srgbClr val="008000"/>
-              </a:solidFill>
-              <a:latin typeface="+mj-lt"/>
-            </a:endParaRPr>
-          </a:p>
-          <a:p>
-            <a:r>
-              <a:rPr lang="en-US" sz="2000" b="1" dirty="0" smtClean="0">
-                <a:solidFill>
-                  <a:srgbClr val="008000"/>
-                </a:solidFill>
-                <a:latin typeface="+mj-lt"/>
-              </a:rPr>
-              <a:t>Naïve </a:t>
-            </a:r>
-            <a:r>
-              <a:rPr lang="en-US" sz="2000" b="1" dirty="0">
-                <a:solidFill>
-                  <a:srgbClr val="008000"/>
-                </a:solidFill>
-                <a:latin typeface="+mj-lt"/>
-              </a:rPr>
-              <a:t>Bayes: </a:t>
-            </a:r>
-            <a:r>
-              <a:rPr lang="en-US" sz="2000" dirty="0" smtClean="0">
-                <a:latin typeface="+mj-lt"/>
-              </a:rPr>
-              <a:t>Shubhangi Rakhonde</a:t>
-            </a:r>
-          </a:p>
-          <a:p>
-            <a:r>
-              <a:rPr lang="en-US" sz="2000" b="1" dirty="0" smtClean="0">
-                <a:solidFill>
-                  <a:srgbClr val="008000"/>
-                </a:solidFill>
-                <a:latin typeface="+mj-lt"/>
-              </a:rPr>
-              <a:t>KNN: </a:t>
-            </a:r>
-            <a:r>
-              <a:rPr lang="en-US" sz="2000" dirty="0" smtClean="0">
-                <a:latin typeface="+mj-lt"/>
-              </a:rPr>
-              <a:t>Yashi Kamboj, Shubhangi Rakhonde</a:t>
-            </a:r>
-          </a:p>
-          <a:p>
-            <a:endParaRPr lang="en-US" sz="2000" b="1" dirty="0" smtClean="0">
-              <a:solidFill>
-                <a:srgbClr val="008000"/>
-              </a:solidFill>
-              <a:latin typeface="+mj-lt"/>
-            </a:endParaRPr>
-          </a:p>
-          <a:p>
-            <a:r>
-              <a:rPr lang="en-US" sz="2000" b="1" dirty="0" smtClean="0">
-                <a:solidFill>
-                  <a:srgbClr val="008000"/>
-                </a:solidFill>
-                <a:latin typeface="+mj-lt"/>
-              </a:rPr>
-              <a:t>Ensemble Classifier/Accuracy Calculator: </a:t>
-            </a:r>
-            <a:r>
-              <a:rPr lang="en-US" sz="2000" dirty="0">
-                <a:latin typeface="+mj-lt"/>
-              </a:rPr>
-              <a:t>Zayd Hammoudeh</a:t>
-            </a:r>
-          </a:p>
-          <a:p>
-            <a:endParaRPr lang="en-US" sz="2000" b="1" dirty="0" smtClean="0">
-              <a:solidFill>
-                <a:srgbClr val="008000"/>
-              </a:solidFill>
-              <a:latin typeface="+mj-lt"/>
-            </a:endParaRPr>
-          </a:p>
-          <a:p>
-            <a:r>
-              <a:rPr lang="en-US" sz="2000" b="1" dirty="0" err="1" smtClean="0">
-                <a:solidFill>
-                  <a:srgbClr val="008000"/>
-                </a:solidFill>
-                <a:latin typeface="+mj-lt"/>
-              </a:rPr>
-              <a:t>Oozie</a:t>
-            </a:r>
-            <a:r>
-              <a:rPr lang="en-US" sz="2000" b="1" dirty="0" smtClean="0">
-                <a:solidFill>
-                  <a:srgbClr val="008000"/>
-                </a:solidFill>
-                <a:latin typeface="+mj-lt"/>
-              </a:rPr>
-              <a:t> </a:t>
-            </a:r>
-            <a:r>
-              <a:rPr lang="en-US" sz="2000" b="1" dirty="0">
-                <a:solidFill>
-                  <a:srgbClr val="008000"/>
-                </a:solidFill>
-                <a:latin typeface="+mj-lt"/>
-              </a:rPr>
-              <a:t>Debug: </a:t>
-            </a:r>
-            <a:r>
-              <a:rPr lang="en-US" sz="2000" dirty="0" smtClean="0">
-                <a:latin typeface="+mj-lt"/>
-              </a:rPr>
-              <a:t>Zayd Hammoudeh, Shubhangi Rakhonde</a:t>
-            </a:r>
-          </a:p>
-          <a:p>
-            <a:endParaRPr lang="en-US" sz="2000" dirty="0">
-              <a:latin typeface="+mj-lt"/>
-            </a:endParaRPr>
-          </a:p>
-          <a:p>
-            <a:r>
-              <a:rPr lang="en-US" sz="2000" b="1" dirty="0">
-                <a:solidFill>
-                  <a:srgbClr val="008000"/>
-                </a:solidFill>
-                <a:latin typeface="+mj-lt"/>
-              </a:rPr>
-              <a:t>Training File Distribution Paradigm: </a:t>
-            </a:r>
-            <a:r>
-              <a:rPr lang="en-US" sz="2000" dirty="0">
-                <a:latin typeface="+mj-lt"/>
-              </a:rPr>
-              <a:t>Shubhangi Rakhonde</a:t>
-            </a:r>
-          </a:p>
-          <a:p>
-            <a:r>
-              <a:rPr lang="en-US" sz="2000" b="1" dirty="0">
-                <a:solidFill>
-                  <a:srgbClr val="008000"/>
-                </a:solidFill>
-                <a:latin typeface="+mj-lt"/>
-              </a:rPr>
-              <a:t>HDFS Debug: </a:t>
-            </a:r>
-            <a:r>
-              <a:rPr lang="en-US" sz="2000" dirty="0" smtClean="0">
-                <a:latin typeface="+mj-lt"/>
-              </a:rPr>
-              <a:t>Zayd Hammoudeh</a:t>
-            </a:r>
-          </a:p>
-          <a:p>
-            <a:r>
-              <a:rPr lang="en-US" sz="2000" b="1" dirty="0">
-                <a:solidFill>
-                  <a:srgbClr val="008000"/>
-                </a:solidFill>
-                <a:latin typeface="+mj-lt"/>
-              </a:rPr>
-              <a:t>Amazon AWS: </a:t>
-            </a:r>
-            <a:r>
-              <a:rPr lang="en-US" sz="2000" dirty="0" smtClean="0">
-                <a:latin typeface="+mj-lt"/>
-              </a:rPr>
-              <a:t>Zayd Hammoudeh, Yashi Kamboj</a:t>
-            </a:r>
-          </a:p>
-        </p:txBody>
-      </p:sp>
-      <p:sp>
-        <p:nvSpPr>
-          <p:cNvPr id="4" name="Slide Number Placeholder 3"/>
-          <p:cNvSpPr>
-            <a:spLocks noGrp="1"/>
-          </p:cNvSpPr>
-          <p:nvPr>
-            <p:ph type="sldNum" sz="quarter" idx="11"/>
-          </p:nvPr>
-        </p:nvSpPr>
-        <p:spPr/>
-        <p:txBody>
-          <a:bodyPr/>
-          <a:lstStyle/>
-          <a:p>
-            <a:pPr>
-              <a:defRPr/>
-            </a:pPr>
-            <a:fld id="{57CAE338-3B6A-4037-90D8-94F2438351D8}" type="slidenum">
-              <a:rPr lang="en-US" smtClean="0"/>
-              <a:pPr>
+                <a:latin typeface="+mn-lt"/>
+              </a:rPr>
+              <a:pPr algn="r">
                 <a:defRPr/>
               </a:pPr>
               <a:t>17</a:t>
             </a:fld>
-            <a:endParaRPr lang="en-US"/>
+            <a:endParaRPr lang="en-US" sz="1200" b="0" dirty="0">
+              <a:solidFill>
+                <a:srgbClr val="898989"/>
+              </a:solidFill>
+              <a:latin typeface="+mn-lt"/>
+            </a:endParaRPr>
+          </a:p>
+        </p:txBody>
+      </p:sp>
+      <p:sp>
+        <p:nvSpPr>
+          <p:cNvPr id="58370" name="Rectangle 4"/>
+          <p:cNvSpPr>
+            <a:spLocks/>
+          </p:cNvSpPr>
+          <p:nvPr/>
+        </p:nvSpPr>
+        <p:spPr bwMode="auto">
+          <a:xfrm>
+            <a:off x="1246188" y="4527550"/>
+            <a:ext cx="6845300" cy="1311275"/>
+          </a:xfrm>
+          <a:prstGeom prst="rect">
+            <a:avLst/>
+          </a:prstGeom>
+          <a:noFill/>
+          <a:ln w="9525">
+            <a:noFill/>
+            <a:miter lim="800000"/>
+            <a:headEnd/>
+            <a:tailEnd/>
+          </a:ln>
+        </p:spPr>
+        <p:txBody>
+          <a:bodyPr anchor="ctr"/>
+          <a:lstStyle/>
+          <a:p>
+            <a:pPr algn="ctr"/>
+            <a:r>
+              <a:rPr lang="en-US" sz="5400" dirty="0" smtClean="0">
+                <a:latin typeface="Times New Roman" pitchFamily="18" charset="0"/>
+                <a:cs typeface="Times New Roman" pitchFamily="18" charset="0"/>
+              </a:rPr>
+              <a:t>Questions?</a:t>
+            </a:r>
+            <a:endParaRPr lang="en-US" sz="5400" dirty="0">
+              <a:latin typeface="Times New Roman" pitchFamily="18" charset="0"/>
+              <a:cs typeface="Times New Roman" pitchFamily="18" charset="0"/>
+            </a:endParaRPr>
           </a:p>
         </p:txBody>
       </p:sp>
     </p:spTree>
-    <p:extLst>
-      <p:ext uri="{BB962C8B-B14F-4D97-AF65-F5344CB8AC3E}">
-        <p14:creationId xmlns:p14="http://schemas.microsoft.com/office/powerpoint/2010/main" val="811602814"/>
-      </p:ext>
-    </p:extLst>
   </p:cSld>
   <p:clrMapOvr>
     <a:masterClrMapping/>
   </p:clrMapOvr>
+  <mc:AlternateContent xmlns:mc="http://schemas.openxmlformats.org/markup-compatibility/2006" xmlns:p14="http://schemas.microsoft.com/office/powerpoint/2010/main">
+    <mc:Choice Requires="p14">
+      <p:transition spd="slow" p14:dur="2000"/>
+    </mc:Choice>
+    <mc:Fallback xmlns="">
+      <p:transition spd="slow"/>
+    </mc:Fallback>
+  </mc:AlternateContent>
   <p:timing>
     <p:tnLst>
       <p:par>
@@ -5723,11 +5653,11 @@
           <a:p>
             <a:pPr algn="ctr"/>
             <a:r>
-              <a:rPr lang="en-US" sz="5400" dirty="0" smtClean="0">
+              <a:rPr lang="en-US" sz="5400" smtClean="0">
                 <a:latin typeface="Times New Roman" pitchFamily="18" charset="0"/>
                 <a:cs typeface="Times New Roman" pitchFamily="18" charset="0"/>
               </a:rPr>
-              <a:t>Questions?</a:t>
+              <a:t>Appendix</a:t>
             </a:r>
             <a:endParaRPr lang="en-US" sz="5400" dirty="0">
               <a:latin typeface="Times New Roman" pitchFamily="18" charset="0"/>
@@ -5737,6 +5667,274 @@
         </p:txBody>
       </p:sp>
     </p:spTree>
+    <p:extLst>
+      <p:ext uri="{BB962C8B-B14F-4D97-AF65-F5344CB8AC3E}">
+        <p14:creationId xmlns:p14="http://schemas.microsoft.com/office/powerpoint/2010/main" val="3981329248"/>
+      </p:ext>
+    </p:extLst>
+  </p:cSld>
+  <p:clrMapOvr>
+    <a:masterClrMapping/>
+  </p:clrMapOvr>
+  <mc:AlternateContent xmlns:mc="http://schemas.openxmlformats.org/markup-compatibility/2006" xmlns:p14="http://schemas.microsoft.com/office/powerpoint/2010/main">
+    <mc:Choice Requires="p14">
+      <p:transition spd="slow" p14:dur="2000"/>
+    </mc:Choice>
+    <mc:Fallback xmlns="">
+      <p:transition spd="slow"/>
+    </mc:Fallback>
+  </mc:AlternateContent>
+  <p:timing>
+    <p:tnLst>
+      <p:par>
+        <p:cTn id="1" dur="indefinite" restart="never" nodeType="tmRoot"/>
+      </p:par>
+    </p:tnLst>
+  </p:timing>
+</p:sld>
+</file>
+
+<file path=ppt/slides/slide19.xml><?xml version="1.0" encoding="utf-8"?>
+<p:sld xmlns:a="http://schemas.openxmlformats.org/drawingml/2006/main" xmlns:r="http://schemas.openxmlformats.org/officeDocument/2006/relationships" xmlns:p="http://schemas.openxmlformats.org/presentationml/2006/main">
+  <p:cSld>
+    <p:spTree>
+      <p:nvGrpSpPr>
+        <p:cNvPr id="1" name=""/>
+        <p:cNvGrpSpPr/>
+        <p:nvPr/>
+      </p:nvGrpSpPr>
+      <p:grpSpPr>
+        <a:xfrm>
+          <a:off x="0" y="0"/>
+          <a:ext cx="0" cy="0"/>
+          <a:chOff x="0" y="0"/>
+          <a:chExt cx="0" cy="0"/>
+        </a:xfrm>
+      </p:grpSpPr>
+      <p:sp>
+        <p:nvSpPr>
+          <p:cNvPr id="2" name="Title 1"/>
+          <p:cNvSpPr>
+            <a:spLocks noGrp="1"/>
+          </p:cNvSpPr>
+          <p:nvPr>
+            <p:ph type="title"/>
+          </p:nvPr>
+        </p:nvSpPr>
+        <p:spPr>
+          <a:xfrm>
+            <a:off x="2162175" y="94672"/>
+            <a:ext cx="6838950" cy="550863"/>
+          </a:xfrm>
+        </p:spPr>
+        <p:txBody>
+          <a:bodyPr>
+            <a:noAutofit/>
+          </a:bodyPr>
+          <a:lstStyle/>
+          <a:p>
+            <a:pPr>
+              <a:defRPr/>
+            </a:pPr>
+            <a:r>
+              <a:rPr lang="en-US" sz="2800" dirty="0" smtClean="0">
+                <a:latin typeface="+mj-lt"/>
+              </a:rPr>
+              <a:t>AWS Cluster Administration – Not So Easy</a:t>
+            </a:r>
+            <a:endParaRPr lang="en-US" sz="2800" dirty="0">
+              <a:latin typeface="+mj-lt"/>
+            </a:endParaRPr>
+          </a:p>
+        </p:txBody>
+      </p:sp>
+      <p:sp>
+        <p:nvSpPr>
+          <p:cNvPr id="10242" name="Content Placeholder 2"/>
+          <p:cNvSpPr>
+            <a:spLocks noGrp="1"/>
+          </p:cNvSpPr>
+          <p:nvPr>
+            <p:ph idx="1"/>
+          </p:nvPr>
+        </p:nvSpPr>
+        <p:spPr>
+          <a:xfrm>
+            <a:off x="457199" y="989013"/>
+            <a:ext cx="8239126" cy="5404167"/>
+          </a:xfrm>
+        </p:spPr>
+        <p:txBody>
+          <a:bodyPr>
+            <a:normAutofit fontScale="85000" lnSpcReduction="20000"/>
+          </a:bodyPr>
+          <a:lstStyle/>
+          <a:p>
+            <a:pPr>
+              <a:lnSpc>
+                <a:spcPct val="120000"/>
+              </a:lnSpc>
+            </a:pPr>
+            <a:r>
+              <a:rPr lang="en-US" dirty="0" smtClean="0">
+                <a:latin typeface="+mj-lt"/>
+              </a:rPr>
+              <a:t>Configuring an AWS cluster was more difficult than we had anticipated.</a:t>
+            </a:r>
+          </a:p>
+          <a:p>
+            <a:pPr>
+              <a:lnSpc>
+                <a:spcPct val="120000"/>
+              </a:lnSpc>
+            </a:pPr>
+            <a:endParaRPr lang="en-US" dirty="0">
+              <a:latin typeface="+mj-lt"/>
+            </a:endParaRPr>
+          </a:p>
+          <a:p>
+            <a:pPr>
+              <a:lnSpc>
+                <a:spcPct val="120000"/>
+              </a:lnSpc>
+            </a:pPr>
+            <a:r>
+              <a:rPr lang="en-US" dirty="0">
+                <a:latin typeface="+mj-lt"/>
+              </a:rPr>
+              <a:t>In our sandbox, we only setup a single instance (and some of use even struggled with that).  Bringing up and managing multiple, parallel instances is more complicated</a:t>
+            </a:r>
+            <a:r>
+              <a:rPr lang="en-US" dirty="0" smtClean="0">
+                <a:latin typeface="+mj-lt"/>
+              </a:rPr>
+              <a:t>.</a:t>
+            </a:r>
+          </a:p>
+          <a:p>
+            <a:pPr>
+              <a:lnSpc>
+                <a:spcPct val="120000"/>
+              </a:lnSpc>
+            </a:pPr>
+            <a:endParaRPr lang="en-US" dirty="0">
+              <a:latin typeface="+mj-lt"/>
+            </a:endParaRPr>
+          </a:p>
+          <a:p>
+            <a:pPr>
+              <a:lnSpc>
+                <a:spcPct val="120000"/>
+              </a:lnSpc>
+            </a:pPr>
+            <a:r>
+              <a:rPr lang="en-US" dirty="0" smtClean="0">
+                <a:latin typeface="+mj-lt"/>
+              </a:rPr>
+              <a:t>Amazon’s Elastic MapReduce (EMR) service should make this process simpler, but we went with EC2 instances due to their lower cost</a:t>
+            </a:r>
+          </a:p>
+          <a:p>
+            <a:pPr marL="0" indent="0">
+              <a:lnSpc>
+                <a:spcPct val="120000"/>
+              </a:lnSpc>
+              <a:buNone/>
+            </a:pPr>
+            <a:endParaRPr lang="en-US" dirty="0">
+              <a:latin typeface="+mj-lt"/>
+            </a:endParaRPr>
+          </a:p>
+          <a:p>
+            <a:pPr>
+              <a:lnSpc>
+                <a:spcPct val="120000"/>
+              </a:lnSpc>
+            </a:pPr>
+            <a:r>
+              <a:rPr lang="en-US" b="1" dirty="0" smtClean="0">
+                <a:solidFill>
+                  <a:srgbClr val="008000"/>
+                </a:solidFill>
+                <a:latin typeface="+mj-lt"/>
+              </a:rPr>
+              <a:t>Takeaways:</a:t>
+            </a:r>
+          </a:p>
+          <a:p>
+            <a:pPr lvl="1">
+              <a:lnSpc>
+                <a:spcPct val="120000"/>
+              </a:lnSpc>
+            </a:pPr>
+            <a:r>
+              <a:rPr lang="en-US" dirty="0" smtClean="0">
+                <a:latin typeface="+mj-lt"/>
+              </a:rPr>
+              <a:t>If your future company has a system admin, become his/her friend as it is can be pain to figure out how to configure AWS yourself.</a:t>
+            </a:r>
+          </a:p>
+          <a:p>
+            <a:pPr marL="457200" lvl="1" indent="0">
+              <a:lnSpc>
+                <a:spcPct val="120000"/>
+              </a:lnSpc>
+              <a:buNone/>
+            </a:pPr>
+            <a:endParaRPr lang="en-US" dirty="0" smtClean="0">
+              <a:latin typeface="+mj-lt"/>
+            </a:endParaRPr>
+          </a:p>
+          <a:p>
+            <a:pPr lvl="1">
+              <a:lnSpc>
+                <a:spcPct val="120000"/>
+              </a:lnSpc>
+            </a:pPr>
+            <a:r>
+              <a:rPr lang="en-US" dirty="0" smtClean="0">
+                <a:latin typeface="+mj-lt"/>
+              </a:rPr>
+              <a:t>If you need to do the system administration yourself, do not despair as you learn a lot of new (and unexpected) things along the way.</a:t>
+            </a:r>
+          </a:p>
+        </p:txBody>
+      </p:sp>
+      <p:sp>
+        <p:nvSpPr>
+          <p:cNvPr id="4" name="Slide Number Placeholder 3"/>
+          <p:cNvSpPr>
+            <a:spLocks noGrp="1"/>
+          </p:cNvSpPr>
+          <p:nvPr>
+            <p:ph type="sldNum" sz="quarter" idx="11"/>
+          </p:nvPr>
+        </p:nvSpPr>
+        <p:spPr/>
+        <p:txBody>
+          <a:bodyPr/>
+          <a:lstStyle/>
+          <a:p>
+            <a:pPr>
+              <a:defRPr/>
+            </a:pPr>
+            <a:fld id="{93CE8203-E40A-46AD-9381-6C8CB0064A1B}" type="slidenum">
+              <a:rPr lang="en-US" smtClean="0"/>
+              <a:pPr>
+                <a:defRPr/>
+              </a:pPr>
+              <a:t>19</a:t>
+            </a:fld>
+            <a:endParaRPr lang="en-US"/>
+          </a:p>
+        </p:txBody>
+      </p:sp>
+    </p:spTree>
+    <p:extLst>
+      <p:ext uri="{BB962C8B-B14F-4D97-AF65-F5344CB8AC3E}">
+        <p14:creationId xmlns:p14="http://schemas.microsoft.com/office/powerpoint/2010/main" val="648670633"/>
+      </p:ext>
+    </p:extLst>
   </p:cSld>
   <p:clrMapOvr>
     <a:masterClrMapping/>

--- a/Presentation/CS286 - Ensemble Classifier on AWS.pptx
+++ b/Presentation/CS286 - Ensemble Classifier on AWS.pptx
@@ -7,6 +7,9 @@
   <p:notesMasterIdLst>
     <p:notesMasterId r:id="rId21"/>
   </p:notesMasterIdLst>
+  <p:handoutMasterIdLst>
+    <p:handoutMasterId r:id="rId22"/>
+  </p:handoutMasterIdLst>
   <p:sldIdLst>
     <p:sldId id="256" r:id="rId2"/>
     <p:sldId id="264" r:id="rId3"/>
@@ -158,6 +161,235 @@
 </p:presentation>
 </file>
 
+<file path=ppt/handoutMasters/handoutMaster1.xml><?xml version="1.0" encoding="utf-8"?>
+<p:handoutMaster xmlns:a="http://schemas.openxmlformats.org/drawingml/2006/main" xmlns:r="http://schemas.openxmlformats.org/officeDocument/2006/relationships" xmlns:p="http://schemas.openxmlformats.org/presentationml/2006/main">
+  <p:cSld>
+    <p:bg>
+      <p:bgPr>
+        <a:solidFill>
+          <a:schemeClr val="bg1"/>
+        </a:solidFill>
+        <a:effectLst/>
+      </p:bgPr>
+    </p:bg>
+    <p:spTree>
+      <p:nvGrpSpPr>
+        <p:cNvPr id="1" name=""/>
+        <p:cNvGrpSpPr/>
+        <p:nvPr/>
+      </p:nvGrpSpPr>
+      <p:grpSpPr>
+        <a:xfrm>
+          <a:off x="0" y="0"/>
+          <a:ext cx="0" cy="0"/>
+          <a:chOff x="0" y="0"/>
+          <a:chExt cx="0" cy="0"/>
+        </a:xfrm>
+      </p:grpSpPr>
+      <p:sp>
+        <p:nvSpPr>
+          <p:cNvPr id="37890" name="Rectangle 2"/>
+          <p:cNvSpPr>
+            <a:spLocks noGrp="1" noChangeArrowheads="1"/>
+          </p:cNvSpPr>
+          <p:nvPr>
+            <p:ph type="hdr" sz="quarter"/>
+          </p:nvPr>
+        </p:nvSpPr>
+        <p:spPr bwMode="auto">
+          <a:xfrm>
+            <a:off x="0" y="0"/>
+            <a:ext cx="2971800" cy="457200"/>
+          </a:xfrm>
+          <a:prstGeom prst="rect">
+            <a:avLst/>
+          </a:prstGeom>
+          <a:noFill/>
+          <a:ln w="9525">
+            <a:noFill/>
+            <a:miter lim="800000"/>
+            <a:headEnd/>
+            <a:tailEnd/>
+          </a:ln>
+          <a:effectLst/>
+        </p:spPr>
+        <p:txBody>
+          <a:bodyPr vert="horz" wrap="square" lIns="91440" tIns="45720" rIns="91440" bIns="45720" numCol="1" anchor="t" anchorCtr="0" compatLnSpc="1">
+            <a:prstTxWarp prst="textNoShape">
+              <a:avLst/>
+            </a:prstTxWarp>
+          </a:bodyPr>
+          <a:lstStyle>
+            <a:lvl1pPr>
+              <a:defRPr sz="1200"/>
+            </a:lvl1pPr>
+          </a:lstStyle>
+          <a:p>
+            <a:pPr>
+              <a:defRPr/>
+            </a:pPr>
+            <a:endParaRPr lang="en-US"/>
+          </a:p>
+        </p:txBody>
+      </p:sp>
+      <p:sp>
+        <p:nvSpPr>
+          <p:cNvPr id="37891" name="Rectangle 3"/>
+          <p:cNvSpPr>
+            <a:spLocks noGrp="1" noChangeArrowheads="1"/>
+          </p:cNvSpPr>
+          <p:nvPr>
+            <p:ph type="dt" sz="quarter" idx="1"/>
+          </p:nvPr>
+        </p:nvSpPr>
+        <p:spPr bwMode="auto">
+          <a:xfrm>
+            <a:off x="3884613" y="0"/>
+            <a:ext cx="2971800" cy="457200"/>
+          </a:xfrm>
+          <a:prstGeom prst="rect">
+            <a:avLst/>
+          </a:prstGeom>
+          <a:noFill/>
+          <a:ln w="9525">
+            <a:noFill/>
+            <a:miter lim="800000"/>
+            <a:headEnd/>
+            <a:tailEnd/>
+          </a:ln>
+          <a:effectLst/>
+        </p:spPr>
+        <p:txBody>
+          <a:bodyPr vert="horz" wrap="square" lIns="91440" tIns="45720" rIns="91440" bIns="45720" numCol="1" anchor="t" anchorCtr="0" compatLnSpc="1">
+            <a:prstTxWarp prst="textNoShape">
+              <a:avLst/>
+            </a:prstTxWarp>
+          </a:bodyPr>
+          <a:lstStyle>
+            <a:lvl1pPr algn="r">
+              <a:defRPr sz="1200"/>
+            </a:lvl1pPr>
+          </a:lstStyle>
+          <a:p>
+            <a:pPr>
+              <a:defRPr/>
+            </a:pPr>
+            <a:fld id="{DFAA7024-A481-4DC9-A533-0AFACF87889A}" type="datetimeFigureOut">
+              <a:rPr lang="en-US"/>
+              <a:pPr>
+                <a:defRPr/>
+              </a:pPr>
+              <a:t>12/1/2015</a:t>
+            </a:fld>
+            <a:endParaRPr lang="en-US"/>
+          </a:p>
+        </p:txBody>
+      </p:sp>
+      <p:sp>
+        <p:nvSpPr>
+          <p:cNvPr id="37892" name="Rectangle 4"/>
+          <p:cNvSpPr>
+            <a:spLocks noGrp="1" noChangeArrowheads="1"/>
+          </p:cNvSpPr>
+          <p:nvPr>
+            <p:ph type="ftr" sz="quarter" idx="2"/>
+          </p:nvPr>
+        </p:nvSpPr>
+        <p:spPr bwMode="auto">
+          <a:xfrm>
+            <a:off x="0" y="8685213"/>
+            <a:ext cx="2971800" cy="457200"/>
+          </a:xfrm>
+          <a:prstGeom prst="rect">
+            <a:avLst/>
+          </a:prstGeom>
+          <a:noFill/>
+          <a:ln w="9525">
+            <a:noFill/>
+            <a:miter lim="800000"/>
+            <a:headEnd/>
+            <a:tailEnd/>
+          </a:ln>
+          <a:effectLst/>
+        </p:spPr>
+        <p:txBody>
+          <a:bodyPr vert="horz" wrap="square" lIns="91440" tIns="45720" rIns="91440" bIns="45720" numCol="1" anchor="b" anchorCtr="0" compatLnSpc="1">
+            <a:prstTxWarp prst="textNoShape">
+              <a:avLst/>
+            </a:prstTxWarp>
+          </a:bodyPr>
+          <a:lstStyle>
+            <a:lvl1pPr>
+              <a:defRPr sz="1200"/>
+            </a:lvl1pPr>
+          </a:lstStyle>
+          <a:p>
+            <a:pPr>
+              <a:defRPr/>
+            </a:pPr>
+            <a:endParaRPr lang="en-US"/>
+          </a:p>
+        </p:txBody>
+      </p:sp>
+      <p:sp>
+        <p:nvSpPr>
+          <p:cNvPr id="37893" name="Rectangle 5"/>
+          <p:cNvSpPr>
+            <a:spLocks noGrp="1" noChangeArrowheads="1"/>
+          </p:cNvSpPr>
+          <p:nvPr>
+            <p:ph type="sldNum" sz="quarter" idx="3"/>
+          </p:nvPr>
+        </p:nvSpPr>
+        <p:spPr bwMode="auto">
+          <a:xfrm>
+            <a:off x="3884613" y="8685213"/>
+            <a:ext cx="2971800" cy="457200"/>
+          </a:xfrm>
+          <a:prstGeom prst="rect">
+            <a:avLst/>
+          </a:prstGeom>
+          <a:noFill/>
+          <a:ln w="9525">
+            <a:noFill/>
+            <a:miter lim="800000"/>
+            <a:headEnd/>
+            <a:tailEnd/>
+          </a:ln>
+          <a:effectLst/>
+        </p:spPr>
+        <p:txBody>
+          <a:bodyPr vert="horz" wrap="square" lIns="91440" tIns="45720" rIns="91440" bIns="45720" numCol="1" anchor="b" anchorCtr="0" compatLnSpc="1">
+            <a:prstTxWarp prst="textNoShape">
+              <a:avLst/>
+            </a:prstTxWarp>
+          </a:bodyPr>
+          <a:lstStyle>
+            <a:lvl1pPr algn="r">
+              <a:defRPr sz="1200"/>
+            </a:lvl1pPr>
+          </a:lstStyle>
+          <a:p>
+            <a:pPr>
+              <a:defRPr/>
+            </a:pPr>
+            <a:fld id="{D0C4CB4F-90B3-4AE3-9A1D-7E772C7A3628}" type="slidenum">
+              <a:rPr lang="en-US"/>
+              <a:pPr>
+                <a:defRPr/>
+              </a:pPr>
+              <a:t>‹#›</a:t>
+            </a:fld>
+            <a:endParaRPr lang="en-US"/>
+          </a:p>
+        </p:txBody>
+      </p:sp>
+    </p:spTree>
+  </p:cSld>
+  <p:clrMap bg1="lt1" tx1="dk1" bg2="lt2" tx2="dk2" accent1="accent1" accent2="accent2" accent3="accent3" accent4="accent4" accent5="accent5" accent6="accent6" hlink="hlink" folHlink="folHlink"/>
+</p:handoutMaster>
+</file>
+
 <file path=ppt/notesMasters/notesMaster1.xml><?xml version="1.0" encoding="utf-8"?>
 <p:notesMaster xmlns:a="http://schemas.openxmlformats.org/drawingml/2006/main" xmlns:r="http://schemas.openxmlformats.org/officeDocument/2006/relationships" xmlns:p="http://schemas.openxmlformats.org/presentationml/2006/main">
   <p:cSld>
@@ -277,7 +509,7 @@
       </p:sp>
       <p:sp>
         <p:nvSpPr>
-          <p:cNvPr id="7172" name="Rectangle 4"/>
+          <p:cNvPr id="6148" name="Rectangle 4"/>
           <p:cNvSpPr>
             <a:spLocks noGrp="1" noRot="1" noChangeAspect="1" noChangeArrowheads="1" noTextEdit="1"/>
           </p:cNvSpPr>
@@ -463,7 +695,7 @@
             <a:pPr>
               <a:defRPr/>
             </a:pPr>
-            <a:fld id="{1B03344A-3D4A-4325-A042-FF792B10BFC6}" type="slidenum">
+            <a:fld id="{4FD3D612-DC36-4F3B-B5D9-541A91DFC719}" type="slidenum">
               <a:rPr lang="en-US"/>
               <a:pPr>
                 <a:defRPr/>
@@ -475,11 +707,6 @@
         </p:txBody>
       </p:sp>
     </p:spTree>
-    <p:extLst>
-      <p:ext uri="{BB962C8B-B14F-4D97-AF65-F5344CB8AC3E}">
-        <p14:creationId xmlns:p14="http://schemas.microsoft.com/office/powerpoint/2010/main" val="2775863751"/>
-      </p:ext>
-    </p:extLst>
   </p:cSld>
   <p:clrMap bg1="lt1" tx1="dk1" bg2="lt2" tx2="dk2" accent1="accent1" accent2="accent2" accent3="accent3" accent4="accent4" accent5="accent5" accent6="accent6" hlink="hlink" folHlink="folHlink"/>
   <p:notesStyle>
@@ -668,6 +895,622 @@
 </p:notes>
 </file>
 
+<file path=ppt/notesSlides/notesSlide10.xml><?xml version="1.0" encoding="utf-8"?>
+<p:notes xmlns:a="http://schemas.openxmlformats.org/drawingml/2006/main" xmlns:r="http://schemas.openxmlformats.org/officeDocument/2006/relationships" xmlns:p="http://schemas.openxmlformats.org/presentationml/2006/main">
+  <p:cSld>
+    <p:spTree>
+      <p:nvGrpSpPr>
+        <p:cNvPr id="1" name=""/>
+        <p:cNvGrpSpPr/>
+        <p:nvPr/>
+      </p:nvGrpSpPr>
+      <p:grpSpPr>
+        <a:xfrm>
+          <a:off x="0" y="0"/>
+          <a:ext cx="0" cy="0"/>
+          <a:chOff x="0" y="0"/>
+          <a:chExt cx="0" cy="0"/>
+        </a:xfrm>
+      </p:grpSpPr>
+      <p:sp>
+        <p:nvSpPr>
+          <p:cNvPr id="27649" name="Rectangle 2"/>
+          <p:cNvSpPr>
+            <a:spLocks noGrp="1" noRot="1" noChangeAspect="1" noChangeArrowheads="1" noTextEdit="1"/>
+          </p:cNvSpPr>
+          <p:nvPr>
+            <p:ph type="sldImg"/>
+          </p:nvPr>
+        </p:nvSpPr>
+        <p:spPr>
+          <a:ln/>
+        </p:spPr>
+      </p:sp>
+      <p:sp>
+        <p:nvSpPr>
+          <p:cNvPr id="27650" name="Rectangle 3"/>
+          <p:cNvSpPr>
+            <a:spLocks noGrp="1" noChangeArrowheads="1"/>
+          </p:cNvSpPr>
+          <p:nvPr>
+            <p:ph type="body" idx="1"/>
+          </p:nvPr>
+        </p:nvSpPr>
+        <p:spPr>
+          <a:noFill/>
+          <a:ln/>
+        </p:spPr>
+        <p:txBody>
+          <a:bodyPr/>
+          <a:lstStyle/>
+          <a:p>
+            <a:endParaRPr lang="en-US" smtClean="0"/>
+          </a:p>
+        </p:txBody>
+      </p:sp>
+    </p:spTree>
+  </p:cSld>
+  <p:clrMapOvr>
+    <a:masterClrMapping/>
+  </p:clrMapOvr>
+</p:notes>
+</file>
+
+<file path=ppt/notesSlides/notesSlide11.xml><?xml version="1.0" encoding="utf-8"?>
+<p:notes xmlns:a="http://schemas.openxmlformats.org/drawingml/2006/main" xmlns:r="http://schemas.openxmlformats.org/officeDocument/2006/relationships" xmlns:p="http://schemas.openxmlformats.org/presentationml/2006/main">
+  <p:cSld>
+    <p:spTree>
+      <p:nvGrpSpPr>
+        <p:cNvPr id="1" name=""/>
+        <p:cNvGrpSpPr/>
+        <p:nvPr/>
+      </p:nvGrpSpPr>
+      <p:grpSpPr>
+        <a:xfrm>
+          <a:off x="0" y="0"/>
+          <a:ext cx="0" cy="0"/>
+          <a:chOff x="0" y="0"/>
+          <a:chExt cx="0" cy="0"/>
+        </a:xfrm>
+      </p:grpSpPr>
+      <p:sp>
+        <p:nvSpPr>
+          <p:cNvPr id="29697" name="Rectangle 2"/>
+          <p:cNvSpPr>
+            <a:spLocks noGrp="1" noRot="1" noChangeAspect="1" noChangeArrowheads="1" noTextEdit="1"/>
+          </p:cNvSpPr>
+          <p:nvPr>
+            <p:ph type="sldImg"/>
+          </p:nvPr>
+        </p:nvSpPr>
+        <p:spPr>
+          <a:ln/>
+        </p:spPr>
+      </p:sp>
+      <p:sp>
+        <p:nvSpPr>
+          <p:cNvPr id="29698" name="Rectangle 3"/>
+          <p:cNvSpPr>
+            <a:spLocks noGrp="1" noChangeArrowheads="1"/>
+          </p:cNvSpPr>
+          <p:nvPr>
+            <p:ph type="body" idx="1"/>
+          </p:nvPr>
+        </p:nvSpPr>
+        <p:spPr>
+          <a:noFill/>
+          <a:ln/>
+        </p:spPr>
+        <p:txBody>
+          <a:bodyPr/>
+          <a:lstStyle/>
+          <a:p>
+            <a:endParaRPr lang="en-US" smtClean="0"/>
+          </a:p>
+        </p:txBody>
+      </p:sp>
+    </p:spTree>
+  </p:cSld>
+  <p:clrMapOvr>
+    <a:masterClrMapping/>
+  </p:clrMapOvr>
+</p:notes>
+</file>
+
+<file path=ppt/notesSlides/notesSlide12.xml><?xml version="1.0" encoding="utf-8"?>
+<p:notes xmlns:a="http://schemas.openxmlformats.org/drawingml/2006/main" xmlns:r="http://schemas.openxmlformats.org/officeDocument/2006/relationships" xmlns:p="http://schemas.openxmlformats.org/presentationml/2006/main">
+  <p:cSld>
+    <p:spTree>
+      <p:nvGrpSpPr>
+        <p:cNvPr id="1" name=""/>
+        <p:cNvGrpSpPr/>
+        <p:nvPr/>
+      </p:nvGrpSpPr>
+      <p:grpSpPr>
+        <a:xfrm>
+          <a:off x="0" y="0"/>
+          <a:ext cx="0" cy="0"/>
+          <a:chOff x="0" y="0"/>
+          <a:chExt cx="0" cy="0"/>
+        </a:xfrm>
+      </p:grpSpPr>
+      <p:sp>
+        <p:nvSpPr>
+          <p:cNvPr id="31745" name="Rectangle 2"/>
+          <p:cNvSpPr>
+            <a:spLocks noGrp="1" noRot="1" noChangeAspect="1" noChangeArrowheads="1" noTextEdit="1"/>
+          </p:cNvSpPr>
+          <p:nvPr>
+            <p:ph type="sldImg"/>
+          </p:nvPr>
+        </p:nvSpPr>
+        <p:spPr>
+          <a:ln/>
+        </p:spPr>
+      </p:sp>
+      <p:sp>
+        <p:nvSpPr>
+          <p:cNvPr id="31746" name="Rectangle 3"/>
+          <p:cNvSpPr>
+            <a:spLocks noGrp="1" noChangeArrowheads="1"/>
+          </p:cNvSpPr>
+          <p:nvPr>
+            <p:ph type="body" idx="1"/>
+          </p:nvPr>
+        </p:nvSpPr>
+        <p:spPr>
+          <a:noFill/>
+          <a:ln/>
+        </p:spPr>
+        <p:txBody>
+          <a:bodyPr/>
+          <a:lstStyle/>
+          <a:p>
+            <a:endParaRPr lang="en-US" smtClean="0"/>
+          </a:p>
+        </p:txBody>
+      </p:sp>
+    </p:spTree>
+  </p:cSld>
+  <p:clrMapOvr>
+    <a:masterClrMapping/>
+  </p:clrMapOvr>
+</p:notes>
+</file>
+
+<file path=ppt/notesSlides/notesSlide13.xml><?xml version="1.0" encoding="utf-8"?>
+<p:notes xmlns:a="http://schemas.openxmlformats.org/drawingml/2006/main" xmlns:r="http://schemas.openxmlformats.org/officeDocument/2006/relationships" xmlns:p="http://schemas.openxmlformats.org/presentationml/2006/main">
+  <p:cSld>
+    <p:spTree>
+      <p:nvGrpSpPr>
+        <p:cNvPr id="1" name=""/>
+        <p:cNvGrpSpPr/>
+        <p:nvPr/>
+      </p:nvGrpSpPr>
+      <p:grpSpPr>
+        <a:xfrm>
+          <a:off x="0" y="0"/>
+          <a:ext cx="0" cy="0"/>
+          <a:chOff x="0" y="0"/>
+          <a:chExt cx="0" cy="0"/>
+        </a:xfrm>
+      </p:grpSpPr>
+      <p:sp>
+        <p:nvSpPr>
+          <p:cNvPr id="33793" name="Rectangle 2"/>
+          <p:cNvSpPr>
+            <a:spLocks noGrp="1" noRot="1" noChangeAspect="1" noChangeArrowheads="1" noTextEdit="1"/>
+          </p:cNvSpPr>
+          <p:nvPr>
+            <p:ph type="sldImg"/>
+          </p:nvPr>
+        </p:nvSpPr>
+        <p:spPr>
+          <a:ln/>
+        </p:spPr>
+      </p:sp>
+      <p:sp>
+        <p:nvSpPr>
+          <p:cNvPr id="33794" name="Rectangle 3"/>
+          <p:cNvSpPr>
+            <a:spLocks noGrp="1" noChangeArrowheads="1"/>
+          </p:cNvSpPr>
+          <p:nvPr>
+            <p:ph type="body" idx="1"/>
+          </p:nvPr>
+        </p:nvSpPr>
+        <p:spPr>
+          <a:noFill/>
+          <a:ln/>
+        </p:spPr>
+        <p:txBody>
+          <a:bodyPr/>
+          <a:lstStyle/>
+          <a:p>
+            <a:r>
+              <a:rPr lang="en-US" smtClean="0"/>
+              <a:t>Tree can be very large</a:t>
+            </a:r>
+          </a:p>
+        </p:txBody>
+      </p:sp>
+    </p:spTree>
+  </p:cSld>
+  <p:clrMapOvr>
+    <a:masterClrMapping/>
+  </p:clrMapOvr>
+</p:notes>
+</file>
+
+<file path=ppt/notesSlides/notesSlide14.xml><?xml version="1.0" encoding="utf-8"?>
+<p:notes xmlns:a="http://schemas.openxmlformats.org/drawingml/2006/main" xmlns:r="http://schemas.openxmlformats.org/officeDocument/2006/relationships" xmlns:p="http://schemas.openxmlformats.org/presentationml/2006/main">
+  <p:cSld>
+    <p:spTree>
+      <p:nvGrpSpPr>
+        <p:cNvPr id="1" name=""/>
+        <p:cNvGrpSpPr/>
+        <p:nvPr/>
+      </p:nvGrpSpPr>
+      <p:grpSpPr>
+        <a:xfrm>
+          <a:off x="0" y="0"/>
+          <a:ext cx="0" cy="0"/>
+          <a:chOff x="0" y="0"/>
+          <a:chExt cx="0" cy="0"/>
+        </a:xfrm>
+      </p:grpSpPr>
+      <p:sp>
+        <p:nvSpPr>
+          <p:cNvPr id="35841" name="Rectangle 2"/>
+          <p:cNvSpPr>
+            <a:spLocks noGrp="1" noRot="1" noChangeAspect="1" noChangeArrowheads="1" noTextEdit="1"/>
+          </p:cNvSpPr>
+          <p:nvPr>
+            <p:ph type="sldImg"/>
+          </p:nvPr>
+        </p:nvSpPr>
+        <p:spPr>
+          <a:ln/>
+        </p:spPr>
+      </p:sp>
+      <p:sp>
+        <p:nvSpPr>
+          <p:cNvPr id="35842" name="Rectangle 3"/>
+          <p:cNvSpPr>
+            <a:spLocks noGrp="1" noChangeArrowheads="1"/>
+          </p:cNvSpPr>
+          <p:nvPr>
+            <p:ph type="body" idx="1"/>
+          </p:nvPr>
+        </p:nvSpPr>
+        <p:spPr>
+          <a:noFill/>
+          <a:ln/>
+        </p:spPr>
+        <p:txBody>
+          <a:bodyPr/>
+          <a:lstStyle/>
+          <a:p>
+            <a:endParaRPr lang="en-US" smtClean="0"/>
+          </a:p>
+        </p:txBody>
+      </p:sp>
+    </p:spTree>
+  </p:cSld>
+  <p:clrMapOvr>
+    <a:masterClrMapping/>
+  </p:clrMapOvr>
+</p:notes>
+</file>
+
+<file path=ppt/notesSlides/notesSlide15.xml><?xml version="1.0" encoding="utf-8"?>
+<p:notes xmlns:a="http://schemas.openxmlformats.org/drawingml/2006/main" xmlns:r="http://schemas.openxmlformats.org/officeDocument/2006/relationships" xmlns:p="http://schemas.openxmlformats.org/presentationml/2006/main">
+  <p:cSld>
+    <p:spTree>
+      <p:nvGrpSpPr>
+        <p:cNvPr id="1" name=""/>
+        <p:cNvGrpSpPr/>
+        <p:nvPr/>
+      </p:nvGrpSpPr>
+      <p:grpSpPr>
+        <a:xfrm>
+          <a:off x="0" y="0"/>
+          <a:ext cx="0" cy="0"/>
+          <a:chOff x="0" y="0"/>
+          <a:chExt cx="0" cy="0"/>
+        </a:xfrm>
+      </p:grpSpPr>
+      <p:sp>
+        <p:nvSpPr>
+          <p:cNvPr id="37889" name="Rectangle 2"/>
+          <p:cNvSpPr>
+            <a:spLocks noGrp="1" noRot="1" noChangeAspect="1" noChangeArrowheads="1" noTextEdit="1"/>
+          </p:cNvSpPr>
+          <p:nvPr>
+            <p:ph type="sldImg"/>
+          </p:nvPr>
+        </p:nvSpPr>
+        <p:spPr>
+          <a:ln/>
+        </p:spPr>
+      </p:sp>
+      <p:sp>
+        <p:nvSpPr>
+          <p:cNvPr id="37890" name="Rectangle 3"/>
+          <p:cNvSpPr>
+            <a:spLocks noGrp="1" noChangeArrowheads="1"/>
+          </p:cNvSpPr>
+          <p:nvPr>
+            <p:ph type="body" idx="1"/>
+          </p:nvPr>
+        </p:nvSpPr>
+        <p:spPr>
+          <a:noFill/>
+          <a:ln/>
+        </p:spPr>
+        <p:txBody>
+          <a:bodyPr/>
+          <a:lstStyle/>
+          <a:p>
+            <a:endParaRPr lang="en-US" smtClean="0"/>
+          </a:p>
+        </p:txBody>
+      </p:sp>
+    </p:spTree>
+  </p:cSld>
+  <p:clrMapOvr>
+    <a:masterClrMapping/>
+  </p:clrMapOvr>
+</p:notes>
+</file>
+
+<file path=ppt/notesSlides/notesSlide16.xml><?xml version="1.0" encoding="utf-8"?>
+<p:notes xmlns:a="http://schemas.openxmlformats.org/drawingml/2006/main" xmlns:r="http://schemas.openxmlformats.org/officeDocument/2006/relationships" xmlns:p="http://schemas.openxmlformats.org/presentationml/2006/main">
+  <p:cSld>
+    <p:spTree>
+      <p:nvGrpSpPr>
+        <p:cNvPr id="1" name=""/>
+        <p:cNvGrpSpPr/>
+        <p:nvPr/>
+      </p:nvGrpSpPr>
+      <p:grpSpPr>
+        <a:xfrm>
+          <a:off x="0" y="0"/>
+          <a:ext cx="0" cy="0"/>
+          <a:chOff x="0" y="0"/>
+          <a:chExt cx="0" cy="0"/>
+        </a:xfrm>
+      </p:grpSpPr>
+      <p:sp>
+        <p:nvSpPr>
+          <p:cNvPr id="39937" name="Rectangle 2"/>
+          <p:cNvSpPr>
+            <a:spLocks noGrp="1" noRot="1" noChangeAspect="1" noChangeArrowheads="1" noTextEdit="1"/>
+          </p:cNvSpPr>
+          <p:nvPr>
+            <p:ph type="sldImg"/>
+          </p:nvPr>
+        </p:nvSpPr>
+        <p:spPr>
+          <a:ln/>
+        </p:spPr>
+      </p:sp>
+      <p:sp>
+        <p:nvSpPr>
+          <p:cNvPr id="39938" name="Rectangle 3"/>
+          <p:cNvSpPr>
+            <a:spLocks noGrp="1" noChangeArrowheads="1"/>
+          </p:cNvSpPr>
+          <p:nvPr>
+            <p:ph type="body" idx="1"/>
+          </p:nvPr>
+        </p:nvSpPr>
+        <p:spPr>
+          <a:noFill/>
+          <a:ln/>
+        </p:spPr>
+        <p:txBody>
+          <a:bodyPr/>
+          <a:lstStyle/>
+          <a:p>
+            <a:endParaRPr lang="en-US" smtClean="0"/>
+          </a:p>
+        </p:txBody>
+      </p:sp>
+    </p:spTree>
+  </p:cSld>
+  <p:clrMapOvr>
+    <a:masterClrMapping/>
+  </p:clrMapOvr>
+</p:notes>
+</file>
+
+<file path=ppt/notesSlides/notesSlide17.xml><?xml version="1.0" encoding="utf-8"?>
+<p:notes xmlns:a="http://schemas.openxmlformats.org/drawingml/2006/main" xmlns:r="http://schemas.openxmlformats.org/officeDocument/2006/relationships" xmlns:p="http://schemas.openxmlformats.org/presentationml/2006/main">
+  <p:cSld>
+    <p:spTree>
+      <p:nvGrpSpPr>
+        <p:cNvPr id="1" name=""/>
+        <p:cNvGrpSpPr/>
+        <p:nvPr/>
+      </p:nvGrpSpPr>
+      <p:grpSpPr>
+        <a:xfrm>
+          <a:off x="0" y="0"/>
+          <a:ext cx="0" cy="0"/>
+          <a:chOff x="0" y="0"/>
+          <a:chExt cx="0" cy="0"/>
+        </a:xfrm>
+      </p:grpSpPr>
+      <p:sp>
+        <p:nvSpPr>
+          <p:cNvPr id="41985" name="Rectangle 2"/>
+          <p:cNvSpPr>
+            <a:spLocks noGrp="1" noRot="1" noChangeAspect="1" noChangeArrowheads="1" noTextEdit="1"/>
+          </p:cNvSpPr>
+          <p:nvPr>
+            <p:ph type="sldImg"/>
+          </p:nvPr>
+        </p:nvSpPr>
+        <p:spPr>
+          <a:ln/>
+        </p:spPr>
+      </p:sp>
+      <p:sp>
+        <p:nvSpPr>
+          <p:cNvPr id="41986" name="Rectangle 3"/>
+          <p:cNvSpPr>
+            <a:spLocks noGrp="1" noChangeArrowheads="1"/>
+          </p:cNvSpPr>
+          <p:nvPr>
+            <p:ph type="body" idx="1"/>
+          </p:nvPr>
+        </p:nvSpPr>
+        <p:spPr>
+          <a:noFill/>
+          <a:ln/>
+        </p:spPr>
+        <p:txBody>
+          <a:bodyPr/>
+          <a:lstStyle/>
+          <a:p>
+            <a:endParaRPr lang="en-US" smtClean="0"/>
+          </a:p>
+        </p:txBody>
+      </p:sp>
+    </p:spTree>
+  </p:cSld>
+  <p:clrMapOvr>
+    <a:masterClrMapping/>
+  </p:clrMapOvr>
+</p:notes>
+</file>
+
+<file path=ppt/notesSlides/notesSlide18.xml><?xml version="1.0" encoding="utf-8"?>
+<p:notes xmlns:a="http://schemas.openxmlformats.org/drawingml/2006/main" xmlns:r="http://schemas.openxmlformats.org/officeDocument/2006/relationships" xmlns:p="http://schemas.openxmlformats.org/presentationml/2006/main">
+  <p:cSld>
+    <p:spTree>
+      <p:nvGrpSpPr>
+        <p:cNvPr id="1" name=""/>
+        <p:cNvGrpSpPr/>
+        <p:nvPr/>
+      </p:nvGrpSpPr>
+      <p:grpSpPr>
+        <a:xfrm>
+          <a:off x="0" y="0"/>
+          <a:ext cx="0" cy="0"/>
+          <a:chOff x="0" y="0"/>
+          <a:chExt cx="0" cy="0"/>
+        </a:xfrm>
+      </p:grpSpPr>
+      <p:sp>
+        <p:nvSpPr>
+          <p:cNvPr id="44033" name="Rectangle 2"/>
+          <p:cNvSpPr>
+            <a:spLocks noGrp="1" noRot="1" noChangeAspect="1" noChangeArrowheads="1" noTextEdit="1"/>
+          </p:cNvSpPr>
+          <p:nvPr>
+            <p:ph type="sldImg"/>
+          </p:nvPr>
+        </p:nvSpPr>
+        <p:spPr>
+          <a:ln/>
+        </p:spPr>
+      </p:sp>
+      <p:sp>
+        <p:nvSpPr>
+          <p:cNvPr id="44034" name="Rectangle 3"/>
+          <p:cNvSpPr>
+            <a:spLocks noGrp="1" noChangeArrowheads="1"/>
+          </p:cNvSpPr>
+          <p:nvPr>
+            <p:ph type="body" idx="1"/>
+          </p:nvPr>
+        </p:nvSpPr>
+        <p:spPr>
+          <a:noFill/>
+          <a:ln/>
+        </p:spPr>
+        <p:txBody>
+          <a:bodyPr/>
+          <a:lstStyle/>
+          <a:p>
+            <a:endParaRPr lang="en-US" smtClean="0"/>
+          </a:p>
+        </p:txBody>
+      </p:sp>
+    </p:spTree>
+  </p:cSld>
+  <p:clrMapOvr>
+    <a:masterClrMapping/>
+  </p:clrMapOvr>
+</p:notes>
+</file>
+
+<file path=ppt/notesSlides/notesSlide19.xml><?xml version="1.0" encoding="utf-8"?>
+<p:notes xmlns:a="http://schemas.openxmlformats.org/drawingml/2006/main" xmlns:r="http://schemas.openxmlformats.org/officeDocument/2006/relationships" xmlns:p="http://schemas.openxmlformats.org/presentationml/2006/main">
+  <p:cSld>
+    <p:spTree>
+      <p:nvGrpSpPr>
+        <p:cNvPr id="1" name=""/>
+        <p:cNvGrpSpPr/>
+        <p:nvPr/>
+      </p:nvGrpSpPr>
+      <p:grpSpPr>
+        <a:xfrm>
+          <a:off x="0" y="0"/>
+          <a:ext cx="0" cy="0"/>
+          <a:chOff x="0" y="0"/>
+          <a:chExt cx="0" cy="0"/>
+        </a:xfrm>
+      </p:grpSpPr>
+      <p:sp>
+        <p:nvSpPr>
+          <p:cNvPr id="46081" name="Rectangle 2"/>
+          <p:cNvSpPr>
+            <a:spLocks noGrp="1" noRot="1" noChangeAspect="1" noChangeArrowheads="1" noTextEdit="1"/>
+          </p:cNvSpPr>
+          <p:nvPr>
+            <p:ph type="sldImg"/>
+          </p:nvPr>
+        </p:nvSpPr>
+        <p:spPr>
+          <a:ln/>
+        </p:spPr>
+      </p:sp>
+      <p:sp>
+        <p:nvSpPr>
+          <p:cNvPr id="46082" name="Rectangle 3"/>
+          <p:cNvSpPr>
+            <a:spLocks noGrp="1" noChangeArrowheads="1"/>
+          </p:cNvSpPr>
+          <p:nvPr>
+            <p:ph type="body" idx="1"/>
+          </p:nvPr>
+        </p:nvSpPr>
+        <p:spPr>
+          <a:noFill/>
+          <a:ln/>
+        </p:spPr>
+        <p:txBody>
+          <a:bodyPr/>
+          <a:lstStyle/>
+          <a:p>
+            <a:r>
+              <a:rPr lang="en-US" smtClean="0"/>
+              <a:t>Tree can be very large</a:t>
+            </a:r>
+          </a:p>
+        </p:txBody>
+      </p:sp>
+    </p:spTree>
+  </p:cSld>
+  <p:clrMapOvr>
+    <a:masterClrMapping/>
+  </p:clrMapOvr>
+</p:notes>
+</file>
+
 <file path=ppt/notesSlides/notesSlide2.xml><?xml version="1.0" encoding="utf-8"?>
 <p:notes xmlns:a="http://schemas.openxmlformats.org/drawingml/2006/main" xmlns:r="http://schemas.openxmlformats.org/officeDocument/2006/relationships" xmlns:p="http://schemas.openxmlformats.org/presentationml/2006/main">
   <p:cSld>
@@ -751,7 +1594,7 @@
       </p:grpSpPr>
       <p:sp>
         <p:nvSpPr>
-          <p:cNvPr id="59393" name="Rectangle 2"/>
+          <p:cNvPr id="13313" name="Rectangle 2"/>
           <p:cNvSpPr>
             <a:spLocks noGrp="1" noRot="1" noChangeAspect="1" noChangeArrowheads="1" noTextEdit="1"/>
           </p:cNvSpPr>
@@ -765,7 +1608,7 @@
       </p:sp>
       <p:sp>
         <p:nvSpPr>
-          <p:cNvPr id="59394" name="Rectangle 3"/>
+          <p:cNvPr id="13314" name="Rectangle 3"/>
           <p:cNvSpPr>
             <a:spLocks noGrp="1" noChangeArrowheads="1"/>
           </p:cNvSpPr>
@@ -812,7 +1655,7 @@
       </p:grpSpPr>
       <p:sp>
         <p:nvSpPr>
-          <p:cNvPr id="59393" name="Rectangle 2"/>
+          <p:cNvPr id="15361" name="Rectangle 2"/>
           <p:cNvSpPr>
             <a:spLocks noGrp="1" noRot="1" noChangeAspect="1" noChangeArrowheads="1" noTextEdit="1"/>
           </p:cNvSpPr>
@@ -826,7 +1669,7 @@
       </p:sp>
       <p:sp>
         <p:nvSpPr>
-          <p:cNvPr id="59394" name="Rectangle 3"/>
+          <p:cNvPr id="15362" name="Rectangle 3"/>
           <p:cNvSpPr>
             <a:spLocks noGrp="1" noChangeArrowheads="1"/>
           </p:cNvSpPr>
@@ -873,7 +1716,7 @@
       </p:grpSpPr>
       <p:sp>
         <p:nvSpPr>
-          <p:cNvPr id="11265" name="Rectangle 2"/>
+          <p:cNvPr id="17409" name="Rectangle 2"/>
           <p:cNvSpPr>
             <a:spLocks noGrp="1" noRot="1" noChangeAspect="1" noChangeArrowheads="1" noTextEdit="1"/>
           </p:cNvSpPr>
@@ -887,7 +1730,7 @@
       </p:sp>
       <p:sp>
         <p:nvSpPr>
-          <p:cNvPr id="11266" name="Rectangle 3"/>
+          <p:cNvPr id="17410" name="Rectangle 3"/>
           <p:cNvSpPr>
             <a:spLocks noGrp="1" noChangeArrowheads="1"/>
           </p:cNvSpPr>
@@ -903,10 +1746,7 @@
           <a:bodyPr/>
           <a:lstStyle/>
           <a:p>
-            <a:r>
-              <a:rPr lang="en-US" smtClean="0"/>
-              <a:t>Tree can be very large</a:t>
-            </a:r>
+            <a:endParaRPr lang="en-US" smtClean="0"/>
           </a:p>
         </p:txBody>
       </p:sp>
@@ -937,7 +1777,7 @@
       </p:grpSpPr>
       <p:sp>
         <p:nvSpPr>
-          <p:cNvPr id="11265" name="Rectangle 2"/>
+          <p:cNvPr id="19457" name="Rectangle 2"/>
           <p:cNvSpPr>
             <a:spLocks noGrp="1" noRot="1" noChangeAspect="1" noChangeArrowheads="1" noTextEdit="1"/>
           </p:cNvSpPr>
@@ -951,7 +1791,7 @@
       </p:sp>
       <p:sp>
         <p:nvSpPr>
-          <p:cNvPr id="11266" name="Rectangle 3"/>
+          <p:cNvPr id="19458" name="Rectangle 3"/>
           <p:cNvSpPr>
             <a:spLocks noGrp="1" noChangeArrowheads="1"/>
           </p:cNvSpPr>
@@ -967,7 +1807,7 @@
           <a:bodyPr/>
           <a:lstStyle/>
           <a:p>
-            <a:endParaRPr lang="en-US" dirty="0" smtClean="0"/>
+            <a:endParaRPr lang="en-US" smtClean="0"/>
           </a:p>
         </p:txBody>
       </p:sp>
@@ -998,7 +1838,7 @@
       </p:grpSpPr>
       <p:sp>
         <p:nvSpPr>
-          <p:cNvPr id="59393" name="Rectangle 2"/>
+          <p:cNvPr id="21505" name="Rectangle 2"/>
           <p:cNvSpPr>
             <a:spLocks noGrp="1" noRot="1" noChangeAspect="1" noChangeArrowheads="1" noTextEdit="1"/>
           </p:cNvSpPr>
@@ -1012,7 +1852,7 @@
       </p:sp>
       <p:sp>
         <p:nvSpPr>
-          <p:cNvPr id="59394" name="Rectangle 3"/>
+          <p:cNvPr id="21506" name="Rectangle 3"/>
           <p:cNvSpPr>
             <a:spLocks noGrp="1" noChangeArrowheads="1"/>
           </p:cNvSpPr>
@@ -1059,7 +1899,7 @@
       </p:grpSpPr>
       <p:sp>
         <p:nvSpPr>
-          <p:cNvPr id="59393" name="Rectangle 2"/>
+          <p:cNvPr id="23553" name="Rectangle 2"/>
           <p:cNvSpPr>
             <a:spLocks noGrp="1" noRot="1" noChangeAspect="1" noChangeArrowheads="1" noTextEdit="1"/>
           </p:cNvSpPr>
@@ -1073,7 +1913,7 @@
       </p:sp>
       <p:sp>
         <p:nvSpPr>
-          <p:cNvPr id="59394" name="Rectangle 3"/>
+          <p:cNvPr id="23554" name="Rectangle 3"/>
           <p:cNvSpPr>
             <a:spLocks noGrp="1" noChangeArrowheads="1"/>
           </p:cNvSpPr>
@@ -1120,7 +1960,7 @@
       </p:grpSpPr>
       <p:sp>
         <p:nvSpPr>
-          <p:cNvPr id="11265" name="Rectangle 2"/>
+          <p:cNvPr id="25601" name="Rectangle 2"/>
           <p:cNvSpPr>
             <a:spLocks noGrp="1" noRot="1" noChangeAspect="1" noChangeArrowheads="1" noTextEdit="1"/>
           </p:cNvSpPr>
@@ -1134,7 +1974,7 @@
       </p:sp>
       <p:sp>
         <p:nvSpPr>
-          <p:cNvPr id="11266" name="Rectangle 3"/>
+          <p:cNvPr id="25602" name="Rectangle 3"/>
           <p:cNvSpPr>
             <a:spLocks noGrp="1" noChangeArrowheads="1"/>
           </p:cNvSpPr>
@@ -1150,10 +1990,7 @@
           <a:bodyPr/>
           <a:lstStyle/>
           <a:p>
-            <a:r>
-              <a:rPr lang="en-US" smtClean="0"/>
-              <a:t>Tree can be very large</a:t>
-            </a:r>
+            <a:endParaRPr lang="en-US" smtClean="0"/>
           </a:p>
         </p:txBody>
       </p:sp>
@@ -1191,7 +2028,7 @@
           <p:nvPr/>
         </p:nvPicPr>
         <p:blipFill>
-          <a:blip r:embed="rId2" cstate="print"/>
+          <a:blip r:embed="rId2"/>
           <a:srcRect/>
           <a:stretch>
             <a:fillRect/>
@@ -1391,7 +2228,7 @@
             <a:pPr>
               <a:defRPr/>
             </a:pPr>
-            <a:fld id="{25290041-EBD5-4ECF-93E2-DB158FD201AF}" type="slidenum">
+            <a:fld id="{C2C66FDA-AECA-4467-B9AB-7D04AAB4D57E}" type="slidenum">
               <a:rPr lang="en-US"/>
               <a:pPr>
                 <a:defRPr/>
@@ -1407,13 +2244,6 @@
   <p:clrMapOvr>
     <a:masterClrMapping/>
   </p:clrMapOvr>
-  <p:timing>
-    <p:tnLst>
-      <p:par>
-        <p:cTn id="1" dur="indefinite" restart="never" nodeType="tmRoot"/>
-      </p:par>
-    </p:tnLst>
-  </p:timing>
 </p:sldLayout>
 </file>
 
@@ -1598,7 +2428,7 @@
             <a:pPr>
               <a:defRPr/>
             </a:pPr>
-            <a:fld id="{57CAE338-3B6A-4037-90D8-94F2438351D8}" type="slidenum">
+            <a:fld id="{325C3FDD-057D-474A-9872-6BB25CD8D5F2}" type="slidenum">
               <a:rPr lang="en-US"/>
               <a:pPr>
                 <a:defRPr/>
@@ -1882,7 +2712,7 @@
             <a:pPr>
               <a:defRPr/>
             </a:pPr>
-            <a:fld id="{07A2DEB2-1A28-4E3D-BE80-C7859824F633}" type="slidenum">
+            <a:fld id="{6A6DBDE7-6BE3-436F-816A-7EF60EF28097}" type="slidenum">
               <a:rPr lang="en-US"/>
               <a:pPr>
                 <a:defRPr/>
@@ -1898,13 +2728,6 @@
   <p:clrMapOvr>
     <a:masterClrMapping/>
   </p:clrMapOvr>
-  <p:timing>
-    <p:tnLst>
-      <p:par>
-        <p:cTn id="1" dur="indefinite" restart="never" nodeType="tmRoot"/>
-      </p:par>
-    </p:tnLst>
-  </p:timing>
 </p:sldLayout>
 </file>
 
@@ -2115,7 +2938,7 @@
             <a:pPr>
               <a:defRPr/>
             </a:pPr>
-            <a:fld id="{939910C7-EABF-4B50-9B4C-228D46744491}" type="slidenum">
+            <a:fld id="{45F7AAD1-2408-4AC8-ACEF-5F3C66E84A7C}" type="slidenum">
               <a:rPr lang="en-US"/>
               <a:pPr>
                 <a:defRPr/>
@@ -2131,13 +2954,6 @@
   <p:clrMapOvr>
     <a:masterClrMapping/>
   </p:clrMapOvr>
-  <p:timing>
-    <p:tnLst>
-      <p:par>
-        <p:cTn id="1" dur="indefinite" restart="never" nodeType="tmRoot"/>
-      </p:par>
-    </p:tnLst>
-  </p:timing>
 </p:sldLayout>
 </file>
 
@@ -2175,7 +2991,7 @@
           <p:nvPr/>
         </p:nvPicPr>
         <p:blipFill>
-          <a:blip r:embed="rId6" cstate="print"/>
+          <a:blip r:embed="rId6"/>
           <a:srcRect b="37083"/>
           <a:stretch>
             <a:fillRect/>
@@ -2234,7 +3050,7 @@
           <a:p>
             <a:pPr lvl="0"/>
             <a:r>
-              <a:rPr lang="en-US" dirty="0" smtClean="0"/>
+              <a:rPr lang="en-US" smtClean="0"/>
               <a:t>Click to edit Master title style</a:t>
             </a:r>
           </a:p>
@@ -2276,35 +3092,35 @@
           <a:p>
             <a:pPr lvl="0"/>
             <a:r>
-              <a:rPr lang="en-US" dirty="0" smtClean="0"/>
+              <a:rPr lang="en-US" smtClean="0"/>
               <a:t>Click to edit Master text styles</a:t>
             </a:r>
           </a:p>
           <a:p>
             <a:pPr lvl="1"/>
             <a:r>
-              <a:rPr lang="en-US" dirty="0" smtClean="0"/>
+              <a:rPr lang="en-US" smtClean="0"/>
               <a:t>Second level</a:t>
             </a:r>
           </a:p>
           <a:p>
             <a:pPr lvl="2"/>
             <a:r>
-              <a:rPr lang="en-US" dirty="0" smtClean="0"/>
+              <a:rPr lang="en-US" smtClean="0"/>
               <a:t>Third level</a:t>
             </a:r>
           </a:p>
           <a:p>
             <a:pPr lvl="3"/>
             <a:r>
-              <a:rPr lang="en-US" dirty="0" smtClean="0"/>
+              <a:rPr lang="en-US" smtClean="0"/>
               <a:t>Fourth level</a:t>
             </a:r>
           </a:p>
           <a:p>
             <a:pPr lvl="4"/>
             <a:r>
-              <a:rPr lang="en-US" dirty="0" smtClean="0"/>
+              <a:rPr lang="en-US" smtClean="0"/>
               <a:t>Fifth level</a:t>
             </a:r>
           </a:p>
@@ -2391,8 +3207,8 @@
             <a:pPr>
               <a:defRPr/>
             </a:pPr>
-            <a:fld id="{364FBC57-E742-42BB-A7F9-E63BB001BC5C}" type="slidenum">
-              <a:rPr lang="en-US" smtClean="0"/>
+            <a:fld id="{7E53C5D4-3295-4CBA-A799-2AD3449498E6}" type="slidenum">
+              <a:rPr lang="en-US"/>
               <a:pPr>
                 <a:defRPr/>
               </a:pPr>
@@ -2406,9 +3222,9 @@
   </p:cSld>
   <p:clrMap bg1="lt1" tx1="dk1" bg2="lt2" tx2="dk2" accent1="accent1" accent2="accent2" accent3="accent3" accent4="accent4" accent5="accent5" accent6="accent6" hlink="hlink" folHlink="folHlink"/>
   <p:sldLayoutIdLst>
-    <p:sldLayoutId id="2147483656" r:id="rId1"/>
-    <p:sldLayoutId id="2147483657" r:id="rId2"/>
-    <p:sldLayoutId id="2147483655" r:id="rId3"/>
+    <p:sldLayoutId id="2147483655" r:id="rId1"/>
+    <p:sldLayoutId id="2147483656" r:id="rId2"/>
+    <p:sldLayoutId id="2147483654" r:id="rId3"/>
     <p:sldLayoutId id="2147483653" r:id="rId4"/>
   </p:sldLayoutIdLst>
   <p:timing>
@@ -2444,7 +3260,7 @@
         <a:spcAft>
           <a:spcPct val="0"/>
         </a:spcAft>
-        <a:defRPr sz="3800" b="1">
+        <a:defRPr sz="3200" b="1">
           <a:solidFill>
             <a:schemeClr val="tx1"/>
           </a:solidFill>
@@ -2458,7 +3274,7 @@
         <a:spcAft>
           <a:spcPct val="0"/>
         </a:spcAft>
-        <a:defRPr sz="3800" b="1">
+        <a:defRPr sz="3200" b="1">
           <a:solidFill>
             <a:schemeClr val="tx1"/>
           </a:solidFill>
@@ -2472,7 +3288,7 @@
         <a:spcAft>
           <a:spcPct val="0"/>
         </a:spcAft>
-        <a:defRPr sz="3800" b="1">
+        <a:defRPr sz="3200" b="1">
           <a:solidFill>
             <a:schemeClr val="tx1"/>
           </a:solidFill>
@@ -2486,7 +3302,7 @@
         <a:spcAft>
           <a:spcPct val="0"/>
         </a:spcAft>
-        <a:defRPr sz="3800" b="1">
+        <a:defRPr sz="3200" b="1">
           <a:solidFill>
             <a:schemeClr val="tx1"/>
           </a:solidFill>
@@ -2816,7 +3632,7 @@
       </p:grpSpPr>
       <p:sp>
         <p:nvSpPr>
-          <p:cNvPr id="4" name="Slide Number Placeholder 5"/>
+          <p:cNvPr id="8193" name="Slide Number Placeholder 5"/>
           <p:cNvSpPr>
             <a:spLocks noGrp="1"/>
           </p:cNvSpPr>
@@ -2824,22 +3640,24 @@
             <p:ph type="sldNum" sz="quarter" idx="12"/>
           </p:nvPr>
         </p:nvSpPr>
-        <p:spPr/>
+        <p:spPr bwMode="auto">
+          <a:noFill/>
+          <a:ln>
+            <a:miter lim="800000"/>
+            <a:headEnd/>
+            <a:tailEnd/>
+          </a:ln>
+        </p:spPr>
         <p:txBody>
           <a:bodyPr/>
           <a:lstStyle/>
           <a:p>
-            <a:pPr>
-              <a:defRPr/>
-            </a:pPr>
-            <a:fld id="{F98B8F84-187E-4FA8-973B-1FD40194808B}" type="slidenum">
-              <a:rPr lang="en-US"/>
-              <a:pPr>
-                <a:defRPr/>
-              </a:pPr>
+            <a:fld id="{24B801EF-5719-45A9-ADAE-91B392020DF8}" type="slidenum">
+              <a:rPr lang="en-US" smtClean="0"/>
+              <a:pPr/>
               <a:t>1</a:t>
             </a:fld>
-            <a:endParaRPr lang="en-US" dirty="0"/>
+            <a:endParaRPr lang="en-US" smtClean="0"/>
           </a:p>
         </p:txBody>
       </p:sp>
@@ -2853,8 +3671,8 @@
         </p:nvSpPr>
         <p:spPr bwMode="auto">
           <a:xfrm>
-            <a:off x="736599" y="443229"/>
-            <a:ext cx="7826375" cy="1649413"/>
+            <a:off x="736600" y="442913"/>
+            <a:ext cx="7826375" cy="1649412"/>
           </a:xfrm>
           <a:prstGeom prst="rect">
             <a:avLst/>
@@ -2873,47 +3691,22 @@
           <a:p>
             <a:pPr algn="ctr"/>
             <a:r>
-              <a:rPr lang="en-US" sz="3600" dirty="0" smtClean="0">
+              <a:rPr lang="en-US" sz="3600">
                 <a:latin typeface="Palatino Linotype" pitchFamily="18" charset="0"/>
                 <a:cs typeface="Times New Roman" pitchFamily="18" charset="0"/>
               </a:rPr>
-              <a:t>Speeding Up an Ensemble Classifier using </a:t>
-            </a:r>
-            <a:r>
-              <a:rPr lang="en-US" sz="3600" dirty="0" err="1" smtClean="0">
+              <a:t>Speeding Up an Ensemble Classifier using Oozie </a:t>
+            </a:r>
+          </a:p>
+          <a:p>
+            <a:pPr algn="ctr"/>
+            <a:r>
+              <a:rPr lang="en-US" sz="3600">
                 <a:latin typeface="Palatino Linotype" pitchFamily="18" charset="0"/>
                 <a:cs typeface="Times New Roman" pitchFamily="18" charset="0"/>
               </a:rPr>
-              <a:t>Oozie</a:t>
-            </a:r>
-            <a:r>
-              <a:rPr lang="en-US" sz="3600" smtClean="0">
-                <a:latin typeface="Palatino Linotype" pitchFamily="18" charset="0"/>
-                <a:cs typeface="Times New Roman" pitchFamily="18" charset="0"/>
-              </a:rPr>
-              <a:t> </a:t>
-            </a:r>
-          </a:p>
-          <a:p>
-            <a:pPr algn="ctr"/>
-            <a:r>
-              <a:rPr lang="en-US" sz="3600" smtClean="0">
-                <a:latin typeface="Palatino Linotype" pitchFamily="18" charset="0"/>
-                <a:cs typeface="Times New Roman" pitchFamily="18" charset="0"/>
-              </a:rPr>
-              <a:t>and Amazon </a:t>
-            </a:r>
-            <a:r>
-              <a:rPr lang="en-US" sz="3600" dirty="0" smtClean="0">
-                <a:latin typeface="Palatino Linotype" pitchFamily="18" charset="0"/>
-                <a:cs typeface="Times New Roman" pitchFamily="18" charset="0"/>
-              </a:rPr>
-              <a:t>AWS</a:t>
-            </a:r>
-            <a:endParaRPr lang="en-US" sz="3600" dirty="0">
-              <a:latin typeface="Palatino Linotype" pitchFamily="18" charset="0"/>
-              <a:cs typeface="Times New Roman" pitchFamily="18" charset="0"/>
-            </a:endParaRPr>
+              <a:t>and Amazon AWS</a:t>
+            </a:r>
           </a:p>
         </p:txBody>
       </p:sp>
@@ -2927,7 +3720,7 @@
         </p:nvSpPr>
         <p:spPr bwMode="auto">
           <a:xfrm>
-            <a:off x="2317750" y="5210176"/>
+            <a:off x="2317750" y="5210175"/>
             <a:ext cx="4510088" cy="1231900"/>
           </a:xfrm>
           <a:prstGeom prst="rect">
@@ -2953,7 +3746,7 @@
               <a:buNone/>
             </a:pPr>
             <a:r>
-              <a:rPr lang="en-US" sz="2000" dirty="0" smtClean="0">
+              <a:rPr lang="en-US" sz="2000">
                 <a:solidFill>
                   <a:srgbClr val="1C1C1C"/>
                 </a:solidFill>
@@ -2972,7 +3765,7 @@
               <a:buNone/>
             </a:pPr>
             <a:r>
-              <a:rPr lang="en-US" sz="2000" dirty="0" smtClean="0">
+              <a:rPr lang="en-US" sz="2000">
                 <a:solidFill>
                   <a:srgbClr val="1C1C1C"/>
                 </a:solidFill>
@@ -2981,13 +3774,6 @@
               </a:rPr>
               <a:t>Yashi Kamboj</a:t>
             </a:r>
-            <a:endParaRPr lang="en-US" sz="2000" dirty="0">
-              <a:solidFill>
-                <a:srgbClr val="1C1C1C"/>
-              </a:solidFill>
-              <a:latin typeface="Georgia" pitchFamily="18" charset="0"/>
-              <a:cs typeface="Times New Roman" pitchFamily="18" charset="0"/>
-            </a:endParaRPr>
           </a:p>
           <a:p>
             <a:pPr algn="ctr" defTabSz="457200">
@@ -2998,24 +3784,14 @@
               <a:buNone/>
             </a:pPr>
             <a:r>
-              <a:rPr lang="en-US" sz="2000" dirty="0" smtClean="0">
+              <a:rPr lang="en-US" sz="2000">
                 <a:solidFill>
                   <a:srgbClr val="1C1C1C"/>
                 </a:solidFill>
                 <a:latin typeface="Georgia" pitchFamily="18" charset="0"/>
                 <a:cs typeface="Times New Roman" pitchFamily="18" charset="0"/>
               </a:rPr>
-              <a:t>Zayd </a:t>
-            </a:r>
-            <a:r>
-              <a:rPr lang="en-US" sz="2000" dirty="0">
-                <a:solidFill>
-                  <a:srgbClr val="1C1C1C"/>
-                </a:solidFill>
-                <a:latin typeface="Georgia" pitchFamily="18" charset="0"/>
-                <a:cs typeface="Times New Roman" pitchFamily="18" charset="0"/>
-              </a:rPr>
-              <a:t>Hammoudeh</a:t>
+              <a:t>Zayd Hammoudeh</a:t>
             </a:r>
           </a:p>
         </p:txBody>
@@ -3025,14 +3801,7 @@
   <p:clrMapOvr>
     <a:masterClrMapping/>
   </p:clrMapOvr>
-  <mc:AlternateContent xmlns:mc="http://schemas.openxmlformats.org/markup-compatibility/2006" xmlns:p14="http://schemas.microsoft.com/office/powerpoint/2010/main">
-    <mc:Choice Requires="p14">
-      <p:transition spd="slow" p14:dur="2000"/>
-    </mc:Choice>
-    <mc:Fallback xmlns="">
-      <p:transition spd="slow"/>
-    </mc:Fallback>
-  </mc:AlternateContent>
+  <p:transition spd="slow"/>
   <p:timing>
     <p:tnLst>
       <p:par>
@@ -3087,7 +3856,7 @@
             <a:pPr algn="r">
               <a:defRPr/>
             </a:pPr>
-            <a:fld id="{461A371C-171F-4E20-B0FF-839288CBD4F9}" type="slidenum">
+            <a:fld id="{974D4AA5-B057-4A22-BE5C-9B31A887650C}" type="slidenum">
               <a:rPr lang="en-US" sz="1200" b="0">
                 <a:solidFill>
                   <a:srgbClr val="898989"/>
@@ -3110,7 +3879,7 @@
       </p:sp>
       <p:sp>
         <p:nvSpPr>
-          <p:cNvPr id="58370" name="Rectangle 4"/>
+          <p:cNvPr id="26626" name="Rectangle 4"/>
           <p:cNvSpPr>
             <a:spLocks/>
           </p:cNvSpPr>
@@ -3138,37 +3907,21 @@
           <a:p>
             <a:pPr algn="ctr"/>
             <a:r>
-              <a:rPr lang="en-US" sz="5400" dirty="0" smtClean="0">
+              <a:rPr lang="en-US" sz="5400">
                 <a:latin typeface="Times New Roman" pitchFamily="18" charset="0"/>
                 <a:cs typeface="Times New Roman" pitchFamily="18" charset="0"/>
               </a:rPr>
               <a:t>Results</a:t>
             </a:r>
-            <a:endParaRPr lang="en-US" sz="5400" dirty="0">
-              <a:latin typeface="Times New Roman" pitchFamily="18" charset="0"/>
-              <a:cs typeface="Times New Roman" pitchFamily="18" charset="0"/>
-            </a:endParaRPr>
           </a:p>
         </p:txBody>
       </p:sp>
     </p:spTree>
-    <p:extLst>
-      <p:ext uri="{BB962C8B-B14F-4D97-AF65-F5344CB8AC3E}">
-        <p14:creationId xmlns:p14="http://schemas.microsoft.com/office/powerpoint/2010/main" val="3959623563"/>
-      </p:ext>
-    </p:extLst>
   </p:cSld>
   <p:clrMapOvr>
     <a:masterClrMapping/>
   </p:clrMapOvr>
-  <mc:AlternateContent xmlns:mc="http://schemas.openxmlformats.org/markup-compatibility/2006" xmlns:p14="http://schemas.microsoft.com/office/powerpoint/2010/main">
-    <mc:Choice Requires="p14">
-      <p:transition spd="slow" p14:dur="2000"/>
-    </mc:Choice>
-    <mc:Fallback xmlns="">
-      <p:transition spd="slow"/>
-    </mc:Fallback>
-  </mc:AlternateContent>
+  <p:transition spd="slow"/>
   <p:timing>
     <p:tnLst>
       <p:par>
@@ -3213,42 +3966,39 @@
           </a:bodyPr>
           <a:lstStyle/>
           <a:p>
-            <a:r>
-              <a:rPr lang="en-US" dirty="0" smtClean="0">
-                <a:latin typeface="+mj-lt"/>
-              </a:rPr>
+            <a:pPr>
+              <a:defRPr/>
+            </a:pPr>
+            <a:r>
+              <a:rPr lang="en-US" dirty="0" smtClean="0"/>
               <a:t>Algorithm Execution Time Comparison</a:t>
             </a:r>
-            <a:endParaRPr lang="en-US" dirty="0">
-              <a:latin typeface="+mj-lt"/>
+            <a:endParaRPr lang="en-US" dirty="0"/>
+          </a:p>
+        </p:txBody>
+      </p:sp>
+      <p:sp>
+        <p:nvSpPr>
+          <p:cNvPr id="28674" name="Content Placeholder 2"/>
+          <p:cNvSpPr>
+            <a:spLocks noGrp="1"/>
+          </p:cNvSpPr>
+          <p:nvPr>
+            <p:ph sz="half" idx="1"/>
+          </p:nvPr>
+        </p:nvSpPr>
+        <p:spPr/>
+        <p:txBody>
+          <a:bodyPr/>
+          <a:lstStyle/>
+          <a:p>
+            <a:endParaRPr lang="en-US" sz="1200" smtClean="0">
+              <a:latin typeface="Palatino Linotype" pitchFamily="18" charset="0"/>
             </a:endParaRPr>
           </a:p>
-        </p:txBody>
-      </p:sp>
-      <p:sp>
-        <p:nvSpPr>
-          <p:cNvPr id="3" name="Content Placeholder 2"/>
-          <p:cNvSpPr>
-            <a:spLocks noGrp="1"/>
-          </p:cNvSpPr>
-          <p:nvPr>
-            <p:ph sz="half" idx="1"/>
-          </p:nvPr>
-        </p:nvSpPr>
-        <p:spPr/>
-        <p:txBody>
-          <a:bodyPr>
-            <a:normAutofit/>
-          </a:bodyPr>
-          <a:lstStyle/>
-          <a:p>
-            <a:endParaRPr lang="en-US" sz="1200" dirty="0">
-              <a:latin typeface="Palatino Linotype" panose="02040502050505030304" pitchFamily="18" charset="0"/>
-            </a:endParaRPr>
-          </a:p>
-          <a:p>
-            <a:endParaRPr lang="en-US" sz="1200" dirty="0">
-              <a:latin typeface="Palatino Linotype" panose="02040502050505030304" pitchFamily="18" charset="0"/>
+          <a:p>
+            <a:endParaRPr lang="en-US" sz="1200" smtClean="0">
+              <a:latin typeface="Palatino Linotype" pitchFamily="18" charset="0"/>
             </a:endParaRPr>
           </a:p>
         </p:txBody>
@@ -3265,14 +4015,17 @@
         </p:nvSpPr>
         <p:spPr>
           <a:xfrm>
-            <a:off x="4505324" y="1160463"/>
-            <a:ext cx="4495801" cy="5135562"/>
+            <a:off x="4505325" y="1160463"/>
+            <a:ext cx="4495800" cy="5135562"/>
           </a:xfrm>
         </p:spPr>
         <p:txBody>
           <a:bodyPr/>
           <a:lstStyle/>
           <a:p>
+            <a:pPr>
+              <a:defRPr/>
+            </a:pPr>
             <a:r>
               <a:rPr lang="en-US" sz="2400" b="1" dirty="0" smtClean="0">
                 <a:latin typeface="+mj-lt"/>
@@ -3290,11 +4043,17 @@
             </a:r>
           </a:p>
           <a:p>
+            <a:pPr>
+              <a:defRPr/>
+            </a:pPr>
             <a:endParaRPr lang="en-US" sz="2400" dirty="0">
               <a:latin typeface="+mj-lt"/>
             </a:endParaRPr>
           </a:p>
           <a:p>
+            <a:pPr>
+              <a:defRPr/>
+            </a:pPr>
             <a:r>
               <a:rPr lang="en-US" sz="2000" dirty="0" smtClean="0">
                 <a:latin typeface="+mj-lt"/>
@@ -3303,7 +4062,9 @@
             </a:r>
           </a:p>
           <a:p>
-            <a:pPr lvl="1"/>
+            <a:pPr lvl="1">
+              <a:defRPr/>
+            </a:pPr>
             <a:r>
               <a:rPr lang="en-US" sz="1800" dirty="0" smtClean="0">
                 <a:latin typeface="+mj-lt"/>
@@ -3312,11 +4073,17 @@
             </a:r>
           </a:p>
           <a:p>
+            <a:pPr>
+              <a:defRPr/>
+            </a:pPr>
             <a:endParaRPr lang="en-US" sz="2400" dirty="0">
               <a:latin typeface="+mj-lt"/>
             </a:endParaRPr>
           </a:p>
           <a:p>
+            <a:pPr>
+              <a:defRPr/>
+            </a:pPr>
             <a:r>
               <a:rPr lang="en-US" sz="2000" dirty="0" smtClean="0">
                 <a:latin typeface="+mj-lt"/>
@@ -3358,7 +4125,9 @@
             </a:r>
           </a:p>
           <a:p>
-            <a:pPr lvl="1"/>
+            <a:pPr lvl="1">
+              <a:defRPr/>
+            </a:pPr>
             <a:r>
               <a:rPr lang="en-US" sz="1800" dirty="0" smtClean="0">
                 <a:latin typeface="+mj-lt"/>
@@ -3367,11 +4136,17 @@
             </a:r>
           </a:p>
           <a:p>
+            <a:pPr>
+              <a:defRPr/>
+            </a:pPr>
             <a:endParaRPr lang="en-US" sz="2400" dirty="0">
               <a:latin typeface="+mj-lt"/>
             </a:endParaRPr>
           </a:p>
           <a:p>
+            <a:pPr>
+              <a:defRPr/>
+            </a:pPr>
             <a:endParaRPr lang="en-US" sz="2400" dirty="0">
               <a:latin typeface="+mj-lt"/>
             </a:endParaRPr>
@@ -3380,7 +4155,7 @@
       </p:sp>
       <p:sp>
         <p:nvSpPr>
-          <p:cNvPr id="4" name="Slide Number Placeholder 3"/>
+          <p:cNvPr id="28676" name="Slide Number Placeholder 3"/>
           <p:cNvSpPr>
             <a:spLocks noGrp="1"/>
           </p:cNvSpPr>
@@ -3388,22 +4163,24 @@
             <p:ph type="sldNum" sz="quarter" idx="11"/>
           </p:nvPr>
         </p:nvSpPr>
-        <p:spPr/>
+        <p:spPr bwMode="auto">
+          <a:noFill/>
+          <a:ln>
+            <a:miter lim="800000"/>
+            <a:headEnd/>
+            <a:tailEnd/>
+          </a:ln>
+        </p:spPr>
         <p:txBody>
           <a:bodyPr/>
           <a:lstStyle/>
           <a:p>
-            <a:pPr>
-              <a:defRPr/>
-            </a:pPr>
-            <a:fld id="{57CAE338-3B6A-4037-90D8-94F2438351D8}" type="slidenum">
+            <a:fld id="{4FC4817A-7233-4032-A808-1E05CB4F419B}" type="slidenum">
               <a:rPr lang="en-US" smtClean="0"/>
-              <a:pPr>
-                <a:defRPr/>
-              </a:pPr>
+              <a:pPr/>
               <a:t>11</a:t>
             </a:fld>
-            <a:endParaRPr lang="en-US"/>
+            <a:endParaRPr lang="en-US" smtClean="0"/>
           </a:p>
         </p:txBody>
       </p:sp>
@@ -3413,17 +4190,11 @@
           <p:cNvGraphicFramePr>
             <a:graphicFrameLocks noGrp="1"/>
           </p:cNvGraphicFramePr>
-          <p:nvPr>
-            <p:extLst>
-              <p:ext uri="{D42A27DB-BD31-4B8C-83A1-F6EECF244321}">
-                <p14:modId xmlns:p14="http://schemas.microsoft.com/office/powerpoint/2010/main" val="1532043914"/>
-              </p:ext>
-            </p:extLst>
-          </p:nvPr>
+          <p:nvPr/>
         </p:nvGraphicFramePr>
         <p:xfrm>
           <a:off x="133350" y="1730375"/>
-          <a:ext cx="4257675" cy="3596640"/>
+          <a:ext cx="4257675" cy="3597275"/>
         </p:xfrm>
         <a:graphic>
           <a:graphicData uri="http://schemas.openxmlformats.org/drawingml/2006/table">
@@ -3716,23 +4487,11 @@
         </a:graphic>
       </p:graphicFrame>
     </p:spTree>
-    <p:extLst>
-      <p:ext uri="{BB962C8B-B14F-4D97-AF65-F5344CB8AC3E}">
-        <p14:creationId xmlns:p14="http://schemas.microsoft.com/office/powerpoint/2010/main" val="2885468646"/>
-      </p:ext>
-    </p:extLst>
   </p:cSld>
   <p:clrMapOvr>
     <a:masterClrMapping/>
   </p:clrMapOvr>
-  <mc:AlternateContent xmlns:mc="http://schemas.openxmlformats.org/markup-compatibility/2006" xmlns:p14="http://schemas.microsoft.com/office/powerpoint/2010/main">
-    <mc:Choice Requires="p14">
-      <p:transition spd="slow" p14:dur="2000"/>
-    </mc:Choice>
-    <mc:Fallback xmlns="">
-      <p:transition spd="slow"/>
-    </mc:Fallback>
-  </mc:AlternateContent>
+  <p:transition spd="slow"/>
   <p:timing>
     <p:tnLst>
       <p:par>
@@ -3787,7 +4546,7 @@
             <a:pPr algn="r">
               <a:defRPr/>
             </a:pPr>
-            <a:fld id="{461A371C-171F-4E20-B0FF-839288CBD4F9}" type="slidenum">
+            <a:fld id="{D9F97D08-421F-4B29-91CD-C833E8F67D92}" type="slidenum">
               <a:rPr lang="en-US" sz="1200" b="0">
                 <a:solidFill>
                   <a:srgbClr val="898989"/>
@@ -3810,7 +4569,7 @@
       </p:sp>
       <p:sp>
         <p:nvSpPr>
-          <p:cNvPr id="58370" name="Rectangle 4"/>
+          <p:cNvPr id="30722" name="Rectangle 4"/>
           <p:cNvSpPr>
             <a:spLocks/>
           </p:cNvSpPr>
@@ -3838,7 +4597,7 @@
           <a:p>
             <a:pPr algn="ctr"/>
             <a:r>
-              <a:rPr lang="en-US" sz="5400" dirty="0" smtClean="0">
+              <a:rPr lang="en-US" sz="5400">
                 <a:latin typeface="Times New Roman" pitchFamily="18" charset="0"/>
                 <a:cs typeface="Times New Roman" pitchFamily="18" charset="0"/>
               </a:rPr>
@@ -3848,37 +4607,21 @@
           <a:p>
             <a:pPr algn="ctr"/>
             <a:r>
-              <a:rPr lang="en-US" sz="5400" dirty="0" smtClean="0">
+              <a:rPr lang="en-US" sz="5400">
                 <a:latin typeface="Times New Roman" pitchFamily="18" charset="0"/>
                 <a:cs typeface="Times New Roman" pitchFamily="18" charset="0"/>
               </a:rPr>
               <a:t>Takeaways</a:t>
             </a:r>
-            <a:endParaRPr lang="en-US" sz="5400" dirty="0">
-              <a:latin typeface="Times New Roman" pitchFamily="18" charset="0"/>
-              <a:cs typeface="Times New Roman" pitchFamily="18" charset="0"/>
-            </a:endParaRPr>
           </a:p>
         </p:txBody>
       </p:sp>
     </p:spTree>
-    <p:extLst>
-      <p:ext uri="{BB962C8B-B14F-4D97-AF65-F5344CB8AC3E}">
-        <p14:creationId xmlns:p14="http://schemas.microsoft.com/office/powerpoint/2010/main" val="4038886091"/>
-      </p:ext>
-    </p:extLst>
   </p:cSld>
   <p:clrMapOvr>
     <a:masterClrMapping/>
   </p:clrMapOvr>
-  <mc:AlternateContent xmlns:mc="http://schemas.openxmlformats.org/markup-compatibility/2006" xmlns:p14="http://schemas.microsoft.com/office/powerpoint/2010/main">
-    <mc:Choice Requires="p14">
-      <p:transition spd="slow" p14:dur="2000"/>
-    </mc:Choice>
-    <mc:Fallback xmlns="">
-      <p:transition spd="slow"/>
-    </mc:Fallback>
-  </mc:AlternateContent>
+  <p:transition spd="slow"/>
   <p:timing>
     <p:tnLst>
       <p:par>
@@ -3908,7 +4651,7 @@
       </p:grpSpPr>
       <p:sp>
         <p:nvSpPr>
-          <p:cNvPr id="2" name="Title 1"/>
+          <p:cNvPr id="32769" name="Title 1"/>
           <p:cNvSpPr>
             <a:spLocks noGrp="1"/>
           </p:cNvSpPr>
@@ -3918,34 +4661,18 @@
         </p:nvSpPr>
         <p:spPr>
           <a:xfrm>
-            <a:off x="2162175" y="94672"/>
+            <a:off x="2162175" y="95250"/>
             <a:ext cx="6838950" cy="550863"/>
           </a:xfrm>
         </p:spPr>
         <p:txBody>
-          <a:bodyPr>
-            <a:noAutofit/>
-          </a:bodyPr>
+          <a:bodyPr/>
           <a:lstStyle/>
           <a:p>
-            <a:pPr>
-              <a:defRPr/>
-            </a:pPr>
-            <a:r>
-              <a:rPr lang="en-US" sz="2800" dirty="0" err="1" smtClean="0">
-                <a:latin typeface="+mj-lt"/>
-              </a:rPr>
-              <a:t>MapR</a:t>
-            </a:r>
-            <a:r>
-              <a:rPr lang="en-US" sz="2800" dirty="0" smtClean="0">
-                <a:latin typeface="+mj-lt"/>
-              </a:rPr>
-              <a:t>-FS – You Don’t Miss it Until Its Gone</a:t>
-            </a:r>
-            <a:endParaRPr lang="en-US" sz="2800" dirty="0">
-              <a:latin typeface="+mj-lt"/>
-            </a:endParaRPr>
+            <a:r>
+              <a:rPr lang="en-US" sz="2800" smtClean="0"/>
+              <a:t>MapR-FS – You Don’t Miss it Until Its Gone</a:t>
+            </a:r>
           </a:p>
         </p:txBody>
       </p:sp>
@@ -3962,7 +4689,7 @@
         <p:spPr>
           <a:xfrm>
             <a:off x="457200" y="989013"/>
-            <a:ext cx="8186738" cy="5404167"/>
+            <a:ext cx="8186738" cy="5403850"/>
           </a:xfrm>
         </p:spPr>
         <p:txBody>
@@ -3975,6 +4702,7 @@
               <a:lnSpc>
                 <a:spcPct val="110000"/>
               </a:lnSpc>
+              <a:defRPr/>
             </a:pPr>
             <a:r>
               <a:rPr lang="en-US" dirty="0" smtClean="0">
@@ -4000,6 +4728,7 @@
               <a:lnSpc>
                 <a:spcPct val="110000"/>
               </a:lnSpc>
+              <a:defRPr/>
             </a:pPr>
             <a:endParaRPr lang="en-US" dirty="0">
               <a:latin typeface="+mj-lt"/>
@@ -4010,6 +4739,7 @@
               <a:lnSpc>
                 <a:spcPct val="110000"/>
               </a:lnSpc>
+              <a:defRPr/>
             </a:pPr>
             <a:r>
               <a:rPr lang="en-US" dirty="0" smtClean="0">
@@ -4038,6 +4768,7 @@
               <a:lnSpc>
                 <a:spcPct val="110000"/>
               </a:lnSpc>
+              <a:defRPr/>
             </a:pPr>
             <a:endParaRPr lang="en-US" b="1" dirty="0">
               <a:latin typeface="+mj-lt"/>
@@ -4048,6 +4779,7 @@
               <a:lnSpc>
                 <a:spcPct val="110000"/>
               </a:lnSpc>
+              <a:defRPr/>
             </a:pPr>
             <a:r>
               <a:rPr lang="en-US" b="1" dirty="0" smtClean="0">
@@ -4064,6 +4796,7 @@
               <a:lnSpc>
                 <a:spcPct val="110000"/>
               </a:lnSpc>
+              <a:defRPr/>
             </a:pPr>
             <a:r>
               <a:rPr lang="en-US" dirty="0" err="1" smtClean="0">
@@ -4083,6 +4816,7 @@
               <a:lnSpc>
                 <a:spcPct val="110000"/>
               </a:lnSpc>
+              <a:defRPr/>
             </a:pPr>
             <a:endParaRPr lang="en-US" dirty="0">
               <a:latin typeface="+mj-lt"/>
@@ -4093,6 +4827,7 @@
               <a:lnSpc>
                 <a:spcPct val="110000"/>
               </a:lnSpc>
+              <a:defRPr/>
             </a:pPr>
             <a:r>
               <a:rPr lang="en-US" dirty="0" smtClean="0">
@@ -4117,7 +4852,7 @@
       </p:sp>
       <p:sp>
         <p:nvSpPr>
-          <p:cNvPr id="4" name="Slide Number Placeholder 3"/>
+          <p:cNvPr id="32771" name="Slide Number Placeholder 3"/>
           <p:cNvSpPr>
             <a:spLocks noGrp="1"/>
           </p:cNvSpPr>
@@ -4125,43 +4860,33 @@
             <p:ph type="sldNum" sz="quarter" idx="11"/>
           </p:nvPr>
         </p:nvSpPr>
-        <p:spPr/>
+        <p:spPr bwMode="auto">
+          <a:noFill/>
+          <a:ln>
+            <a:miter lim="800000"/>
+            <a:headEnd/>
+            <a:tailEnd/>
+          </a:ln>
+        </p:spPr>
         <p:txBody>
           <a:bodyPr/>
           <a:lstStyle/>
           <a:p>
-            <a:pPr>
-              <a:defRPr/>
-            </a:pPr>
-            <a:fld id="{93CE8203-E40A-46AD-9381-6C8CB0064A1B}" type="slidenum">
+            <a:fld id="{9E414980-DB70-40AD-9FF5-05C206A02A22}" type="slidenum">
               <a:rPr lang="en-US" smtClean="0"/>
-              <a:pPr>
-                <a:defRPr/>
-              </a:pPr>
+              <a:pPr/>
               <a:t>13</a:t>
             </a:fld>
-            <a:endParaRPr lang="en-US"/>
+            <a:endParaRPr lang="en-US" smtClean="0"/>
           </a:p>
         </p:txBody>
       </p:sp>
     </p:spTree>
-    <p:extLst>
-      <p:ext uri="{BB962C8B-B14F-4D97-AF65-F5344CB8AC3E}">
-        <p14:creationId xmlns:p14="http://schemas.microsoft.com/office/powerpoint/2010/main" val="817658699"/>
-      </p:ext>
-    </p:extLst>
   </p:cSld>
   <p:clrMapOvr>
     <a:masterClrMapping/>
   </p:clrMapOvr>
-  <mc:AlternateContent xmlns:mc="http://schemas.openxmlformats.org/markup-compatibility/2006" xmlns:p14="http://schemas.microsoft.com/office/powerpoint/2010/main">
-    <mc:Choice Requires="p14">
-      <p:transition spd="slow" p14:dur="2000"/>
-    </mc:Choice>
-    <mc:Fallback xmlns="">
-      <p:transition spd="slow"/>
-    </mc:Fallback>
-  </mc:AlternateContent>
+  <p:transition spd="slow"/>
   <p:timing>
     <p:tnLst>
       <p:par>
@@ -4191,7 +4916,7 @@
       </p:grpSpPr>
       <p:sp>
         <p:nvSpPr>
-          <p:cNvPr id="2" name="Title 1"/>
+          <p:cNvPr id="34817" name="Title 1"/>
           <p:cNvSpPr>
             <a:spLocks noGrp="1"/>
           </p:cNvSpPr>
@@ -4201,34 +4926,20 @@
         </p:nvSpPr>
         <p:spPr/>
         <p:txBody>
-          <a:bodyPr>
-            <a:noAutofit/>
-          </a:bodyPr>
+          <a:bodyPr/>
           <a:lstStyle/>
           <a:p>
-            <a:pPr>
-              <a:defRPr/>
-            </a:pPr>
-            <a:r>
-              <a:rPr lang="en-US" sz="2800" dirty="0" smtClean="0">
-                <a:latin typeface="+mj-lt"/>
-              </a:rPr>
+            <a:r>
+              <a:rPr lang="en-US" sz="2800" smtClean="0"/>
               <a:t>Fall-In Love with Custom </a:t>
             </a:r>
             <a:br>
-              <a:rPr lang="en-US" sz="2800" dirty="0" smtClean="0">
-                <a:latin typeface="+mj-lt"/>
-              </a:rPr>
+              <a:rPr lang="en-US" sz="2800" smtClean="0"/>
             </a:br>
             <a:r>
-              <a:rPr lang="en-US" sz="2800" dirty="0" smtClean="0">
-                <a:latin typeface="+mj-lt"/>
-              </a:rPr>
+              <a:rPr lang="en-US" sz="2800" smtClean="0"/>
               <a:t>MapReduce Configurations</a:t>
             </a:r>
-            <a:endParaRPr lang="en-US" sz="2800" dirty="0">
-              <a:latin typeface="+mj-lt"/>
-            </a:endParaRPr>
           </a:p>
         </p:txBody>
       </p:sp>
@@ -4244,10 +4955,9 @@
         </p:nvSpPr>
         <p:spPr>
           <a:xfrm>
-            <a:off x="73890" y="1081373"/>
-            <a:ext cx="4608945" cy="5135562"/>
+            <a:off x="74613" y="1081088"/>
+            <a:ext cx="4608512" cy="5135562"/>
           </a:xfrm>
-          <a:noFill/>
         </p:spPr>
         <p:txBody>
           <a:bodyPr>
@@ -4259,6 +4969,7 @@
               <a:lnSpc>
                 <a:spcPct val="120000"/>
               </a:lnSpc>
+              <a:defRPr/>
             </a:pPr>
             <a:r>
               <a:rPr lang="en-US" dirty="0" smtClean="0">
@@ -4272,6 +4983,7 @@
               <a:lnSpc>
                 <a:spcPct val="120000"/>
               </a:lnSpc>
+              <a:defRPr/>
             </a:pPr>
             <a:endParaRPr lang="en-US" dirty="0">
               <a:latin typeface="+mj-lt"/>
@@ -4282,6 +4994,7 @@
               <a:lnSpc>
                 <a:spcPct val="120000"/>
               </a:lnSpc>
+              <a:defRPr/>
             </a:pPr>
             <a:r>
               <a:rPr lang="en-US" dirty="0" smtClean="0">
@@ -4295,6 +5008,7 @@
               <a:lnSpc>
                 <a:spcPct val="120000"/>
               </a:lnSpc>
+              <a:defRPr/>
             </a:pPr>
             <a:r>
               <a:rPr lang="en-US" dirty="0" smtClean="0">
@@ -4308,6 +5022,7 @@
               <a:lnSpc>
                 <a:spcPct val="120000"/>
               </a:lnSpc>
+              <a:defRPr/>
             </a:pPr>
             <a:r>
               <a:rPr lang="en-US" dirty="0" smtClean="0">
@@ -4321,6 +5036,7 @@
               <a:lnSpc>
                 <a:spcPct val="120000"/>
               </a:lnSpc>
+              <a:defRPr/>
             </a:pPr>
             <a:endParaRPr lang="en-US" dirty="0">
               <a:latin typeface="+mj-lt"/>
@@ -4331,6 +5047,7 @@
               <a:lnSpc>
                 <a:spcPct val="120000"/>
               </a:lnSpc>
+              <a:defRPr/>
             </a:pPr>
             <a:r>
               <a:rPr lang="en-US" b="1" dirty="0" smtClean="0">
@@ -4352,7 +5069,7 @@
       </p:sp>
       <p:sp>
         <p:nvSpPr>
-          <p:cNvPr id="5" name="Content Placeholder 4"/>
+          <p:cNvPr id="34819" name="Content Placeholder 4"/>
           <p:cNvSpPr>
             <a:spLocks noGrp="1"/>
           </p:cNvSpPr>
@@ -4362,8 +5079,8 @@
         </p:nvSpPr>
         <p:spPr>
           <a:xfrm>
-            <a:off x="4999183" y="1857230"/>
-            <a:ext cx="4038600" cy="2807132"/>
+            <a:off x="4999038" y="1857375"/>
+            <a:ext cx="4038600" cy="2806700"/>
           </a:xfrm>
           <a:solidFill>
             <a:schemeClr val="bg1"/>
@@ -4379,183 +5096,141 @@
           <a:lstStyle/>
           <a:p>
             <a:pPr marL="0" indent="0">
+              <a:buFont typeface="Arial" charset="0"/>
               <a:buNone/>
               <a:tabLst>
                 <a:tab pos="461963" algn="l"/>
               </a:tabLst>
             </a:pPr>
             <a:r>
-              <a:rPr lang="en-US" sz="1600" b="1" dirty="0" smtClean="0">
-                <a:latin typeface="Palatino Linotype" panose="02040502050505030304" pitchFamily="18" charset="0"/>
+              <a:rPr lang="en-US" sz="1600" b="1" smtClean="0">
+                <a:latin typeface="Palatino Linotype" pitchFamily="18" charset="0"/>
               </a:rPr>
               <a:t>&lt;property&gt;</a:t>
             </a:r>
           </a:p>
           <a:p>
             <a:pPr marL="0" indent="0">
+              <a:buFont typeface="Arial" charset="0"/>
               <a:buNone/>
               <a:tabLst>
                 <a:tab pos="461963" algn="l"/>
               </a:tabLst>
             </a:pPr>
             <a:r>
-              <a:rPr lang="en-US" sz="1600" b="1" dirty="0" smtClean="0">
-                <a:latin typeface="Palatino Linotype" panose="02040502050505030304" pitchFamily="18" charset="0"/>
-              </a:rPr>
-              <a:t>	&lt;name&gt; </a:t>
-            </a:r>
-            <a:r>
-              <a:rPr lang="en-US" sz="1600" b="1" dirty="0" err="1" smtClean="0">
-                <a:latin typeface="Palatino Linotype" panose="02040502050505030304" pitchFamily="18" charset="0"/>
-              </a:rPr>
-              <a:t>trainingFile</a:t>
-            </a:r>
-            <a:r>
-              <a:rPr lang="en-US" sz="1600" b="1" dirty="0" smtClean="0">
-                <a:latin typeface="Palatino Linotype" panose="02040502050505030304" pitchFamily="18" charset="0"/>
-              </a:rPr>
-              <a:t> &lt;/name&gt;</a:t>
+              <a:rPr lang="en-US" sz="1600" b="1" smtClean="0">
+                <a:latin typeface="Palatino Linotype" pitchFamily="18" charset="0"/>
+              </a:rPr>
+              <a:t>	&lt;name&gt; trainingFile &lt;/name&gt;</a:t>
             </a:r>
           </a:p>
           <a:p>
             <a:pPr marL="0" indent="0">
+              <a:buFont typeface="Arial" charset="0"/>
               <a:buNone/>
               <a:tabLst>
                 <a:tab pos="461963" algn="l"/>
               </a:tabLst>
             </a:pPr>
             <a:r>
-              <a:rPr lang="en-US" sz="1600" b="1" dirty="0" smtClean="0">
-                <a:latin typeface="Palatino Linotype" panose="02040502050505030304" pitchFamily="18" charset="0"/>
-              </a:rPr>
-              <a:t>	&lt;value&gt; ${</a:t>
-            </a:r>
-            <a:r>
-              <a:rPr lang="en-US" sz="1600" b="1" dirty="0" err="1" smtClean="0">
-                <a:latin typeface="Palatino Linotype" panose="02040502050505030304" pitchFamily="18" charset="0"/>
-              </a:rPr>
-              <a:t>trainingSetFile</a:t>
-            </a:r>
-            <a:r>
-              <a:rPr lang="en-US" sz="1600" b="1" dirty="0" smtClean="0">
-                <a:latin typeface="Palatino Linotype" panose="02040502050505030304" pitchFamily="18" charset="0"/>
-              </a:rPr>
-              <a:t>} &lt;/value&gt;</a:t>
+              <a:rPr lang="en-US" sz="1600" b="1" smtClean="0">
+                <a:latin typeface="Palatino Linotype" pitchFamily="18" charset="0"/>
+              </a:rPr>
+              <a:t>	&lt;value&gt; ${trainingSetFile} &lt;/value&gt;</a:t>
             </a:r>
           </a:p>
           <a:p>
             <a:pPr marL="0" indent="0">
+              <a:buFont typeface="Arial" charset="0"/>
               <a:buNone/>
               <a:tabLst>
                 <a:tab pos="461963" algn="l"/>
               </a:tabLst>
             </a:pPr>
             <a:r>
-              <a:rPr lang="en-US" sz="1600" b="1" dirty="0" smtClean="0">
-                <a:latin typeface="Palatino Linotype" panose="02040502050505030304" pitchFamily="18" charset="0"/>
+              <a:rPr lang="en-US" sz="1600" b="1" smtClean="0">
+                <a:latin typeface="Palatino Linotype" pitchFamily="18" charset="0"/>
               </a:rPr>
               <a:t>&lt;/property&gt;</a:t>
             </a:r>
           </a:p>
           <a:p>
             <a:pPr marL="0" indent="0">
+              <a:buFont typeface="Arial" charset="0"/>
               <a:buNone/>
               <a:tabLst>
                 <a:tab pos="461963" algn="l"/>
               </a:tabLst>
             </a:pPr>
-            <a:endParaRPr lang="en-US" sz="1600" b="1" dirty="0" smtClean="0">
-              <a:latin typeface="Palatino Linotype" panose="02040502050505030304" pitchFamily="18" charset="0"/>
+            <a:endParaRPr lang="en-US" sz="1600" b="1" smtClean="0">
+              <a:latin typeface="Palatino Linotype" pitchFamily="18" charset="0"/>
             </a:endParaRPr>
           </a:p>
           <a:p>
             <a:pPr marL="0" indent="0">
+              <a:buFont typeface="Arial" charset="0"/>
               <a:buNone/>
               <a:tabLst>
                 <a:tab pos="461963" algn="l"/>
               </a:tabLst>
             </a:pPr>
             <a:r>
-              <a:rPr lang="en-US" sz="1600" b="1" dirty="0" smtClean="0">
-                <a:latin typeface="Palatino Linotype" panose="02040502050505030304" pitchFamily="18" charset="0"/>
+              <a:rPr lang="en-US" sz="1600" b="1" smtClean="0">
+                <a:latin typeface="Palatino Linotype" pitchFamily="18" charset="0"/>
               </a:rPr>
               <a:t>&lt;property&gt;</a:t>
             </a:r>
           </a:p>
           <a:p>
             <a:pPr marL="0" indent="0">
+              <a:buFont typeface="Arial" charset="0"/>
               <a:buNone/>
               <a:tabLst>
                 <a:tab pos="461963" algn="l"/>
               </a:tabLst>
             </a:pPr>
             <a:r>
-              <a:rPr lang="en-US" sz="1600" b="1" dirty="0" smtClean="0">
-                <a:latin typeface="Palatino Linotype" panose="02040502050505030304" pitchFamily="18" charset="0"/>
-              </a:rPr>
-              <a:t>	&lt;name&gt; </a:t>
-            </a:r>
-            <a:r>
-              <a:rPr lang="en-US" sz="1600" b="1" dirty="0" err="1" smtClean="0">
-                <a:latin typeface="Palatino Linotype" panose="02040502050505030304" pitchFamily="18" charset="0"/>
-              </a:rPr>
-              <a:t>NaiveBayesModel</a:t>
-            </a:r>
-            <a:r>
-              <a:rPr lang="en-US" sz="1600" b="1" dirty="0" smtClean="0">
-                <a:latin typeface="Palatino Linotype" panose="02040502050505030304" pitchFamily="18" charset="0"/>
-              </a:rPr>
-              <a:t> &lt;/name&gt;</a:t>
+              <a:rPr lang="en-US" sz="1600" b="1" smtClean="0">
+                <a:latin typeface="Palatino Linotype" pitchFamily="18" charset="0"/>
+              </a:rPr>
+              <a:t>	&lt;name&gt; NaiveBayesModel &lt;/name&gt;</a:t>
             </a:r>
           </a:p>
           <a:p>
             <a:pPr marL="0" indent="0">
+              <a:buFont typeface="Arial" charset="0"/>
               <a:buNone/>
               <a:tabLst>
                 <a:tab pos="461963" algn="l"/>
               </a:tabLst>
             </a:pPr>
             <a:r>
-              <a:rPr lang="en-US" sz="1600" b="1" dirty="0" smtClean="0">
-                <a:latin typeface="Palatino Linotype" panose="02040502050505030304" pitchFamily="18" charset="0"/>
-              </a:rPr>
-              <a:t>	&lt;value&gt; </a:t>
-            </a:r>
-            <a:r>
-              <a:rPr lang="en-US" sz="1600" b="1" dirty="0" err="1" smtClean="0">
-                <a:latin typeface="Palatino Linotype" panose="02040502050505030304" pitchFamily="18" charset="0"/>
-              </a:rPr>
-              <a:t>bernoulli</a:t>
-            </a:r>
-            <a:r>
-              <a:rPr lang="en-US" sz="1600" b="1" dirty="0" smtClean="0">
-                <a:latin typeface="Palatino Linotype" panose="02040502050505030304" pitchFamily="18" charset="0"/>
-              </a:rPr>
-              <a:t> &lt;/value&gt;</a:t>
+              <a:rPr lang="en-US" sz="1600" b="1" smtClean="0">
+                <a:latin typeface="Palatino Linotype" pitchFamily="18" charset="0"/>
+              </a:rPr>
+              <a:t>	&lt;value&gt; bernoulli &lt;/value&gt;</a:t>
             </a:r>
           </a:p>
           <a:p>
             <a:pPr marL="0" indent="0">
+              <a:buFont typeface="Arial" charset="0"/>
               <a:buNone/>
               <a:tabLst>
                 <a:tab pos="461963" algn="l"/>
               </a:tabLst>
             </a:pPr>
             <a:r>
-              <a:rPr lang="en-US" sz="1600" b="1" dirty="0" smtClean="0">
-                <a:latin typeface="Palatino Linotype" panose="02040502050505030304" pitchFamily="18" charset="0"/>
+              <a:rPr lang="en-US" sz="1600" b="1" smtClean="0">
+                <a:latin typeface="Palatino Linotype" pitchFamily="18" charset="0"/>
               </a:rPr>
               <a:t>&lt;/property&gt;</a:t>
             </a:r>
-            <a:endParaRPr lang="en-US" sz="1600" b="1" dirty="0">
-              <a:latin typeface="Palatino Linotype" panose="02040502050505030304" pitchFamily="18" charset="0"/>
-            </a:endParaRPr>
-          </a:p>
-        </p:txBody>
-      </p:sp>
-      <p:sp>
-        <p:nvSpPr>
-          <p:cNvPr id="4" name="Slide Number Placeholder 3"/>
+          </a:p>
+        </p:txBody>
+      </p:sp>
+      <p:sp>
+        <p:nvSpPr>
+          <p:cNvPr id="34820" name="Slide Number Placeholder 3"/>
           <p:cNvSpPr>
             <a:spLocks noGrp="1"/>
           </p:cNvSpPr>
@@ -4563,97 +5238,91 @@
             <p:ph type="sldNum" sz="quarter" idx="11"/>
           </p:nvPr>
         </p:nvSpPr>
-        <p:spPr/>
+        <p:spPr bwMode="auto">
+          <a:noFill/>
+          <a:ln>
+            <a:miter lim="800000"/>
+            <a:headEnd/>
+            <a:tailEnd/>
+          </a:ln>
+        </p:spPr>
         <p:txBody>
           <a:bodyPr/>
           <a:lstStyle/>
           <a:p>
-            <a:pPr>
-              <a:defRPr/>
-            </a:pPr>
-            <a:fld id="{93CE8203-E40A-46AD-9381-6C8CB0064A1B}" type="slidenum">
+            <a:fld id="{5911120F-2B6C-496E-8CA3-08A26855EBC1}" type="slidenum">
               <a:rPr lang="en-US" smtClean="0"/>
-              <a:pPr>
-                <a:defRPr/>
-              </a:pPr>
+              <a:pPr/>
               <a:t>14</a:t>
             </a:fld>
-            <a:endParaRPr lang="en-US" dirty="0"/>
-          </a:p>
-        </p:txBody>
-      </p:sp>
-      <p:sp>
-        <p:nvSpPr>
-          <p:cNvPr id="6" name="TextBox 5"/>
-          <p:cNvSpPr txBox="1"/>
+            <a:endParaRPr lang="en-US" smtClean="0"/>
+          </a:p>
+        </p:txBody>
+      </p:sp>
+      <p:sp>
+        <p:nvSpPr>
+          <p:cNvPr id="34821" name="TextBox 5"/>
+          <p:cNvSpPr txBox="1">
+            <a:spLocks noChangeArrowheads="1"/>
+          </p:cNvSpPr>
           <p:nvPr/>
         </p:nvSpPr>
-        <p:spPr>
+        <p:spPr bwMode="auto">
           <a:xfrm>
-            <a:off x="4986845" y="4881465"/>
-            <a:ext cx="4025180" cy="584775"/>
+            <a:off x="4986338" y="4881563"/>
+            <a:ext cx="4025900" cy="581025"/>
           </a:xfrm>
           <a:prstGeom prst="rect">
             <a:avLst/>
           </a:prstGeom>
           <a:noFill/>
-        </p:spPr>
-        <p:txBody>
-          <a:bodyPr wrap="square" rtlCol="0">
+          <a:ln w="9525">
+            <a:noFill/>
+            <a:miter lim="800000"/>
+            <a:headEnd/>
+            <a:tailEnd/>
+          </a:ln>
+        </p:spPr>
+        <p:txBody>
+          <a:bodyPr>
             <a:spAutoFit/>
           </a:bodyPr>
           <a:lstStyle/>
           <a:p>
             <a:pPr algn="ctr"/>
             <a:r>
-              <a:rPr lang="en-US" sz="1600" b="0" dirty="0" smtClean="0"/>
+              <a:rPr lang="en-US" sz="1600" b="0"/>
               <a:t>Custom MapReduce Configuration</a:t>
             </a:r>
           </a:p>
           <a:p>
             <a:pPr algn="ctr"/>
             <a:r>
-              <a:rPr lang="en-US" sz="1600" b="0" dirty="0" smtClean="0"/>
+              <a:rPr lang="en-US" sz="1600" b="0"/>
               <a:t>from our </a:t>
             </a:r>
             <a:r>
-              <a:rPr lang="en-US" sz="1600" dirty="0" err="1" smtClean="0">
+              <a:rPr lang="en-US" sz="1600">
                 <a:solidFill>
-                  <a:srgbClr val="008000"/>
+                  <a:srgbClr val="B71D11"/>
                 </a:solidFill>
               </a:rPr>
-              <a:t>Oozie</a:t>
-            </a:r>
-            <a:r>
-              <a:rPr lang="en-US" sz="1600" dirty="0" smtClean="0">
-                <a:solidFill>
-                  <a:srgbClr val="008000"/>
-                </a:solidFill>
-              </a:rPr>
-              <a:t> XML Workflow</a:t>
-            </a:r>
-            <a:endParaRPr lang="en-US" sz="1600" b="0" dirty="0"/>
+              <a:t>Oozie XML Workflow</a:t>
+            </a:r>
+            <a:endParaRPr lang="en-US" sz="1600" b="0">
+              <a:solidFill>
+                <a:srgbClr val="B71D11"/>
+              </a:solidFill>
+            </a:endParaRPr>
           </a:p>
         </p:txBody>
       </p:sp>
     </p:spTree>
-    <p:extLst>
-      <p:ext uri="{BB962C8B-B14F-4D97-AF65-F5344CB8AC3E}">
-        <p14:creationId xmlns:p14="http://schemas.microsoft.com/office/powerpoint/2010/main" val="382780341"/>
-      </p:ext>
-    </p:extLst>
   </p:cSld>
   <p:clrMapOvr>
     <a:masterClrMapping/>
   </p:clrMapOvr>
-  <mc:AlternateContent xmlns:mc="http://schemas.openxmlformats.org/markup-compatibility/2006" xmlns:p14="http://schemas.microsoft.com/office/powerpoint/2010/main">
-    <mc:Choice Requires="p14">
-      <p:transition spd="slow" p14:dur="2000"/>
-    </mc:Choice>
-    <mc:Fallback xmlns="">
-      <p:transition spd="slow"/>
-    </mc:Fallback>
-  </mc:AlternateContent>
+  <p:transition spd="slow"/>
   <p:timing>
     <p:tnLst>
       <p:par>
@@ -4698,15 +5367,14 @@
           </a:bodyPr>
           <a:lstStyle/>
           <a:p>
-            <a:r>
-              <a:rPr lang="en-US" dirty="0" smtClean="0">
-                <a:latin typeface="+mj-lt"/>
-              </a:rPr>
+            <a:pPr>
+              <a:defRPr/>
+            </a:pPr>
+            <a:r>
+              <a:rPr lang="en-US" dirty="0" smtClean="0"/>
               <a:t>List of References</a:t>
             </a:r>
-            <a:endParaRPr lang="en-US" dirty="0">
-              <a:latin typeface="+mj-lt"/>
-            </a:endParaRPr>
+            <a:endParaRPr lang="en-US" dirty="0"/>
           </a:p>
         </p:txBody>
       </p:sp>
@@ -4727,6 +5395,9 @@
           </a:bodyPr>
           <a:lstStyle/>
           <a:p>
+            <a:pPr>
+              <a:defRPr/>
+            </a:pPr>
             <a:r>
               <a:rPr lang="en-US" sz="1800" dirty="0" smtClean="0">
                 <a:latin typeface="+mj-lt"/>
@@ -4742,7 +5413,7 @@
             <a:r>
               <a:rPr lang="en-US" sz="1800" u="sng" dirty="0">
                 <a:latin typeface="+mj-lt"/>
-                <a:hlinkClick r:id="rId2"/>
+                <a:hlinkClick r:id="rId3"/>
               </a:rPr>
               <a:t>https://www.kaggle.com/c/whats-cooking</a:t>
             </a:r>
@@ -4760,11 +5431,17 @@
             </a:r>
           </a:p>
           <a:p>
+            <a:pPr>
+              <a:defRPr/>
+            </a:pPr>
             <a:endParaRPr lang="en-US" sz="1800" dirty="0">
               <a:latin typeface="+mj-lt"/>
             </a:endParaRPr>
           </a:p>
           <a:p>
+            <a:pPr>
+              <a:defRPr/>
+            </a:pPr>
             <a:r>
               <a:rPr lang="en-US" sz="1800" dirty="0">
                 <a:latin typeface="+mj-lt"/>
@@ -4798,7 +5475,7 @@
             <a:r>
               <a:rPr lang="en-US" sz="1800" dirty="0">
                 <a:latin typeface="+mj-lt"/>
-                <a:hlinkClick r:id="rId3"/>
+                <a:hlinkClick r:id="rId4"/>
               </a:rPr>
               <a:t>https://en.wikipedia.org/wiki/jaccard_index</a:t>
             </a:r>
@@ -4816,11 +5493,17 @@
             </a:r>
           </a:p>
           <a:p>
+            <a:pPr>
+              <a:defRPr/>
+            </a:pPr>
             <a:endParaRPr lang="en-US" sz="1800" dirty="0">
               <a:latin typeface="+mj-lt"/>
             </a:endParaRPr>
           </a:p>
           <a:p>
+            <a:pPr>
+              <a:defRPr/>
+            </a:pPr>
             <a:r>
               <a:rPr lang="en-US" sz="1800" dirty="0">
                 <a:latin typeface="+mj-lt"/>
@@ -4853,11 +5536,17 @@
             </a:r>
           </a:p>
           <a:p>
+            <a:pPr>
+              <a:defRPr/>
+            </a:pPr>
             <a:endParaRPr lang="en-US" sz="1800" dirty="0">
               <a:latin typeface="+mj-lt"/>
             </a:endParaRPr>
           </a:p>
           <a:p>
+            <a:pPr>
+              <a:defRPr/>
+            </a:pPr>
             <a:r>
               <a:rPr lang="en-US" sz="1800" dirty="0">
                 <a:latin typeface="+mj-lt"/>
@@ -4891,14 +5580,14 @@
             <a:r>
               <a:rPr lang="en-US" sz="1800" dirty="0">
                 <a:latin typeface="+mj-lt"/>
-                <a:hlinkClick r:id="rId4"/>
+                <a:hlinkClick r:id="rId5"/>
               </a:rPr>
               <a:t>https://</a:t>
             </a:r>
             <a:r>
               <a:rPr lang="en-US" sz="1800" dirty="0" smtClean="0">
                 <a:latin typeface="+mj-lt"/>
-                <a:hlinkClick r:id="rId4"/>
+                <a:hlinkClick r:id="rId5"/>
               </a:rPr>
               <a:t>github.com/google/gson</a:t>
             </a:r>
@@ -4922,11 +5611,17 @@
             </a:r>
           </a:p>
           <a:p>
+            <a:pPr>
+              <a:defRPr/>
+            </a:pPr>
             <a:endParaRPr lang="en-US" sz="1800" dirty="0">
               <a:latin typeface="+mj-lt"/>
             </a:endParaRPr>
           </a:p>
           <a:p>
+            <a:pPr>
+              <a:defRPr/>
+            </a:pPr>
             <a:r>
               <a:rPr lang="en-US" sz="1800" dirty="0">
                 <a:latin typeface="+mj-lt"/>
@@ -4984,14 +5679,14 @@
             <a:r>
               <a:rPr lang="en-US" sz="1800" dirty="0">
                 <a:latin typeface="+mj-lt"/>
-                <a:hlinkClick r:id="rId5"/>
+                <a:hlinkClick r:id="rId6"/>
               </a:rPr>
               <a:t>https://</a:t>
             </a:r>
             <a:r>
               <a:rPr lang="en-US" sz="1800" dirty="0" smtClean="0">
                 <a:latin typeface="+mj-lt"/>
-                <a:hlinkClick r:id="rId5"/>
+                <a:hlinkClick r:id="rId6"/>
               </a:rPr>
               <a:t>www.mapr.com/blog/spinning-hadoop-cluster-cloud</a:t>
             </a:r>
@@ -5015,11 +5710,17 @@
             </a:r>
           </a:p>
           <a:p>
+            <a:pPr>
+              <a:defRPr/>
+            </a:pPr>
             <a:endParaRPr lang="en-US" sz="1800" dirty="0">
               <a:latin typeface="+mj-lt"/>
             </a:endParaRPr>
           </a:p>
           <a:p>
+            <a:pPr>
+              <a:defRPr/>
+            </a:pPr>
             <a:r>
               <a:rPr lang="en-US" sz="1800" dirty="0">
                 <a:latin typeface="+mj-lt"/>
@@ -5041,14 +5742,14 @@
             <a:r>
               <a:rPr lang="en-US" sz="1800" dirty="0">
                 <a:latin typeface="+mj-lt"/>
-                <a:hlinkClick r:id="rId6"/>
+                <a:hlinkClick r:id="rId7"/>
               </a:rPr>
               <a:t>https://</a:t>
             </a:r>
             <a:r>
               <a:rPr lang="en-US" sz="1800" dirty="0" smtClean="0">
                 <a:latin typeface="+mj-lt"/>
-                <a:hlinkClick r:id="rId6"/>
+                <a:hlinkClick r:id="rId7"/>
               </a:rPr>
               <a:t>maven.apache.org/guides/getting-started/maven-in-five-minutes.html</a:t>
             </a:r>
@@ -5069,7 +5770,7 @@
       </p:sp>
       <p:sp>
         <p:nvSpPr>
-          <p:cNvPr id="4" name="Slide Number Placeholder 3"/>
+          <p:cNvPr id="36867" name="Slide Number Placeholder 3"/>
           <p:cNvSpPr>
             <a:spLocks noGrp="1"/>
           </p:cNvSpPr>
@@ -5077,43 +5778,33 @@
             <p:ph type="sldNum" sz="quarter" idx="11"/>
           </p:nvPr>
         </p:nvSpPr>
-        <p:spPr/>
+        <p:spPr bwMode="auto">
+          <a:noFill/>
+          <a:ln>
+            <a:miter lim="800000"/>
+            <a:headEnd/>
+            <a:tailEnd/>
+          </a:ln>
+        </p:spPr>
         <p:txBody>
           <a:bodyPr/>
           <a:lstStyle/>
           <a:p>
-            <a:pPr>
-              <a:defRPr/>
-            </a:pPr>
-            <a:fld id="{57CAE338-3B6A-4037-90D8-94F2438351D8}" type="slidenum">
+            <a:fld id="{AFB3EBD5-0B49-4CC3-9BC2-5ACCAAAFEC07}" type="slidenum">
               <a:rPr lang="en-US" smtClean="0"/>
-              <a:pPr>
-                <a:defRPr/>
-              </a:pPr>
+              <a:pPr/>
               <a:t>15</a:t>
             </a:fld>
-            <a:endParaRPr lang="en-US"/>
+            <a:endParaRPr lang="en-US" smtClean="0"/>
           </a:p>
         </p:txBody>
       </p:sp>
     </p:spTree>
-    <p:extLst>
-      <p:ext uri="{BB962C8B-B14F-4D97-AF65-F5344CB8AC3E}">
-        <p14:creationId xmlns:p14="http://schemas.microsoft.com/office/powerpoint/2010/main" val="1011437234"/>
-      </p:ext>
-    </p:extLst>
   </p:cSld>
   <p:clrMapOvr>
     <a:masterClrMapping/>
   </p:clrMapOvr>
-  <mc:AlternateContent xmlns:mc="http://schemas.openxmlformats.org/markup-compatibility/2006" xmlns:p14="http://schemas.microsoft.com/office/powerpoint/2010/main">
-    <mc:Choice Requires="p14">
-      <p:transition spd="slow" p14:dur="2000"/>
-    </mc:Choice>
-    <mc:Fallback xmlns="">
-      <p:transition spd="slow"/>
-    </mc:Fallback>
-  </mc:AlternateContent>
+  <p:transition spd="slow"/>
   <p:timing>
     <p:tnLst>
       <p:par>
@@ -5158,21 +5849,20 @@
           </a:bodyPr>
           <a:lstStyle/>
           <a:p>
-            <a:r>
-              <a:rPr lang="en-US" dirty="0" smtClean="0">
-                <a:latin typeface="+mj-lt"/>
-              </a:rPr>
+            <a:pPr>
+              <a:defRPr/>
+            </a:pPr>
+            <a:r>
+              <a:rPr lang="en-US" dirty="0" smtClean="0"/>
               <a:t>Updated Division of Responsibilities</a:t>
             </a:r>
-            <a:endParaRPr lang="en-US" dirty="0">
-              <a:latin typeface="+mj-lt"/>
-            </a:endParaRPr>
-          </a:p>
-        </p:txBody>
-      </p:sp>
-      <p:sp>
-        <p:nvSpPr>
-          <p:cNvPr id="3" name="Content Placeholder 2"/>
+            <a:endParaRPr lang="en-US" dirty="0"/>
+          </a:p>
+        </p:txBody>
+      </p:sp>
+      <p:sp>
+        <p:nvSpPr>
+          <p:cNvPr id="38914" name="Content Placeholder 2"/>
           <p:cNvSpPr>
             <a:spLocks noGrp="1"/>
           </p:cNvSpPr>
@@ -5186,193 +5876,137 @@
           <a:lstStyle/>
           <a:p>
             <a:r>
-              <a:rPr lang="en-US" sz="2000" b="1" dirty="0">
+              <a:rPr lang="en-US" sz="2000" b="1" smtClean="0">
                 <a:solidFill>
                   <a:srgbClr val="008000"/>
                 </a:solidFill>
-                <a:latin typeface="+mj-lt"/>
               </a:rPr>
               <a:t>Preprocessor: </a:t>
             </a:r>
             <a:r>
-              <a:rPr lang="en-US" sz="2000" dirty="0" smtClean="0">
-                <a:latin typeface="+mj-lt"/>
-              </a:rPr>
+              <a:rPr lang="en-US" sz="2000" smtClean="0"/>
               <a:t>Zayd Hammoudeh</a:t>
             </a:r>
           </a:p>
           <a:p>
-            <a:endParaRPr lang="en-US" sz="2000" b="1" dirty="0" smtClean="0">
+            <a:endParaRPr lang="en-US" sz="2000" b="1" smtClean="0">
               <a:solidFill>
                 <a:srgbClr val="008000"/>
               </a:solidFill>
-              <a:latin typeface="+mj-lt"/>
             </a:endParaRPr>
           </a:p>
           <a:p>
             <a:r>
-              <a:rPr lang="en-US" sz="2000" b="1" dirty="0" smtClean="0">
+              <a:rPr lang="en-US" sz="2000" b="1" smtClean="0">
                 <a:solidFill>
                   <a:srgbClr val="008000"/>
                 </a:solidFill>
-                <a:latin typeface="+mj-lt"/>
-              </a:rPr>
-              <a:t>Naïve </a:t>
-            </a:r>
-            <a:r>
-              <a:rPr lang="en-US" sz="2000" b="1" dirty="0">
+              </a:rPr>
+              <a:t>Naïve Bayes: </a:t>
+            </a:r>
+            <a:r>
+              <a:rPr lang="en-US" sz="2000" smtClean="0"/>
+              <a:t>Shubhangi Rakhonde</a:t>
+            </a:r>
+          </a:p>
+          <a:p>
+            <a:r>
+              <a:rPr lang="en-US" sz="2000" b="1" smtClean="0">
                 <a:solidFill>
                   <a:srgbClr val="008000"/>
                 </a:solidFill>
-                <a:latin typeface="+mj-lt"/>
-              </a:rPr>
-              <a:t>Bayes: </a:t>
-            </a:r>
-            <a:r>
-              <a:rPr lang="en-US" sz="2000" dirty="0" smtClean="0">
-                <a:latin typeface="+mj-lt"/>
-              </a:rPr>
-              <a:t>Shubhangi Rakhonde</a:t>
-            </a:r>
-          </a:p>
-          <a:p>
-            <a:r>
-              <a:rPr lang="en-US" sz="2000" b="1" dirty="0" smtClean="0">
+              </a:rPr>
+              <a:t>KNN: </a:t>
+            </a:r>
+            <a:r>
+              <a:rPr lang="en-US" sz="2000" smtClean="0"/>
+              <a:t>Yashi Kamboj</a:t>
+            </a:r>
+          </a:p>
+          <a:p>
+            <a:endParaRPr lang="en-US" sz="2000" b="1" smtClean="0">
+              <a:solidFill>
+                <a:srgbClr val="008000"/>
+              </a:solidFill>
+            </a:endParaRPr>
+          </a:p>
+          <a:p>
+            <a:r>
+              <a:rPr lang="en-US" sz="2000" b="1" smtClean="0">
                 <a:solidFill>
                   <a:srgbClr val="008000"/>
                 </a:solidFill>
-                <a:latin typeface="+mj-lt"/>
-              </a:rPr>
-              <a:t>KNN: </a:t>
-            </a:r>
-            <a:r>
-              <a:rPr lang="en-US" sz="2000" dirty="0" smtClean="0">
-                <a:latin typeface="+mj-lt"/>
-              </a:rPr>
-              <a:t>Yashi Kamboj, Shubhangi Rakhonde</a:t>
-            </a:r>
-          </a:p>
-          <a:p>
-            <a:endParaRPr lang="en-US" sz="2000" b="1" dirty="0" smtClean="0">
+              </a:rPr>
+              <a:t>Ensemble Classifier/Accuracy Calculator: </a:t>
+            </a:r>
+            <a:r>
+              <a:rPr lang="en-US" sz="2000" smtClean="0"/>
+              <a:t>Zayd Hammoudeh</a:t>
+            </a:r>
+          </a:p>
+          <a:p>
+            <a:endParaRPr lang="en-US" sz="2000" b="1" smtClean="0">
               <a:solidFill>
                 <a:srgbClr val="008000"/>
               </a:solidFill>
-              <a:latin typeface="+mj-lt"/>
             </a:endParaRPr>
           </a:p>
           <a:p>
             <a:r>
-              <a:rPr lang="en-US" sz="2000" b="1" dirty="0" smtClean="0">
+              <a:rPr lang="en-US" sz="2000" b="1" smtClean="0">
                 <a:solidFill>
                   <a:srgbClr val="008000"/>
                 </a:solidFill>
-                <a:latin typeface="+mj-lt"/>
-              </a:rPr>
-              <a:t>Ensemble Classifier/Accuracy Calculator: </a:t>
-            </a:r>
-            <a:r>
-              <a:rPr lang="en-US" sz="2000" dirty="0">
-                <a:latin typeface="+mj-lt"/>
-              </a:rPr>
-              <a:t>Zayd Hammoudeh</a:t>
-            </a:r>
-          </a:p>
-          <a:p>
-            <a:endParaRPr lang="en-US" sz="2000" b="1" dirty="0" smtClean="0">
-              <a:solidFill>
-                <a:srgbClr val="008000"/>
-              </a:solidFill>
-              <a:latin typeface="+mj-lt"/>
-            </a:endParaRPr>
-          </a:p>
-          <a:p>
-            <a:r>
-              <a:rPr lang="en-US" sz="2000" b="1" dirty="0" err="1" smtClean="0">
+              </a:rPr>
+              <a:t>Oozie Debug: </a:t>
+            </a:r>
+            <a:r>
+              <a:rPr lang="en-US" sz="2000" smtClean="0"/>
+              <a:t>Zayd Hammoudeh, Shubhangi Rakhonde</a:t>
+            </a:r>
+          </a:p>
+          <a:p>
+            <a:endParaRPr lang="en-US" sz="2000" smtClean="0"/>
+          </a:p>
+          <a:p>
+            <a:r>
+              <a:rPr lang="en-US" sz="2000" b="1" smtClean="0">
                 <a:solidFill>
                   <a:srgbClr val="008000"/>
                 </a:solidFill>
-                <a:latin typeface="+mj-lt"/>
-              </a:rPr>
-              <a:t>Oozie</a:t>
-            </a:r>
-            <a:r>
-              <a:rPr lang="en-US" sz="2000" b="1" dirty="0" smtClean="0">
+              </a:rPr>
+              <a:t>Training File Distribution Paradigm: </a:t>
+            </a:r>
+            <a:r>
+              <a:rPr lang="en-US" sz="2000" smtClean="0"/>
+              <a:t>Shubhangi Rakhonde</a:t>
+            </a:r>
+          </a:p>
+          <a:p>
+            <a:r>
+              <a:rPr lang="en-US" sz="2000" b="1" smtClean="0">
                 <a:solidFill>
                   <a:srgbClr val="008000"/>
                 </a:solidFill>
-                <a:latin typeface="+mj-lt"/>
-              </a:rPr>
-              <a:t> </a:t>
-            </a:r>
-            <a:r>
-              <a:rPr lang="en-US" sz="2000" b="1" dirty="0">
+              </a:rPr>
+              <a:t>HDFS Debug: </a:t>
+            </a:r>
+            <a:r>
+              <a:rPr lang="en-US" sz="2000" smtClean="0"/>
+              <a:t>Zayd Hammoudeh</a:t>
+            </a:r>
+          </a:p>
+          <a:p>
+            <a:r>
+              <a:rPr lang="en-US" sz="2000" b="1" smtClean="0">
                 <a:solidFill>
                   <a:srgbClr val="008000"/>
                 </a:solidFill>
-                <a:latin typeface="+mj-lt"/>
-              </a:rPr>
-              <a:t>Debug: </a:t>
-            </a:r>
-            <a:r>
-              <a:rPr lang="en-US" sz="2000" dirty="0" smtClean="0">
-                <a:latin typeface="+mj-lt"/>
-              </a:rPr>
-              <a:t>Zayd Hammoudeh, Shubhangi Rakhonde</a:t>
-            </a:r>
-          </a:p>
-          <a:p>
-            <a:endParaRPr lang="en-US" sz="2000" dirty="0">
-              <a:latin typeface="+mj-lt"/>
-            </a:endParaRPr>
-          </a:p>
-          <a:p>
-            <a:r>
-              <a:rPr lang="en-US" sz="2000" b="1" dirty="0">
-                <a:solidFill>
-                  <a:srgbClr val="008000"/>
-                </a:solidFill>
-                <a:latin typeface="+mj-lt"/>
-              </a:rPr>
-              <a:t>Training File Distribution Paradigm: </a:t>
-            </a:r>
-            <a:r>
-              <a:rPr lang="en-US" sz="2000" dirty="0">
-                <a:latin typeface="+mj-lt"/>
-              </a:rPr>
-              <a:t>Shubhangi Rakhonde</a:t>
-            </a:r>
-          </a:p>
-          <a:p>
-            <a:r>
-              <a:rPr lang="en-US" sz="2000" b="1" dirty="0">
-                <a:solidFill>
-                  <a:srgbClr val="008000"/>
-                </a:solidFill>
-                <a:latin typeface="+mj-lt"/>
-              </a:rPr>
-              <a:t>HDFS Debug: </a:t>
-            </a:r>
-            <a:r>
-              <a:rPr lang="en-US" sz="2000" dirty="0" smtClean="0">
-                <a:latin typeface="+mj-lt"/>
-              </a:rPr>
-              <a:t>Zayd Hammoudeh</a:t>
-            </a:r>
-          </a:p>
-          <a:p>
-            <a:r>
-              <a:rPr lang="en-US" sz="2000" b="1" dirty="0">
-                <a:solidFill>
-                  <a:srgbClr val="008000"/>
-                </a:solidFill>
-                <a:latin typeface="+mj-lt"/>
               </a:rPr>
               <a:t>Amazon AWS: </a:t>
             </a:r>
             <a:r>
-              <a:rPr lang="en-US" sz="2000" dirty="0" smtClean="0">
-                <a:latin typeface="+mj-lt"/>
-              </a:rPr>
+              <a:rPr lang="en-US" sz="2000" smtClean="0"/>
               <a:t>Zayd Hammoudeh, Yashi Kamboj</a:t>
             </a:r>
           </a:p>
@@ -5380,7 +6014,7 @@
       </p:sp>
       <p:sp>
         <p:nvSpPr>
-          <p:cNvPr id="4" name="Slide Number Placeholder 3"/>
+          <p:cNvPr id="38915" name="Slide Number Placeholder 3"/>
           <p:cNvSpPr>
             <a:spLocks noGrp="1"/>
           </p:cNvSpPr>
@@ -5388,31 +6022,28 @@
             <p:ph type="sldNum" sz="quarter" idx="11"/>
           </p:nvPr>
         </p:nvSpPr>
-        <p:spPr/>
+        <p:spPr bwMode="auto">
+          <a:noFill/>
+          <a:ln>
+            <a:miter lim="800000"/>
+            <a:headEnd/>
+            <a:tailEnd/>
+          </a:ln>
+        </p:spPr>
         <p:txBody>
           <a:bodyPr/>
           <a:lstStyle/>
           <a:p>
-            <a:pPr>
-              <a:defRPr/>
-            </a:pPr>
-            <a:fld id="{57CAE338-3B6A-4037-90D8-94F2438351D8}" type="slidenum">
+            <a:fld id="{F9FCCE31-870C-4403-9730-A0455AF99495}" type="slidenum">
               <a:rPr lang="en-US" smtClean="0"/>
-              <a:pPr>
-                <a:defRPr/>
-              </a:pPr>
+              <a:pPr/>
               <a:t>16</a:t>
             </a:fld>
-            <a:endParaRPr lang="en-US"/>
+            <a:endParaRPr lang="en-US" smtClean="0"/>
           </a:p>
         </p:txBody>
       </p:sp>
     </p:spTree>
-    <p:extLst>
-      <p:ext uri="{BB962C8B-B14F-4D97-AF65-F5344CB8AC3E}">
-        <p14:creationId xmlns:p14="http://schemas.microsoft.com/office/powerpoint/2010/main" val="811602814"/>
-      </p:ext>
-    </p:extLst>
   </p:cSld>
   <p:clrMapOvr>
     <a:masterClrMapping/>
@@ -5471,7 +6102,7 @@
             <a:pPr algn="r">
               <a:defRPr/>
             </a:pPr>
-            <a:fld id="{461A371C-171F-4E20-B0FF-839288CBD4F9}" type="slidenum">
+            <a:fld id="{FEA7CA36-697E-4817-AC8B-AA728C18F562}" type="slidenum">
               <a:rPr lang="en-US" sz="1200" b="0">
                 <a:solidFill>
                   <a:srgbClr val="898989"/>
@@ -5494,7 +6125,7 @@
       </p:sp>
       <p:sp>
         <p:nvSpPr>
-          <p:cNvPr id="58370" name="Rectangle 4"/>
+          <p:cNvPr id="40962" name="Rectangle 4"/>
           <p:cNvSpPr>
             <a:spLocks/>
           </p:cNvSpPr>
@@ -5522,16 +6153,12 @@
           <a:p>
             <a:pPr algn="ctr"/>
             <a:r>
-              <a:rPr lang="en-US" sz="5400" dirty="0" smtClean="0">
+              <a:rPr lang="en-US" sz="5400">
                 <a:latin typeface="Times New Roman" pitchFamily="18" charset="0"/>
                 <a:cs typeface="Times New Roman" pitchFamily="18" charset="0"/>
               </a:rPr>
               <a:t>Questions?</a:t>
             </a:r>
-            <a:endParaRPr lang="en-US" sz="5400" dirty="0">
-              <a:latin typeface="Times New Roman" pitchFamily="18" charset="0"/>
-              <a:cs typeface="Times New Roman" pitchFamily="18" charset="0"/>
-            </a:endParaRPr>
           </a:p>
         </p:txBody>
       </p:sp>
@@ -5540,14 +6167,7 @@
   <p:clrMapOvr>
     <a:masterClrMapping/>
   </p:clrMapOvr>
-  <mc:AlternateContent xmlns:mc="http://schemas.openxmlformats.org/markup-compatibility/2006" xmlns:p14="http://schemas.microsoft.com/office/powerpoint/2010/main">
-    <mc:Choice Requires="p14">
-      <p:transition spd="slow" p14:dur="2000"/>
-    </mc:Choice>
-    <mc:Fallback xmlns="">
-      <p:transition spd="slow"/>
-    </mc:Fallback>
-  </mc:AlternateContent>
+  <p:transition spd="slow"/>
   <p:timing>
     <p:tnLst>
       <p:par>
@@ -5602,7 +6222,7 @@
             <a:pPr algn="r">
               <a:defRPr/>
             </a:pPr>
-            <a:fld id="{461A371C-171F-4E20-B0FF-839288CBD4F9}" type="slidenum">
+            <a:fld id="{41F380EA-BEFE-4F49-AC4D-612A35CD81D4}" type="slidenum">
               <a:rPr lang="en-US" sz="1200" b="0">
                 <a:solidFill>
                   <a:srgbClr val="898989"/>
@@ -5625,7 +6245,7 @@
       </p:sp>
       <p:sp>
         <p:nvSpPr>
-          <p:cNvPr id="58370" name="Rectangle 4"/>
+          <p:cNvPr id="43010" name="Rectangle 4"/>
           <p:cNvSpPr>
             <a:spLocks/>
           </p:cNvSpPr>
@@ -5653,37 +6273,21 @@
           <a:p>
             <a:pPr algn="ctr"/>
             <a:r>
-              <a:rPr lang="en-US" sz="5400" smtClean="0">
+              <a:rPr lang="en-US" sz="5400">
                 <a:latin typeface="Times New Roman" pitchFamily="18" charset="0"/>
                 <a:cs typeface="Times New Roman" pitchFamily="18" charset="0"/>
               </a:rPr>
               <a:t>Appendix</a:t>
             </a:r>
-            <a:endParaRPr lang="en-US" sz="5400" dirty="0">
-              <a:latin typeface="Times New Roman" pitchFamily="18" charset="0"/>
-              <a:cs typeface="Times New Roman" pitchFamily="18" charset="0"/>
-            </a:endParaRPr>
           </a:p>
         </p:txBody>
       </p:sp>
     </p:spTree>
-    <p:extLst>
-      <p:ext uri="{BB962C8B-B14F-4D97-AF65-F5344CB8AC3E}">
-        <p14:creationId xmlns:p14="http://schemas.microsoft.com/office/powerpoint/2010/main" val="3981329248"/>
-      </p:ext>
-    </p:extLst>
   </p:cSld>
   <p:clrMapOvr>
     <a:masterClrMapping/>
   </p:clrMapOvr>
-  <mc:AlternateContent xmlns:mc="http://schemas.openxmlformats.org/markup-compatibility/2006" xmlns:p14="http://schemas.microsoft.com/office/powerpoint/2010/main">
-    <mc:Choice Requires="p14">
-      <p:transition spd="slow" p14:dur="2000"/>
-    </mc:Choice>
-    <mc:Fallback xmlns="">
-      <p:transition spd="slow"/>
-    </mc:Fallback>
-  </mc:AlternateContent>
+  <p:transition spd="slow"/>
   <p:timing>
     <p:tnLst>
       <p:par>
@@ -5713,7 +6317,7 @@
       </p:grpSpPr>
       <p:sp>
         <p:nvSpPr>
-          <p:cNvPr id="2" name="Title 1"/>
+          <p:cNvPr id="45057" name="Title 1"/>
           <p:cNvSpPr>
             <a:spLocks noGrp="1"/>
           </p:cNvSpPr>
@@ -5723,28 +6327,18 @@
         </p:nvSpPr>
         <p:spPr>
           <a:xfrm>
-            <a:off x="2162175" y="94672"/>
+            <a:off x="2162175" y="95250"/>
             <a:ext cx="6838950" cy="550863"/>
           </a:xfrm>
         </p:spPr>
         <p:txBody>
-          <a:bodyPr>
-            <a:noAutofit/>
-          </a:bodyPr>
+          <a:bodyPr/>
           <a:lstStyle/>
           <a:p>
-            <a:pPr>
-              <a:defRPr/>
-            </a:pPr>
-            <a:r>
-              <a:rPr lang="en-US" sz="2800" dirty="0" smtClean="0">
-                <a:latin typeface="+mj-lt"/>
-              </a:rPr>
+            <a:r>
+              <a:rPr lang="en-US" sz="2800" smtClean="0"/>
               <a:t>AWS Cluster Administration – Not So Easy</a:t>
             </a:r>
-            <a:endParaRPr lang="en-US" sz="2800" dirty="0">
-              <a:latin typeface="+mj-lt"/>
-            </a:endParaRPr>
           </a:p>
         </p:txBody>
       </p:sp>
@@ -5760,8 +6354,8 @@
         </p:nvSpPr>
         <p:spPr>
           <a:xfrm>
-            <a:off x="457199" y="989013"/>
-            <a:ext cx="8239126" cy="5404167"/>
+            <a:off x="457200" y="989013"/>
+            <a:ext cx="8239125" cy="5403850"/>
           </a:xfrm>
         </p:spPr>
         <p:txBody>
@@ -5774,6 +6368,7 @@
               <a:lnSpc>
                 <a:spcPct val="120000"/>
               </a:lnSpc>
+              <a:defRPr/>
             </a:pPr>
             <a:r>
               <a:rPr lang="en-US" dirty="0" smtClean="0">
@@ -5787,6 +6382,7 @@
               <a:lnSpc>
                 <a:spcPct val="120000"/>
               </a:lnSpc>
+              <a:defRPr/>
             </a:pPr>
             <a:endParaRPr lang="en-US" dirty="0">
               <a:latin typeface="+mj-lt"/>
@@ -5797,6 +6393,7 @@
               <a:lnSpc>
                 <a:spcPct val="120000"/>
               </a:lnSpc>
+              <a:defRPr/>
             </a:pPr>
             <a:r>
               <a:rPr lang="en-US" dirty="0">
@@ -5816,6 +6413,7 @@
               <a:lnSpc>
                 <a:spcPct val="120000"/>
               </a:lnSpc>
+              <a:defRPr/>
             </a:pPr>
             <a:endParaRPr lang="en-US" dirty="0">
               <a:latin typeface="+mj-lt"/>
@@ -5826,6 +6424,7 @@
               <a:lnSpc>
                 <a:spcPct val="120000"/>
               </a:lnSpc>
+              <a:defRPr/>
             </a:pPr>
             <a:r>
               <a:rPr lang="en-US" dirty="0" smtClean="0">
@@ -5839,7 +6438,9 @@
               <a:lnSpc>
                 <a:spcPct val="120000"/>
               </a:lnSpc>
+              <a:buFont typeface="Arial" charset="0"/>
               <a:buNone/>
+              <a:defRPr/>
             </a:pPr>
             <a:endParaRPr lang="en-US" dirty="0">
               <a:latin typeface="+mj-lt"/>
@@ -5850,6 +6451,7 @@
               <a:lnSpc>
                 <a:spcPct val="120000"/>
               </a:lnSpc>
+              <a:defRPr/>
             </a:pPr>
             <a:r>
               <a:rPr lang="en-US" b="1" dirty="0" smtClean="0">
@@ -5866,6 +6468,7 @@
               <a:lnSpc>
                 <a:spcPct val="120000"/>
               </a:lnSpc>
+              <a:defRPr/>
             </a:pPr>
             <a:r>
               <a:rPr lang="en-US" dirty="0" smtClean="0">
@@ -5879,7 +6482,9 @@
               <a:lnSpc>
                 <a:spcPct val="120000"/>
               </a:lnSpc>
+              <a:buFont typeface="Arial" charset="0"/>
               <a:buNone/>
+              <a:defRPr/>
             </a:pPr>
             <a:endParaRPr lang="en-US" dirty="0" smtClean="0">
               <a:latin typeface="+mj-lt"/>
@@ -5890,6 +6495,7 @@
               <a:lnSpc>
                 <a:spcPct val="120000"/>
               </a:lnSpc>
+              <a:defRPr/>
             </a:pPr>
             <a:r>
               <a:rPr lang="en-US" dirty="0" smtClean="0">
@@ -5902,7 +6508,7 @@
       </p:sp>
       <p:sp>
         <p:nvSpPr>
-          <p:cNvPr id="4" name="Slide Number Placeholder 3"/>
+          <p:cNvPr id="45059" name="Slide Number Placeholder 3"/>
           <p:cNvSpPr>
             <a:spLocks noGrp="1"/>
           </p:cNvSpPr>
@@ -5910,43 +6516,33 @@
             <p:ph type="sldNum" sz="quarter" idx="11"/>
           </p:nvPr>
         </p:nvSpPr>
-        <p:spPr/>
+        <p:spPr bwMode="auto">
+          <a:noFill/>
+          <a:ln>
+            <a:miter lim="800000"/>
+            <a:headEnd/>
+            <a:tailEnd/>
+          </a:ln>
+        </p:spPr>
         <p:txBody>
           <a:bodyPr/>
           <a:lstStyle/>
           <a:p>
-            <a:pPr>
-              <a:defRPr/>
-            </a:pPr>
-            <a:fld id="{93CE8203-E40A-46AD-9381-6C8CB0064A1B}" type="slidenum">
+            <a:fld id="{89DF111E-7147-443F-B136-68A7D3AE9340}" type="slidenum">
               <a:rPr lang="en-US" smtClean="0"/>
-              <a:pPr>
-                <a:defRPr/>
-              </a:pPr>
+              <a:pPr/>
               <a:t>19</a:t>
             </a:fld>
-            <a:endParaRPr lang="en-US"/>
+            <a:endParaRPr lang="en-US" smtClean="0"/>
           </a:p>
         </p:txBody>
       </p:sp>
     </p:spTree>
-    <p:extLst>
-      <p:ext uri="{BB962C8B-B14F-4D97-AF65-F5344CB8AC3E}">
-        <p14:creationId xmlns:p14="http://schemas.microsoft.com/office/powerpoint/2010/main" val="648670633"/>
-      </p:ext>
-    </p:extLst>
   </p:cSld>
   <p:clrMapOvr>
     <a:masterClrMapping/>
   </p:clrMapOvr>
-  <mc:AlternateContent xmlns:mc="http://schemas.openxmlformats.org/markup-compatibility/2006" xmlns:p14="http://schemas.microsoft.com/office/powerpoint/2010/main">
-    <mc:Choice Requires="p14">
-      <p:transition spd="slow" p14:dur="2000"/>
-    </mc:Choice>
-    <mc:Fallback xmlns="">
-      <p:transition spd="slow"/>
-    </mc:Fallback>
-  </mc:AlternateContent>
+  <p:transition spd="slow"/>
   <p:timing>
     <p:tnLst>
       <p:par>
@@ -5976,7 +6572,7 @@
       </p:grpSpPr>
       <p:sp>
         <p:nvSpPr>
-          <p:cNvPr id="2" name="Title 1"/>
+          <p:cNvPr id="10241" name="Title 1"/>
           <p:cNvSpPr>
             <a:spLocks noGrp="1"/>
           </p:cNvSpPr>
@@ -5986,23 +6582,13 @@
         </p:nvSpPr>
         <p:spPr/>
         <p:txBody>
-          <a:bodyPr>
-            <a:noAutofit/>
-          </a:bodyPr>
+          <a:bodyPr/>
           <a:lstStyle/>
           <a:p>
-            <a:pPr>
-              <a:defRPr/>
-            </a:pPr>
-            <a:r>
-              <a:rPr lang="en-US" sz="3600" dirty="0" smtClean="0">
-                <a:latin typeface="+mj-lt"/>
-              </a:rPr>
+            <a:r>
+              <a:rPr lang="en-US" sz="3600" smtClean="0"/>
               <a:t>Project Overview</a:t>
             </a:r>
-            <a:endParaRPr lang="en-US" sz="3600" dirty="0">
-              <a:latin typeface="+mj-lt"/>
-            </a:endParaRPr>
           </a:p>
         </p:txBody>
       </p:sp>
@@ -6023,70 +6609,73 @@
           </a:xfrm>
         </p:spPr>
         <p:txBody>
-          <a:bodyPr>
-            <a:normAutofit/>
-          </a:bodyPr>
+          <a:bodyPr/>
           <a:lstStyle/>
           <a:p>
             <a:r>
-              <a:rPr lang="en-US" sz="2800" b="1" dirty="0" err="1" smtClean="0">
-                <a:latin typeface="+mj-lt"/>
-              </a:rPr>
-              <a:t>Kaggle</a:t>
-            </a:r>
-            <a:r>
-              <a:rPr lang="en-US" sz="2800" b="1" dirty="0" smtClean="0">
-                <a:latin typeface="+mj-lt"/>
-              </a:rPr>
-              <a:t> Competition:</a:t>
-            </a:r>
-            <a:r>
-              <a:rPr lang="en-US" sz="2800" dirty="0" smtClean="0">
-                <a:latin typeface="+mj-lt"/>
-              </a:rPr>
+              <a:rPr lang="en-US" sz="2800" b="1" smtClean="0"/>
+              <a:t>Kaggle Competition:</a:t>
+            </a:r>
+            <a:r>
+              <a:rPr lang="en-US" sz="2800" smtClean="0"/>
               <a:t> Classify recipes into different cuisine types [1] based solely off the recipe’s ingredient list.</a:t>
             </a:r>
           </a:p>
           <a:p>
-            <a:endParaRPr lang="en-US" sz="2800" dirty="0">
-              <a:latin typeface="+mj-lt"/>
-            </a:endParaRPr>
-          </a:p>
-          <a:p>
-            <a:r>
-              <a:rPr lang="en-US" sz="2800" dirty="0" smtClean="0">
-                <a:latin typeface="+mj-lt"/>
-              </a:rPr>
+            <a:endParaRPr lang="en-US" sz="2800" smtClean="0"/>
+          </a:p>
+          <a:p>
+            <a:r>
+              <a:rPr lang="en-US" sz="2800" smtClean="0"/>
               <a:t>An ensemble classifier for this dataset already exists, but its execution time is long.  </a:t>
             </a:r>
           </a:p>
           <a:p>
-            <a:endParaRPr lang="en-US" sz="2800" dirty="0">
-              <a:latin typeface="+mj-lt"/>
-            </a:endParaRPr>
-          </a:p>
-          <a:p>
-            <a:r>
-              <a:rPr lang="en-US" sz="2800" b="1" dirty="0" smtClean="0">
+            <a:endParaRPr lang="en-US" sz="2800" smtClean="0"/>
+          </a:p>
+          <a:p>
+            <a:r>
+              <a:rPr lang="en-US" sz="2800" b="1" smtClean="0">
                 <a:solidFill>
                   <a:srgbClr val="008000"/>
                 </a:solidFill>
-                <a:latin typeface="+mj-lt"/>
               </a:rPr>
               <a:t>Goal: </a:t>
             </a:r>
             <a:r>
-              <a:rPr lang="en-US" sz="2800" dirty="0" smtClean="0">
-                <a:latin typeface="+mj-lt"/>
-              </a:rPr>
-              <a:t>Develop a faster, Hadoop-based version of the original classifier and deploy it to Amazon AWS.</a:t>
-            </a:r>
-          </a:p>
-        </p:txBody>
-      </p:sp>
-      <p:sp>
-        <p:nvSpPr>
-          <p:cNvPr id="4" name="Slide Number Placeholder 3"/>
+              <a:rPr lang="en-US" sz="2800" smtClean="0"/>
+              <a:t>Develop a </a:t>
+            </a:r>
+            <a:r>
+              <a:rPr lang="en-US" sz="2800" b="1" smtClean="0">
+                <a:solidFill>
+                  <a:schemeClr val="accent2"/>
+                </a:solidFill>
+              </a:rPr>
+              <a:t>faster</a:t>
+            </a:r>
+            <a:r>
+              <a:rPr lang="en-US" sz="2800" smtClean="0"/>
+              <a:t>, Hadoop-based version of the original classifier and </a:t>
+            </a:r>
+            <a:r>
+              <a:rPr lang="en-US" sz="2800" b="1" smtClean="0">
+                <a:solidFill>
+                  <a:schemeClr val="accent2"/>
+                </a:solidFill>
+              </a:rPr>
+              <a:t>deploy it to Amazon AWS</a:t>
+            </a:r>
+            <a:r>
+              <a:rPr lang="en-US" sz="2800" smtClean="0"/>
+              <a:t>.</a:t>
+            </a:r>
+          </a:p>
+        </p:txBody>
+      </p:sp>
+      <p:sp>
+        <p:nvSpPr>
+          <p:cNvPr id="10243" name="Slide Number Placeholder 3"/>
           <p:cNvSpPr>
             <a:spLocks noGrp="1"/>
           </p:cNvSpPr>
@@ -6094,22 +6683,24 @@
             <p:ph type="sldNum" sz="quarter" idx="11"/>
           </p:nvPr>
         </p:nvSpPr>
-        <p:spPr/>
+        <p:spPr bwMode="auto">
+          <a:noFill/>
+          <a:ln>
+            <a:miter lim="800000"/>
+            <a:headEnd/>
+            <a:tailEnd/>
+          </a:ln>
+        </p:spPr>
         <p:txBody>
           <a:bodyPr/>
           <a:lstStyle/>
           <a:p>
-            <a:pPr>
-              <a:defRPr/>
-            </a:pPr>
-            <a:fld id="{93CE8203-E40A-46AD-9381-6C8CB0064A1B}" type="slidenum">
+            <a:fld id="{960827F4-E932-4FBD-905A-A490BF6F86FD}" type="slidenum">
               <a:rPr lang="en-US" smtClean="0"/>
-              <a:pPr>
-                <a:defRPr/>
-              </a:pPr>
+              <a:pPr/>
               <a:t>2</a:t>
             </a:fld>
-            <a:endParaRPr lang="en-US"/>
+            <a:endParaRPr lang="en-US" smtClean="0"/>
           </a:p>
         </p:txBody>
       </p:sp>
@@ -6121,8 +6712,8 @@
         </p:nvSpPr>
         <p:spPr>
           <a:xfrm>
-            <a:off x="1238250" y="6115049"/>
-            <a:ext cx="6690037" cy="646331"/>
+            <a:off x="1238250" y="6115050"/>
+            <a:ext cx="6689725" cy="646113"/>
           </a:xfrm>
           <a:prstGeom prst="rect">
             <a:avLst/>
@@ -6130,28 +6721,31 @@
           <a:noFill/>
         </p:spPr>
         <p:txBody>
-          <a:bodyPr wrap="none" rtlCol="0">
+          <a:bodyPr wrap="none">
             <a:spAutoFit/>
           </a:bodyPr>
           <a:lstStyle/>
           <a:p>
-            <a:r>
-              <a:rPr lang="en-US" b="0" dirty="0" smtClean="0">
+            <a:pPr>
+              <a:defRPr/>
+            </a:pPr>
+            <a:r>
+              <a:rPr lang="en-US" b="0" dirty="0">
                 <a:latin typeface="+mj-lt"/>
               </a:rPr>
               <a:t>[1] Dataset had 20 different international cuisine types including: </a:t>
             </a:r>
           </a:p>
           <a:p>
-            <a:r>
-              <a:rPr lang="en-US" b="0" dirty="0" smtClean="0">
+            <a:pPr>
+              <a:defRPr/>
+            </a:pPr>
+            <a:r>
+              <a:rPr lang="en-US" b="0" dirty="0">
                 <a:latin typeface="+mj-lt"/>
               </a:rPr>
               <a:t>French, British, Mexican, Chinese, Indian, Southern US, Japanese, etc.</a:t>
             </a:r>
-            <a:endParaRPr lang="en-US" b="0" dirty="0">
-              <a:latin typeface="+mj-lt"/>
-            </a:endParaRPr>
           </a:p>
         </p:txBody>
       </p:sp>
@@ -6160,14 +6754,7 @@
   <p:clrMapOvr>
     <a:masterClrMapping/>
   </p:clrMapOvr>
-  <mc:AlternateContent xmlns:mc="http://schemas.openxmlformats.org/markup-compatibility/2006" xmlns:p14="http://schemas.microsoft.com/office/powerpoint/2010/main">
-    <mc:Choice Requires="p14">
-      <p:transition spd="slow" p14:dur="2000"/>
-    </mc:Choice>
-    <mc:Fallback xmlns="">
-      <p:transition spd="slow"/>
-    </mc:Fallback>
-  </mc:AlternateContent>
+  <p:transition spd="slow"/>
   <p:timing>
     <p:tnLst>
       <p:par>
@@ -6211,7 +6798,9 @@
           <a:lstStyle/>
           <a:p>
             <a:pPr marL="0" indent="0">
+              <a:buFont typeface="Arial" charset="0"/>
               <a:buNone/>
+              <a:defRPr/>
             </a:pPr>
             <a:endParaRPr lang="en-US" dirty="0" smtClean="0">
               <a:latin typeface="+mj-lt"/>
@@ -6219,7 +6808,9 @@
           </a:p>
           <a:p>
             <a:pPr marL="0" indent="0">
+              <a:buFont typeface="Arial" charset="0"/>
               <a:buNone/>
+              <a:defRPr/>
             </a:pPr>
             <a:endParaRPr lang="en-US" dirty="0">
               <a:latin typeface="+mj-lt"/>
@@ -6227,7 +6818,9 @@
           </a:p>
           <a:p>
             <a:pPr marL="0" indent="0">
+              <a:buFont typeface="Arial" charset="0"/>
               <a:buNone/>
+              <a:defRPr/>
             </a:pPr>
             <a:endParaRPr lang="en-US" dirty="0" smtClean="0">
               <a:latin typeface="+mj-lt"/>
@@ -6235,7 +6828,9 @@
           </a:p>
           <a:p>
             <a:pPr marL="0" indent="0">
+              <a:buFont typeface="Arial" charset="0"/>
               <a:buNone/>
+              <a:defRPr/>
             </a:pPr>
             <a:endParaRPr lang="en-US" dirty="0">
               <a:latin typeface="+mj-lt"/>
@@ -6243,7 +6838,9 @@
           </a:p>
           <a:p>
             <a:pPr marL="0" indent="0" algn="ctr">
+              <a:buFont typeface="Arial" charset="0"/>
               <a:buNone/>
+              <a:defRPr/>
             </a:pPr>
             <a:r>
               <a:rPr lang="en-US" sz="3600" b="1" dirty="0" smtClean="0">
@@ -6259,7 +6856,7 @@
       </p:sp>
       <p:sp>
         <p:nvSpPr>
-          <p:cNvPr id="4" name="Slide Number Placeholder 3"/>
+          <p:cNvPr id="12290" name="Slide Number Placeholder 3"/>
           <p:cNvSpPr>
             <a:spLocks noGrp="1"/>
           </p:cNvSpPr>
@@ -6267,31 +6864,28 @@
             <p:ph type="sldNum" sz="quarter" idx="11"/>
           </p:nvPr>
         </p:nvSpPr>
-        <p:spPr/>
+        <p:spPr bwMode="auto">
+          <a:noFill/>
+          <a:ln>
+            <a:miter lim="800000"/>
+            <a:headEnd/>
+            <a:tailEnd/>
+          </a:ln>
+        </p:spPr>
         <p:txBody>
           <a:bodyPr/>
           <a:lstStyle/>
           <a:p>
-            <a:pPr>
-              <a:defRPr/>
-            </a:pPr>
-            <a:fld id="{57CAE338-3B6A-4037-90D8-94F2438351D8}" type="slidenum">
+            <a:fld id="{C601D863-FD99-43D6-AD07-0AC271903082}" type="slidenum">
               <a:rPr lang="en-US" smtClean="0"/>
-              <a:pPr>
-                <a:defRPr/>
-              </a:pPr>
+              <a:pPr/>
               <a:t>3</a:t>
             </a:fld>
-            <a:endParaRPr lang="en-US"/>
+            <a:endParaRPr lang="en-US" smtClean="0"/>
           </a:p>
         </p:txBody>
       </p:sp>
     </p:spTree>
-    <p:extLst>
-      <p:ext uri="{BB962C8B-B14F-4D97-AF65-F5344CB8AC3E}">
-        <p14:creationId xmlns:p14="http://schemas.microsoft.com/office/powerpoint/2010/main" val="1235303996"/>
-      </p:ext>
-    </p:extLst>
   </p:cSld>
   <p:clrMapOvr>
     <a:masterClrMapping/>
@@ -6325,47 +6919,12 @@
       </p:grpSpPr>
       <p:sp>
         <p:nvSpPr>
-          <p:cNvPr id="2" name="Title 1"/>
+          <p:cNvPr id="14337" name="Title 1"/>
           <p:cNvSpPr>
             <a:spLocks noGrp="1"/>
           </p:cNvSpPr>
           <p:nvPr>
             <p:ph type="title"/>
-          </p:nvPr>
-        </p:nvSpPr>
-        <p:spPr/>
-        <p:txBody>
-          <a:bodyPr>
-            <a:noAutofit/>
-          </a:bodyPr>
-          <a:lstStyle/>
-          <a:p>
-            <a:r>
-              <a:rPr lang="en-US" sz="4000" dirty="0" err="1" smtClean="0">
-                <a:latin typeface="+mj-lt"/>
-              </a:rPr>
-              <a:t>Oozie</a:t>
-            </a:r>
-            <a:r>
-              <a:rPr lang="en-US" sz="4000" dirty="0" smtClean="0">
-                <a:latin typeface="+mj-lt"/>
-              </a:rPr>
-              <a:t> Flow with Fork/Join</a:t>
-            </a:r>
-            <a:endParaRPr lang="en-US" sz="4000" dirty="0">
-              <a:latin typeface="+mj-lt"/>
-            </a:endParaRPr>
-          </a:p>
-        </p:txBody>
-      </p:sp>
-      <p:sp>
-        <p:nvSpPr>
-          <p:cNvPr id="4" name="Slide Number Placeholder 3"/>
-          <p:cNvSpPr>
-            <a:spLocks noGrp="1"/>
-          </p:cNvSpPr>
-          <p:nvPr>
-            <p:ph type="sldNum" sz="quarter" idx="11"/>
           </p:nvPr>
         </p:nvSpPr>
         <p:spPr/>
@@ -6373,36 +6932,54 @@
           <a:bodyPr/>
           <a:lstStyle/>
           <a:p>
-            <a:pPr>
-              <a:defRPr/>
-            </a:pPr>
-            <a:fld id="{57CAE338-3B6A-4037-90D8-94F2438351D8}" type="slidenum">
+            <a:r>
+              <a:rPr lang="en-US" sz="4000" smtClean="0"/>
+              <a:t>Oozie Flow with Fork/Join</a:t>
+            </a:r>
+          </a:p>
+        </p:txBody>
+      </p:sp>
+      <p:sp>
+        <p:nvSpPr>
+          <p:cNvPr id="14338" name="Slide Number Placeholder 3"/>
+          <p:cNvSpPr>
+            <a:spLocks noGrp="1"/>
+          </p:cNvSpPr>
+          <p:nvPr>
+            <p:ph type="sldNum" sz="quarter" idx="11"/>
+          </p:nvPr>
+        </p:nvSpPr>
+        <p:spPr bwMode="auto">
+          <a:noFill/>
+          <a:ln>
+            <a:miter lim="800000"/>
+            <a:headEnd/>
+            <a:tailEnd/>
+          </a:ln>
+        </p:spPr>
+        <p:txBody>
+          <a:bodyPr/>
+          <a:lstStyle/>
+          <a:p>
+            <a:fld id="{4C4C9355-E2E4-4B8B-B635-49939A7AEC5C}" type="slidenum">
               <a:rPr lang="en-US" smtClean="0"/>
-              <a:pPr>
-                <a:defRPr/>
-              </a:pPr>
+              <a:pPr/>
               <a:t>4</a:t>
             </a:fld>
-            <a:endParaRPr lang="en-US"/>
+            <a:endParaRPr lang="en-US" smtClean="0"/>
           </a:p>
         </p:txBody>
       </p:sp>
       <p:pic>
         <p:nvPicPr>
-          <p:cNvPr id="1026" name="Picture 2"/>
+          <p:cNvPr id="14339" name="Picture 2"/>
           <p:cNvPicPr>
             <a:picLocks noChangeAspect="1" noChangeArrowheads="1"/>
           </p:cNvPicPr>
           <p:nvPr/>
         </p:nvPicPr>
         <p:blipFill>
-          <a:blip r:embed="rId2">
-            <a:extLst>
-              <a:ext uri="{28A0092B-C50C-407E-A947-70E740481C1C}">
-                <a14:useLocalDpi xmlns:a14="http://schemas.microsoft.com/office/drawing/2010/main" val="0"/>
-              </a:ext>
-            </a:extLst>
-          </a:blip>
+          <a:blip r:embed="rId3"/>
           <a:srcRect/>
           <a:stretch>
             <a:fillRect/>
@@ -6410,35 +6987,19 @@
         </p:blipFill>
         <p:spPr bwMode="auto">
           <a:xfrm>
-            <a:off x="47626" y="1514476"/>
-            <a:ext cx="9072644" cy="4048124"/>
+            <a:off x="47625" y="1514475"/>
+            <a:ext cx="9072563" cy="4048125"/>
           </a:xfrm>
           <a:prstGeom prst="rect">
             <a:avLst/>
           </a:prstGeom>
           <a:noFill/>
-          <a:ln>
+          <a:ln w="9525">
             <a:noFill/>
+            <a:miter lim="800000"/>
+            <a:headEnd/>
+            <a:tailEnd/>
           </a:ln>
-          <a:extLst>
-            <a:ext uri="{909E8E84-426E-40DD-AFC4-6F175D3DCCD1}">
-              <a14:hiddenFill xmlns:a14="http://schemas.microsoft.com/office/drawing/2010/main">
-                <a:solidFill>
-                  <a:schemeClr val="accent1"/>
-                </a:solidFill>
-              </a14:hiddenFill>
-            </a:ext>
-            <a:ext uri="{91240B29-F687-4F45-9708-019B960494DF}">
-              <a14:hiddenLine xmlns:a14="http://schemas.microsoft.com/office/drawing/2010/main" w="9525">
-                <a:solidFill>
-                  <a:schemeClr val="tx1"/>
-                </a:solidFill>
-                <a:miter lim="800000"/>
-                <a:headEnd/>
-                <a:tailEnd/>
-              </a14:hiddenLine>
-            </a:ext>
-          </a:extLst>
         </p:spPr>
       </p:pic>
       <p:sp>
@@ -6449,8 +7010,8 @@
         </p:nvSpPr>
         <p:spPr>
           <a:xfrm>
-            <a:off x="1226431" y="6416159"/>
-            <a:ext cx="6706580" cy="369332"/>
+            <a:off x="1227138" y="6416675"/>
+            <a:ext cx="6705600" cy="368300"/>
           </a:xfrm>
           <a:prstGeom prst="rect">
             <a:avLst/>
@@ -6458,36 +7019,30 @@
           <a:noFill/>
         </p:spPr>
         <p:txBody>
-          <a:bodyPr wrap="none" rtlCol="0">
+          <a:bodyPr wrap="none">
             <a:spAutoFit/>
           </a:bodyPr>
           <a:lstStyle/>
           <a:p>
-            <a:pPr algn="ctr"/>
-            <a:r>
-              <a:rPr lang="en-US" dirty="0" smtClean="0">
+            <a:pPr algn="ctr">
+              <a:defRPr/>
+            </a:pPr>
+            <a:r>
+              <a:rPr lang="en-US" dirty="0">
                 <a:latin typeface="+mn-lt"/>
               </a:rPr>
               <a:t>Note: </a:t>
             </a:r>
             <a:r>
-              <a:rPr lang="en-US" b="0" dirty="0" smtClean="0">
+              <a:rPr lang="en-US" b="0" dirty="0">
                 <a:latin typeface="+mn-lt"/>
               </a:rPr>
               <a:t>KNN approaches #1 and #2 above use different distance metrics</a:t>
             </a:r>
-            <a:endParaRPr lang="en-US" b="0" dirty="0">
-              <a:latin typeface="+mn-lt"/>
-            </a:endParaRPr>
           </a:p>
         </p:txBody>
       </p:sp>
     </p:spTree>
-    <p:extLst>
-      <p:ext uri="{BB962C8B-B14F-4D97-AF65-F5344CB8AC3E}">
-        <p14:creationId xmlns:p14="http://schemas.microsoft.com/office/powerpoint/2010/main" val="3807053619"/>
-      </p:ext>
-    </p:extLst>
   </p:cSld>
   <p:clrMapOvr>
     <a:masterClrMapping/>
@@ -6521,47 +7076,12 @@
       </p:grpSpPr>
       <p:sp>
         <p:nvSpPr>
-          <p:cNvPr id="2" name="Title 1"/>
+          <p:cNvPr id="16385" name="Title 1"/>
           <p:cNvSpPr>
             <a:spLocks noGrp="1"/>
           </p:cNvSpPr>
           <p:nvPr>
             <p:ph type="title"/>
-          </p:nvPr>
-        </p:nvSpPr>
-        <p:spPr/>
-        <p:txBody>
-          <a:bodyPr>
-            <a:noAutofit/>
-          </a:bodyPr>
-          <a:lstStyle/>
-          <a:p>
-            <a:r>
-              <a:rPr lang="en-US" dirty="0" err="1" smtClean="0">
-                <a:latin typeface="+mj-lt"/>
-              </a:rPr>
-              <a:t>Oozie</a:t>
-            </a:r>
-            <a:r>
-              <a:rPr lang="en-US" dirty="0" smtClean="0">
-                <a:latin typeface="+mj-lt"/>
-              </a:rPr>
-              <a:t> Flow with Successive Execution</a:t>
-            </a:r>
-            <a:endParaRPr lang="en-US" dirty="0">
-              <a:latin typeface="+mj-lt"/>
-            </a:endParaRPr>
-          </a:p>
-        </p:txBody>
-      </p:sp>
-      <p:sp>
-        <p:nvSpPr>
-          <p:cNvPr id="4" name="Slide Number Placeholder 3"/>
-          <p:cNvSpPr>
-            <a:spLocks noGrp="1"/>
-          </p:cNvSpPr>
-          <p:nvPr>
-            <p:ph type="sldNum" sz="quarter" idx="11"/>
           </p:nvPr>
         </p:nvSpPr>
         <p:spPr/>
@@ -6569,17 +7089,41 @@
           <a:bodyPr/>
           <a:lstStyle/>
           <a:p>
-            <a:pPr>
-              <a:defRPr/>
-            </a:pPr>
-            <a:fld id="{57CAE338-3B6A-4037-90D8-94F2438351D8}" type="slidenum">
+            <a:r>
               <a:rPr lang="en-US" smtClean="0"/>
-              <a:pPr>
-                <a:defRPr/>
-              </a:pPr>
+              <a:t>Oozie Flow with Successive Execution</a:t>
+            </a:r>
+          </a:p>
+        </p:txBody>
+      </p:sp>
+      <p:sp>
+        <p:nvSpPr>
+          <p:cNvPr id="16386" name="Slide Number Placeholder 3"/>
+          <p:cNvSpPr>
+            <a:spLocks noGrp="1"/>
+          </p:cNvSpPr>
+          <p:nvPr>
+            <p:ph type="sldNum" sz="quarter" idx="11"/>
+          </p:nvPr>
+        </p:nvSpPr>
+        <p:spPr bwMode="auto">
+          <a:noFill/>
+          <a:ln>
+            <a:miter lim="800000"/>
+            <a:headEnd/>
+            <a:tailEnd/>
+          </a:ln>
+        </p:spPr>
+        <p:txBody>
+          <a:bodyPr/>
+          <a:lstStyle/>
+          <a:p>
+            <a:fld id="{1002F4B0-3857-434A-B827-E3B1457ED522}" type="slidenum">
+              <a:rPr lang="en-US" smtClean="0"/>
+              <a:pPr/>
               <a:t>5</a:t>
             </a:fld>
-            <a:endParaRPr lang="en-US"/>
+            <a:endParaRPr lang="en-US" smtClean="0"/>
           </a:p>
         </p:txBody>
       </p:sp>
@@ -6591,8 +7135,8 @@
         </p:nvSpPr>
         <p:spPr>
           <a:xfrm>
-            <a:off x="1226431" y="6416159"/>
-            <a:ext cx="6706580" cy="369332"/>
+            <a:off x="1227138" y="6416675"/>
+            <a:ext cx="6705600" cy="368300"/>
           </a:xfrm>
           <a:prstGeom prst="rect">
             <a:avLst/>
@@ -6600,46 +7144,39 @@
           <a:noFill/>
         </p:spPr>
         <p:txBody>
-          <a:bodyPr wrap="none" rtlCol="0">
+          <a:bodyPr wrap="none">
             <a:spAutoFit/>
           </a:bodyPr>
           <a:lstStyle/>
           <a:p>
-            <a:pPr algn="ctr"/>
-            <a:r>
-              <a:rPr lang="en-US" dirty="0" smtClean="0">
+            <a:pPr algn="ctr">
+              <a:defRPr/>
+            </a:pPr>
+            <a:r>
+              <a:rPr lang="en-US" dirty="0">
                 <a:latin typeface="+mn-lt"/>
               </a:rPr>
               <a:t>Note: </a:t>
             </a:r>
             <a:r>
-              <a:rPr lang="en-US" b="0" dirty="0" smtClean="0">
+              <a:rPr lang="en-US" b="0" dirty="0">
                 <a:latin typeface="+mn-lt"/>
               </a:rPr>
               <a:t>KNN approaches #1 and #2 above use different distance metrics</a:t>
             </a:r>
-            <a:endParaRPr lang="en-US" b="0" dirty="0">
-              <a:latin typeface="+mn-lt"/>
-            </a:endParaRPr>
           </a:p>
         </p:txBody>
       </p:sp>
       <p:pic>
         <p:nvPicPr>
-          <p:cNvPr id="1026" name="Picture 2"/>
+          <p:cNvPr id="16388" name="Picture 2"/>
           <p:cNvPicPr>
             <a:picLocks noChangeAspect="1" noChangeArrowheads="1"/>
           </p:cNvPicPr>
           <p:nvPr/>
         </p:nvPicPr>
         <p:blipFill>
-          <a:blip r:embed="rId2">
-            <a:extLst>
-              <a:ext uri="{28A0092B-C50C-407E-A947-70E740481C1C}">
-                <a14:useLocalDpi xmlns:a14="http://schemas.microsoft.com/office/drawing/2010/main" val="0"/>
-              </a:ext>
-            </a:extLst>
-          </a:blip>
+          <a:blip r:embed="rId3"/>
           <a:srcRect/>
           <a:stretch>
             <a:fillRect/>
@@ -6648,42 +7185,21 @@
         <p:spPr bwMode="auto">
           <a:xfrm>
             <a:off x="76200" y="1562100"/>
-            <a:ext cx="8961549" cy="3810000"/>
+            <a:ext cx="8961438" cy="3810000"/>
           </a:xfrm>
           <a:prstGeom prst="rect">
             <a:avLst/>
           </a:prstGeom>
           <a:noFill/>
-          <a:ln>
+          <a:ln w="9525">
             <a:noFill/>
+            <a:miter lim="800000"/>
+            <a:headEnd/>
+            <a:tailEnd/>
           </a:ln>
-          <a:extLst>
-            <a:ext uri="{909E8E84-426E-40DD-AFC4-6F175D3DCCD1}">
-              <a14:hiddenFill xmlns:a14="http://schemas.microsoft.com/office/drawing/2010/main">
-                <a:solidFill>
-                  <a:schemeClr val="accent1"/>
-                </a:solidFill>
-              </a14:hiddenFill>
-            </a:ext>
-            <a:ext uri="{91240B29-F687-4F45-9708-019B960494DF}">
-              <a14:hiddenLine xmlns:a14="http://schemas.microsoft.com/office/drawing/2010/main" w="9525">
-                <a:solidFill>
-                  <a:schemeClr val="tx1"/>
-                </a:solidFill>
-                <a:miter lim="800000"/>
-                <a:headEnd/>
-                <a:tailEnd/>
-              </a14:hiddenLine>
-            </a:ext>
-          </a:extLst>
         </p:spPr>
       </p:pic>
     </p:spTree>
-    <p:extLst>
-      <p:ext uri="{BB962C8B-B14F-4D97-AF65-F5344CB8AC3E}">
-        <p14:creationId xmlns:p14="http://schemas.microsoft.com/office/powerpoint/2010/main" val="3345882421"/>
-      </p:ext>
-    </p:extLst>
   </p:cSld>
   <p:clrMapOvr>
     <a:masterClrMapping/>
@@ -6732,15 +7248,14 @@
           </a:bodyPr>
           <a:lstStyle/>
           <a:p>
-            <a:r>
-              <a:rPr lang="en-US" dirty="0" smtClean="0">
-                <a:latin typeface="+mj-lt"/>
-              </a:rPr>
+            <a:pPr>
+              <a:defRPr/>
+            </a:pPr>
+            <a:r>
+              <a:rPr lang="en-US" dirty="0" smtClean="0"/>
               <a:t>Data Preprocessor</a:t>
             </a:r>
-            <a:endParaRPr lang="en-US" dirty="0">
-              <a:latin typeface="+mj-lt"/>
-            </a:endParaRPr>
+            <a:endParaRPr lang="en-US" dirty="0"/>
           </a:p>
         </p:txBody>
       </p:sp>
@@ -6765,6 +7280,7 @@
               <a:lnSpc>
                 <a:spcPct val="120000"/>
               </a:lnSpc>
+              <a:defRPr/>
             </a:pPr>
             <a:r>
               <a:rPr lang="en-US" dirty="0" smtClean="0">
@@ -6778,6 +7294,7 @@
               <a:lnSpc>
                 <a:spcPct val="120000"/>
               </a:lnSpc>
+              <a:defRPr/>
             </a:pPr>
             <a:endParaRPr lang="en-US" b="1" dirty="0">
               <a:latin typeface="+mj-lt"/>
@@ -6788,6 +7305,7 @@
               <a:lnSpc>
                 <a:spcPct val="120000"/>
               </a:lnSpc>
+              <a:defRPr/>
             </a:pPr>
             <a:r>
               <a:rPr lang="en-US" b="1" dirty="0" smtClean="0">
@@ -6807,6 +7325,7 @@
               <a:lnSpc>
                 <a:spcPct val="120000"/>
               </a:lnSpc>
+              <a:defRPr/>
             </a:pPr>
             <a:endParaRPr lang="en-US" dirty="0">
               <a:latin typeface="+mj-lt"/>
@@ -6817,6 +7336,7 @@
               <a:lnSpc>
                 <a:spcPct val="120000"/>
               </a:lnSpc>
+              <a:defRPr/>
             </a:pPr>
             <a:r>
               <a:rPr lang="en-US" dirty="0" smtClean="0">
@@ -6845,6 +7365,7 @@
               <a:lnSpc>
                 <a:spcPct val="120000"/>
               </a:lnSpc>
+              <a:defRPr/>
             </a:pPr>
             <a:r>
               <a:rPr lang="en-US" dirty="0" smtClean="0">
@@ -6858,7 +7379,9 @@
               <a:lnSpc>
                 <a:spcPct val="120000"/>
               </a:lnSpc>
+              <a:buFont typeface="Arial" charset="0"/>
               <a:buNone/>
+              <a:defRPr/>
             </a:pPr>
             <a:endParaRPr lang="en-US" dirty="0" smtClean="0">
               <a:latin typeface="+mj-lt"/>
@@ -6869,6 +7392,7 @@
               <a:lnSpc>
                 <a:spcPct val="120000"/>
               </a:lnSpc>
+              <a:defRPr/>
             </a:pPr>
             <a:r>
               <a:rPr lang="en-US" dirty="0" smtClean="0">
@@ -6894,6 +7418,7 @@
               <a:lnSpc>
                 <a:spcPct val="120000"/>
               </a:lnSpc>
+              <a:defRPr/>
             </a:pPr>
             <a:endParaRPr lang="en-US" dirty="0">
               <a:latin typeface="+mj-lt"/>
@@ -6904,6 +7429,7 @@
               <a:lnSpc>
                 <a:spcPct val="120000"/>
               </a:lnSpc>
+              <a:defRPr/>
             </a:pPr>
             <a:r>
               <a:rPr lang="en-US" dirty="0" smtClean="0">
@@ -6917,6 +7443,7 @@
               <a:lnSpc>
                 <a:spcPct val="120000"/>
               </a:lnSpc>
+              <a:defRPr/>
             </a:pPr>
             <a:endParaRPr lang="en-US" dirty="0">
               <a:latin typeface="+mj-lt"/>
@@ -6927,6 +7454,7 @@
               <a:lnSpc>
                 <a:spcPct val="120000"/>
               </a:lnSpc>
+              <a:defRPr/>
             </a:pPr>
             <a:endParaRPr lang="en-US" dirty="0" smtClean="0">
               <a:latin typeface="+mj-lt"/>
@@ -6937,6 +7465,7 @@
               <a:lnSpc>
                 <a:spcPct val="120000"/>
               </a:lnSpc>
+              <a:defRPr/>
             </a:pPr>
             <a:endParaRPr lang="en-US" dirty="0">
               <a:latin typeface="+mj-lt"/>
@@ -6947,6 +7476,7 @@
               <a:lnSpc>
                 <a:spcPct val="120000"/>
               </a:lnSpc>
+              <a:defRPr/>
             </a:pPr>
             <a:endParaRPr lang="en-US" dirty="0">
               <a:latin typeface="+mj-lt"/>
@@ -6956,7 +7486,7 @@
       </p:sp>
       <p:sp>
         <p:nvSpPr>
-          <p:cNvPr id="4" name="Slide Number Placeholder 3"/>
+          <p:cNvPr id="18435" name="Slide Number Placeholder 3"/>
           <p:cNvSpPr>
             <a:spLocks noGrp="1"/>
           </p:cNvSpPr>
@@ -6964,31 +7494,28 @@
             <p:ph type="sldNum" sz="quarter" idx="11"/>
           </p:nvPr>
         </p:nvSpPr>
-        <p:spPr/>
+        <p:spPr bwMode="auto">
+          <a:noFill/>
+          <a:ln>
+            <a:miter lim="800000"/>
+            <a:headEnd/>
+            <a:tailEnd/>
+          </a:ln>
+        </p:spPr>
         <p:txBody>
           <a:bodyPr/>
           <a:lstStyle/>
           <a:p>
-            <a:pPr>
-              <a:defRPr/>
-            </a:pPr>
-            <a:fld id="{57CAE338-3B6A-4037-90D8-94F2438351D8}" type="slidenum">
+            <a:fld id="{A550C07D-2D43-4BA2-9A20-A2ADA54913F2}" type="slidenum">
               <a:rPr lang="en-US" smtClean="0"/>
-              <a:pPr>
-                <a:defRPr/>
-              </a:pPr>
+              <a:pPr/>
               <a:t>6</a:t>
             </a:fld>
-            <a:endParaRPr lang="en-US"/>
+            <a:endParaRPr lang="en-US" smtClean="0"/>
           </a:p>
         </p:txBody>
       </p:sp>
     </p:spTree>
-    <p:extLst>
-      <p:ext uri="{BB962C8B-B14F-4D97-AF65-F5344CB8AC3E}">
-        <p14:creationId xmlns:p14="http://schemas.microsoft.com/office/powerpoint/2010/main" val="486743356"/>
-      </p:ext>
-    </p:extLst>
   </p:cSld>
   <p:clrMapOvr>
     <a:masterClrMapping/>
@@ -7037,21 +7564,20 @@
           </a:bodyPr>
           <a:lstStyle/>
           <a:p>
-            <a:r>
-              <a:rPr lang="en-US" dirty="0" smtClean="0">
-                <a:latin typeface="+mj-lt"/>
-              </a:rPr>
+            <a:pPr>
+              <a:defRPr/>
+            </a:pPr>
+            <a:r>
+              <a:rPr lang="en-US" dirty="0" smtClean="0"/>
               <a:t>Multinomial &amp; Bernoulli Naïve Bayes</a:t>
             </a:r>
-            <a:endParaRPr lang="en-US" dirty="0">
-              <a:latin typeface="+mj-lt"/>
-            </a:endParaRPr>
-          </a:p>
-        </p:txBody>
-      </p:sp>
-      <p:sp>
-        <p:nvSpPr>
-          <p:cNvPr id="3" name="Content Placeholder 2"/>
+            <a:endParaRPr lang="en-US" dirty="0"/>
+          </a:p>
+        </p:txBody>
+      </p:sp>
+      <p:sp>
+        <p:nvSpPr>
+          <p:cNvPr id="20482" name="Content Placeholder 2"/>
           <p:cNvSpPr>
             <a:spLocks noGrp="1"/>
           </p:cNvSpPr>
@@ -7061,200 +7587,165 @@
         </p:nvSpPr>
         <p:spPr/>
         <p:txBody>
-          <a:bodyPr>
-            <a:normAutofit fontScale="92500" lnSpcReduction="20000"/>
-          </a:bodyPr>
+          <a:bodyPr/>
           <a:lstStyle/>
           <a:p>
             <a:pPr>
               <a:lnSpc>
-                <a:spcPct val="110000"/>
+                <a:spcPct val="90000"/>
               </a:lnSpc>
             </a:pPr>
             <a:r>
-              <a:rPr lang="en-US" dirty="0" smtClean="0">
-                <a:latin typeface="+mj-lt"/>
-              </a:rPr>
+              <a:rPr lang="en-US" sz="2200" smtClean="0"/>
               <a:t>Implemented using standard MapReduce</a:t>
             </a:r>
           </a:p>
           <a:p>
             <a:pPr>
               <a:lnSpc>
-                <a:spcPct val="110000"/>
+                <a:spcPct val="90000"/>
               </a:lnSpc>
             </a:pPr>
-            <a:endParaRPr lang="en-US" dirty="0">
-              <a:latin typeface="+mj-lt"/>
-            </a:endParaRPr>
+            <a:endParaRPr lang="en-US" sz="2200" smtClean="0"/>
           </a:p>
           <a:p>
             <a:pPr>
               <a:lnSpc>
-                <a:spcPct val="110000"/>
+                <a:spcPct val="90000"/>
               </a:lnSpc>
             </a:pPr>
             <a:r>
-              <a:rPr lang="en-US" dirty="0" smtClean="0">
-                <a:latin typeface="+mj-lt"/>
-              </a:rPr>
+              <a:rPr lang="en-US" sz="2200" smtClean="0"/>
               <a:t>Calculates the prior probability of each ingredient for each cuisine type using the input training set.</a:t>
             </a:r>
           </a:p>
           <a:p>
             <a:pPr>
               <a:lnSpc>
-                <a:spcPct val="110000"/>
+                <a:spcPct val="90000"/>
               </a:lnSpc>
             </a:pPr>
-            <a:endParaRPr lang="en-US" dirty="0">
-              <a:latin typeface="+mj-lt"/>
-            </a:endParaRPr>
+            <a:endParaRPr lang="en-US" sz="2200" smtClean="0"/>
           </a:p>
           <a:p>
             <a:pPr>
               <a:lnSpc>
-                <a:spcPct val="110000"/>
+                <a:spcPct val="90000"/>
               </a:lnSpc>
             </a:pPr>
             <a:r>
-              <a:rPr lang="en-US" dirty="0" smtClean="0">
-                <a:latin typeface="+mj-lt"/>
-              </a:rPr>
+              <a:rPr lang="en-US" sz="2200" smtClean="0"/>
               <a:t>Calculates the class probability of each record in the testing set.  Returns each record’s class probability to the ensemble classifier.</a:t>
             </a:r>
           </a:p>
           <a:p>
             <a:pPr>
               <a:lnSpc>
-                <a:spcPct val="110000"/>
+                <a:spcPct val="90000"/>
               </a:lnSpc>
             </a:pPr>
-            <a:endParaRPr lang="en-US" dirty="0">
-              <a:latin typeface="+mj-lt"/>
-            </a:endParaRPr>
+            <a:endParaRPr lang="en-US" sz="2200" smtClean="0"/>
           </a:p>
           <a:p>
             <a:pPr lvl="1">
               <a:lnSpc>
-                <a:spcPct val="110000"/>
+                <a:spcPct val="90000"/>
               </a:lnSpc>
             </a:pPr>
             <a:r>
-              <a:rPr lang="en-US" dirty="0">
-                <a:latin typeface="+mn-lt"/>
-              </a:rPr>
+              <a:rPr lang="en-US" sz="2000" smtClean="0"/>
               <a:t>To simplify code design and testing, we used the </a:t>
             </a:r>
             <a:r>
-              <a:rPr lang="en-US" b="1" i="1" dirty="0">
+              <a:rPr lang="en-US" sz="2000" b="1" i="1" smtClean="0">
                 <a:solidFill>
                   <a:srgbClr val="008000"/>
                 </a:solidFill>
-                <a:latin typeface="+mn-lt"/>
               </a:rPr>
               <a:t>strategy pattern</a:t>
             </a:r>
             <a:r>
-              <a:rPr lang="en-US" b="1" dirty="0">
+              <a:rPr lang="en-US" sz="2000" b="1" smtClean="0">
                 <a:solidFill>
                   <a:srgbClr val="008000"/>
                 </a:solidFill>
-                <a:latin typeface="+mn-lt"/>
               </a:rPr>
               <a:t> </a:t>
             </a:r>
             <a:r>
-              <a:rPr lang="en-US" dirty="0">
-                <a:latin typeface="+mn-lt"/>
-              </a:rPr>
-              <a:t>for calculating the distance.</a:t>
-            </a:r>
-          </a:p>
-          <a:p>
-            <a:pPr marL="0" indent="0">
-              <a:lnSpc>
-                <a:spcPct val="110000"/>
-              </a:lnSpc>
-              <a:buNone/>
-            </a:pPr>
-            <a:endParaRPr lang="en-US" dirty="0">
-              <a:latin typeface="+mj-lt"/>
-            </a:endParaRPr>
+              <a:rPr lang="en-US" sz="2000" smtClean="0"/>
+              <a:t>to calculate the probabilities using the two approaches.</a:t>
+            </a:r>
           </a:p>
           <a:p>
             <a:pPr>
               <a:lnSpc>
-                <a:spcPct val="110000"/>
+                <a:spcPct val="90000"/>
               </a:lnSpc>
-            </a:pPr>
-            <a:r>
-              <a:rPr lang="en-US" dirty="0" smtClean="0">
-                <a:latin typeface="+mj-lt"/>
-              </a:rPr>
+              <a:buFont typeface="Arial" charset="0"/>
+              <a:buNone/>
+            </a:pPr>
+            <a:endParaRPr lang="en-US" sz="2200" smtClean="0"/>
+          </a:p>
+          <a:p>
+            <a:pPr>
+              <a:lnSpc>
+                <a:spcPct val="90000"/>
+              </a:lnSpc>
+            </a:pPr>
+            <a:r>
+              <a:rPr lang="en-US" sz="2200" smtClean="0"/>
               <a:t>Training set is rebuilt from scratch inside each mapper.</a:t>
             </a:r>
           </a:p>
           <a:p>
             <a:pPr lvl="1">
               <a:lnSpc>
-                <a:spcPct val="110000"/>
+                <a:spcPct val="90000"/>
               </a:lnSpc>
             </a:pPr>
             <a:r>
-              <a:rPr lang="en-US" b="1" dirty="0" smtClean="0">
+              <a:rPr lang="en-US" sz="2000" b="1" smtClean="0">
                 <a:solidFill>
                   <a:srgbClr val="008000"/>
                 </a:solidFill>
-                <a:latin typeface="+mj-lt"/>
               </a:rPr>
               <a:t>Future Improvement: </a:t>
             </a:r>
             <a:r>
-              <a:rPr lang="en-US" dirty="0" smtClean="0">
-                <a:latin typeface="+mj-lt"/>
-              </a:rPr>
+              <a:rPr lang="en-US" sz="2000" smtClean="0"/>
               <a:t>Use serialization to import a prebuild training set data structure reducing the algorithm’s overhead.</a:t>
             </a:r>
-            <a:endParaRPr lang="en-US" dirty="0">
-              <a:latin typeface="+mj-lt"/>
-            </a:endParaRPr>
           </a:p>
           <a:p>
             <a:pPr>
               <a:lnSpc>
-                <a:spcPct val="110000"/>
+                <a:spcPct val="90000"/>
               </a:lnSpc>
             </a:pPr>
-            <a:endParaRPr lang="en-US" dirty="0" smtClean="0">
-              <a:latin typeface="+mj-lt"/>
-            </a:endParaRPr>
+            <a:endParaRPr lang="en-US" sz="2200" smtClean="0"/>
           </a:p>
           <a:p>
             <a:pPr>
               <a:lnSpc>
-                <a:spcPct val="110000"/>
+                <a:spcPct val="90000"/>
               </a:lnSpc>
             </a:pPr>
-            <a:endParaRPr lang="en-US" dirty="0">
-              <a:latin typeface="+mj-lt"/>
-            </a:endParaRPr>
+            <a:endParaRPr lang="en-US" sz="2200" smtClean="0"/>
           </a:p>
           <a:p>
             <a:pPr>
               <a:lnSpc>
-                <a:spcPct val="110000"/>
+                <a:spcPct val="90000"/>
               </a:lnSpc>
             </a:pPr>
-            <a:endParaRPr lang="en-US" dirty="0">
-              <a:latin typeface="+mj-lt"/>
-            </a:endParaRPr>
-          </a:p>
-        </p:txBody>
-      </p:sp>
-      <p:sp>
-        <p:nvSpPr>
-          <p:cNvPr id="4" name="Slide Number Placeholder 3"/>
+            <a:endParaRPr lang="en-US" sz="2200" smtClean="0"/>
+          </a:p>
+        </p:txBody>
+      </p:sp>
+      <p:sp>
+        <p:nvSpPr>
+          <p:cNvPr id="20483" name="Slide Number Placeholder 3"/>
           <p:cNvSpPr>
             <a:spLocks noGrp="1"/>
           </p:cNvSpPr>
@@ -7262,31 +7753,28 @@
             <p:ph type="sldNum" sz="quarter" idx="11"/>
           </p:nvPr>
         </p:nvSpPr>
-        <p:spPr/>
+        <p:spPr bwMode="auto">
+          <a:noFill/>
+          <a:ln>
+            <a:miter lim="800000"/>
+            <a:headEnd/>
+            <a:tailEnd/>
+          </a:ln>
+        </p:spPr>
         <p:txBody>
           <a:bodyPr/>
           <a:lstStyle/>
           <a:p>
-            <a:pPr>
-              <a:defRPr/>
-            </a:pPr>
-            <a:fld id="{57CAE338-3B6A-4037-90D8-94F2438351D8}" type="slidenum">
+            <a:fld id="{02205714-60BC-4776-9393-99867DE41F86}" type="slidenum">
               <a:rPr lang="en-US" smtClean="0"/>
-              <a:pPr>
-                <a:defRPr/>
-              </a:pPr>
+              <a:pPr/>
               <a:t>7</a:t>
             </a:fld>
-            <a:endParaRPr lang="en-US"/>
+            <a:endParaRPr lang="en-US" smtClean="0"/>
           </a:p>
         </p:txBody>
       </p:sp>
     </p:spTree>
-    <p:extLst>
-      <p:ext uri="{BB962C8B-B14F-4D97-AF65-F5344CB8AC3E}">
-        <p14:creationId xmlns:p14="http://schemas.microsoft.com/office/powerpoint/2010/main" val="464336671"/>
-      </p:ext>
-    </p:extLst>
   </p:cSld>
   <p:clrMapOvr>
     <a:masterClrMapping/>
@@ -7335,283 +7823,35 @@
           </a:bodyPr>
           <a:lstStyle/>
           <a:p>
-            <a:r>
-              <a:rPr lang="en-US" dirty="0" smtClean="0">
-                <a:latin typeface="+mj-lt"/>
-              </a:rPr>
+            <a:pPr>
+              <a:defRPr/>
+            </a:pPr>
+            <a:r>
+              <a:rPr lang="en-US" dirty="0" smtClean="0"/>
               <a:t>K-Nearest Neighbors (KNN)</a:t>
             </a:r>
-            <a:endParaRPr lang="en-US" dirty="0">
-              <a:latin typeface="+mj-lt"/>
-            </a:endParaRPr>
-          </a:p>
-        </p:txBody>
-      </p:sp>
-      <mc:AlternateContent xmlns:mc="http://schemas.openxmlformats.org/markup-compatibility/2006" xmlns:a14="http://schemas.microsoft.com/office/drawing/2010/main">
-        <mc:Choice Requires="a14">
-          <p:sp>
-            <p:nvSpPr>
-              <p:cNvPr id="3" name="Content Placeholder 2"/>
-              <p:cNvSpPr>
-                <a:spLocks noGrp="1"/>
-              </p:cNvSpPr>
-              <p:nvPr>
-                <p:ph idx="1"/>
-              </p:nvPr>
-            </p:nvSpPr>
-            <p:spPr/>
-            <p:txBody>
-              <a:bodyPr>
-                <a:normAutofit lnSpcReduction="10000"/>
-              </a:bodyPr>
-              <a:lstStyle/>
-              <a:p>
-                <a:pPr>
-                  <a:lnSpc>
-                    <a:spcPct val="110000"/>
-                  </a:lnSpc>
-                </a:pPr>
-                <a:r>
-                  <a:rPr lang="en-US" dirty="0" smtClean="0">
-                    <a:latin typeface="+mj-lt"/>
-                  </a:rPr>
-                  <a:t>Implemented </a:t>
-                </a:r>
-                <a:r>
-                  <a:rPr lang="en-US" dirty="0"/>
-                  <a:t>using standard </a:t>
-                </a:r>
-                <a:r>
-                  <a:rPr lang="en-US" dirty="0" smtClean="0">
-                    <a:latin typeface="+mj-lt"/>
-                  </a:rPr>
-                  <a:t>MapReduce</a:t>
-                </a:r>
-              </a:p>
-              <a:p>
-                <a:pPr>
-                  <a:lnSpc>
-                    <a:spcPct val="110000"/>
-                  </a:lnSpc>
-                </a:pPr>
-                <a:endParaRPr lang="en-US" b="1" dirty="0">
-                  <a:latin typeface="+mj-lt"/>
-                </a:endParaRPr>
-              </a:p>
-              <a:p>
-                <a:pPr>
-                  <a:lnSpc>
-                    <a:spcPct val="110000"/>
-                  </a:lnSpc>
-                </a:pPr>
-                <a:r>
-                  <a:rPr lang="en-US" b="1" dirty="0" smtClean="0">
-                    <a:latin typeface="+mj-lt"/>
-                  </a:rPr>
-                  <a:t>Runtime of KNN</a:t>
-                </a:r>
-                <a:r>
-                  <a:rPr lang="en-US" dirty="0" smtClean="0">
-                    <a:latin typeface="+mj-lt"/>
-                  </a:rPr>
-                  <a:t> – </a:t>
-                </a:r>
-                <a14:m>
-                  <m:oMath xmlns:m="http://schemas.openxmlformats.org/officeDocument/2006/math">
-                    <m:r>
-                      <a:rPr lang="en-US" b="0" i="1" smtClean="0">
-                        <a:latin typeface="Cambria Math"/>
-                      </a:rPr>
-                      <m:t>𝑂</m:t>
-                    </m:r>
-                    <m:d>
-                      <m:dPr>
-                        <m:ctrlPr>
-                          <a:rPr lang="en-US" b="0" i="1" smtClean="0">
-                            <a:latin typeface="Cambria Math"/>
-                          </a:rPr>
-                        </m:ctrlPr>
-                      </m:dPr>
-                      <m:e>
-                        <m:r>
-                          <a:rPr lang="en-US" b="0" i="1" smtClean="0">
-                            <a:latin typeface="Cambria Math"/>
-                          </a:rPr>
-                          <m:t>𝑁</m:t>
-                        </m:r>
-                      </m:e>
-                    </m:d>
-                  </m:oMath>
-                </a14:m>
-                <a:r>
-                  <a:rPr lang="en-US" b="0" dirty="0" smtClean="0">
-                    <a:latin typeface="+mj-lt"/>
-                  </a:rPr>
-                  <a:t> where </a:t>
-                </a:r>
-                <a14:m>
-                  <m:oMath xmlns:m="http://schemas.openxmlformats.org/officeDocument/2006/math">
-                    <m:r>
-                      <a:rPr lang="en-US" b="0" i="1" smtClean="0">
-                        <a:latin typeface="Cambria Math"/>
-                      </a:rPr>
-                      <m:t>𝑁</m:t>
-                    </m:r>
-                  </m:oMath>
-                </a14:m>
-                <a:r>
-                  <a:rPr lang="en-US" b="0" dirty="0" smtClean="0">
-                    <a:latin typeface="+mj-lt"/>
-                  </a:rPr>
-                  <a:t> is the size of the training set.</a:t>
-                </a:r>
-              </a:p>
-              <a:p>
-                <a:pPr lvl="1">
-                  <a:lnSpc>
-                    <a:spcPct val="110000"/>
-                  </a:lnSpc>
-                </a:pPr>
-                <a:r>
-                  <a:rPr lang="en-US" b="0" dirty="0" smtClean="0">
-                    <a:latin typeface="+mj-lt"/>
-                  </a:rPr>
-                  <a:t>Most of the total algorithm runtime is spent performing KNN.</a:t>
-                </a:r>
-              </a:p>
-              <a:p>
-                <a:pPr>
-                  <a:lnSpc>
-                    <a:spcPct val="110000"/>
-                  </a:lnSpc>
-                </a:pPr>
-                <a:endParaRPr lang="en-US" dirty="0">
-                  <a:latin typeface="+mj-lt"/>
-                </a:endParaRPr>
-              </a:p>
-              <a:p>
-                <a:pPr>
-                  <a:lnSpc>
-                    <a:spcPct val="110000"/>
-                  </a:lnSpc>
-                </a:pPr>
-                <a:r>
-                  <a:rPr lang="en-US" b="0" dirty="0" smtClean="0">
-                    <a:latin typeface="+mj-lt"/>
-                  </a:rPr>
-                  <a:t>The heart of KNN is always the distance metric.  We used two different distance metrics.</a:t>
-                </a:r>
-              </a:p>
-              <a:p>
-                <a:pPr lvl="1">
-                  <a:lnSpc>
-                    <a:spcPct val="110000"/>
-                  </a:lnSpc>
-                </a:pPr>
-                <a:r>
-                  <a:rPr lang="en-US" dirty="0" smtClean="0">
-                    <a:latin typeface="+mj-lt"/>
-                  </a:rPr>
-                  <a:t>Also uses the </a:t>
-                </a:r>
-                <a:r>
-                  <a:rPr lang="en-US" sz="2000" b="1" i="1" dirty="0">
-                    <a:solidFill>
-                      <a:srgbClr val="008000"/>
-                    </a:solidFill>
-                    <a:latin typeface="+mn-lt"/>
-                  </a:rPr>
-                  <a:t>strategy pattern </a:t>
-                </a:r>
-                <a:r>
-                  <a:rPr lang="en-US" dirty="0" smtClean="0">
-                    <a:latin typeface="+mj-lt"/>
-                  </a:rPr>
-                  <a:t>to specify the distance metric.</a:t>
-                </a:r>
-                <a:endParaRPr lang="en-US" b="0" dirty="0" smtClean="0">
-                  <a:latin typeface="+mj-lt"/>
-                </a:endParaRPr>
-              </a:p>
-              <a:p>
-                <a:pPr>
-                  <a:lnSpc>
-                    <a:spcPct val="110000"/>
-                  </a:lnSpc>
-                </a:pPr>
-                <a:endParaRPr lang="en-US" dirty="0">
-                  <a:latin typeface="+mj-lt"/>
-                </a:endParaRPr>
-              </a:p>
-              <a:p>
-                <a:pPr>
-                  <a:lnSpc>
-                    <a:spcPct val="110000"/>
-                  </a:lnSpc>
-                </a:pPr>
-                <a:r>
-                  <a:rPr lang="en-US" b="0" dirty="0" smtClean="0">
-                    <a:latin typeface="+mj-lt"/>
-                  </a:rPr>
-                  <a:t>The results from the two KNN algorithms and Naïve Bayes are combined as part of the ensemble classifier.</a:t>
-                </a:r>
-              </a:p>
-              <a:p>
-                <a:pPr lvl="1">
-                  <a:lnSpc>
-                    <a:spcPct val="110000"/>
-                  </a:lnSpc>
-                </a:pPr>
-                <a:endParaRPr lang="en-US" dirty="0"/>
-              </a:p>
-            </p:txBody>
-          </p:sp>
-        </mc:Choice>
-        <mc:Fallback xmlns="">
-          <p:sp>
-            <p:nvSpPr>
-              <p:cNvPr id="3" name="Content Placeholder 2"/>
-              <p:cNvSpPr>
-                <a:spLocks noGrp="1" noRot="1" noChangeAspect="1" noMove="1" noResize="1" noEditPoints="1" noAdjustHandles="1" noChangeArrowheads="1" noChangeShapeType="1" noTextEdit="1"/>
-              </p:cNvSpPr>
-              <p:nvPr>
-                <p:ph idx="1"/>
-              </p:nvPr>
-            </p:nvSpPr>
-            <p:spPr>
-              <a:blipFill rotWithShape="1">
-                <a:blip r:embed="rId2"/>
-                <a:stretch>
-                  <a:fillRect l="-963" t="-949" r="-1111"/>
-                </a:stretch>
-              </a:blipFill>
-            </p:spPr>
-            <p:txBody>
-              <a:bodyPr/>
-              <a:lstStyle/>
-              <a:p>
-                <a:r>
-                  <a:rPr lang="en-US">
-                    <a:noFill/>
-                  </a:rPr>
-                  <a:t> </a:t>
-                </a:r>
-              </a:p>
-            </p:txBody>
-          </p:sp>
-        </mc:Fallback>
-      </mc:AlternateContent>
-      <p:sp>
-        <p:nvSpPr>
-          <p:cNvPr id="4" name="Slide Number Placeholder 3"/>
-          <p:cNvSpPr>
-            <a:spLocks noGrp="1"/>
-          </p:cNvSpPr>
-          <p:nvPr>
-            <p:ph type="sldNum" sz="quarter" idx="11"/>
-          </p:nvPr>
-        </p:nvSpPr>
-        <p:spPr/>
+            <a:endParaRPr lang="en-US" dirty="0"/>
+          </a:p>
+        </p:txBody>
+      </p:sp>
+      <p:sp>
+        <p:nvSpPr>
+          <p:cNvPr id="3" name="Content Placeholder 2"/>
+          <p:cNvSpPr>
+            <a:spLocks noGrp="1" noRot="1" noChangeAspect="1" noMove="1" noResize="1" noEditPoints="1" noAdjustHandles="1" noChangeArrowheads="1" noChangeShapeType="1" noTextEdit="1"/>
+          </p:cNvSpPr>
+          <p:nvPr>
+            <p:ph idx="1"/>
+          </p:nvPr>
+        </p:nvSpPr>
+        <p:spPr>
+          <a:blipFill rotWithShape="1">
+            <a:blip r:embed="rId3"/>
+            <a:stretch>
+              <a:fillRect l="-963" t="-949" r="-1111"/>
+            </a:stretch>
+          </a:blipFill>
+        </p:spPr>
         <p:txBody>
           <a:bodyPr/>
           <a:lstStyle/>
@@ -7619,23 +7859,47 @@
             <a:pPr>
               <a:defRPr/>
             </a:pPr>
-            <a:fld id="{57CAE338-3B6A-4037-90D8-94F2438351D8}" type="slidenum">
+            <a:r>
+              <a:rPr lang="en-US">
+                <a:noFill/>
+              </a:rPr>
+              <a:t> </a:t>
+            </a:r>
+          </a:p>
+        </p:txBody>
+      </p:sp>
+      <p:sp>
+        <p:nvSpPr>
+          <p:cNvPr id="22531" name="Slide Number Placeholder 3"/>
+          <p:cNvSpPr>
+            <a:spLocks noGrp="1"/>
+          </p:cNvSpPr>
+          <p:nvPr>
+            <p:ph type="sldNum" sz="quarter" idx="11"/>
+          </p:nvPr>
+        </p:nvSpPr>
+        <p:spPr bwMode="auto">
+          <a:noFill/>
+          <a:ln>
+            <a:miter lim="800000"/>
+            <a:headEnd/>
+            <a:tailEnd/>
+          </a:ln>
+        </p:spPr>
+        <p:txBody>
+          <a:bodyPr/>
+          <a:lstStyle/>
+          <a:p>
+            <a:fld id="{4D1272E8-C0C2-445E-BC09-FF7C763F95D6}" type="slidenum">
               <a:rPr lang="en-US" smtClean="0"/>
-              <a:pPr>
-                <a:defRPr/>
-              </a:pPr>
+              <a:pPr/>
               <a:t>8</a:t>
             </a:fld>
-            <a:endParaRPr lang="en-US"/>
+            <a:endParaRPr lang="en-US" smtClean="0"/>
           </a:p>
         </p:txBody>
       </p:sp>
     </p:spTree>
-    <p:extLst>
-      <p:ext uri="{BB962C8B-B14F-4D97-AF65-F5344CB8AC3E}">
-        <p14:creationId xmlns:p14="http://schemas.microsoft.com/office/powerpoint/2010/main" val="2337713502"/>
-      </p:ext>
-    </p:extLst>
   </p:cSld>
   <p:clrMapOvr>
     <a:masterClrMapping/>
@@ -7684,15 +7948,14 @@
           </a:bodyPr>
           <a:lstStyle/>
           <a:p>
-            <a:r>
-              <a:rPr lang="en-US" dirty="0" smtClean="0">
-                <a:latin typeface="+mj-lt"/>
-              </a:rPr>
+            <a:pPr>
+              <a:defRPr/>
+            </a:pPr>
+            <a:r>
+              <a:rPr lang="en-US" dirty="0" smtClean="0"/>
               <a:t>Amazon Web Services (AWS) Cluster</a:t>
             </a:r>
-            <a:endParaRPr lang="en-US" dirty="0">
-              <a:latin typeface="+mj-lt"/>
-            </a:endParaRPr>
+            <a:endParaRPr lang="en-US" dirty="0"/>
           </a:p>
         </p:txBody>
       </p:sp>
@@ -7717,6 +7980,7 @@
               <a:spcBef>
                 <a:spcPts val="1200"/>
               </a:spcBef>
+              <a:defRPr/>
             </a:pPr>
             <a:r>
               <a:rPr lang="en-US" sz="2800" b="1" dirty="0" smtClean="0">
@@ -7736,6 +8000,7 @@
               <a:spcBef>
                 <a:spcPts val="1200"/>
               </a:spcBef>
+              <a:defRPr/>
             </a:pPr>
             <a:endParaRPr lang="en-US" dirty="0">
               <a:latin typeface="+mj-lt"/>
@@ -7746,6 +8011,7 @@
               <a:spcBef>
                 <a:spcPts val="1200"/>
               </a:spcBef>
+              <a:defRPr/>
             </a:pPr>
             <a:r>
               <a:rPr lang="en-US" sz="2800" b="1" dirty="0" smtClean="0">
@@ -7759,6 +8025,7 @@
               <a:spcBef>
                 <a:spcPts val="1200"/>
               </a:spcBef>
+              <a:defRPr/>
             </a:pPr>
             <a:r>
               <a:rPr lang="en-US" b="1" dirty="0">
@@ -7787,6 +8054,7 @@
               <a:spcBef>
                 <a:spcPts val="1200"/>
               </a:spcBef>
+              <a:defRPr/>
             </a:pPr>
             <a:r>
               <a:rPr lang="en-US" b="1" dirty="0">
@@ -7815,6 +8083,7 @@
               <a:spcBef>
                 <a:spcPts val="1200"/>
               </a:spcBef>
+              <a:defRPr/>
             </a:pPr>
             <a:r>
               <a:rPr lang="en-US" b="1" dirty="0">
@@ -7837,6 +8106,7 @@
               <a:spcBef>
                 <a:spcPts val="1200"/>
               </a:spcBef>
+              <a:defRPr/>
             </a:pPr>
             <a:r>
               <a:rPr lang="en-US" b="1" dirty="0" err="1">
@@ -7868,6 +8138,7 @@
               <a:spcBef>
                 <a:spcPts val="1200"/>
               </a:spcBef>
+              <a:defRPr/>
             </a:pPr>
             <a:r>
               <a:rPr lang="en-US" b="1" dirty="0" err="1">
@@ -7899,6 +8170,7 @@
               <a:spcBef>
                 <a:spcPts val="1200"/>
               </a:spcBef>
+              <a:defRPr/>
             </a:pPr>
             <a:r>
               <a:rPr lang="en-US" b="1" dirty="0" smtClean="0">
@@ -7921,6 +8193,7 @@
               <a:spcBef>
                 <a:spcPts val="1200"/>
               </a:spcBef>
+              <a:defRPr/>
             </a:pPr>
             <a:r>
               <a:rPr lang="en-US" b="1" dirty="0" smtClean="0">
@@ -7943,6 +8216,7 @@
               <a:spcBef>
                 <a:spcPts val="1200"/>
               </a:spcBef>
+              <a:defRPr/>
             </a:pPr>
             <a:r>
               <a:rPr lang="en-US" b="1" dirty="0">
@@ -7965,6 +8239,7 @@
               <a:spcBef>
                 <a:spcPts val="1200"/>
               </a:spcBef>
+              <a:defRPr/>
             </a:pPr>
             <a:endParaRPr lang="en-US" dirty="0">
               <a:latin typeface="+mj-lt"/>
@@ -7975,6 +8250,7 @@
               <a:spcBef>
                 <a:spcPts val="1200"/>
               </a:spcBef>
+              <a:defRPr/>
             </a:pPr>
             <a:r>
               <a:rPr lang="en-US" b="1" dirty="0" smtClean="0">
@@ -8005,13 +8281,17 @@
             </a:r>
           </a:p>
           <a:p>
-            <a:pPr lvl="2"/>
+            <a:pPr lvl="2">
+              <a:defRPr/>
+            </a:pPr>
             <a:endParaRPr lang="en-US" dirty="0" smtClean="0">
               <a:latin typeface="+mj-lt"/>
             </a:endParaRPr>
           </a:p>
           <a:p>
-            <a:pPr lvl="1"/>
+            <a:pPr lvl="1">
+              <a:defRPr/>
+            </a:pPr>
             <a:endParaRPr lang="en-US" dirty="0">
               <a:latin typeface="+mj-lt"/>
             </a:endParaRPr>
@@ -8020,7 +8300,7 @@
       </p:sp>
       <p:sp>
         <p:nvSpPr>
-          <p:cNvPr id="4" name="Slide Number Placeholder 3"/>
+          <p:cNvPr id="24579" name="Slide Number Placeholder 3"/>
           <p:cNvSpPr>
             <a:spLocks noGrp="1"/>
           </p:cNvSpPr>
@@ -8028,31 +8308,28 @@
             <p:ph type="sldNum" sz="quarter" idx="11"/>
           </p:nvPr>
         </p:nvSpPr>
-        <p:spPr/>
+        <p:spPr bwMode="auto">
+          <a:noFill/>
+          <a:ln>
+            <a:miter lim="800000"/>
+            <a:headEnd/>
+            <a:tailEnd/>
+          </a:ln>
+        </p:spPr>
         <p:txBody>
           <a:bodyPr/>
           <a:lstStyle/>
           <a:p>
-            <a:pPr>
-              <a:defRPr/>
-            </a:pPr>
-            <a:fld id="{57CAE338-3B6A-4037-90D8-94F2438351D8}" type="slidenum">
+            <a:fld id="{F20B5A37-1730-4078-AE05-645C837B0421}" type="slidenum">
               <a:rPr lang="en-US" smtClean="0"/>
-              <a:pPr>
-                <a:defRPr/>
-              </a:pPr>
+              <a:pPr/>
               <a:t>9</a:t>
             </a:fld>
-            <a:endParaRPr lang="en-US"/>
+            <a:endParaRPr lang="en-US" smtClean="0"/>
           </a:p>
         </p:txBody>
       </p:sp>
     </p:spTree>
-    <p:extLst>
-      <p:ext uri="{BB962C8B-B14F-4D97-AF65-F5344CB8AC3E}">
-        <p14:creationId xmlns:p14="http://schemas.microsoft.com/office/powerpoint/2010/main" val="170638777"/>
-      </p:ext>
-    </p:extLst>
   </p:cSld>
   <p:clrMapOvr>
     <a:masterClrMapping/>
@@ -8742,4 +9019,287 @@
   <a:objectDefaults/>
   <a:extraClrSchemeLst/>
 </a:theme>
+</file>
+
+<file path=ppt/theme/theme3.xml><?xml version="1.0" encoding="utf-8"?>
+<a:theme xmlns:a="http://schemas.openxmlformats.org/drawingml/2006/main" name="Office Theme">
+  <a:themeElements>
+    <a:clrScheme name="">
+      <a:dk1>
+        <a:srgbClr val="000000"/>
+      </a:dk1>
+      <a:lt1>
+        <a:srgbClr val="FFFFFF"/>
+      </a:lt1>
+      <a:dk2>
+        <a:srgbClr val="000000"/>
+      </a:dk2>
+      <a:lt2>
+        <a:srgbClr val="808080"/>
+      </a:lt2>
+      <a:accent1>
+        <a:srgbClr val="BBE0E3"/>
+      </a:accent1>
+      <a:accent2>
+        <a:srgbClr val="333399"/>
+      </a:accent2>
+      <a:accent3>
+        <a:srgbClr val="FFFFFF"/>
+      </a:accent3>
+      <a:accent4>
+        <a:srgbClr val="000000"/>
+      </a:accent4>
+      <a:accent5>
+        <a:srgbClr val="DAEDEF"/>
+      </a:accent5>
+      <a:accent6>
+        <a:srgbClr val="2D2D8A"/>
+      </a:accent6>
+      <a:hlink>
+        <a:srgbClr val="009999"/>
+      </a:hlink>
+      <a:folHlink>
+        <a:srgbClr val="99CC00"/>
+      </a:folHlink>
+    </a:clrScheme>
+    <a:fontScheme name="Office">
+      <a:majorFont>
+        <a:latin typeface="Calibri"/>
+        <a:ea typeface=""/>
+        <a:cs typeface=""/>
+        <a:font script="Jpan" typeface="ＭＳ Ｐゴシック"/>
+        <a:font script="Hang" typeface="맑은 고딕"/>
+        <a:font script="Hans" typeface="宋体"/>
+        <a:font script="Hant" typeface="新細明體"/>
+        <a:font script="Arab" typeface="Times New Roman"/>
+        <a:font script="Hebr" typeface="Times New Roman"/>
+        <a:font script="Thai" typeface="Angsana New"/>
+        <a:font script="Ethi" typeface="Nyala"/>
+        <a:font script="Beng" typeface="Vrinda"/>
+        <a:font script="Gujr" typeface="Shruti"/>
+        <a:font script="Khmr" typeface="MoolBoran"/>
+        <a:font script="Knda" typeface="Tunga"/>
+        <a:font script="Guru" typeface="Raavi"/>
+        <a:font script="Cans" typeface="Euphemia"/>
+        <a:font script="Cher" typeface="Plantagenet Cherokee"/>
+        <a:font script="Yiii" typeface="Microsoft Yi Baiti"/>
+        <a:font script="Tibt" typeface="Microsoft Himalaya"/>
+        <a:font script="Thaa" typeface="MV Boli"/>
+        <a:font script="Deva" typeface="Mangal"/>
+        <a:font script="Telu" typeface="Gautami"/>
+        <a:font script="Taml" typeface="Latha"/>
+        <a:font script="Syrc" typeface="Estrangelo Edessa"/>
+        <a:font script="Orya" typeface="Kalinga"/>
+        <a:font script="Mlym" typeface="Kartika"/>
+        <a:font script="Laoo" typeface="DokChampa"/>
+        <a:font script="Sinh" typeface="Iskoola Pota"/>
+        <a:font script="Mong" typeface="Mongolian Baiti"/>
+        <a:font script="Viet" typeface="Times New Roman"/>
+        <a:font script="Uigh" typeface="Microsoft Uighur"/>
+      </a:majorFont>
+      <a:minorFont>
+        <a:latin typeface="Calibri"/>
+        <a:ea typeface=""/>
+        <a:cs typeface=""/>
+        <a:font script="Jpan" typeface="ＭＳ Ｐゴシック"/>
+        <a:font script="Hang" typeface="맑은 고딕"/>
+        <a:font script="Hans" typeface="宋体"/>
+        <a:font script="Hant" typeface="新細明體"/>
+        <a:font script="Arab" typeface="Arial"/>
+        <a:font script="Hebr" typeface="Arial"/>
+        <a:font script="Thai" typeface="Cordia New"/>
+        <a:font script="Ethi" typeface="Nyala"/>
+        <a:font script="Beng" typeface="Vrinda"/>
+        <a:font script="Gujr" typeface="Shruti"/>
+        <a:font script="Khmr" typeface="DaunPenh"/>
+        <a:font script="Knda" typeface="Tunga"/>
+        <a:font script="Guru" typeface="Raavi"/>
+        <a:font script="Cans" typeface="Euphemia"/>
+        <a:font script="Cher" typeface="Plantagenet Cherokee"/>
+        <a:font script="Yiii" typeface="Microsoft Yi Baiti"/>
+        <a:font script="Tibt" typeface="Microsoft Himalaya"/>
+        <a:font script="Thaa" typeface="MV Boli"/>
+        <a:font script="Deva" typeface="Mangal"/>
+        <a:font script="Telu" typeface="Gautami"/>
+        <a:font script="Taml" typeface="Latha"/>
+        <a:font script="Syrc" typeface="Estrangelo Edessa"/>
+        <a:font script="Orya" typeface="Kalinga"/>
+        <a:font script="Mlym" typeface="Kartika"/>
+        <a:font script="Laoo" typeface="DokChampa"/>
+        <a:font script="Sinh" typeface="Iskoola Pota"/>
+        <a:font script="Mong" typeface="Mongolian Baiti"/>
+        <a:font script="Viet" typeface="Arial"/>
+        <a:font script="Uigh" typeface="Microsoft Uighur"/>
+      </a:minorFont>
+    </a:fontScheme>
+    <a:fmtScheme name="Office">
+      <a:fillStyleLst>
+        <a:solidFill>
+          <a:schemeClr val="phClr"/>
+        </a:solidFill>
+        <a:gradFill rotWithShape="1">
+          <a:gsLst>
+            <a:gs pos="0">
+              <a:schemeClr val="phClr">
+                <a:tint val="50000"/>
+                <a:satMod val="300000"/>
+              </a:schemeClr>
+            </a:gs>
+            <a:gs pos="35000">
+              <a:schemeClr val="phClr">
+                <a:tint val="37000"/>
+                <a:satMod val="300000"/>
+              </a:schemeClr>
+            </a:gs>
+            <a:gs pos="100000">
+              <a:schemeClr val="phClr">
+                <a:tint val="15000"/>
+                <a:satMod val="350000"/>
+              </a:schemeClr>
+            </a:gs>
+          </a:gsLst>
+          <a:lin ang="16200000" scaled="1"/>
+        </a:gradFill>
+        <a:gradFill rotWithShape="1">
+          <a:gsLst>
+            <a:gs pos="0">
+              <a:schemeClr val="phClr">
+                <a:shade val="51000"/>
+                <a:satMod val="130000"/>
+              </a:schemeClr>
+            </a:gs>
+            <a:gs pos="80000">
+              <a:schemeClr val="phClr">
+                <a:shade val="93000"/>
+                <a:satMod val="130000"/>
+              </a:schemeClr>
+            </a:gs>
+            <a:gs pos="100000">
+              <a:schemeClr val="phClr">
+                <a:shade val="94000"/>
+                <a:satMod val="135000"/>
+              </a:schemeClr>
+            </a:gs>
+          </a:gsLst>
+          <a:lin ang="16200000" scaled="0"/>
+        </a:gradFill>
+      </a:fillStyleLst>
+      <a:lnStyleLst>
+        <a:ln w="9525" cap="flat" cmpd="sng" algn="ctr">
+          <a:solidFill>
+            <a:schemeClr val="phClr">
+              <a:shade val="95000"/>
+              <a:satMod val="105000"/>
+            </a:schemeClr>
+          </a:solidFill>
+          <a:prstDash val="solid"/>
+        </a:ln>
+        <a:ln w="25400" cap="flat" cmpd="sng" algn="ctr">
+          <a:solidFill>
+            <a:schemeClr val="phClr"/>
+          </a:solidFill>
+          <a:prstDash val="solid"/>
+        </a:ln>
+        <a:ln w="38100" cap="flat" cmpd="sng" algn="ctr">
+          <a:solidFill>
+            <a:schemeClr val="phClr"/>
+          </a:solidFill>
+          <a:prstDash val="solid"/>
+        </a:ln>
+      </a:lnStyleLst>
+      <a:effectStyleLst>
+        <a:effectStyle>
+          <a:effectLst>
+            <a:outerShdw blurRad="40000" dist="20000" dir="5400000" rotWithShape="0">
+              <a:srgbClr val="000000">
+                <a:alpha val="38000"/>
+              </a:srgbClr>
+            </a:outerShdw>
+          </a:effectLst>
+        </a:effectStyle>
+        <a:effectStyle>
+          <a:effectLst>
+            <a:outerShdw blurRad="40000" dist="23000" dir="5400000" rotWithShape="0">
+              <a:srgbClr val="000000">
+                <a:alpha val="35000"/>
+              </a:srgbClr>
+            </a:outerShdw>
+          </a:effectLst>
+        </a:effectStyle>
+        <a:effectStyle>
+          <a:effectLst>
+            <a:outerShdw blurRad="40000" dist="23000" dir="5400000" rotWithShape="0">
+              <a:srgbClr val="000000">
+                <a:alpha val="35000"/>
+              </a:srgbClr>
+            </a:outerShdw>
+          </a:effectLst>
+          <a:scene3d>
+            <a:camera prst="orthographicFront">
+              <a:rot lat="0" lon="0" rev="0"/>
+            </a:camera>
+            <a:lightRig rig="threePt" dir="t">
+              <a:rot lat="0" lon="0" rev="1200000"/>
+            </a:lightRig>
+          </a:scene3d>
+          <a:sp3d>
+            <a:bevelT w="63500" h="25400"/>
+          </a:sp3d>
+        </a:effectStyle>
+      </a:effectStyleLst>
+      <a:bgFillStyleLst>
+        <a:solidFill>
+          <a:schemeClr val="phClr"/>
+        </a:solidFill>
+        <a:gradFill rotWithShape="1">
+          <a:gsLst>
+            <a:gs pos="0">
+              <a:schemeClr val="phClr">
+                <a:tint val="40000"/>
+                <a:satMod val="350000"/>
+              </a:schemeClr>
+            </a:gs>
+            <a:gs pos="40000">
+              <a:schemeClr val="phClr">
+                <a:tint val="45000"/>
+                <a:shade val="99000"/>
+                <a:satMod val="350000"/>
+              </a:schemeClr>
+            </a:gs>
+            <a:gs pos="100000">
+              <a:schemeClr val="phClr">
+                <a:shade val="20000"/>
+                <a:satMod val="255000"/>
+              </a:schemeClr>
+            </a:gs>
+          </a:gsLst>
+          <a:path path="circle">
+            <a:fillToRect l="50000" t="-80000" r="50000" b="180000"/>
+          </a:path>
+        </a:gradFill>
+        <a:gradFill rotWithShape="1">
+          <a:gsLst>
+            <a:gs pos="0">
+              <a:schemeClr val="phClr">
+                <a:tint val="80000"/>
+                <a:satMod val="300000"/>
+              </a:schemeClr>
+            </a:gs>
+            <a:gs pos="100000">
+              <a:schemeClr val="phClr">
+                <a:shade val="30000"/>
+                <a:satMod val="200000"/>
+              </a:schemeClr>
+            </a:gs>
+          </a:gsLst>
+          <a:path path="circle">
+            <a:fillToRect l="50000" t="50000" r="50000" b="50000"/>
+          </a:path>
+        </a:gradFill>
+      </a:bgFillStyleLst>
+    </a:fmtScheme>
+  </a:themeElements>
+  <a:objectDefaults/>
+  <a:extraClrSchemeLst/>
+</a:theme>
 </file>
--- a/Presentation/CS286 - Ensemble Classifier on AWS.pptx
+++ b/Presentation/CS286 - Ensemble Classifier on AWS.pptx
@@ -385,6 +385,11 @@
         </p:txBody>
       </p:sp>
     </p:spTree>
+    <p:extLst>
+      <p:ext uri="{BB962C8B-B14F-4D97-AF65-F5344CB8AC3E}">
+        <p14:creationId xmlns:p14="http://schemas.microsoft.com/office/powerpoint/2010/main" val="940796336"/>
+      </p:ext>
+    </p:extLst>
   </p:cSld>
   <p:clrMap bg1="lt1" tx1="dk1" bg2="lt2" tx2="dk2" accent1="accent1" accent2="accent2" accent3="accent3" accent4="accent4" accent5="accent5" accent6="accent6" hlink="hlink" folHlink="folHlink"/>
 </p:handoutMaster>
@@ -707,6 +712,11 @@
         </p:txBody>
       </p:sp>
     </p:spTree>
+    <p:extLst>
+      <p:ext uri="{BB962C8B-B14F-4D97-AF65-F5344CB8AC3E}">
+        <p14:creationId xmlns:p14="http://schemas.microsoft.com/office/powerpoint/2010/main" val="3005958946"/>
+      </p:ext>
+    </p:extLst>
   </p:cSld>
   <p:clrMap bg1="lt1" tx1="dk1" bg2="lt2" tx2="dk2" accent1="accent1" accent2="accent2" accent3="accent3" accent4="accent4" accent5="accent5" accent6="accent6" hlink="hlink" folHlink="folHlink"/>
   <p:notesStyle>
@@ -4069,8 +4079,29 @@
               <a:rPr lang="en-US" sz="1800" dirty="0" smtClean="0">
                 <a:latin typeface="+mj-lt"/>
               </a:rPr>
-              <a:t>On a cluster with more nodes, we expect we could reduce the execution time an additional 15-20%.</a:t>
-            </a:r>
+              <a:t>On a cluster with more nodes, we expect we could reduce the execution time an additional </a:t>
+            </a:r>
+            <a:r>
+              <a:rPr lang="en-US" sz="1800" dirty="0">
+                <a:latin typeface="+mj-lt"/>
+              </a:rPr>
+              <a:t> </a:t>
+            </a:r>
+            <a:r>
+              <a:rPr lang="en-US" sz="1800" dirty="0" smtClean="0">
+                <a:latin typeface="+mj-lt"/>
+              </a:rPr>
+              <a:t>10%-15% or more</a:t>
+            </a:r>
+            <a:r>
+              <a:rPr lang="en-US" sz="1800" dirty="0" smtClean="0">
+                <a:latin typeface="+mj-lt"/>
+              </a:rPr>
+              <a:t>.</a:t>
+            </a:r>
+            <a:endParaRPr lang="en-US" sz="1800" dirty="0" smtClean="0">
+              <a:latin typeface="+mj-lt"/>
+            </a:endParaRPr>
           </a:p>
           <a:p>
             <a:pPr>
@@ -4100,16 +4131,10 @@
               <a:rPr lang="en-US" sz="2000" dirty="0" smtClean="0">
                 <a:latin typeface="+mj-lt"/>
               </a:rPr>
-              <a:t> fork was </a:t>
-            </a:r>
-            <a:r>
-              <a:rPr lang="en-US" sz="2000" smtClean="0">
-                <a:latin typeface="+mj-lt"/>
-              </a:rPr>
-              <a:t>about </a:t>
-            </a:r>
-            <a:r>
-              <a:rPr lang="en-US" sz="2000" b="1" smtClean="0">
+              <a:t> fork was about </a:t>
+            </a:r>
+            <a:r>
+              <a:rPr lang="en-US" sz="2000" b="1" dirty="0" smtClean="0">
                 <a:solidFill>
                   <a:srgbClr val="C00000"/>
                 </a:solidFill>
@@ -4121,7 +4146,19 @@
               <a:rPr lang="en-US" sz="2000" dirty="0" smtClean="0">
                 <a:latin typeface="+mj-lt"/>
               </a:rPr>
-              <a:t>slower than using successive execution.</a:t>
+              <a:t>slower than using </a:t>
+            </a:r>
+            <a:r>
+              <a:rPr lang="en-US" sz="2000" dirty="0" smtClean="0">
+                <a:latin typeface="+mj-lt"/>
+              </a:rPr>
+              <a:t>serial execution</a:t>
+            </a:r>
+            <a:r>
+              <a:rPr lang="en-US" sz="2000" dirty="0" smtClean="0">
+                <a:latin typeface="+mj-lt"/>
+              </a:rPr>
+              <a:t>.</a:t>
             </a:r>
           </a:p>
           <a:p>
@@ -4132,22 +4169,15 @@
               <a:rPr lang="en-US" sz="1800" dirty="0" smtClean="0">
                 <a:latin typeface="+mj-lt"/>
               </a:rPr>
-              <a:t>We believe this slowdown was caused by the limited resources in our debug cluster.</a:t>
-            </a:r>
-          </a:p>
-          <a:p>
-            <a:pPr>
-              <a:defRPr/>
-            </a:pPr>
-            <a:endParaRPr lang="en-US" sz="2400" dirty="0">
-              <a:latin typeface="+mj-lt"/>
-            </a:endParaRPr>
-          </a:p>
-          <a:p>
-            <a:pPr>
-              <a:defRPr/>
-            </a:pPr>
-            <a:endParaRPr lang="en-US" sz="2400" dirty="0">
+              <a:t>We believe this slowdown was caused by the limited resources in our debug cluster</a:t>
+            </a:r>
+            <a:r>
+              <a:rPr lang="en-US" sz="1800" dirty="0" smtClean="0">
+                <a:latin typeface="+mj-lt"/>
+              </a:rPr>
+              <a:t>.</a:t>
+            </a:r>
+            <a:endParaRPr lang="en-US" sz="1800" dirty="0" smtClean="0">
               <a:latin typeface="+mj-lt"/>
             </a:endParaRPr>
           </a:p>
@@ -4190,11 +4220,17 @@
           <p:cNvGraphicFramePr>
             <a:graphicFrameLocks noGrp="1"/>
           </p:cNvGraphicFramePr>
-          <p:nvPr/>
+          <p:nvPr>
+            <p:extLst>
+              <p:ext uri="{D42A27DB-BD31-4B8C-83A1-F6EECF244321}">
+                <p14:modId xmlns:p14="http://schemas.microsoft.com/office/powerpoint/2010/main" val="1403133547"/>
+              </p:ext>
+            </p:extLst>
+          </p:nvPr>
         </p:nvGraphicFramePr>
         <p:xfrm>
           <a:off x="133350" y="1730375"/>
-          <a:ext cx="4257675" cy="3597275"/>
+          <a:ext cx="4257675" cy="3291840"/>
         </p:xfrm>
         <a:graphic>
           <a:graphicData uri="http://schemas.openxmlformats.org/drawingml/2006/table">
@@ -4356,7 +4392,7 @@
                       <a:pPr algn="ctr"/>
                       <a:r>
                         <a:rPr lang="en-US" sz="2000" dirty="0" smtClean="0"/>
-                        <a:t>Successive Execution</a:t>
+                        <a:t>Serial Execution</a:t>
                       </a:r>
                       <a:endParaRPr lang="en-US" sz="2000" dirty="0"/>
                     </a:p>
@@ -4439,7 +4475,15 @@
                             <a:srgbClr val="C00000"/>
                           </a:solidFill>
                         </a:rPr>
-                        <a:t>AWS Successive</a:t>
+                        <a:t>AWS </a:t>
+                      </a:r>
+                      <a:r>
+                        <a:rPr lang="en-US" sz="2000" b="1" dirty="0" smtClean="0">
+                          <a:solidFill>
+                            <a:srgbClr val="C00000"/>
+                          </a:solidFill>
+                        </a:rPr>
+                        <a:t>Serial</a:t>
                       </a:r>
                       <a:r>
                         <a:rPr lang="en-US" sz="2000" b="1" baseline="0" dirty="0" smtClean="0">
@@ -5270,7 +5314,7 @@
         <p:spPr bwMode="auto">
           <a:xfrm>
             <a:off x="4986338" y="4881563"/>
-            <a:ext cx="4025900" cy="581025"/>
+            <a:ext cx="4025900" cy="584775"/>
           </a:xfrm>
           <a:prstGeom prst="rect">
             <a:avLst/>
@@ -5291,28 +5335,42 @@
           <a:p>
             <a:pPr algn="ctr"/>
             <a:r>
-              <a:rPr lang="en-US" sz="1600" b="0"/>
+              <a:rPr lang="en-US" sz="1600" b="0" dirty="0"/>
               <a:t>Custom MapReduce Configuration</a:t>
             </a:r>
           </a:p>
           <a:p>
             <a:pPr algn="ctr"/>
             <a:r>
-              <a:rPr lang="en-US" sz="1600" b="0"/>
+              <a:rPr lang="en-US" sz="1600" b="0" dirty="0"/>
               <a:t>from our </a:t>
             </a:r>
             <a:r>
-              <a:rPr lang="en-US" sz="1600">
+              <a:rPr lang="en-US" sz="1600" dirty="0" err="1">
                 <a:solidFill>
-                  <a:srgbClr val="B71D11"/>
+                  <a:srgbClr val="C00000"/>
                 </a:solidFill>
-              </a:rPr>
-              <a:t>Oozie XML Workflow</a:t>
-            </a:r>
-            <a:endParaRPr lang="en-US" sz="1600" b="0">
+                <a:latin typeface="+mn-lt"/>
+                <a:cs typeface="+mn-cs"/>
+              </a:rPr>
+              <a:t>Oozie</a:t>
+            </a:r>
+            <a:r>
+              <a:rPr lang="en-US" sz="1600" dirty="0">
+                <a:solidFill>
+                  <a:srgbClr val="C00000"/>
+                </a:solidFill>
+                <a:latin typeface="+mn-lt"/>
+                <a:cs typeface="+mn-cs"/>
+              </a:rPr>
+              <a:t> XML Workflow</a:t>
+            </a:r>
+            <a:endParaRPr lang="en-US" sz="2000" dirty="0">
               <a:solidFill>
-                <a:srgbClr val="B71D11"/>
+                <a:srgbClr val="C00000"/>
               </a:solidFill>
+              <a:latin typeface="+mn-lt"/>
+              <a:cs typeface="+mn-cs"/>
             </a:endParaRPr>
           </a:p>
         </p:txBody>
@@ -6582,7 +6640,9 @@
         </p:nvSpPr>
         <p:spPr/>
         <p:txBody>
-          <a:bodyPr/>
+          <a:bodyPr>
+            <a:normAutofit fontScale="90000"/>
+          </a:bodyPr>
           <a:lstStyle/>
           <a:p>
             <a:r>
@@ -6613,29 +6673,29 @@
           <a:lstStyle/>
           <a:p>
             <a:r>
-              <a:rPr lang="en-US" sz="2800" b="1" smtClean="0"/>
+              <a:rPr lang="en-US" sz="2800" b="1" dirty="0" smtClean="0"/>
               <a:t>Kaggle Competition:</a:t>
             </a:r>
             <a:r>
-              <a:rPr lang="en-US" sz="2800" smtClean="0"/>
+              <a:rPr lang="en-US" sz="2800" dirty="0" smtClean="0"/>
               <a:t> Classify recipes into different cuisine types [1] based solely off the recipe’s ingredient list.</a:t>
             </a:r>
           </a:p>
           <a:p>
-            <a:endParaRPr lang="en-US" sz="2800" smtClean="0"/>
-          </a:p>
-          <a:p>
-            <a:r>
-              <a:rPr lang="en-US" sz="2800" smtClean="0"/>
+            <a:endParaRPr lang="en-US" sz="2800" dirty="0" smtClean="0"/>
+          </a:p>
+          <a:p>
+            <a:r>
+              <a:rPr lang="en-US" sz="2800" dirty="0" smtClean="0"/>
               <a:t>An ensemble classifier for this dataset already exists, but its execution time is long.  </a:t>
             </a:r>
           </a:p>
           <a:p>
-            <a:endParaRPr lang="en-US" sz="2800" smtClean="0"/>
-          </a:p>
-          <a:p>
-            <a:r>
-              <a:rPr lang="en-US" sz="2800" b="1" smtClean="0">
+            <a:endParaRPr lang="en-US" sz="2800" dirty="0" smtClean="0"/>
+          </a:p>
+          <a:p>
+            <a:r>
+              <a:rPr lang="en-US" sz="2800" b="1" dirty="0" smtClean="0">
                 <a:solidFill>
                   <a:srgbClr val="008000"/>
                 </a:solidFill>
@@ -6643,31 +6703,31 @@
               <a:t>Goal: </a:t>
             </a:r>
             <a:r>
-              <a:rPr lang="en-US" sz="2800" smtClean="0"/>
+              <a:rPr lang="en-US" sz="2800" dirty="0" smtClean="0"/>
               <a:t>Develop a </a:t>
             </a:r>
             <a:r>
-              <a:rPr lang="en-US" sz="2800" b="1" smtClean="0">
+              <a:rPr lang="en-US" sz="2800" b="1" dirty="0">
                 <a:solidFill>
-                  <a:schemeClr val="accent2"/>
+                  <a:srgbClr val="C00000"/>
                 </a:solidFill>
               </a:rPr>
               <a:t>faster</a:t>
             </a:r>
             <a:r>
-              <a:rPr lang="en-US" sz="2800" smtClean="0"/>
+              <a:rPr lang="en-US" sz="2800" dirty="0" smtClean="0"/>
               <a:t>, Hadoop-based version of the original classifier and </a:t>
             </a:r>
             <a:r>
-              <a:rPr lang="en-US" sz="2800" b="1" smtClean="0">
+              <a:rPr lang="en-US" sz="2800" b="1" dirty="0" smtClean="0">
                 <a:solidFill>
-                  <a:schemeClr val="accent2"/>
+                  <a:srgbClr val="C00000"/>
                 </a:solidFill>
               </a:rPr>
               <a:t>deploy it to Amazon AWS</a:t>
             </a:r>
             <a:r>
-              <a:rPr lang="en-US" sz="2800" smtClean="0"/>
+              <a:rPr lang="en-US" sz="2800" dirty="0" smtClean="0"/>
               <a:t>.</a:t>
             </a:r>
           </a:p>
@@ -6929,7 +6989,9 @@
         </p:nvSpPr>
         <p:spPr/>
         <p:txBody>
-          <a:bodyPr/>
+          <a:bodyPr>
+            <a:normAutofit fontScale="90000"/>
+          </a:bodyPr>
           <a:lstStyle/>
           <a:p>
             <a:r>
@@ -6970,38 +7032,6 @@
           </a:p>
         </p:txBody>
       </p:sp>
-      <p:pic>
-        <p:nvPicPr>
-          <p:cNvPr id="14339" name="Picture 2"/>
-          <p:cNvPicPr>
-            <a:picLocks noChangeAspect="1" noChangeArrowheads="1"/>
-          </p:cNvPicPr>
-          <p:nvPr/>
-        </p:nvPicPr>
-        <p:blipFill>
-          <a:blip r:embed="rId3"/>
-          <a:srcRect/>
-          <a:stretch>
-            <a:fillRect/>
-          </a:stretch>
-        </p:blipFill>
-        <p:spPr bwMode="auto">
-          <a:xfrm>
-            <a:off x="47625" y="1514475"/>
-            <a:ext cx="9072563" cy="4048125"/>
-          </a:xfrm>
-          <a:prstGeom prst="rect">
-            <a:avLst/>
-          </a:prstGeom>
-          <a:noFill/>
-          <a:ln w="9525">
-            <a:noFill/>
-            <a:miter lim="800000"/>
-            <a:headEnd/>
-            <a:tailEnd/>
-          </a:ln>
-        </p:spPr>
-      </p:pic>
       <p:sp>
         <p:nvSpPr>
           <p:cNvPr id="6" name="TextBox 5"/>
@@ -7042,6 +7072,60 @@
           </a:p>
         </p:txBody>
       </p:sp>
+      <p:pic>
+        <p:nvPicPr>
+          <p:cNvPr id="1026" name="Picture 2"/>
+          <p:cNvPicPr>
+            <a:picLocks noChangeAspect="1" noChangeArrowheads="1"/>
+          </p:cNvPicPr>
+          <p:nvPr/>
+        </p:nvPicPr>
+        <p:blipFill>
+          <a:blip r:embed="rId3">
+            <a:extLst>
+              <a:ext uri="{28A0092B-C50C-407E-A947-70E740481C1C}">
+                <a14:useLocalDpi xmlns:a14="http://schemas.microsoft.com/office/drawing/2010/main" val="0"/>
+              </a:ext>
+            </a:extLst>
+          </a:blip>
+          <a:srcRect/>
+          <a:stretch>
+            <a:fillRect/>
+          </a:stretch>
+        </p:blipFill>
+        <p:spPr bwMode="auto">
+          <a:xfrm>
+            <a:off x="57150" y="1609837"/>
+            <a:ext cx="9029699" cy="4028962"/>
+          </a:xfrm>
+          <a:prstGeom prst="rect">
+            <a:avLst/>
+          </a:prstGeom>
+          <a:noFill/>
+          <a:ln>
+            <a:noFill/>
+          </a:ln>
+          <a:extLst>
+            <a:ext uri="{909E8E84-426E-40DD-AFC4-6F175D3DCCD1}">
+              <a14:hiddenFill xmlns:a14="http://schemas.microsoft.com/office/drawing/2010/main">
+                <a:solidFill>
+                  <a:schemeClr val="accent1"/>
+                </a:solidFill>
+              </a14:hiddenFill>
+            </a:ext>
+            <a:ext uri="{91240B29-F687-4F45-9708-019B960494DF}">
+              <a14:hiddenLine xmlns:a14="http://schemas.microsoft.com/office/drawing/2010/main" w="9525">
+                <a:solidFill>
+                  <a:schemeClr val="tx1"/>
+                </a:solidFill>
+                <a:miter lim="800000"/>
+                <a:headEnd/>
+                <a:tailEnd/>
+              </a14:hiddenLine>
+            </a:ext>
+          </a:extLst>
+        </p:spPr>
+      </p:pic>
     </p:spTree>
   </p:cSld>
   <p:clrMapOvr>
@@ -7086,13 +7170,24 @@
         </p:nvSpPr>
         <p:spPr/>
         <p:txBody>
-          <a:bodyPr/>
+          <a:bodyPr>
+            <a:normAutofit fontScale="90000"/>
+          </a:bodyPr>
           <a:lstStyle/>
           <a:p>
             <a:r>
-              <a:rPr lang="en-US" smtClean="0"/>
-              <a:t>Oozie Flow with Successive Execution</a:t>
-            </a:r>
+              <a:rPr lang="en-US" dirty="0" err="1" smtClean="0"/>
+              <a:t>Oozie</a:t>
+            </a:r>
+            <a:r>
+              <a:rPr lang="en-US" dirty="0" smtClean="0"/>
+              <a:t> Flow with </a:t>
+            </a:r>
+            <a:r>
+              <a:rPr lang="en-US" dirty="0" smtClean="0"/>
+              <a:t>Serial Execution</a:t>
+            </a:r>
+            <a:endParaRPr lang="en-US" dirty="0" smtClean="0"/>
           </a:p>
         </p:txBody>
       </p:sp>
@@ -7169,14 +7264,20 @@
       </p:sp>
       <p:pic>
         <p:nvPicPr>
-          <p:cNvPr id="16388" name="Picture 2"/>
+          <p:cNvPr id="2050" name="Picture 2"/>
           <p:cNvPicPr>
             <a:picLocks noChangeAspect="1" noChangeArrowheads="1"/>
           </p:cNvPicPr>
           <p:nvPr/>
         </p:nvPicPr>
         <p:blipFill>
-          <a:blip r:embed="rId3"/>
+          <a:blip r:embed="rId3">
+            <a:extLst>
+              <a:ext uri="{28A0092B-C50C-407E-A947-70E740481C1C}">
+                <a14:useLocalDpi xmlns:a14="http://schemas.microsoft.com/office/drawing/2010/main" val="0"/>
+              </a:ext>
+            </a:extLst>
+          </a:blip>
           <a:srcRect/>
           <a:stretch>
             <a:fillRect/>
@@ -7184,19 +7285,35 @@
         </p:blipFill>
         <p:spPr bwMode="auto">
           <a:xfrm>
-            <a:off x="76200" y="1562100"/>
-            <a:ext cx="8961438" cy="3810000"/>
+            <a:off x="38100" y="1648851"/>
+            <a:ext cx="9048750" cy="3847073"/>
           </a:xfrm>
           <a:prstGeom prst="rect">
             <a:avLst/>
           </a:prstGeom>
           <a:noFill/>
-          <a:ln w="9525">
+          <a:ln>
             <a:noFill/>
-            <a:miter lim="800000"/>
-            <a:headEnd/>
-            <a:tailEnd/>
           </a:ln>
+          <a:extLst>
+            <a:ext uri="{909E8E84-426E-40DD-AFC4-6F175D3DCCD1}">
+              <a14:hiddenFill xmlns:a14="http://schemas.microsoft.com/office/drawing/2010/main">
+                <a:solidFill>
+                  <a:schemeClr val="accent1"/>
+                </a:solidFill>
+              </a14:hiddenFill>
+            </a:ext>
+            <a:ext uri="{91240B29-F687-4F45-9708-019B960494DF}">
+              <a14:hiddenLine xmlns:a14="http://schemas.microsoft.com/office/drawing/2010/main" w="9525">
+                <a:solidFill>
+                  <a:schemeClr val="tx1"/>
+                </a:solidFill>
+                <a:miter lim="800000"/>
+                <a:headEnd/>
+                <a:tailEnd/>
+              </a14:hiddenLine>
+            </a:ext>
+          </a:extLst>
         </p:spPr>
       </p:pic>
     </p:spTree>
